--- a/docs/6_데이터매핑정의서/DB설계도면_작업중.pptx
+++ b/docs/6_데이터매핑정의서/DB설계도면_작업중.pptx
@@ -105,6 +105,11 @@
       </a:defRPr>
     </a:lvl9pPr>
   </p:defaultTextStyle>
+  <p:extLst>
+    <p:ext uri="{EFAFB233-063F-42B5-8137-9DF3F51BA10A}">
+      <p15:sldGuideLst xmlns:p15="http://schemas.microsoft.com/office/powerpoint/2012/main"/>
+    </p:ext>
+  </p:extLst>
 </p:presentation>
 </file>
 
@@ -2989,7 +2994,7 @@
         </p:blipFill>
         <p:spPr>
           <a:xfrm rot="5400000">
-            <a:off x="1468502" y="-925074"/>
+            <a:off x="1651383" y="-925075"/>
             <a:ext cx="6583512" cy="8788999"/>
           </a:xfrm>
         </p:spPr>
@@ -4738,7 +4743,6 @@
                         <a:rPr lang="en-US" altLang="ko-KR" sz="1100" dirty="0" smtClean="0"/>
                         <a:t>id</a:t>
                       </a:r>
-                      <a:endParaRPr lang="en-US" altLang="ko-KR" sz="1100" dirty="0" smtClean="0"/>
                     </a:p>
                   </a:txBody>
                   <a:tcPr/>
@@ -4959,7 +4963,6 @@
                         <a:rPr lang="en-US" altLang="ko-KR" sz="1100" dirty="0" smtClean="0"/>
                         <a:t>id</a:t>
                       </a:r>
-                      <a:endParaRPr lang="en-US" altLang="ko-KR" sz="1100" dirty="0" smtClean="0"/>
                     </a:p>
                   </a:txBody>
                   <a:tcPr/>
@@ -5122,7 +5125,6 @@
                         <a:rPr lang="en-US" altLang="ko-KR" sz="1100" dirty="0" smtClean="0"/>
                         <a:t>ID</a:t>
                       </a:r>
-                      <a:endParaRPr lang="en-US" altLang="ko-KR" sz="1100" dirty="0" smtClean="0"/>
                     </a:p>
                   </a:txBody>
                   <a:tcPr/>
@@ -5405,7 +5407,6 @@
                         <a:rPr lang="en-US" altLang="ko-KR" sz="1100" dirty="0" smtClean="0"/>
                         <a:t>id</a:t>
                       </a:r>
-                      <a:endParaRPr lang="en-US" altLang="ko-KR" sz="1100" dirty="0" smtClean="0"/>
                     </a:p>
                   </a:txBody>
                   <a:tcPr/>
@@ -5618,7 +5619,6 @@
                         <a:rPr lang="en-US" altLang="ko-KR" sz="1100" dirty="0" smtClean="0"/>
                         <a:t>id)</a:t>
                       </a:r>
-                      <a:endParaRPr lang="en-US" altLang="ko-KR" sz="1100" dirty="0" smtClean="0"/>
                     </a:p>
                   </a:txBody>
                   <a:tcPr>
@@ -6814,7 +6814,6 @@
                         <a:rPr lang="en-US" altLang="ko-KR" sz="1100" dirty="0" smtClean="0"/>
                         <a:t>ID</a:t>
                       </a:r>
-                      <a:endParaRPr lang="en-US" altLang="ko-KR" sz="1100" dirty="0" smtClean="0"/>
                     </a:p>
                   </a:txBody>
                   <a:tcPr>

--- a/docs/6_데이터매핑정의서/DB설계도면_작업중.pptx
+++ b/docs/6_데이터매핑정의서/DB설계도면_작업중.pptx
@@ -7,6 +7,7 @@
   <p:sldIdLst>
     <p:sldId id="257" r:id="rId2"/>
     <p:sldId id="256" r:id="rId3"/>
+    <p:sldId id="258" r:id="rId4"/>
   </p:sldIdLst>
   <p:sldSz cx="12192000" cy="6858000"/>
   <p:notesSz cx="6858000" cy="9144000"/>
@@ -244,7 +245,7 @@
           <a:p>
             <a:fld id="{6B2E7A2C-E249-4863-8B19-472D6C92A313}" type="datetimeFigureOut">
               <a:rPr lang="ko-KR" altLang="en-US" smtClean="0"/>
-              <a:t>2018-12-20</a:t>
+              <a:t>2018-12-21</a:t>
             </a:fld>
             <a:endParaRPr lang="ko-KR" altLang="en-US"/>
           </a:p>
@@ -414,7 +415,7 @@
           <a:p>
             <a:fld id="{6B2E7A2C-E249-4863-8B19-472D6C92A313}" type="datetimeFigureOut">
               <a:rPr lang="ko-KR" altLang="en-US" smtClean="0"/>
-              <a:t>2018-12-20</a:t>
+              <a:t>2018-12-21</a:t>
             </a:fld>
             <a:endParaRPr lang="ko-KR" altLang="en-US"/>
           </a:p>
@@ -594,7 +595,7 @@
           <a:p>
             <a:fld id="{6B2E7A2C-E249-4863-8B19-472D6C92A313}" type="datetimeFigureOut">
               <a:rPr lang="ko-KR" altLang="en-US" smtClean="0"/>
-              <a:t>2018-12-20</a:t>
+              <a:t>2018-12-21</a:t>
             </a:fld>
             <a:endParaRPr lang="ko-KR" altLang="en-US"/>
           </a:p>
@@ -764,7 +765,7 @@
           <a:p>
             <a:fld id="{6B2E7A2C-E249-4863-8B19-472D6C92A313}" type="datetimeFigureOut">
               <a:rPr lang="ko-KR" altLang="en-US" smtClean="0"/>
-              <a:t>2018-12-20</a:t>
+              <a:t>2018-12-21</a:t>
             </a:fld>
             <a:endParaRPr lang="ko-KR" altLang="en-US"/>
           </a:p>
@@ -1010,7 +1011,7 @@
           <a:p>
             <a:fld id="{6B2E7A2C-E249-4863-8B19-472D6C92A313}" type="datetimeFigureOut">
               <a:rPr lang="ko-KR" altLang="en-US" smtClean="0"/>
-              <a:t>2018-12-20</a:t>
+              <a:t>2018-12-21</a:t>
             </a:fld>
             <a:endParaRPr lang="ko-KR" altLang="en-US"/>
           </a:p>
@@ -1242,7 +1243,7 @@
           <a:p>
             <a:fld id="{6B2E7A2C-E249-4863-8B19-472D6C92A313}" type="datetimeFigureOut">
               <a:rPr lang="ko-KR" altLang="en-US" smtClean="0"/>
-              <a:t>2018-12-20</a:t>
+              <a:t>2018-12-21</a:t>
             </a:fld>
             <a:endParaRPr lang="ko-KR" altLang="en-US"/>
           </a:p>
@@ -1609,7 +1610,7 @@
           <a:p>
             <a:fld id="{6B2E7A2C-E249-4863-8B19-472D6C92A313}" type="datetimeFigureOut">
               <a:rPr lang="ko-KR" altLang="en-US" smtClean="0"/>
-              <a:t>2018-12-20</a:t>
+              <a:t>2018-12-21</a:t>
             </a:fld>
             <a:endParaRPr lang="ko-KR" altLang="en-US"/>
           </a:p>
@@ -1727,7 +1728,7 @@
           <a:p>
             <a:fld id="{6B2E7A2C-E249-4863-8B19-472D6C92A313}" type="datetimeFigureOut">
               <a:rPr lang="ko-KR" altLang="en-US" smtClean="0"/>
-              <a:t>2018-12-20</a:t>
+              <a:t>2018-12-21</a:t>
             </a:fld>
             <a:endParaRPr lang="ko-KR" altLang="en-US"/>
           </a:p>
@@ -1822,7 +1823,7 @@
           <a:p>
             <a:fld id="{6B2E7A2C-E249-4863-8B19-472D6C92A313}" type="datetimeFigureOut">
               <a:rPr lang="ko-KR" altLang="en-US" smtClean="0"/>
-              <a:t>2018-12-20</a:t>
+              <a:t>2018-12-21</a:t>
             </a:fld>
             <a:endParaRPr lang="ko-KR" altLang="en-US"/>
           </a:p>
@@ -2099,7 +2100,7 @@
           <a:p>
             <a:fld id="{6B2E7A2C-E249-4863-8B19-472D6C92A313}" type="datetimeFigureOut">
               <a:rPr lang="ko-KR" altLang="en-US" smtClean="0"/>
-              <a:t>2018-12-20</a:t>
+              <a:t>2018-12-21</a:t>
             </a:fld>
             <a:endParaRPr lang="ko-KR" altLang="en-US"/>
           </a:p>
@@ -2352,7 +2353,7 @@
           <a:p>
             <a:fld id="{6B2E7A2C-E249-4863-8B19-472D6C92A313}" type="datetimeFigureOut">
               <a:rPr lang="ko-KR" altLang="en-US" smtClean="0"/>
-              <a:t>2018-12-20</a:t>
+              <a:t>2018-12-21</a:t>
             </a:fld>
             <a:endParaRPr lang="ko-KR" altLang="en-US"/>
           </a:p>
@@ -2565,7 +2566,7 @@
           <a:p>
             <a:fld id="{6B2E7A2C-E249-4863-8B19-472D6C92A313}" type="datetimeFigureOut">
               <a:rPr lang="ko-KR" altLang="en-US" smtClean="0"/>
-              <a:t>2018-12-20</a:t>
+              <a:t>2018-12-21</a:t>
             </a:fld>
             <a:endParaRPr lang="ko-KR" altLang="en-US"/>
           </a:p>
@@ -3913,66 +3914,6 @@
           </a:graphicData>
         </a:graphic>
       </p:graphicFrame>
-      <p:cxnSp>
-        <p:nvCxnSpPr>
-          <p:cNvPr id="20" name="직선 연결선 19"/>
-          <p:cNvCxnSpPr/>
-          <p:nvPr/>
-        </p:nvCxnSpPr>
-        <p:spPr>
-          <a:xfrm flipV="1">
-            <a:off x="1161826" y="4916245"/>
-            <a:ext cx="1980003" cy="817581"/>
-          </a:xfrm>
-          <a:prstGeom prst="line">
-            <a:avLst/>
-          </a:prstGeom>
-        </p:spPr>
-        <p:style>
-          <a:lnRef idx="1">
-            <a:schemeClr val="accent1"/>
-          </a:lnRef>
-          <a:fillRef idx="0">
-            <a:schemeClr val="accent1"/>
-          </a:fillRef>
-          <a:effectRef idx="0">
-            <a:schemeClr val="accent1"/>
-          </a:effectRef>
-          <a:fontRef idx="minor">
-            <a:schemeClr val="tx1"/>
-          </a:fontRef>
-        </p:style>
-      </p:cxnSp>
-      <p:cxnSp>
-        <p:nvCxnSpPr>
-          <p:cNvPr id="26" name="직선 연결선 25"/>
-          <p:cNvCxnSpPr/>
-          <p:nvPr/>
-        </p:nvCxnSpPr>
-        <p:spPr>
-          <a:xfrm flipV="1">
-            <a:off x="1161826" y="5163671"/>
-            <a:ext cx="1980003" cy="368151"/>
-          </a:xfrm>
-          <a:prstGeom prst="line">
-            <a:avLst/>
-          </a:prstGeom>
-        </p:spPr>
-        <p:style>
-          <a:lnRef idx="1">
-            <a:schemeClr val="accent1"/>
-          </a:lnRef>
-          <a:fillRef idx="0">
-            <a:schemeClr val="accent1"/>
-          </a:fillRef>
-          <a:effectRef idx="0">
-            <a:schemeClr val="accent1"/>
-          </a:effectRef>
-          <a:fontRef idx="minor">
-            <a:schemeClr val="tx1"/>
-          </a:fontRef>
-        </p:style>
-      </p:cxnSp>
       <p:graphicFrame>
         <p:nvGraphicFramePr>
           <p:cNvPr id="29" name="표 28"/>
@@ -4173,20 +4114,20 @@
           <p:nvPr>
             <p:extLst>
               <p:ext uri="{D42A27DB-BD31-4B8C-83A1-F6EECF244321}">
-                <p14:modId xmlns:p14="http://schemas.microsoft.com/office/powerpoint/2010/main" val="1356388671"/>
+                <p14:modId xmlns:p14="http://schemas.microsoft.com/office/powerpoint/2010/main" val="2703090475"/>
               </p:ext>
             </p:extLst>
           </p:nvPr>
         </p:nvGraphicFramePr>
         <p:xfrm>
           <a:off x="7303692" y="2049580"/>
-          <a:ext cx="2335605" cy="2590800"/>
+          <a:ext cx="2335605" cy="2072640"/>
         </p:xfrm>
         <a:graphic>
           <a:graphicData uri="http://schemas.openxmlformats.org/drawingml/2006/table">
             <a:tbl>
               <a:tblPr firstRow="1" bandRow="1">
-                <a:tableStyleId>{69C7853C-536D-4A76-A0AE-DD22124D55A5}</a:tableStyleId>
+                <a:tableStyleId>{21E4AEA4-8DFA-4A89-87EB-49C32662AFE0}</a:tableStyleId>
               </a:tblPr>
               <a:tblGrid>
                 <a:gridCol w="2335605">
@@ -4206,40 +4147,16 @@
                       <a:pPr latinLnBrk="1"/>
                       <a:r>
                         <a:rPr lang="ko-KR" altLang="en-US" sz="1100" dirty="0" smtClean="0"/>
-                        <a:t>라이브 채팅</a:t>
+                        <a:t>유튜브 라이브 </a:t>
+                      </a:r>
+                      <a:r>
+                        <a:rPr lang="ko-KR" altLang="en-US" sz="1100" dirty="0" smtClean="0"/>
+                        <a:t>채팅</a:t>
                       </a:r>
                       <a:endParaRPr lang="ko-KR" altLang="en-US" sz="1100" dirty="0"/>
                     </a:p>
                   </a:txBody>
-                  <a:tcPr>
-                    <a:lnL w="12700" cap="flat" cmpd="sng" algn="ctr">
-                      <a:solidFill>
-                        <a:srgbClr val="FF0000"/>
-                      </a:solidFill>
-                      <a:prstDash val="solid"/>
-                      <a:round/>
-                      <a:headEnd type="none" w="med" len="med"/>
-                      <a:tailEnd type="none" w="med" len="med"/>
-                    </a:lnL>
-                    <a:lnR w="12700" cap="flat" cmpd="sng" algn="ctr">
-                      <a:solidFill>
-                        <a:srgbClr val="FF0000"/>
-                      </a:solidFill>
-                      <a:prstDash val="solid"/>
-                      <a:round/>
-                      <a:headEnd type="none" w="med" len="med"/>
-                      <a:tailEnd type="none" w="med" len="med"/>
-                    </a:lnR>
-                    <a:lnT w="12700" cap="flat" cmpd="sng" algn="ctr">
-                      <a:solidFill>
-                        <a:srgbClr val="FF0000"/>
-                      </a:solidFill>
-                      <a:prstDash val="solid"/>
-                      <a:round/>
-                      <a:headEnd type="none" w="med" len="med"/>
-                      <a:tailEnd type="none" w="med" len="med"/>
-                    </a:lnT>
-                  </a:tcPr>
+                  <a:tcPr/>
                 </a:tc>
                 <a:extLst>
                   <a:ext uri="{0D108BD9-81ED-4DB2-BD59-A6C34878D82A}">
@@ -4261,26 +4178,7 @@
                       <a:endParaRPr lang="en-US" altLang="ko-KR" sz="1100" dirty="0" smtClean="0"/>
                     </a:p>
                   </a:txBody>
-                  <a:tcPr>
-                    <a:lnL w="12700" cap="flat" cmpd="sng" algn="ctr">
-                      <a:solidFill>
-                        <a:srgbClr val="FF0000"/>
-                      </a:solidFill>
-                      <a:prstDash val="solid"/>
-                      <a:round/>
-                      <a:headEnd type="none" w="med" len="med"/>
-                      <a:tailEnd type="none" w="med" len="med"/>
-                    </a:lnL>
-                    <a:lnR w="12700" cap="flat" cmpd="sng" algn="ctr">
-                      <a:solidFill>
-                        <a:srgbClr val="FF0000"/>
-                      </a:solidFill>
-                      <a:prstDash val="solid"/>
-                      <a:round/>
-                      <a:headEnd type="none" w="med" len="med"/>
-                      <a:tailEnd type="none" w="med" len="med"/>
-                    </a:lnR>
-                  </a:tcPr>
+                  <a:tcPr/>
                 </a:tc>
                 <a:extLst>
                   <a:ext uri="{0D108BD9-81ED-4DB2-BD59-A6C34878D82A}">
@@ -4294,34 +4192,31 @@
                     <a:bodyPr/>
                     <a:lstStyle/>
                     <a:p>
-                      <a:pPr latinLnBrk="1"/>
-                      <a:r>
-                        <a:rPr lang="ko-KR" altLang="en-US" sz="1100" dirty="0" smtClean="0"/>
-                        <a:t>방송 플랫폼</a:t>
+                      <a:pPr marL="0" marR="0" indent="0" algn="l" defTabSz="914400" rtl="0" eaLnBrk="1" fontAlgn="auto" latinLnBrk="1" hangingPunct="1">
+                        <a:lnSpc>
+                          <a:spcPct val="100000"/>
+                        </a:lnSpc>
+                        <a:spcBef>
+                          <a:spcPts val="0"/>
+                        </a:spcBef>
+                        <a:spcAft>
+                          <a:spcPts val="0"/>
+                        </a:spcAft>
+                        <a:buClrTx/>
+                        <a:buSzTx/>
+                        <a:buFontTx/>
+                        <a:buNone/>
+                        <a:tabLst/>
+                        <a:defRPr/>
+                      </a:pPr>
+                      <a:r>
+                        <a:rPr lang="ko-KR" altLang="en-US" sz="1100" dirty="0" smtClean="0"/>
+                        <a:t>날짜 및 시간</a:t>
                       </a:r>
                       <a:endParaRPr lang="en-US" altLang="ko-KR" sz="1100" dirty="0" smtClean="0"/>
                     </a:p>
                   </a:txBody>
-                  <a:tcPr>
-                    <a:lnL w="12700" cap="flat" cmpd="sng" algn="ctr">
-                      <a:solidFill>
-                        <a:srgbClr val="FF0000"/>
-                      </a:solidFill>
-                      <a:prstDash val="solid"/>
-                      <a:round/>
-                      <a:headEnd type="none" w="med" len="med"/>
-                      <a:tailEnd type="none" w="med" len="med"/>
-                    </a:lnL>
-                    <a:lnR w="12700" cap="flat" cmpd="sng" algn="ctr">
-                      <a:solidFill>
-                        <a:srgbClr val="FF0000"/>
-                      </a:solidFill>
-                      <a:prstDash val="solid"/>
-                      <a:round/>
-                      <a:headEnd type="none" w="med" len="med"/>
-                      <a:tailEnd type="none" w="med" len="med"/>
-                    </a:lnR>
-                  </a:tcPr>
+                  <a:tcPr/>
                 </a:tc>
                 <a:extLst>
                   <a:ext uri="{0D108BD9-81ED-4DB2-BD59-A6C34878D82A}">
@@ -4335,116 +4230,78 @@
                     <a:bodyPr/>
                     <a:lstStyle/>
                     <a:p>
-                      <a:pPr latinLnBrk="1"/>
-                      <a:r>
-                        <a:rPr lang="ko-KR" altLang="en-US" sz="1100" dirty="0" smtClean="0"/>
-                        <a:t>날짜 및 시간</a:t>
+                      <a:pPr marL="0" marR="0" indent="0" algn="l" defTabSz="914400" rtl="0" eaLnBrk="1" fontAlgn="auto" latinLnBrk="1" hangingPunct="1">
+                        <a:lnSpc>
+                          <a:spcPct val="100000"/>
+                        </a:lnSpc>
+                        <a:spcBef>
+                          <a:spcPts val="0"/>
+                        </a:spcBef>
+                        <a:spcAft>
+                          <a:spcPts val="0"/>
+                        </a:spcAft>
+                        <a:buClrTx/>
+                        <a:buSzTx/>
+                        <a:buFontTx/>
+                        <a:buNone/>
+                        <a:tabLst/>
+                        <a:defRPr/>
+                      </a:pPr>
+                      <a:r>
+                        <a:rPr lang="ko-KR" altLang="en-US" sz="1100" dirty="0" smtClean="0"/>
+                        <a:t>시청자 아이디</a:t>
+                      </a:r>
+                    </a:p>
+                  </a:txBody>
+                  <a:tcPr/>
+                </a:tc>
+                <a:extLst>
+                  <a:ext uri="{0D108BD9-81ED-4DB2-BD59-A6C34878D82A}">
+                    <a16:rowId xmlns:a16="http://schemas.microsoft.com/office/drawing/2014/main" val="4176099474"/>
+                  </a:ext>
+                </a:extLst>
+              </a:tr>
+              <a:tr h="248414">
+                <a:tc>
+                  <a:txBody>
+                    <a:bodyPr/>
+                    <a:lstStyle/>
+                    <a:p>
+                      <a:pPr latinLnBrk="1"/>
+                      <a:r>
+                        <a:rPr lang="ko-KR" altLang="en-US" sz="1100" dirty="0" smtClean="0"/>
+                        <a:t>채팅 내용</a:t>
+                      </a:r>
+                      <a:endParaRPr lang="ko-KR" altLang="en-US" sz="1100" dirty="0"/>
+                    </a:p>
+                  </a:txBody>
+                  <a:tcPr/>
+                </a:tc>
+                <a:extLst>
+                  <a:ext uri="{0D108BD9-81ED-4DB2-BD59-A6C34878D82A}">
+                    <a16:rowId xmlns:a16="http://schemas.microsoft.com/office/drawing/2014/main" val="2502794991"/>
+                  </a:ext>
+                </a:extLst>
+              </a:tr>
+              <a:tr h="248414">
+                <a:tc>
+                  <a:txBody>
+                    <a:bodyPr/>
+                    <a:lstStyle/>
+                    <a:p>
+                      <a:pPr latinLnBrk="1"/>
+                      <a:r>
+                        <a:rPr lang="ko-KR" altLang="en-US" sz="1100" dirty="0" smtClean="0"/>
+                        <a:t>동영상</a:t>
+                      </a:r>
+                      <a:r>
+                        <a:rPr lang="en-US" altLang="ko-KR" sz="1100" dirty="0" smtClean="0"/>
+                        <a:t>ID</a:t>
                       </a:r>
                       <a:endParaRPr lang="en-US" altLang="ko-KR" sz="1100" dirty="0" smtClean="0"/>
                     </a:p>
                   </a:txBody>
-                  <a:tcPr>
-                    <a:lnL w="12700" cap="flat" cmpd="sng" algn="ctr">
-                      <a:solidFill>
-                        <a:srgbClr val="FF0000"/>
-                      </a:solidFill>
-                      <a:prstDash val="solid"/>
-                      <a:round/>
-                      <a:headEnd type="none" w="med" len="med"/>
-                      <a:tailEnd type="none" w="med" len="med"/>
-                    </a:lnL>
-                    <a:lnR w="12700" cap="flat" cmpd="sng" algn="ctr">
-                      <a:solidFill>
-                        <a:srgbClr val="FF0000"/>
-                      </a:solidFill>
-                      <a:prstDash val="solid"/>
-                      <a:round/>
-                      <a:headEnd type="none" w="med" len="med"/>
-                      <a:tailEnd type="none" w="med" len="med"/>
-                    </a:lnR>
-                  </a:tcPr>
-                </a:tc>
-                <a:extLst>
-                  <a:ext uri="{0D108BD9-81ED-4DB2-BD59-A6C34878D82A}">
-                    <a16:rowId xmlns:a16="http://schemas.microsoft.com/office/drawing/2014/main" val="4176099474"/>
-                  </a:ext>
-                </a:extLst>
-              </a:tr>
-              <a:tr h="248414">
-                <a:tc>
-                  <a:txBody>
-                    <a:bodyPr/>
-                    <a:lstStyle/>
-                    <a:p>
-                      <a:pPr latinLnBrk="1"/>
-                      <a:r>
-                        <a:rPr lang="ko-KR" altLang="en-US" sz="1100" dirty="0" smtClean="0"/>
-                        <a:t>시청자 아이디</a:t>
-                      </a:r>
-                      <a:endParaRPr lang="ko-KR" altLang="en-US" sz="1100" dirty="0"/>
-                    </a:p>
-                  </a:txBody>
-                  <a:tcPr>
-                    <a:lnL w="12700" cap="flat" cmpd="sng" algn="ctr">
-                      <a:solidFill>
-                        <a:srgbClr val="FF0000"/>
-                      </a:solidFill>
-                      <a:prstDash val="solid"/>
-                      <a:round/>
-                      <a:headEnd type="none" w="med" len="med"/>
-                      <a:tailEnd type="none" w="med" len="med"/>
-                    </a:lnL>
-                    <a:lnR w="12700" cap="flat" cmpd="sng" algn="ctr">
-                      <a:solidFill>
-                        <a:srgbClr val="FF0000"/>
-                      </a:solidFill>
-                      <a:prstDash val="solid"/>
-                      <a:round/>
-                      <a:headEnd type="none" w="med" len="med"/>
-                      <a:tailEnd type="none" w="med" len="med"/>
-                    </a:lnR>
-                  </a:tcPr>
-                </a:tc>
-                <a:extLst>
-                  <a:ext uri="{0D108BD9-81ED-4DB2-BD59-A6C34878D82A}">
-                    <a16:rowId xmlns:a16="http://schemas.microsoft.com/office/drawing/2014/main" val="2502794991"/>
-                  </a:ext>
-                </a:extLst>
-              </a:tr>
-              <a:tr h="248414">
-                <a:tc>
-                  <a:txBody>
-                    <a:bodyPr/>
-                    <a:lstStyle/>
-                    <a:p>
-                      <a:pPr latinLnBrk="1"/>
-                      <a:r>
-                        <a:rPr lang="ko-KR" altLang="en-US" sz="1100" dirty="0" smtClean="0"/>
-                        <a:t>채팅 내용</a:t>
-                      </a:r>
-                      <a:endParaRPr lang="ko-KR" altLang="en-US" sz="1100" dirty="0"/>
-                    </a:p>
-                  </a:txBody>
-                  <a:tcPr>
-                    <a:lnL w="12700" cap="flat" cmpd="sng" algn="ctr">
-                      <a:solidFill>
-                        <a:srgbClr val="FF0000"/>
-                      </a:solidFill>
-                      <a:prstDash val="solid"/>
-                      <a:round/>
-                      <a:headEnd type="none" w="med" len="med"/>
-                      <a:tailEnd type="none" w="med" len="med"/>
-                    </a:lnL>
-                    <a:lnR w="12700" cap="flat" cmpd="sng" algn="ctr">
-                      <a:solidFill>
-                        <a:srgbClr val="FF0000"/>
-                      </a:solidFill>
-                      <a:prstDash val="solid"/>
-                      <a:round/>
-                      <a:headEnd type="none" w="med" len="med"/>
-                      <a:tailEnd type="none" w="med" len="med"/>
-                    </a:lnR>
-                  </a:tcPr>
+                  <a:tcPr/>
                 </a:tc>
                 <a:extLst>
                   <a:ext uri="{0D108BD9-81ED-4DB2-BD59-A6C34878D82A}">
@@ -4458,46 +4315,35 @@
                     <a:bodyPr/>
                     <a:lstStyle/>
                     <a:p>
-                      <a:pPr latinLnBrk="1"/>
-                      <a:r>
-                        <a:rPr lang="ko-KR" altLang="en-US" sz="1100" dirty="0" smtClean="0"/>
-                        <a:t>방송</a:t>
+                      <a:pPr marL="0" marR="0" indent="0" algn="l" defTabSz="914400" rtl="0" eaLnBrk="1" fontAlgn="auto" latinLnBrk="1" hangingPunct="1">
+                        <a:lnSpc>
+                          <a:spcPct val="100000"/>
+                        </a:lnSpc>
+                        <a:spcBef>
+                          <a:spcPts val="0"/>
+                        </a:spcBef>
+                        <a:spcAft>
+                          <a:spcPts val="0"/>
+                        </a:spcAft>
+                        <a:buClrTx/>
+                        <a:buSzTx/>
+                        <a:buFontTx/>
+                        <a:buNone/>
+                        <a:tabLst/>
+                        <a:defRPr/>
+                      </a:pPr>
+                      <a:r>
+                        <a:rPr lang="ko-KR" altLang="en-US" sz="1100" dirty="0" smtClean="0"/>
+                        <a:t>채널</a:t>
                       </a:r>
                       <a:r>
                         <a:rPr lang="en-US" altLang="ko-KR" sz="1100" dirty="0" smtClean="0"/>
-                        <a:t>_id (</a:t>
-                      </a:r>
-                      <a:r>
-                        <a:rPr lang="ko-KR" altLang="en-US" sz="1100" dirty="0" smtClean="0"/>
-                        <a:t>스트리밍</a:t>
-                      </a:r>
-                      <a:r>
-                        <a:rPr lang="en-US" altLang="ko-KR" sz="1100" dirty="0" smtClean="0"/>
-                        <a:t>id)</a:t>
-                      </a:r>
-                      <a:endParaRPr lang="ko-KR" altLang="en-US" sz="1100" dirty="0"/>
-                    </a:p>
-                  </a:txBody>
-                  <a:tcPr>
-                    <a:lnL w="12700" cap="flat" cmpd="sng" algn="ctr">
-                      <a:solidFill>
-                        <a:srgbClr val="FF0000"/>
-                      </a:solidFill>
-                      <a:prstDash val="solid"/>
-                      <a:round/>
-                      <a:headEnd type="none" w="med" len="med"/>
-                      <a:tailEnd type="none" w="med" len="med"/>
-                    </a:lnL>
-                    <a:lnR w="12700" cap="flat" cmpd="sng" algn="ctr">
-                      <a:solidFill>
-                        <a:srgbClr val="FF0000"/>
-                      </a:solidFill>
-                      <a:prstDash val="solid"/>
-                      <a:round/>
-                      <a:headEnd type="none" w="med" len="med"/>
-                      <a:tailEnd type="none" w="med" len="med"/>
-                    </a:lnR>
-                  </a:tcPr>
+                        <a:t>ID</a:t>
+                      </a:r>
+                      <a:endParaRPr lang="ko-KR" altLang="en-US" sz="1100" dirty="0" smtClean="0"/>
+                    </a:p>
+                  </a:txBody>
+                  <a:tcPr/>
                 </a:tc>
                 <a:extLst>
                   <a:ext uri="{0D108BD9-81ED-4DB2-BD59-A6C34878D82A}">
@@ -4511,153 +4357,34 @@
                     <a:bodyPr/>
                     <a:lstStyle/>
                     <a:p>
-                      <a:pPr latinLnBrk="1"/>
-                      <a:r>
-                        <a:rPr lang="ko-KR" altLang="en-US" sz="1100" dirty="0" err="1" smtClean="0"/>
-                        <a:t>크리에이터</a:t>
-                      </a:r>
-                      <a:r>
-                        <a:rPr lang="en-US" altLang="ko-KR" sz="1100" dirty="0" smtClean="0"/>
-                        <a:t>ID(</a:t>
-                      </a:r>
-                      <a:r>
-                        <a:rPr lang="ko-KR" altLang="en-US" sz="1100" dirty="0" smtClean="0"/>
-                        <a:t>유튜브</a:t>
-                      </a:r>
-                      <a:r>
-                        <a:rPr lang="en-US" altLang="ko-KR" sz="1100" dirty="0" smtClean="0"/>
-                        <a:t>-</a:t>
-                      </a:r>
-                      <a:r>
-                        <a:rPr lang="ko-KR" altLang="en-US" sz="1100" dirty="0" smtClean="0"/>
-                        <a:t>채널</a:t>
-                      </a:r>
-                      <a:r>
-                        <a:rPr lang="en-US" altLang="ko-KR" sz="1100" dirty="0" smtClean="0"/>
-                        <a:t>ID)</a:t>
-                      </a:r>
-                      <a:endParaRPr lang="ko-KR" altLang="en-US" sz="1100" dirty="0"/>
-                    </a:p>
-                  </a:txBody>
-                  <a:tcPr>
-                    <a:lnL w="12700" cap="flat" cmpd="sng" algn="ctr">
-                      <a:solidFill>
-                        <a:srgbClr val="FF0000"/>
-                      </a:solidFill>
-                      <a:prstDash val="solid"/>
-                      <a:round/>
-                      <a:headEnd type="none" w="med" len="med"/>
-                      <a:tailEnd type="none" w="med" len="med"/>
-                    </a:lnL>
-                    <a:lnR w="12700" cap="flat" cmpd="sng" algn="ctr">
-                      <a:solidFill>
-                        <a:srgbClr val="FF0000"/>
-                      </a:solidFill>
-                      <a:prstDash val="solid"/>
-                      <a:round/>
-                      <a:headEnd type="none" w="med" len="med"/>
-                      <a:tailEnd type="none" w="med" len="med"/>
-                    </a:lnR>
-                  </a:tcPr>
+                      <a:pPr marL="0" marR="0" indent="0" algn="l" defTabSz="914400" rtl="0" eaLnBrk="1" fontAlgn="auto" latinLnBrk="1" hangingPunct="1">
+                        <a:lnSpc>
+                          <a:spcPct val="100000"/>
+                        </a:lnSpc>
+                        <a:spcBef>
+                          <a:spcPts val="0"/>
+                        </a:spcBef>
+                        <a:spcAft>
+                          <a:spcPts val="0"/>
+                        </a:spcAft>
+                        <a:buClrTx/>
+                        <a:buSzTx/>
+                        <a:buFontTx/>
+                        <a:buNone/>
+                        <a:tabLst/>
+                        <a:defRPr/>
+                      </a:pPr>
+                      <a:r>
+                        <a:rPr lang="ko-KR" altLang="en-US" sz="1100" dirty="0" smtClean="0"/>
+                        <a:t>방송 날짜</a:t>
+                      </a:r>
+                    </a:p>
+                  </a:txBody>
+                  <a:tcPr/>
                 </a:tc>
                 <a:extLst>
                   <a:ext uri="{0D108BD9-81ED-4DB2-BD59-A6C34878D82A}">
                     <a16:rowId xmlns:a16="http://schemas.microsoft.com/office/drawing/2014/main" val="3835022090"/>
-                  </a:ext>
-                </a:extLst>
-              </a:tr>
-              <a:tr h="248414">
-                <a:tc>
-                  <a:txBody>
-                    <a:bodyPr/>
-                    <a:lstStyle/>
-                    <a:p>
-                      <a:pPr latinLnBrk="1"/>
-                      <a:r>
-                        <a:rPr lang="ko-KR" altLang="en-US" sz="1100" dirty="0" err="1" smtClean="0"/>
-                        <a:t>크리에이터</a:t>
-                      </a:r>
-                      <a:r>
-                        <a:rPr lang="ko-KR" altLang="en-US" sz="1100" dirty="0" smtClean="0"/>
-                        <a:t> 닉네임</a:t>
-                      </a:r>
-                      <a:endParaRPr lang="ko-KR" altLang="en-US" sz="1100" dirty="0"/>
-                    </a:p>
-                  </a:txBody>
-                  <a:tcPr>
-                    <a:lnL w="12700" cap="flat" cmpd="sng" algn="ctr">
-                      <a:solidFill>
-                        <a:srgbClr val="FF0000"/>
-                      </a:solidFill>
-                      <a:prstDash val="solid"/>
-                      <a:round/>
-                      <a:headEnd type="none" w="med" len="med"/>
-                      <a:tailEnd type="none" w="med" len="med"/>
-                    </a:lnL>
-                    <a:lnR w="12700" cap="flat" cmpd="sng" algn="ctr">
-                      <a:solidFill>
-                        <a:srgbClr val="FF0000"/>
-                      </a:solidFill>
-                      <a:prstDash val="solid"/>
-                      <a:round/>
-                      <a:headEnd type="none" w="med" len="med"/>
-                      <a:tailEnd type="none" w="med" len="med"/>
-                    </a:lnR>
-                  </a:tcPr>
-                </a:tc>
-                <a:extLst>
-                  <a:ext uri="{0D108BD9-81ED-4DB2-BD59-A6C34878D82A}">
-                    <a16:rowId xmlns:a16="http://schemas.microsoft.com/office/drawing/2014/main" val="133267380"/>
-                  </a:ext>
-                </a:extLst>
-              </a:tr>
-              <a:tr h="245617">
-                <a:tc>
-                  <a:txBody>
-                    <a:bodyPr/>
-                    <a:lstStyle/>
-                    <a:p>
-                      <a:pPr latinLnBrk="1"/>
-                      <a:r>
-                        <a:rPr lang="ko-KR" altLang="en-US" sz="1100" dirty="0" smtClean="0"/>
-                        <a:t>방송 날짜</a:t>
-                      </a:r>
-                      <a:endParaRPr lang="ko-KR" altLang="en-US" sz="1100" dirty="0"/>
-                    </a:p>
-                  </a:txBody>
-                  <a:tcPr>
-                    <a:lnL w="12700" cap="flat" cmpd="sng" algn="ctr">
-                      <a:solidFill>
-                        <a:srgbClr val="FF0000"/>
-                      </a:solidFill>
-                      <a:prstDash val="solid"/>
-                      <a:round/>
-                      <a:headEnd type="none" w="med" len="med"/>
-                      <a:tailEnd type="none" w="med" len="med"/>
-                    </a:lnL>
-                    <a:lnR w="12700" cap="flat" cmpd="sng" algn="ctr">
-                      <a:solidFill>
-                        <a:srgbClr val="FF0000"/>
-                      </a:solidFill>
-                      <a:prstDash val="solid"/>
-                      <a:round/>
-                      <a:headEnd type="none" w="med" len="med"/>
-                      <a:tailEnd type="none" w="med" len="med"/>
-                    </a:lnR>
-                    <a:lnB w="12700" cap="flat" cmpd="sng" algn="ctr">
-                      <a:solidFill>
-                        <a:srgbClr val="FF0000"/>
-                      </a:solidFill>
-                      <a:prstDash val="solid"/>
-                      <a:round/>
-                      <a:headEnd type="none" w="med" len="med"/>
-                      <a:tailEnd type="none" w="med" len="med"/>
-                    </a:lnB>
-                  </a:tcPr>
-                </a:tc>
-                <a:extLst>
-                  <a:ext uri="{0D108BD9-81ED-4DB2-BD59-A6C34878D82A}">
-                    <a16:rowId xmlns:a16="http://schemas.microsoft.com/office/drawing/2014/main" val="2823599022"/>
                   </a:ext>
                 </a:extLst>
               </a:tr>
@@ -5534,14 +5261,14 @@
           <p:nvPr>
             <p:extLst>
               <p:ext uri="{D42A27DB-BD31-4B8C-83A1-F6EECF244321}">
-                <p14:modId xmlns:p14="http://schemas.microsoft.com/office/powerpoint/2010/main" val="1721956425"/>
+                <p14:modId xmlns:p14="http://schemas.microsoft.com/office/powerpoint/2010/main" val="1212528207"/>
               </p:ext>
             </p:extLst>
           </p:nvPr>
         </p:nvGraphicFramePr>
         <p:xfrm>
           <a:off x="5185182" y="76326"/>
-          <a:ext cx="2335605" cy="1295400"/>
+          <a:ext cx="2206759" cy="1295400"/>
         </p:xfrm>
         <a:graphic>
           <a:graphicData uri="http://schemas.openxmlformats.org/drawingml/2006/table">
@@ -5550,7 +5277,7 @@
                 <a:tableStyleId>{7DF18680-E054-41AD-8BC1-D1AEF772440D}</a:tableStyleId>
               </a:tblPr>
               <a:tblGrid>
-                <a:gridCol w="2335605">
+                <a:gridCol w="2206759">
                   <a:extLst>
                     <a:ext uri="{9D8B030D-6E8A-4147-A177-3AD203B41FA5}">
                       <a16:colId xmlns:a16="http://schemas.microsoft.com/office/drawing/2014/main" val="1628425209"/>
@@ -5719,1023 +5446,6 @@
           </a:graphicData>
         </a:graphic>
       </p:graphicFrame>
-      <p:sp>
-        <p:nvSpPr>
-          <p:cNvPr id="43" name="자유형 42"/>
-          <p:cNvSpPr/>
-          <p:nvPr/>
-        </p:nvSpPr>
-        <p:spPr>
-          <a:xfrm>
-            <a:off x="11912840" y="2617075"/>
-            <a:ext cx="636860" cy="1099445"/>
-          </a:xfrm>
-          <a:custGeom>
-            <a:avLst/>
-            <a:gdLst>
-              <a:gd name="connsiteX0" fmla="*/ 105103 w 715404"/>
-              <a:gd name="connsiteY0" fmla="*/ 0 h 1261242"/>
-              <a:gd name="connsiteX1" fmla="*/ 714703 w 715404"/>
-              <a:gd name="connsiteY1" fmla="*/ 693683 h 1261242"/>
-              <a:gd name="connsiteX2" fmla="*/ 0 w 715404"/>
-              <a:gd name="connsiteY2" fmla="*/ 1261242 h 1261242"/>
-            </a:gdLst>
-            <a:ahLst/>
-            <a:cxnLst>
-              <a:cxn ang="0">
-                <a:pos x="connsiteX0" y="connsiteY0"/>
-              </a:cxn>
-              <a:cxn ang="0">
-                <a:pos x="connsiteX1" y="connsiteY1"/>
-              </a:cxn>
-              <a:cxn ang="0">
-                <a:pos x="connsiteX2" y="connsiteY2"/>
-              </a:cxn>
-            </a:cxnLst>
-            <a:rect l="l" t="t" r="r" b="b"/>
-            <a:pathLst>
-              <a:path w="715404" h="1261242">
-                <a:moveTo>
-                  <a:pt x="105103" y="0"/>
-                </a:moveTo>
-                <a:cubicBezTo>
-                  <a:pt x="418661" y="241738"/>
-                  <a:pt x="732220" y="483476"/>
-                  <a:pt x="714703" y="693683"/>
-                </a:cubicBezTo>
-                <a:cubicBezTo>
-                  <a:pt x="697186" y="903890"/>
-                  <a:pt x="115614" y="1164897"/>
-                  <a:pt x="0" y="1261242"/>
-                </a:cubicBezTo>
-              </a:path>
-            </a:pathLst>
-          </a:custGeom>
-          <a:noFill/>
-          <a:ln>
-            <a:solidFill>
-              <a:srgbClr val="FF0000"/>
-            </a:solidFill>
-          </a:ln>
-        </p:spPr>
-        <p:style>
-          <a:lnRef idx="2">
-            <a:schemeClr val="accent1">
-              <a:shade val="50000"/>
-            </a:schemeClr>
-          </a:lnRef>
-          <a:fillRef idx="1">
-            <a:schemeClr val="accent1"/>
-          </a:fillRef>
-          <a:effectRef idx="0">
-            <a:schemeClr val="accent1"/>
-          </a:effectRef>
-          <a:fontRef idx="minor">
-            <a:schemeClr val="lt1"/>
-          </a:fontRef>
-        </p:style>
-        <p:txBody>
-          <a:bodyPr rtlCol="0" anchor="ctr"/>
-          <a:lstStyle/>
-          <a:p>
-            <a:pPr algn="ctr"/>
-            <a:endParaRPr lang="ko-KR" altLang="en-US"/>
-          </a:p>
-        </p:txBody>
-      </p:sp>
-      <p:sp>
-        <p:nvSpPr>
-          <p:cNvPr id="45" name="자유형 44"/>
-          <p:cNvSpPr/>
-          <p:nvPr/>
-        </p:nvSpPr>
-        <p:spPr>
-          <a:xfrm>
-            <a:off x="9459310" y="3941379"/>
-            <a:ext cx="451945" cy="1279783"/>
-          </a:xfrm>
-          <a:custGeom>
-            <a:avLst/>
-            <a:gdLst>
-              <a:gd name="connsiteX0" fmla="*/ 451945 w 451945"/>
-              <a:gd name="connsiteY0" fmla="*/ 0 h 1279783"/>
-              <a:gd name="connsiteX1" fmla="*/ 262759 w 451945"/>
-              <a:gd name="connsiteY1" fmla="*/ 304800 h 1279783"/>
-              <a:gd name="connsiteX2" fmla="*/ 262759 w 451945"/>
-              <a:gd name="connsiteY2" fmla="*/ 1135118 h 1279783"/>
-              <a:gd name="connsiteX3" fmla="*/ 0 w 451945"/>
-              <a:gd name="connsiteY3" fmla="*/ 1271752 h 1279783"/>
-            </a:gdLst>
-            <a:ahLst/>
-            <a:cxnLst>
-              <a:cxn ang="0">
-                <a:pos x="connsiteX0" y="connsiteY0"/>
-              </a:cxn>
-              <a:cxn ang="0">
-                <a:pos x="connsiteX1" y="connsiteY1"/>
-              </a:cxn>
-              <a:cxn ang="0">
-                <a:pos x="connsiteX2" y="connsiteY2"/>
-              </a:cxn>
-              <a:cxn ang="0">
-                <a:pos x="connsiteX3" y="connsiteY3"/>
-              </a:cxn>
-            </a:cxnLst>
-            <a:rect l="l" t="t" r="r" b="b"/>
-            <a:pathLst>
-              <a:path w="451945" h="1279783">
-                <a:moveTo>
-                  <a:pt x="451945" y="0"/>
-                </a:moveTo>
-                <a:cubicBezTo>
-                  <a:pt x="373117" y="57807"/>
-                  <a:pt x="294290" y="115614"/>
-                  <a:pt x="262759" y="304800"/>
-                </a:cubicBezTo>
-                <a:cubicBezTo>
-                  <a:pt x="231228" y="493986"/>
-                  <a:pt x="306552" y="973959"/>
-                  <a:pt x="262759" y="1135118"/>
-                </a:cubicBezTo>
-                <a:cubicBezTo>
-                  <a:pt x="218966" y="1296277"/>
-                  <a:pt x="17517" y="1287518"/>
-                  <a:pt x="0" y="1271752"/>
-                </a:cubicBezTo>
-              </a:path>
-            </a:pathLst>
-          </a:custGeom>
-          <a:noFill/>
-          <a:ln>
-            <a:solidFill>
-              <a:srgbClr val="FF0000"/>
-            </a:solidFill>
-          </a:ln>
-        </p:spPr>
-        <p:style>
-          <a:lnRef idx="2">
-            <a:schemeClr val="accent1">
-              <a:shade val="50000"/>
-            </a:schemeClr>
-          </a:lnRef>
-          <a:fillRef idx="1">
-            <a:schemeClr val="accent1"/>
-          </a:fillRef>
-          <a:effectRef idx="0">
-            <a:schemeClr val="accent1"/>
-          </a:effectRef>
-          <a:fontRef idx="minor">
-            <a:schemeClr val="lt1"/>
-          </a:fontRef>
-        </p:style>
-        <p:txBody>
-          <a:bodyPr rtlCol="0" anchor="ctr"/>
-          <a:lstStyle/>
-          <a:p>
-            <a:pPr algn="ctr"/>
-            <a:endParaRPr lang="ko-KR" altLang="en-US"/>
-          </a:p>
-        </p:txBody>
-      </p:sp>
-      <p:sp>
-        <p:nvSpPr>
-          <p:cNvPr id="47" name="자유형 46"/>
-          <p:cNvSpPr/>
-          <p:nvPr/>
-        </p:nvSpPr>
-        <p:spPr>
-          <a:xfrm>
-            <a:off x="9543393" y="399393"/>
-            <a:ext cx="346841" cy="3615559"/>
-          </a:xfrm>
-          <a:custGeom>
-            <a:avLst/>
-            <a:gdLst>
-              <a:gd name="connsiteX0" fmla="*/ 346841 w 346841"/>
-              <a:gd name="connsiteY0" fmla="*/ 0 h 3615559"/>
-              <a:gd name="connsiteX1" fmla="*/ 199697 w 346841"/>
-              <a:gd name="connsiteY1" fmla="*/ 126124 h 3615559"/>
-              <a:gd name="connsiteX2" fmla="*/ 199697 w 346841"/>
-              <a:gd name="connsiteY2" fmla="*/ 735724 h 3615559"/>
-              <a:gd name="connsiteX3" fmla="*/ 220717 w 346841"/>
-              <a:gd name="connsiteY3" fmla="*/ 2070538 h 3615559"/>
-              <a:gd name="connsiteX4" fmla="*/ 210207 w 346841"/>
-              <a:gd name="connsiteY4" fmla="*/ 3121573 h 3615559"/>
-              <a:gd name="connsiteX5" fmla="*/ 199697 w 346841"/>
-              <a:gd name="connsiteY5" fmla="*/ 3405352 h 3615559"/>
-              <a:gd name="connsiteX6" fmla="*/ 0 w 346841"/>
-              <a:gd name="connsiteY6" fmla="*/ 3615559 h 3615559"/>
-            </a:gdLst>
-            <a:ahLst/>
-            <a:cxnLst>
-              <a:cxn ang="0">
-                <a:pos x="connsiteX0" y="connsiteY0"/>
-              </a:cxn>
-              <a:cxn ang="0">
-                <a:pos x="connsiteX1" y="connsiteY1"/>
-              </a:cxn>
-              <a:cxn ang="0">
-                <a:pos x="connsiteX2" y="connsiteY2"/>
-              </a:cxn>
-              <a:cxn ang="0">
-                <a:pos x="connsiteX3" y="connsiteY3"/>
-              </a:cxn>
-              <a:cxn ang="0">
-                <a:pos x="connsiteX4" y="connsiteY4"/>
-              </a:cxn>
-              <a:cxn ang="0">
-                <a:pos x="connsiteX5" y="connsiteY5"/>
-              </a:cxn>
-              <a:cxn ang="0">
-                <a:pos x="connsiteX6" y="connsiteY6"/>
-              </a:cxn>
-            </a:cxnLst>
-            <a:rect l="l" t="t" r="r" b="b"/>
-            <a:pathLst>
-              <a:path w="346841" h="3615559">
-                <a:moveTo>
-                  <a:pt x="346841" y="0"/>
-                </a:moveTo>
-                <a:cubicBezTo>
-                  <a:pt x="285531" y="1751"/>
-                  <a:pt x="224221" y="3503"/>
-                  <a:pt x="199697" y="126124"/>
-                </a:cubicBezTo>
-                <a:cubicBezTo>
-                  <a:pt x="175173" y="248745"/>
-                  <a:pt x="196194" y="411655"/>
-                  <a:pt x="199697" y="735724"/>
-                </a:cubicBezTo>
-                <a:cubicBezTo>
-                  <a:pt x="203200" y="1059793"/>
-                  <a:pt x="218965" y="1672897"/>
-                  <a:pt x="220717" y="2070538"/>
-                </a:cubicBezTo>
-                <a:cubicBezTo>
-                  <a:pt x="222469" y="2468179"/>
-                  <a:pt x="213710" y="2899104"/>
-                  <a:pt x="210207" y="3121573"/>
-                </a:cubicBezTo>
-                <a:cubicBezTo>
-                  <a:pt x="206704" y="3344042"/>
-                  <a:pt x="234731" y="3323021"/>
-                  <a:pt x="199697" y="3405352"/>
-                </a:cubicBezTo>
-                <a:cubicBezTo>
-                  <a:pt x="164662" y="3487683"/>
-                  <a:pt x="82331" y="3551621"/>
-                  <a:pt x="0" y="3615559"/>
-                </a:cubicBezTo>
-              </a:path>
-            </a:pathLst>
-          </a:custGeom>
-          <a:noFill/>
-          <a:ln>
-            <a:solidFill>
-              <a:srgbClr val="FF0000"/>
-            </a:solidFill>
-          </a:ln>
-        </p:spPr>
-        <p:style>
-          <a:lnRef idx="2">
-            <a:schemeClr val="accent1">
-              <a:shade val="50000"/>
-            </a:schemeClr>
-          </a:lnRef>
-          <a:fillRef idx="1">
-            <a:schemeClr val="accent1"/>
-          </a:fillRef>
-          <a:effectRef idx="0">
-            <a:schemeClr val="accent1"/>
-          </a:effectRef>
-          <a:fontRef idx="minor">
-            <a:schemeClr val="lt1"/>
-          </a:fontRef>
-        </p:style>
-        <p:txBody>
-          <a:bodyPr rtlCol="0" anchor="ctr"/>
-          <a:lstStyle/>
-          <a:p>
-            <a:pPr algn="ctr"/>
-            <a:endParaRPr lang="ko-KR" altLang="en-US"/>
-          </a:p>
-        </p:txBody>
-      </p:sp>
-      <p:sp>
-        <p:nvSpPr>
-          <p:cNvPr id="48" name="자유형 47"/>
-          <p:cNvSpPr/>
-          <p:nvPr/>
-        </p:nvSpPr>
-        <p:spPr>
-          <a:xfrm>
-            <a:off x="2333297" y="1001986"/>
-            <a:ext cx="5006092" cy="3026051"/>
-          </a:xfrm>
-          <a:custGeom>
-            <a:avLst/>
-            <a:gdLst>
-              <a:gd name="connsiteX0" fmla="*/ 0 w 5006092"/>
-              <a:gd name="connsiteY0" fmla="*/ 7007 h 3026051"/>
-              <a:gd name="connsiteX1" fmla="*/ 210206 w 5006092"/>
-              <a:gd name="connsiteY1" fmla="*/ 70069 h 3026051"/>
-              <a:gd name="connsiteX2" fmla="*/ 210206 w 5006092"/>
-              <a:gd name="connsiteY2" fmla="*/ 511504 h 3026051"/>
-              <a:gd name="connsiteX3" fmla="*/ 231227 w 5006092"/>
-              <a:gd name="connsiteY3" fmla="*/ 1163145 h 3026051"/>
-              <a:gd name="connsiteX4" fmla="*/ 557048 w 5006092"/>
-              <a:gd name="connsiteY4" fmla="*/ 1278759 h 3026051"/>
-              <a:gd name="connsiteX5" fmla="*/ 956441 w 5006092"/>
-              <a:gd name="connsiteY5" fmla="*/ 1299780 h 3026051"/>
-              <a:gd name="connsiteX6" fmla="*/ 1576551 w 5006092"/>
-              <a:gd name="connsiteY6" fmla="*/ 1299780 h 3026051"/>
-              <a:gd name="connsiteX7" fmla="*/ 2280744 w 5006092"/>
-              <a:gd name="connsiteY7" fmla="*/ 1310290 h 3026051"/>
-              <a:gd name="connsiteX8" fmla="*/ 4046482 w 5006092"/>
-              <a:gd name="connsiteY8" fmla="*/ 1299780 h 3026051"/>
-              <a:gd name="connsiteX9" fmla="*/ 4477406 w 5006092"/>
-              <a:gd name="connsiteY9" fmla="*/ 1478455 h 3026051"/>
-              <a:gd name="connsiteX10" fmla="*/ 4529958 w 5006092"/>
-              <a:gd name="connsiteY10" fmla="*/ 1888359 h 3026051"/>
-              <a:gd name="connsiteX11" fmla="*/ 4529958 w 5006092"/>
-              <a:gd name="connsiteY11" fmla="*/ 2445407 h 3026051"/>
-              <a:gd name="connsiteX12" fmla="*/ 4519448 w 5006092"/>
-              <a:gd name="connsiteY12" fmla="*/ 2960414 h 3026051"/>
-              <a:gd name="connsiteX13" fmla="*/ 4687613 w 5006092"/>
-              <a:gd name="connsiteY13" fmla="*/ 3023476 h 3026051"/>
-              <a:gd name="connsiteX14" fmla="*/ 4960882 w 5006092"/>
-              <a:gd name="connsiteY14" fmla="*/ 3002455 h 3026051"/>
-              <a:gd name="connsiteX15" fmla="*/ 5002924 w 5006092"/>
-              <a:gd name="connsiteY15" fmla="*/ 3002455 h 3026051"/>
-            </a:gdLst>
-            <a:ahLst/>
-            <a:cxnLst>
-              <a:cxn ang="0">
-                <a:pos x="connsiteX0" y="connsiteY0"/>
-              </a:cxn>
-              <a:cxn ang="0">
-                <a:pos x="connsiteX1" y="connsiteY1"/>
-              </a:cxn>
-              <a:cxn ang="0">
-                <a:pos x="connsiteX2" y="connsiteY2"/>
-              </a:cxn>
-              <a:cxn ang="0">
-                <a:pos x="connsiteX3" y="connsiteY3"/>
-              </a:cxn>
-              <a:cxn ang="0">
-                <a:pos x="connsiteX4" y="connsiteY4"/>
-              </a:cxn>
-              <a:cxn ang="0">
-                <a:pos x="connsiteX5" y="connsiteY5"/>
-              </a:cxn>
-              <a:cxn ang="0">
-                <a:pos x="connsiteX6" y="connsiteY6"/>
-              </a:cxn>
-              <a:cxn ang="0">
-                <a:pos x="connsiteX7" y="connsiteY7"/>
-              </a:cxn>
-              <a:cxn ang="0">
-                <a:pos x="connsiteX8" y="connsiteY8"/>
-              </a:cxn>
-              <a:cxn ang="0">
-                <a:pos x="connsiteX9" y="connsiteY9"/>
-              </a:cxn>
-              <a:cxn ang="0">
-                <a:pos x="connsiteX10" y="connsiteY10"/>
-              </a:cxn>
-              <a:cxn ang="0">
-                <a:pos x="connsiteX11" y="connsiteY11"/>
-              </a:cxn>
-              <a:cxn ang="0">
-                <a:pos x="connsiteX12" y="connsiteY12"/>
-              </a:cxn>
-              <a:cxn ang="0">
-                <a:pos x="connsiteX13" y="connsiteY13"/>
-              </a:cxn>
-              <a:cxn ang="0">
-                <a:pos x="connsiteX14" y="connsiteY14"/>
-              </a:cxn>
-              <a:cxn ang="0">
-                <a:pos x="connsiteX15" y="connsiteY15"/>
-              </a:cxn>
-            </a:cxnLst>
-            <a:rect l="l" t="t" r="r" b="b"/>
-            <a:pathLst>
-              <a:path w="5006092" h="3026051">
-                <a:moveTo>
-                  <a:pt x="0" y="7007"/>
-                </a:moveTo>
-                <a:cubicBezTo>
-                  <a:pt x="87586" y="-3504"/>
-                  <a:pt x="175172" y="-14014"/>
-                  <a:pt x="210206" y="70069"/>
-                </a:cubicBezTo>
-                <a:cubicBezTo>
-                  <a:pt x="245240" y="154152"/>
-                  <a:pt x="206703" y="329325"/>
-                  <a:pt x="210206" y="511504"/>
-                </a:cubicBezTo>
-                <a:cubicBezTo>
-                  <a:pt x="213710" y="693683"/>
-                  <a:pt x="173420" y="1035269"/>
-                  <a:pt x="231227" y="1163145"/>
-                </a:cubicBezTo>
-                <a:cubicBezTo>
-                  <a:pt x="289034" y="1291021"/>
-                  <a:pt x="436179" y="1255987"/>
-                  <a:pt x="557048" y="1278759"/>
-                </a:cubicBezTo>
-                <a:cubicBezTo>
-                  <a:pt x="677917" y="1301531"/>
-                  <a:pt x="786524" y="1296277"/>
-                  <a:pt x="956441" y="1299780"/>
-                </a:cubicBezTo>
-                <a:cubicBezTo>
-                  <a:pt x="1126358" y="1303283"/>
-                  <a:pt x="1576551" y="1299780"/>
-                  <a:pt x="1576551" y="1299780"/>
-                </a:cubicBezTo>
-                <a:lnTo>
-                  <a:pt x="2280744" y="1310290"/>
-                </a:lnTo>
-                <a:cubicBezTo>
-                  <a:pt x="2692399" y="1310290"/>
-                  <a:pt x="3680372" y="1271753"/>
-                  <a:pt x="4046482" y="1299780"/>
-                </a:cubicBezTo>
-                <a:cubicBezTo>
-                  <a:pt x="4412592" y="1327807"/>
-                  <a:pt x="4396827" y="1380359"/>
-                  <a:pt x="4477406" y="1478455"/>
-                </a:cubicBezTo>
-                <a:cubicBezTo>
-                  <a:pt x="4557985" y="1576552"/>
-                  <a:pt x="4521199" y="1727200"/>
-                  <a:pt x="4529958" y="1888359"/>
-                </a:cubicBezTo>
-                <a:cubicBezTo>
-                  <a:pt x="4538717" y="2049518"/>
-                  <a:pt x="4531710" y="2266731"/>
-                  <a:pt x="4529958" y="2445407"/>
-                </a:cubicBezTo>
-                <a:cubicBezTo>
-                  <a:pt x="4528206" y="2624083"/>
-                  <a:pt x="4493172" y="2864069"/>
-                  <a:pt x="4519448" y="2960414"/>
-                </a:cubicBezTo>
-                <a:cubicBezTo>
-                  <a:pt x="4545724" y="3056759"/>
-                  <a:pt x="4614041" y="3016469"/>
-                  <a:pt x="4687613" y="3023476"/>
-                </a:cubicBezTo>
-                <a:cubicBezTo>
-                  <a:pt x="4761185" y="3030483"/>
-                  <a:pt x="4960882" y="3002455"/>
-                  <a:pt x="4960882" y="3002455"/>
-                </a:cubicBezTo>
-                <a:cubicBezTo>
-                  <a:pt x="5013434" y="2998952"/>
-                  <a:pt x="5008179" y="3000703"/>
-                  <a:pt x="5002924" y="3002455"/>
-                </a:cubicBezTo>
-              </a:path>
-            </a:pathLst>
-          </a:custGeom>
-          <a:noFill/>
-        </p:spPr>
-        <p:style>
-          <a:lnRef idx="2">
-            <a:schemeClr val="accent1">
-              <a:shade val="50000"/>
-            </a:schemeClr>
-          </a:lnRef>
-          <a:fillRef idx="1">
-            <a:schemeClr val="accent1"/>
-          </a:fillRef>
-          <a:effectRef idx="0">
-            <a:schemeClr val="accent1"/>
-          </a:effectRef>
-          <a:fontRef idx="minor">
-            <a:schemeClr val="lt1"/>
-          </a:fontRef>
-        </p:style>
-        <p:txBody>
-          <a:bodyPr rtlCol="0" anchor="ctr"/>
-          <a:lstStyle/>
-          <a:p>
-            <a:pPr algn="ctr"/>
-            <a:endParaRPr lang="ko-KR" altLang="en-US"/>
-          </a:p>
-        </p:txBody>
-      </p:sp>
-      <p:sp>
-        <p:nvSpPr>
-          <p:cNvPr id="49" name="자유형 48"/>
-          <p:cNvSpPr/>
-          <p:nvPr/>
-        </p:nvSpPr>
-        <p:spPr>
-          <a:xfrm>
-            <a:off x="2301766" y="2070538"/>
-            <a:ext cx="5076496" cy="2209140"/>
-          </a:xfrm>
-          <a:custGeom>
-            <a:avLst/>
-            <a:gdLst>
-              <a:gd name="connsiteX0" fmla="*/ 0 w 5076496"/>
-              <a:gd name="connsiteY0" fmla="*/ 0 h 2209140"/>
-              <a:gd name="connsiteX1" fmla="*/ 746234 w 5076496"/>
-              <a:gd name="connsiteY1" fmla="*/ 0 h 2209140"/>
-              <a:gd name="connsiteX2" fmla="*/ 1912882 w 5076496"/>
-              <a:gd name="connsiteY2" fmla="*/ 21021 h 2209140"/>
-              <a:gd name="connsiteX3" fmla="*/ 3100551 w 5076496"/>
-              <a:gd name="connsiteY3" fmla="*/ 31531 h 2209140"/>
-              <a:gd name="connsiteX4" fmla="*/ 3825765 w 5076496"/>
-              <a:gd name="connsiteY4" fmla="*/ 52552 h 2209140"/>
-              <a:gd name="connsiteX5" fmla="*/ 3951889 w 5076496"/>
-              <a:gd name="connsiteY5" fmla="*/ 641131 h 2209140"/>
-              <a:gd name="connsiteX6" fmla="*/ 3951889 w 5076496"/>
-              <a:gd name="connsiteY6" fmla="*/ 1261241 h 2209140"/>
-              <a:gd name="connsiteX7" fmla="*/ 3972910 w 5076496"/>
-              <a:gd name="connsiteY7" fmla="*/ 1713186 h 2209140"/>
-              <a:gd name="connsiteX8" fmla="*/ 4130565 w 5076496"/>
-              <a:gd name="connsiteY8" fmla="*/ 2133600 h 2209140"/>
-              <a:gd name="connsiteX9" fmla="*/ 5076496 w 5076496"/>
-              <a:gd name="connsiteY9" fmla="*/ 2207172 h 2209140"/>
-            </a:gdLst>
-            <a:ahLst/>
-            <a:cxnLst>
-              <a:cxn ang="0">
-                <a:pos x="connsiteX0" y="connsiteY0"/>
-              </a:cxn>
-              <a:cxn ang="0">
-                <a:pos x="connsiteX1" y="connsiteY1"/>
-              </a:cxn>
-              <a:cxn ang="0">
-                <a:pos x="connsiteX2" y="connsiteY2"/>
-              </a:cxn>
-              <a:cxn ang="0">
-                <a:pos x="connsiteX3" y="connsiteY3"/>
-              </a:cxn>
-              <a:cxn ang="0">
-                <a:pos x="connsiteX4" y="connsiteY4"/>
-              </a:cxn>
-              <a:cxn ang="0">
-                <a:pos x="connsiteX5" y="connsiteY5"/>
-              </a:cxn>
-              <a:cxn ang="0">
-                <a:pos x="connsiteX6" y="connsiteY6"/>
-              </a:cxn>
-              <a:cxn ang="0">
-                <a:pos x="connsiteX7" y="connsiteY7"/>
-              </a:cxn>
-              <a:cxn ang="0">
-                <a:pos x="connsiteX8" y="connsiteY8"/>
-              </a:cxn>
-              <a:cxn ang="0">
-                <a:pos x="connsiteX9" y="connsiteY9"/>
-              </a:cxn>
-            </a:cxnLst>
-            <a:rect l="l" t="t" r="r" b="b"/>
-            <a:pathLst>
-              <a:path w="5076496" h="2209140">
-                <a:moveTo>
-                  <a:pt x="0" y="0"/>
-                </a:moveTo>
-                <a:lnTo>
-                  <a:pt x="746234" y="0"/>
-                </a:lnTo>
-                <a:lnTo>
-                  <a:pt x="1912882" y="21021"/>
-                </a:lnTo>
-                <a:lnTo>
-                  <a:pt x="3100551" y="31531"/>
-                </a:lnTo>
-                <a:cubicBezTo>
-                  <a:pt x="3419365" y="36786"/>
-                  <a:pt x="3683875" y="-49048"/>
-                  <a:pt x="3825765" y="52552"/>
-                </a:cubicBezTo>
-                <a:cubicBezTo>
-                  <a:pt x="3967655" y="154152"/>
-                  <a:pt x="3930868" y="439683"/>
-                  <a:pt x="3951889" y="641131"/>
-                </a:cubicBezTo>
-                <a:cubicBezTo>
-                  <a:pt x="3972910" y="842579"/>
-                  <a:pt x="3948386" y="1082565"/>
-                  <a:pt x="3951889" y="1261241"/>
-                </a:cubicBezTo>
-                <a:cubicBezTo>
-                  <a:pt x="3955392" y="1439917"/>
-                  <a:pt x="3943131" y="1567793"/>
-                  <a:pt x="3972910" y="1713186"/>
-                </a:cubicBezTo>
-                <a:cubicBezTo>
-                  <a:pt x="4002689" y="1858579"/>
-                  <a:pt x="3946634" y="2051269"/>
-                  <a:pt x="4130565" y="2133600"/>
-                </a:cubicBezTo>
-                <a:cubicBezTo>
-                  <a:pt x="4314496" y="2215931"/>
-                  <a:pt x="4695496" y="2211551"/>
-                  <a:pt x="5076496" y="2207172"/>
-                </a:cubicBezTo>
-              </a:path>
-            </a:pathLst>
-          </a:custGeom>
-          <a:noFill/>
-        </p:spPr>
-        <p:style>
-          <a:lnRef idx="2">
-            <a:schemeClr val="accent1">
-              <a:shade val="50000"/>
-            </a:schemeClr>
-          </a:lnRef>
-          <a:fillRef idx="1">
-            <a:schemeClr val="accent1"/>
-          </a:fillRef>
-          <a:effectRef idx="0">
-            <a:schemeClr val="accent1"/>
-          </a:effectRef>
-          <a:fontRef idx="minor">
-            <a:schemeClr val="lt1"/>
-          </a:fontRef>
-        </p:style>
-        <p:txBody>
-          <a:bodyPr rtlCol="0" anchor="ctr"/>
-          <a:lstStyle/>
-          <a:p>
-            <a:pPr algn="ctr"/>
-            <a:endParaRPr lang="ko-KR" altLang="en-US"/>
-          </a:p>
-        </p:txBody>
-      </p:sp>
-      <p:sp>
-        <p:nvSpPr>
-          <p:cNvPr id="50" name="자유형 49"/>
-          <p:cNvSpPr/>
-          <p:nvPr/>
-        </p:nvSpPr>
-        <p:spPr>
-          <a:xfrm>
-            <a:off x="2280745" y="583466"/>
-            <a:ext cx="5097517" cy="2622864"/>
-          </a:xfrm>
-          <a:custGeom>
-            <a:avLst/>
-            <a:gdLst>
-              <a:gd name="connsiteX0" fmla="*/ 0 w 5097517"/>
-              <a:gd name="connsiteY0" fmla="*/ 194300 h 2622864"/>
-              <a:gd name="connsiteX1" fmla="*/ 304800 w 5097517"/>
-              <a:gd name="connsiteY1" fmla="*/ 215320 h 2622864"/>
-              <a:gd name="connsiteX2" fmla="*/ 399393 w 5097517"/>
-              <a:gd name="connsiteY2" fmla="*/ 2380451 h 2622864"/>
-              <a:gd name="connsiteX3" fmla="*/ 987972 w 5097517"/>
-              <a:gd name="connsiteY3" fmla="*/ 2580148 h 2622864"/>
-              <a:gd name="connsiteX4" fmla="*/ 2081048 w 5097517"/>
-              <a:gd name="connsiteY4" fmla="*/ 2464534 h 2622864"/>
-              <a:gd name="connsiteX5" fmla="*/ 3405352 w 5097517"/>
-              <a:gd name="connsiteY5" fmla="*/ 2359431 h 2622864"/>
-              <a:gd name="connsiteX6" fmla="*/ 4214648 w 5097517"/>
-              <a:gd name="connsiteY6" fmla="*/ 2233306 h 2622864"/>
-              <a:gd name="connsiteX7" fmla="*/ 5097517 w 5097517"/>
-              <a:gd name="connsiteY7" fmla="*/ 2107182 h 2622864"/>
-            </a:gdLst>
-            <a:ahLst/>
-            <a:cxnLst>
-              <a:cxn ang="0">
-                <a:pos x="connsiteX0" y="connsiteY0"/>
-              </a:cxn>
-              <a:cxn ang="0">
-                <a:pos x="connsiteX1" y="connsiteY1"/>
-              </a:cxn>
-              <a:cxn ang="0">
-                <a:pos x="connsiteX2" y="connsiteY2"/>
-              </a:cxn>
-              <a:cxn ang="0">
-                <a:pos x="connsiteX3" y="connsiteY3"/>
-              </a:cxn>
-              <a:cxn ang="0">
-                <a:pos x="connsiteX4" y="connsiteY4"/>
-              </a:cxn>
-              <a:cxn ang="0">
-                <a:pos x="connsiteX5" y="connsiteY5"/>
-              </a:cxn>
-              <a:cxn ang="0">
-                <a:pos x="connsiteX6" y="connsiteY6"/>
-              </a:cxn>
-              <a:cxn ang="0">
-                <a:pos x="connsiteX7" y="connsiteY7"/>
-              </a:cxn>
-            </a:cxnLst>
-            <a:rect l="l" t="t" r="r" b="b"/>
-            <a:pathLst>
-              <a:path w="5097517" h="2622864">
-                <a:moveTo>
-                  <a:pt x="0" y="194300"/>
-                </a:moveTo>
-                <a:cubicBezTo>
-                  <a:pt x="119117" y="22631"/>
-                  <a:pt x="238235" y="-149038"/>
-                  <a:pt x="304800" y="215320"/>
-                </a:cubicBezTo>
-                <a:cubicBezTo>
-                  <a:pt x="371365" y="579678"/>
-                  <a:pt x="285531" y="1986313"/>
-                  <a:pt x="399393" y="2380451"/>
-                </a:cubicBezTo>
-                <a:cubicBezTo>
-                  <a:pt x="513255" y="2774589"/>
-                  <a:pt x="707696" y="2566134"/>
-                  <a:pt x="987972" y="2580148"/>
-                </a:cubicBezTo>
-                <a:cubicBezTo>
-                  <a:pt x="1268248" y="2594162"/>
-                  <a:pt x="1678151" y="2501320"/>
-                  <a:pt x="2081048" y="2464534"/>
-                </a:cubicBezTo>
-                <a:cubicBezTo>
-                  <a:pt x="2483945" y="2427748"/>
-                  <a:pt x="3049752" y="2397969"/>
-                  <a:pt x="3405352" y="2359431"/>
-                </a:cubicBezTo>
-                <a:cubicBezTo>
-                  <a:pt x="3760952" y="2320893"/>
-                  <a:pt x="4214648" y="2233306"/>
-                  <a:pt x="4214648" y="2233306"/>
-                </a:cubicBezTo>
-                <a:lnTo>
-                  <a:pt x="5097517" y="2107182"/>
-                </a:lnTo>
-              </a:path>
-            </a:pathLst>
-          </a:custGeom>
-          <a:noFill/>
-        </p:spPr>
-        <p:style>
-          <a:lnRef idx="2">
-            <a:schemeClr val="accent1">
-              <a:shade val="50000"/>
-            </a:schemeClr>
-          </a:lnRef>
-          <a:fillRef idx="1">
-            <a:schemeClr val="accent1"/>
-          </a:fillRef>
-          <a:effectRef idx="0">
-            <a:schemeClr val="accent1"/>
-          </a:effectRef>
-          <a:fontRef idx="minor">
-            <a:schemeClr val="lt1"/>
-          </a:fontRef>
-        </p:style>
-        <p:txBody>
-          <a:bodyPr rtlCol="0" anchor="ctr"/>
-          <a:lstStyle/>
-          <a:p>
-            <a:pPr algn="ctr"/>
-            <a:endParaRPr lang="ko-KR" altLang="en-US"/>
-          </a:p>
-        </p:txBody>
-      </p:sp>
-      <p:sp>
-        <p:nvSpPr>
-          <p:cNvPr id="55" name="자유형 54"/>
-          <p:cNvSpPr/>
-          <p:nvPr/>
-        </p:nvSpPr>
-        <p:spPr>
-          <a:xfrm>
-            <a:off x="11939752" y="430623"/>
-            <a:ext cx="616694" cy="1902674"/>
-          </a:xfrm>
-          <a:custGeom>
-            <a:avLst/>
-            <a:gdLst>
-              <a:gd name="connsiteX0" fmla="*/ 210207 w 616694"/>
-              <a:gd name="connsiteY0" fmla="*/ 301 h 1902674"/>
-              <a:gd name="connsiteX1" fmla="*/ 546538 w 616694"/>
-              <a:gd name="connsiteY1" fmla="*/ 231529 h 1902674"/>
-              <a:gd name="connsiteX2" fmla="*/ 567558 w 616694"/>
-              <a:gd name="connsiteY2" fmla="*/ 1408687 h 1902674"/>
-              <a:gd name="connsiteX3" fmla="*/ 0 w 616694"/>
-              <a:gd name="connsiteY3" fmla="*/ 1902674 h 1902674"/>
-            </a:gdLst>
-            <a:ahLst/>
-            <a:cxnLst>
-              <a:cxn ang="0">
-                <a:pos x="connsiteX0" y="connsiteY0"/>
-              </a:cxn>
-              <a:cxn ang="0">
-                <a:pos x="connsiteX1" y="connsiteY1"/>
-              </a:cxn>
-              <a:cxn ang="0">
-                <a:pos x="connsiteX2" y="connsiteY2"/>
-              </a:cxn>
-              <a:cxn ang="0">
-                <a:pos x="connsiteX3" y="connsiteY3"/>
-              </a:cxn>
-            </a:cxnLst>
-            <a:rect l="l" t="t" r="r" b="b"/>
-            <a:pathLst>
-              <a:path w="616694" h="1902674">
-                <a:moveTo>
-                  <a:pt x="210207" y="301"/>
-                </a:moveTo>
-                <a:cubicBezTo>
-                  <a:pt x="348593" y="-1451"/>
-                  <a:pt x="486980" y="-3202"/>
-                  <a:pt x="546538" y="231529"/>
-                </a:cubicBezTo>
-                <a:cubicBezTo>
-                  <a:pt x="606096" y="466260"/>
-                  <a:pt x="658648" y="1130163"/>
-                  <a:pt x="567558" y="1408687"/>
-                </a:cubicBezTo>
-                <a:cubicBezTo>
-                  <a:pt x="476468" y="1687211"/>
-                  <a:pt x="238234" y="1794942"/>
-                  <a:pt x="0" y="1902674"/>
-                </a:cubicBezTo>
-              </a:path>
-            </a:pathLst>
-          </a:custGeom>
-          <a:noFill/>
-          <a:ln>
-            <a:solidFill>
-              <a:srgbClr val="FF0000"/>
-            </a:solidFill>
-          </a:ln>
-        </p:spPr>
-        <p:style>
-          <a:lnRef idx="2">
-            <a:schemeClr val="accent1">
-              <a:shade val="50000"/>
-            </a:schemeClr>
-          </a:lnRef>
-          <a:fillRef idx="1">
-            <a:schemeClr val="accent1"/>
-          </a:fillRef>
-          <a:effectRef idx="0">
-            <a:schemeClr val="accent1"/>
-          </a:effectRef>
-          <a:fontRef idx="minor">
-            <a:schemeClr val="lt1"/>
-          </a:fontRef>
-        </p:style>
-        <p:txBody>
-          <a:bodyPr rtlCol="0" anchor="ctr"/>
-          <a:lstStyle/>
-          <a:p>
-            <a:pPr algn="ctr"/>
-            <a:endParaRPr lang="ko-KR" altLang="en-US"/>
-          </a:p>
-        </p:txBody>
-      </p:sp>
-      <p:sp>
-        <p:nvSpPr>
-          <p:cNvPr id="56" name="자유형 55"/>
-          <p:cNvSpPr/>
-          <p:nvPr/>
-        </p:nvSpPr>
-        <p:spPr>
-          <a:xfrm>
-            <a:off x="6996182" y="448322"/>
-            <a:ext cx="748157" cy="3503568"/>
-          </a:xfrm>
-          <a:custGeom>
-            <a:avLst/>
-            <a:gdLst>
-              <a:gd name="connsiteX0" fmla="*/ 476673 w 748157"/>
-              <a:gd name="connsiteY0" fmla="*/ 45664 h 3503568"/>
-              <a:gd name="connsiteX1" fmla="*/ 707901 w 748157"/>
-              <a:gd name="connsiteY1" fmla="*/ 35154 h 3503568"/>
-              <a:gd name="connsiteX2" fmla="*/ 707901 w 748157"/>
-              <a:gd name="connsiteY2" fmla="*/ 434547 h 3503568"/>
-              <a:gd name="connsiteX3" fmla="*/ 718411 w 748157"/>
-              <a:gd name="connsiteY3" fmla="*/ 1191292 h 3503568"/>
-              <a:gd name="connsiteX4" fmla="*/ 276977 w 748157"/>
-              <a:gd name="connsiteY4" fmla="*/ 1285885 h 3503568"/>
-              <a:gd name="connsiteX5" fmla="*/ 24728 w 748157"/>
-              <a:gd name="connsiteY5" fmla="*/ 1327926 h 3503568"/>
-              <a:gd name="connsiteX6" fmla="*/ 14218 w 748157"/>
-              <a:gd name="connsiteY6" fmla="*/ 1927016 h 3503568"/>
-              <a:gd name="connsiteX7" fmla="*/ 66770 w 748157"/>
-              <a:gd name="connsiteY7" fmla="*/ 3125195 h 3503568"/>
-              <a:gd name="connsiteX8" fmla="*/ 319018 w 748157"/>
-              <a:gd name="connsiteY8" fmla="*/ 3503568 h 3503568"/>
-            </a:gdLst>
-            <a:ahLst/>
-            <a:cxnLst>
-              <a:cxn ang="0">
-                <a:pos x="connsiteX0" y="connsiteY0"/>
-              </a:cxn>
-              <a:cxn ang="0">
-                <a:pos x="connsiteX1" y="connsiteY1"/>
-              </a:cxn>
-              <a:cxn ang="0">
-                <a:pos x="connsiteX2" y="connsiteY2"/>
-              </a:cxn>
-              <a:cxn ang="0">
-                <a:pos x="connsiteX3" y="connsiteY3"/>
-              </a:cxn>
-              <a:cxn ang="0">
-                <a:pos x="connsiteX4" y="connsiteY4"/>
-              </a:cxn>
-              <a:cxn ang="0">
-                <a:pos x="connsiteX5" y="connsiteY5"/>
-              </a:cxn>
-              <a:cxn ang="0">
-                <a:pos x="connsiteX6" y="connsiteY6"/>
-              </a:cxn>
-              <a:cxn ang="0">
-                <a:pos x="connsiteX7" y="connsiteY7"/>
-              </a:cxn>
-              <a:cxn ang="0">
-                <a:pos x="connsiteX8" y="connsiteY8"/>
-              </a:cxn>
-            </a:cxnLst>
-            <a:rect l="l" t="t" r="r" b="b"/>
-            <a:pathLst>
-              <a:path w="748157" h="3503568">
-                <a:moveTo>
-                  <a:pt x="476673" y="45664"/>
-                </a:moveTo>
-                <a:cubicBezTo>
-                  <a:pt x="573018" y="8002"/>
-                  <a:pt x="669363" y="-29660"/>
-                  <a:pt x="707901" y="35154"/>
-                </a:cubicBezTo>
-                <a:cubicBezTo>
-                  <a:pt x="746439" y="99968"/>
-                  <a:pt x="706149" y="241857"/>
-                  <a:pt x="707901" y="434547"/>
-                </a:cubicBezTo>
-                <a:cubicBezTo>
-                  <a:pt x="709653" y="627237"/>
-                  <a:pt x="790232" y="1049402"/>
-                  <a:pt x="718411" y="1191292"/>
-                </a:cubicBezTo>
-                <a:cubicBezTo>
-                  <a:pt x="646590" y="1333182"/>
-                  <a:pt x="392591" y="1263113"/>
-                  <a:pt x="276977" y="1285885"/>
-                </a:cubicBezTo>
-                <a:cubicBezTo>
-                  <a:pt x="161363" y="1308657"/>
-                  <a:pt x="68521" y="1221071"/>
-                  <a:pt x="24728" y="1327926"/>
-                </a:cubicBezTo>
-                <a:cubicBezTo>
-                  <a:pt x="-19065" y="1434781"/>
-                  <a:pt x="7211" y="1627471"/>
-                  <a:pt x="14218" y="1927016"/>
-                </a:cubicBezTo>
-                <a:cubicBezTo>
-                  <a:pt x="21225" y="2226561"/>
-                  <a:pt x="15970" y="2862436"/>
-                  <a:pt x="66770" y="3125195"/>
-                </a:cubicBezTo>
-                <a:cubicBezTo>
-                  <a:pt x="117570" y="3387954"/>
-                  <a:pt x="218294" y="3445761"/>
-                  <a:pt x="319018" y="3503568"/>
-                </a:cubicBezTo>
-              </a:path>
-            </a:pathLst>
-          </a:custGeom>
-          <a:noFill/>
-          <a:ln>
-            <a:solidFill>
-              <a:srgbClr val="CC00FF"/>
-            </a:solidFill>
-          </a:ln>
-        </p:spPr>
-        <p:style>
-          <a:lnRef idx="2">
-            <a:schemeClr val="accent1">
-              <a:shade val="50000"/>
-            </a:schemeClr>
-          </a:lnRef>
-          <a:fillRef idx="1">
-            <a:schemeClr val="accent1"/>
-          </a:fillRef>
-          <a:effectRef idx="0">
-            <a:schemeClr val="accent1"/>
-          </a:effectRef>
-          <a:fontRef idx="minor">
-            <a:schemeClr val="lt1"/>
-          </a:fontRef>
-        </p:style>
-        <p:txBody>
-          <a:bodyPr rtlCol="0" anchor="ctr"/>
-          <a:lstStyle/>
-          <a:p>
-            <a:pPr algn="ctr"/>
-            <a:endParaRPr lang="ko-KR" altLang="en-US"/>
-          </a:p>
-        </p:txBody>
-      </p:sp>
       <p:graphicFrame>
         <p:nvGraphicFramePr>
           <p:cNvPr id="57" name="표 56"/>
@@ -6922,10 +5632,5491 @@
           </a:graphicData>
         </a:graphic>
       </p:graphicFrame>
+      <p:graphicFrame>
+        <p:nvGraphicFramePr>
+          <p:cNvPr id="23" name="표 22"/>
+          <p:cNvGraphicFramePr>
+            <a:graphicFrameLocks noGrp="1"/>
+          </p:cNvGraphicFramePr>
+          <p:nvPr>
+            <p:extLst>
+              <p:ext uri="{D42A27DB-BD31-4B8C-83A1-F6EECF244321}">
+                <p14:modId xmlns:p14="http://schemas.microsoft.com/office/powerpoint/2010/main" val="3305400972"/>
+              </p:ext>
+            </p:extLst>
+          </p:nvPr>
+        </p:nvGraphicFramePr>
+        <p:xfrm>
+          <a:off x="5566632" y="5347746"/>
+          <a:ext cx="1709695" cy="1295400"/>
+        </p:xfrm>
+        <a:graphic>
+          <a:graphicData uri="http://schemas.openxmlformats.org/drawingml/2006/table">
+            <a:tbl>
+              <a:tblPr firstRow="1" bandRow="1">
+                <a:tableStyleId>{7DF18680-E054-41AD-8BC1-D1AEF772440D}</a:tableStyleId>
+              </a:tblPr>
+              <a:tblGrid>
+                <a:gridCol w="1709695">
+                  <a:extLst>
+                    <a:ext uri="{9D8B030D-6E8A-4147-A177-3AD203B41FA5}">
+                      <a16:colId xmlns:a16="http://schemas.microsoft.com/office/drawing/2014/main" val="1628425209"/>
+                    </a:ext>
+                  </a:extLst>
+                </a:gridCol>
+              </a:tblGrid>
+              <a:tr h="254198">
+                <a:tc>
+                  <a:txBody>
+                    <a:bodyPr/>
+                    <a:lstStyle/>
+                    <a:p>
+                      <a:pPr latinLnBrk="1"/>
+                      <a:r>
+                        <a:rPr lang="ko-KR" altLang="en-US" sz="1100" dirty="0" err="1" smtClean="0"/>
+                        <a:t>트위치</a:t>
+                      </a:r>
+                      <a:r>
+                        <a:rPr lang="ko-KR" altLang="en-US" sz="1100" dirty="0" smtClean="0"/>
+                        <a:t> 게임 세부</a:t>
+                      </a:r>
+                      <a:endParaRPr lang="ko-KR" altLang="en-US" sz="1100" dirty="0"/>
+                    </a:p>
+                  </a:txBody>
+                  <a:tcPr>
+                    <a:solidFill>
+                      <a:srgbClr val="9966FF"/>
+                    </a:solidFill>
+                  </a:tcPr>
+                </a:tc>
+                <a:extLst>
+                  <a:ext uri="{0D108BD9-81ED-4DB2-BD59-A6C34878D82A}">
+                    <a16:rowId xmlns:a16="http://schemas.microsoft.com/office/drawing/2014/main" val="2441104982"/>
+                  </a:ext>
+                </a:extLst>
+              </a:tr>
+              <a:tr h="248414">
+                <a:tc>
+                  <a:txBody>
+                    <a:bodyPr/>
+                    <a:lstStyle/>
+                    <a:p>
+                      <a:pPr latinLnBrk="1"/>
+                      <a:r>
+                        <a:rPr lang="ko-KR" altLang="en-US" sz="1100" dirty="0" smtClean="0"/>
+                        <a:t>게임</a:t>
+                      </a:r>
+                      <a:r>
+                        <a:rPr lang="en-US" altLang="ko-KR" sz="1100" dirty="0" smtClean="0"/>
+                        <a:t>ID</a:t>
+                      </a:r>
+                      <a:endParaRPr lang="en-US" altLang="ko-KR" sz="1100" dirty="0" smtClean="0"/>
+                    </a:p>
+                  </a:txBody>
+                  <a:tcPr>
+                    <a:solidFill>
+                      <a:srgbClr val="CCCCFF"/>
+                    </a:solidFill>
+                  </a:tcPr>
+                </a:tc>
+                <a:extLst>
+                  <a:ext uri="{0D108BD9-81ED-4DB2-BD59-A6C34878D82A}">
+                    <a16:rowId xmlns:a16="http://schemas.microsoft.com/office/drawing/2014/main" val="3832849648"/>
+                  </a:ext>
+                </a:extLst>
+              </a:tr>
+              <a:tr h="248414">
+                <a:tc>
+                  <a:txBody>
+                    <a:bodyPr/>
+                    <a:lstStyle/>
+                    <a:p>
+                      <a:pPr latinLnBrk="1"/>
+                      <a:r>
+                        <a:rPr lang="ko-KR" altLang="en-US" sz="1100" dirty="0" smtClean="0"/>
+                        <a:t>총</a:t>
+                      </a:r>
+                      <a:r>
+                        <a:rPr lang="en-US" altLang="ko-KR" sz="1100" dirty="0" smtClean="0"/>
+                        <a:t> </a:t>
+                      </a:r>
+                      <a:r>
+                        <a:rPr lang="ko-KR" altLang="en-US" sz="1100" dirty="0" smtClean="0"/>
+                        <a:t>시청자</a:t>
+                      </a:r>
+                      <a:endParaRPr lang="en-US" altLang="ko-KR" sz="1100" dirty="0" smtClean="0"/>
+                    </a:p>
+                  </a:txBody>
+                  <a:tcPr>
+                    <a:solidFill>
+                      <a:srgbClr val="9966FF"/>
+                    </a:solidFill>
+                  </a:tcPr>
+                </a:tc>
+                <a:extLst>
+                  <a:ext uri="{0D108BD9-81ED-4DB2-BD59-A6C34878D82A}">
+                    <a16:rowId xmlns:a16="http://schemas.microsoft.com/office/drawing/2014/main" val="669642124"/>
+                  </a:ext>
+                </a:extLst>
+              </a:tr>
+              <a:tr h="248414">
+                <a:tc>
+                  <a:txBody>
+                    <a:bodyPr/>
+                    <a:lstStyle/>
+                    <a:p>
+                      <a:pPr latinLnBrk="1"/>
+                      <a:r>
+                        <a:rPr lang="ko-KR" altLang="en-US" sz="1100" dirty="0" smtClean="0"/>
+                        <a:t>방송중인 채널 수</a:t>
+                      </a:r>
+                      <a:endParaRPr lang="en-US" altLang="ko-KR" sz="1100" dirty="0" smtClean="0"/>
+                    </a:p>
+                  </a:txBody>
+                  <a:tcPr>
+                    <a:solidFill>
+                      <a:srgbClr val="CCCCFF"/>
+                    </a:solidFill>
+                  </a:tcPr>
+                </a:tc>
+                <a:extLst>
+                  <a:ext uri="{0D108BD9-81ED-4DB2-BD59-A6C34878D82A}">
+                    <a16:rowId xmlns:a16="http://schemas.microsoft.com/office/drawing/2014/main" val="4176099474"/>
+                  </a:ext>
+                </a:extLst>
+              </a:tr>
+              <a:tr h="248414">
+                <a:tc>
+                  <a:txBody>
+                    <a:bodyPr/>
+                    <a:lstStyle/>
+                    <a:p>
+                      <a:pPr latinLnBrk="1"/>
+                      <a:r>
+                        <a:rPr lang="ko-KR" altLang="en-US" sz="1100" dirty="0" smtClean="0"/>
+                        <a:t>날짜</a:t>
+                      </a:r>
+                      <a:endParaRPr lang="ko-KR" altLang="en-US" sz="1100" dirty="0"/>
+                    </a:p>
+                  </a:txBody>
+                  <a:tcPr>
+                    <a:solidFill>
+                      <a:srgbClr val="9966FF"/>
+                    </a:solidFill>
+                  </a:tcPr>
+                </a:tc>
+                <a:extLst>
+                  <a:ext uri="{0D108BD9-81ED-4DB2-BD59-A6C34878D82A}">
+                    <a16:rowId xmlns:a16="http://schemas.microsoft.com/office/drawing/2014/main" val="2502794991"/>
+                  </a:ext>
+                </a:extLst>
+              </a:tr>
+            </a:tbl>
+          </a:graphicData>
+        </a:graphic>
+      </p:graphicFrame>
+      <p:cxnSp>
+        <p:nvCxnSpPr>
+          <p:cNvPr id="3" name="직선 연결선 2"/>
+          <p:cNvCxnSpPr/>
+          <p:nvPr/>
+        </p:nvCxnSpPr>
+        <p:spPr>
+          <a:xfrm>
+            <a:off x="7339389" y="430623"/>
+            <a:ext cx="489033" cy="0"/>
+          </a:xfrm>
+          <a:prstGeom prst="line">
+            <a:avLst/>
+          </a:prstGeom>
+          <a:ln>
+            <a:solidFill>
+              <a:srgbClr val="CC00FF"/>
+            </a:solidFill>
+          </a:ln>
+        </p:spPr>
+        <p:style>
+          <a:lnRef idx="1">
+            <a:schemeClr val="accent1"/>
+          </a:lnRef>
+          <a:fillRef idx="0">
+            <a:schemeClr val="accent1"/>
+          </a:fillRef>
+          <a:effectRef idx="0">
+            <a:schemeClr val="accent1"/>
+          </a:effectRef>
+          <a:fontRef idx="minor">
+            <a:schemeClr val="tx1"/>
+          </a:fontRef>
+        </p:style>
+      </p:cxnSp>
+      <p:graphicFrame>
+        <p:nvGraphicFramePr>
+          <p:cNvPr id="28" name="표 27"/>
+          <p:cNvGraphicFramePr>
+            <a:graphicFrameLocks noGrp="1"/>
+          </p:cNvGraphicFramePr>
+          <p:nvPr>
+            <p:extLst>
+              <p:ext uri="{D42A27DB-BD31-4B8C-83A1-F6EECF244321}">
+                <p14:modId xmlns:p14="http://schemas.microsoft.com/office/powerpoint/2010/main" val="3252941964"/>
+              </p:ext>
+            </p:extLst>
+          </p:nvPr>
+        </p:nvGraphicFramePr>
+        <p:xfrm>
+          <a:off x="5580315" y="4350706"/>
+          <a:ext cx="1709695" cy="777240"/>
+        </p:xfrm>
+        <a:graphic>
+          <a:graphicData uri="http://schemas.openxmlformats.org/drawingml/2006/table">
+            <a:tbl>
+              <a:tblPr firstRow="1" bandRow="1">
+                <a:tableStyleId>{7DF18680-E054-41AD-8BC1-D1AEF772440D}</a:tableStyleId>
+              </a:tblPr>
+              <a:tblGrid>
+                <a:gridCol w="1709695">
+                  <a:extLst>
+                    <a:ext uri="{9D8B030D-6E8A-4147-A177-3AD203B41FA5}">
+                      <a16:colId xmlns:a16="http://schemas.microsoft.com/office/drawing/2014/main" val="1628425209"/>
+                    </a:ext>
+                  </a:extLst>
+                </a:gridCol>
+              </a:tblGrid>
+              <a:tr h="254198">
+                <a:tc>
+                  <a:txBody>
+                    <a:bodyPr/>
+                    <a:lstStyle/>
+                    <a:p>
+                      <a:pPr latinLnBrk="1"/>
+                      <a:r>
+                        <a:rPr lang="ko-KR" altLang="en-US" sz="1100" dirty="0" err="1" smtClean="0"/>
+                        <a:t>트위치</a:t>
+                      </a:r>
+                      <a:r>
+                        <a:rPr lang="ko-KR" altLang="en-US" sz="1100" dirty="0" smtClean="0"/>
+                        <a:t> 게임</a:t>
+                      </a:r>
+                      <a:endParaRPr lang="ko-KR" altLang="en-US" sz="1100" dirty="0"/>
+                    </a:p>
+                  </a:txBody>
+                  <a:tcPr>
+                    <a:solidFill>
+                      <a:srgbClr val="9966FF"/>
+                    </a:solidFill>
+                  </a:tcPr>
+                </a:tc>
+                <a:extLst>
+                  <a:ext uri="{0D108BD9-81ED-4DB2-BD59-A6C34878D82A}">
+                    <a16:rowId xmlns:a16="http://schemas.microsoft.com/office/drawing/2014/main" val="2441104982"/>
+                  </a:ext>
+                </a:extLst>
+              </a:tr>
+              <a:tr h="248414">
+                <a:tc>
+                  <a:txBody>
+                    <a:bodyPr/>
+                    <a:lstStyle/>
+                    <a:p>
+                      <a:pPr latinLnBrk="1"/>
+                      <a:r>
+                        <a:rPr lang="ko-KR" altLang="en-US" sz="1100" dirty="0" smtClean="0"/>
+                        <a:t>게임</a:t>
+                      </a:r>
+                      <a:r>
+                        <a:rPr lang="en-US" altLang="ko-KR" sz="1100" dirty="0" smtClean="0"/>
+                        <a:t>ID</a:t>
+                      </a:r>
+                      <a:endParaRPr lang="en-US" altLang="ko-KR" sz="1100" dirty="0" smtClean="0"/>
+                    </a:p>
+                  </a:txBody>
+                  <a:tcPr>
+                    <a:solidFill>
+                      <a:srgbClr val="CCCCFF"/>
+                    </a:solidFill>
+                  </a:tcPr>
+                </a:tc>
+                <a:extLst>
+                  <a:ext uri="{0D108BD9-81ED-4DB2-BD59-A6C34878D82A}">
+                    <a16:rowId xmlns:a16="http://schemas.microsoft.com/office/drawing/2014/main" val="3832849648"/>
+                  </a:ext>
+                </a:extLst>
+              </a:tr>
+              <a:tr h="248414">
+                <a:tc>
+                  <a:txBody>
+                    <a:bodyPr/>
+                    <a:lstStyle/>
+                    <a:p>
+                      <a:pPr latinLnBrk="1"/>
+                      <a:r>
+                        <a:rPr lang="ko-KR" altLang="en-US" sz="1100" dirty="0" err="1" smtClean="0"/>
+                        <a:t>게임이름</a:t>
+                      </a:r>
+                      <a:endParaRPr lang="en-US" altLang="ko-KR" sz="1100" dirty="0" smtClean="0"/>
+                    </a:p>
+                  </a:txBody>
+                  <a:tcPr>
+                    <a:solidFill>
+                      <a:srgbClr val="9966FF"/>
+                    </a:solidFill>
+                  </a:tcPr>
+                </a:tc>
+                <a:extLst>
+                  <a:ext uri="{0D108BD9-81ED-4DB2-BD59-A6C34878D82A}">
+                    <a16:rowId xmlns:a16="http://schemas.microsoft.com/office/drawing/2014/main" val="669642124"/>
+                  </a:ext>
+                </a:extLst>
+              </a:tr>
+            </a:tbl>
+          </a:graphicData>
+        </a:graphic>
+      </p:graphicFrame>
+      <p:graphicFrame>
+        <p:nvGraphicFramePr>
+          <p:cNvPr id="35" name="표 34"/>
+          <p:cNvGraphicFramePr>
+            <a:graphicFrameLocks noGrp="1"/>
+          </p:cNvGraphicFramePr>
+          <p:nvPr>
+            <p:extLst>
+              <p:ext uri="{D42A27DB-BD31-4B8C-83A1-F6EECF244321}">
+                <p14:modId xmlns:p14="http://schemas.microsoft.com/office/powerpoint/2010/main" val="3894208232"/>
+              </p:ext>
+            </p:extLst>
+          </p:nvPr>
+        </p:nvGraphicFramePr>
+        <p:xfrm>
+          <a:off x="3568950" y="1651967"/>
+          <a:ext cx="2011365" cy="2331720"/>
+        </p:xfrm>
+        <a:graphic>
+          <a:graphicData uri="http://schemas.openxmlformats.org/drawingml/2006/table">
+            <a:tbl>
+              <a:tblPr firstRow="1" bandRow="1">
+                <a:tableStyleId>{69C7853C-536D-4A76-A0AE-DD22124D55A5}</a:tableStyleId>
+              </a:tblPr>
+              <a:tblGrid>
+                <a:gridCol w="2011365">
+                  <a:extLst>
+                    <a:ext uri="{9D8B030D-6E8A-4147-A177-3AD203B41FA5}">
+                      <a16:colId xmlns:a16="http://schemas.microsoft.com/office/drawing/2014/main" val="1628425209"/>
+                    </a:ext>
+                  </a:extLst>
+                </a:gridCol>
+              </a:tblGrid>
+              <a:tr h="248414">
+                <a:tc>
+                  <a:txBody>
+                    <a:bodyPr/>
+                    <a:lstStyle/>
+                    <a:p>
+                      <a:pPr latinLnBrk="1"/>
+                      <a:r>
+                        <a:rPr lang="ko-KR" altLang="en-US" sz="1100" dirty="0" err="1" smtClean="0"/>
+                        <a:t>트위치</a:t>
+                      </a:r>
+                      <a:r>
+                        <a:rPr lang="ko-KR" altLang="en-US" sz="1100" dirty="0" smtClean="0"/>
+                        <a:t> 스트리밍 </a:t>
+                      </a:r>
+                      <a:r>
+                        <a:rPr lang="ko-KR" altLang="en-US" sz="1100" dirty="0" smtClean="0"/>
+                        <a:t>채팅</a:t>
+                      </a:r>
+                      <a:endParaRPr lang="ko-KR" altLang="en-US" sz="1100" dirty="0"/>
+                    </a:p>
+                  </a:txBody>
+                  <a:tcPr>
+                    <a:lnL w="12700" cap="flat" cmpd="sng" algn="ctr">
+                      <a:solidFill>
+                        <a:srgbClr val="FF0000"/>
+                      </a:solidFill>
+                      <a:prstDash val="solid"/>
+                      <a:round/>
+                      <a:headEnd type="none" w="med" len="med"/>
+                      <a:tailEnd type="none" w="med" len="med"/>
+                    </a:lnL>
+                    <a:lnR w="12700" cap="flat" cmpd="sng" algn="ctr">
+                      <a:solidFill>
+                        <a:srgbClr val="FF0000"/>
+                      </a:solidFill>
+                      <a:prstDash val="solid"/>
+                      <a:round/>
+                      <a:headEnd type="none" w="med" len="med"/>
+                      <a:tailEnd type="none" w="med" len="med"/>
+                    </a:lnR>
+                    <a:lnT w="12700" cap="flat" cmpd="sng" algn="ctr">
+                      <a:solidFill>
+                        <a:srgbClr val="FF0000"/>
+                      </a:solidFill>
+                      <a:prstDash val="solid"/>
+                      <a:round/>
+                      <a:headEnd type="none" w="med" len="med"/>
+                      <a:tailEnd type="none" w="med" len="med"/>
+                    </a:lnT>
+                  </a:tcPr>
+                </a:tc>
+                <a:extLst>
+                  <a:ext uri="{0D108BD9-81ED-4DB2-BD59-A6C34878D82A}">
+                    <a16:rowId xmlns:a16="http://schemas.microsoft.com/office/drawing/2014/main" val="2441104982"/>
+                  </a:ext>
+                </a:extLst>
+              </a:tr>
+              <a:tr h="248414">
+                <a:tc>
+                  <a:txBody>
+                    <a:bodyPr/>
+                    <a:lstStyle/>
+                    <a:p>
+                      <a:pPr latinLnBrk="1"/>
+                      <a:r>
+                        <a:rPr lang="ko-KR" altLang="en-US" sz="1100" dirty="0" smtClean="0"/>
+                        <a:t>채팅 번호</a:t>
+                      </a:r>
+                      <a:endParaRPr lang="en-US" altLang="ko-KR" sz="1100" dirty="0" smtClean="0"/>
+                    </a:p>
+                  </a:txBody>
+                  <a:tcPr>
+                    <a:lnL w="12700" cap="flat" cmpd="sng" algn="ctr">
+                      <a:solidFill>
+                        <a:srgbClr val="FF0000"/>
+                      </a:solidFill>
+                      <a:prstDash val="solid"/>
+                      <a:round/>
+                      <a:headEnd type="none" w="med" len="med"/>
+                      <a:tailEnd type="none" w="med" len="med"/>
+                    </a:lnL>
+                    <a:lnR w="12700" cap="flat" cmpd="sng" algn="ctr">
+                      <a:solidFill>
+                        <a:srgbClr val="FF0000"/>
+                      </a:solidFill>
+                      <a:prstDash val="solid"/>
+                      <a:round/>
+                      <a:headEnd type="none" w="med" len="med"/>
+                      <a:tailEnd type="none" w="med" len="med"/>
+                    </a:lnR>
+                  </a:tcPr>
+                </a:tc>
+                <a:extLst>
+                  <a:ext uri="{0D108BD9-81ED-4DB2-BD59-A6C34878D82A}">
+                    <a16:rowId xmlns:a16="http://schemas.microsoft.com/office/drawing/2014/main" val="3832849648"/>
+                  </a:ext>
+                </a:extLst>
+              </a:tr>
+              <a:tr h="248414">
+                <a:tc>
+                  <a:txBody>
+                    <a:bodyPr/>
+                    <a:lstStyle/>
+                    <a:p>
+                      <a:pPr marL="0" marR="0" indent="0" algn="l" defTabSz="914400" rtl="0" eaLnBrk="1" fontAlgn="auto" latinLnBrk="1" hangingPunct="1">
+                        <a:lnSpc>
+                          <a:spcPct val="100000"/>
+                        </a:lnSpc>
+                        <a:spcBef>
+                          <a:spcPts val="0"/>
+                        </a:spcBef>
+                        <a:spcAft>
+                          <a:spcPts val="0"/>
+                        </a:spcAft>
+                        <a:buClrTx/>
+                        <a:buSzTx/>
+                        <a:buFontTx/>
+                        <a:buNone/>
+                        <a:tabLst/>
+                        <a:defRPr/>
+                      </a:pPr>
+                      <a:r>
+                        <a:rPr lang="ko-KR" altLang="en-US" sz="1100" dirty="0" smtClean="0"/>
+                        <a:t>날짜 및 시간</a:t>
+                      </a:r>
+                      <a:endParaRPr lang="en-US" altLang="ko-KR" sz="1100" dirty="0" smtClean="0"/>
+                    </a:p>
+                  </a:txBody>
+                  <a:tcPr>
+                    <a:lnL w="12700" cap="flat" cmpd="sng" algn="ctr">
+                      <a:solidFill>
+                        <a:srgbClr val="FF0000"/>
+                      </a:solidFill>
+                      <a:prstDash val="solid"/>
+                      <a:round/>
+                      <a:headEnd type="none" w="med" len="med"/>
+                      <a:tailEnd type="none" w="med" len="med"/>
+                    </a:lnL>
+                    <a:lnR w="12700" cap="flat" cmpd="sng" algn="ctr">
+                      <a:solidFill>
+                        <a:srgbClr val="FF0000"/>
+                      </a:solidFill>
+                      <a:prstDash val="solid"/>
+                      <a:round/>
+                      <a:headEnd type="none" w="med" len="med"/>
+                      <a:tailEnd type="none" w="med" len="med"/>
+                    </a:lnR>
+                  </a:tcPr>
+                </a:tc>
+                <a:extLst>
+                  <a:ext uri="{0D108BD9-81ED-4DB2-BD59-A6C34878D82A}">
+                    <a16:rowId xmlns:a16="http://schemas.microsoft.com/office/drawing/2014/main" val="669642124"/>
+                  </a:ext>
+                </a:extLst>
+              </a:tr>
+              <a:tr h="248414">
+                <a:tc>
+                  <a:txBody>
+                    <a:bodyPr/>
+                    <a:lstStyle/>
+                    <a:p>
+                      <a:pPr marL="0" marR="0" indent="0" algn="l" defTabSz="914400" rtl="0" eaLnBrk="1" fontAlgn="auto" latinLnBrk="1" hangingPunct="1">
+                        <a:lnSpc>
+                          <a:spcPct val="100000"/>
+                        </a:lnSpc>
+                        <a:spcBef>
+                          <a:spcPts val="0"/>
+                        </a:spcBef>
+                        <a:spcAft>
+                          <a:spcPts val="0"/>
+                        </a:spcAft>
+                        <a:buClrTx/>
+                        <a:buSzTx/>
+                        <a:buFontTx/>
+                        <a:buNone/>
+                        <a:tabLst/>
+                        <a:defRPr/>
+                      </a:pPr>
+                      <a:r>
+                        <a:rPr lang="ko-KR" altLang="en-US" sz="1100" dirty="0" smtClean="0"/>
+                        <a:t>시청자 아이디</a:t>
+                      </a:r>
+                    </a:p>
+                  </a:txBody>
+                  <a:tcPr>
+                    <a:lnL w="12700" cap="flat" cmpd="sng" algn="ctr">
+                      <a:solidFill>
+                        <a:srgbClr val="FF0000"/>
+                      </a:solidFill>
+                      <a:prstDash val="solid"/>
+                      <a:round/>
+                      <a:headEnd type="none" w="med" len="med"/>
+                      <a:tailEnd type="none" w="med" len="med"/>
+                    </a:lnL>
+                    <a:lnR w="12700" cap="flat" cmpd="sng" algn="ctr">
+                      <a:solidFill>
+                        <a:srgbClr val="FF0000"/>
+                      </a:solidFill>
+                      <a:prstDash val="solid"/>
+                      <a:round/>
+                      <a:headEnd type="none" w="med" len="med"/>
+                      <a:tailEnd type="none" w="med" len="med"/>
+                    </a:lnR>
+                  </a:tcPr>
+                </a:tc>
+                <a:extLst>
+                  <a:ext uri="{0D108BD9-81ED-4DB2-BD59-A6C34878D82A}">
+                    <a16:rowId xmlns:a16="http://schemas.microsoft.com/office/drawing/2014/main" val="4176099474"/>
+                  </a:ext>
+                </a:extLst>
+              </a:tr>
+              <a:tr h="248414">
+                <a:tc>
+                  <a:txBody>
+                    <a:bodyPr/>
+                    <a:lstStyle/>
+                    <a:p>
+                      <a:pPr marL="0" marR="0" indent="0" algn="l" defTabSz="914400" rtl="0" eaLnBrk="1" fontAlgn="auto" latinLnBrk="1" hangingPunct="1">
+                        <a:lnSpc>
+                          <a:spcPct val="100000"/>
+                        </a:lnSpc>
+                        <a:spcBef>
+                          <a:spcPts val="0"/>
+                        </a:spcBef>
+                        <a:spcAft>
+                          <a:spcPts val="0"/>
+                        </a:spcAft>
+                        <a:buClrTx/>
+                        <a:buSzTx/>
+                        <a:buFontTx/>
+                        <a:buNone/>
+                        <a:tabLst/>
+                        <a:defRPr/>
+                      </a:pPr>
+                      <a:r>
+                        <a:rPr lang="ko-KR" altLang="en-US" sz="1100" dirty="0" smtClean="0"/>
+                        <a:t>채팅 내용</a:t>
+                      </a:r>
+                    </a:p>
+                  </a:txBody>
+                  <a:tcPr>
+                    <a:lnL w="12700" cap="flat" cmpd="sng" algn="ctr">
+                      <a:solidFill>
+                        <a:srgbClr val="FF0000"/>
+                      </a:solidFill>
+                      <a:prstDash val="solid"/>
+                      <a:round/>
+                      <a:headEnd type="none" w="med" len="med"/>
+                      <a:tailEnd type="none" w="med" len="med"/>
+                    </a:lnL>
+                    <a:lnR w="12700" cap="flat" cmpd="sng" algn="ctr">
+                      <a:solidFill>
+                        <a:srgbClr val="FF0000"/>
+                      </a:solidFill>
+                      <a:prstDash val="solid"/>
+                      <a:round/>
+                      <a:headEnd type="none" w="med" len="med"/>
+                      <a:tailEnd type="none" w="med" len="med"/>
+                    </a:lnR>
+                  </a:tcPr>
+                </a:tc>
+                <a:extLst>
+                  <a:ext uri="{0D108BD9-81ED-4DB2-BD59-A6C34878D82A}">
+                    <a16:rowId xmlns:a16="http://schemas.microsoft.com/office/drawing/2014/main" val="2502794991"/>
+                  </a:ext>
+                </a:extLst>
+              </a:tr>
+              <a:tr h="248414">
+                <a:tc>
+                  <a:txBody>
+                    <a:bodyPr/>
+                    <a:lstStyle/>
+                    <a:p>
+                      <a:pPr latinLnBrk="1"/>
+                      <a:r>
+                        <a:rPr lang="ko-KR" altLang="en-US" sz="1100" dirty="0" smtClean="0"/>
+                        <a:t>스트리밍</a:t>
+                      </a:r>
+                      <a:r>
+                        <a:rPr lang="en-US" altLang="ko-KR" sz="1100" dirty="0" smtClean="0"/>
+                        <a:t>ID</a:t>
+                      </a:r>
+                      <a:endParaRPr lang="ko-KR" altLang="en-US" sz="1100" dirty="0"/>
+                    </a:p>
+                  </a:txBody>
+                  <a:tcPr>
+                    <a:lnL w="12700" cap="flat" cmpd="sng" algn="ctr">
+                      <a:solidFill>
+                        <a:srgbClr val="FF0000"/>
+                      </a:solidFill>
+                      <a:prstDash val="solid"/>
+                      <a:round/>
+                      <a:headEnd type="none" w="med" len="med"/>
+                      <a:tailEnd type="none" w="med" len="med"/>
+                    </a:lnL>
+                    <a:lnR w="12700" cap="flat" cmpd="sng" algn="ctr">
+                      <a:solidFill>
+                        <a:srgbClr val="FF0000"/>
+                      </a:solidFill>
+                      <a:prstDash val="solid"/>
+                      <a:round/>
+                      <a:headEnd type="none" w="med" len="med"/>
+                      <a:tailEnd type="none" w="med" len="med"/>
+                    </a:lnR>
+                  </a:tcPr>
+                </a:tc>
+                <a:extLst>
+                  <a:ext uri="{0D108BD9-81ED-4DB2-BD59-A6C34878D82A}">
+                    <a16:rowId xmlns:a16="http://schemas.microsoft.com/office/drawing/2014/main" val="3879632459"/>
+                  </a:ext>
+                </a:extLst>
+              </a:tr>
+              <a:tr h="248414">
+                <a:tc>
+                  <a:txBody>
+                    <a:bodyPr/>
+                    <a:lstStyle/>
+                    <a:p>
+                      <a:pPr marL="0" marR="0" indent="0" algn="l" defTabSz="914400" rtl="0" eaLnBrk="1" fontAlgn="auto" latinLnBrk="1" hangingPunct="1">
+                        <a:lnSpc>
+                          <a:spcPct val="100000"/>
+                        </a:lnSpc>
+                        <a:spcBef>
+                          <a:spcPts val="0"/>
+                        </a:spcBef>
+                        <a:spcAft>
+                          <a:spcPts val="0"/>
+                        </a:spcAft>
+                        <a:buClrTx/>
+                        <a:buSzTx/>
+                        <a:buFontTx/>
+                        <a:buNone/>
+                        <a:tabLst/>
+                        <a:defRPr/>
+                      </a:pPr>
+                      <a:r>
+                        <a:rPr lang="ko-KR" altLang="en-US" sz="1100" dirty="0" err="1" smtClean="0"/>
+                        <a:t>스트리머</a:t>
+                      </a:r>
+                      <a:r>
+                        <a:rPr lang="en-US" altLang="ko-KR" sz="1100" dirty="0" smtClean="0"/>
+                        <a:t>ID</a:t>
+                      </a:r>
+                      <a:endParaRPr lang="ko-KR" altLang="en-US" sz="1100" dirty="0" smtClean="0"/>
+                    </a:p>
+                  </a:txBody>
+                  <a:tcPr>
+                    <a:lnL w="12700" cap="flat" cmpd="sng" algn="ctr">
+                      <a:solidFill>
+                        <a:srgbClr val="FF0000"/>
+                      </a:solidFill>
+                      <a:prstDash val="solid"/>
+                      <a:round/>
+                      <a:headEnd type="none" w="med" len="med"/>
+                      <a:tailEnd type="none" w="med" len="med"/>
+                    </a:lnL>
+                    <a:lnR w="12700" cap="flat" cmpd="sng" algn="ctr">
+                      <a:solidFill>
+                        <a:srgbClr val="FF0000"/>
+                      </a:solidFill>
+                      <a:prstDash val="solid"/>
+                      <a:round/>
+                      <a:headEnd type="none" w="med" len="med"/>
+                      <a:tailEnd type="none" w="med" len="med"/>
+                    </a:lnR>
+                  </a:tcPr>
+                </a:tc>
+                <a:extLst>
+                  <a:ext uri="{0D108BD9-81ED-4DB2-BD59-A6C34878D82A}">
+                    <a16:rowId xmlns:a16="http://schemas.microsoft.com/office/drawing/2014/main" val="2576890930"/>
+                  </a:ext>
+                </a:extLst>
+              </a:tr>
+              <a:tr h="248414">
+                <a:tc>
+                  <a:txBody>
+                    <a:bodyPr/>
+                    <a:lstStyle/>
+                    <a:p>
+                      <a:pPr marL="0" marR="0" indent="0" algn="l" defTabSz="914400" rtl="0" eaLnBrk="1" fontAlgn="auto" latinLnBrk="1" hangingPunct="1">
+                        <a:lnSpc>
+                          <a:spcPct val="100000"/>
+                        </a:lnSpc>
+                        <a:spcBef>
+                          <a:spcPts val="0"/>
+                        </a:spcBef>
+                        <a:spcAft>
+                          <a:spcPts val="0"/>
+                        </a:spcAft>
+                        <a:buClrTx/>
+                        <a:buSzTx/>
+                        <a:buFontTx/>
+                        <a:buNone/>
+                        <a:tabLst/>
+                        <a:defRPr/>
+                      </a:pPr>
+                      <a:r>
+                        <a:rPr lang="ko-KR" altLang="en-US" sz="1100" dirty="0" err="1" smtClean="0"/>
+                        <a:t>스트리머</a:t>
+                      </a:r>
+                      <a:r>
+                        <a:rPr lang="ko-KR" altLang="en-US" sz="1100" dirty="0" smtClean="0"/>
+                        <a:t> 닉네임</a:t>
+                      </a:r>
+                    </a:p>
+                  </a:txBody>
+                  <a:tcPr>
+                    <a:lnL w="12700" cap="flat" cmpd="sng" algn="ctr">
+                      <a:solidFill>
+                        <a:srgbClr val="FF0000"/>
+                      </a:solidFill>
+                      <a:prstDash val="solid"/>
+                      <a:round/>
+                      <a:headEnd type="none" w="med" len="med"/>
+                      <a:tailEnd type="none" w="med" len="med"/>
+                    </a:lnL>
+                    <a:lnR w="12700" cap="flat" cmpd="sng" algn="ctr">
+                      <a:solidFill>
+                        <a:srgbClr val="FF0000"/>
+                      </a:solidFill>
+                      <a:prstDash val="solid"/>
+                      <a:round/>
+                      <a:headEnd type="none" w="med" len="med"/>
+                      <a:tailEnd type="none" w="med" len="med"/>
+                    </a:lnR>
+                  </a:tcPr>
+                </a:tc>
+                <a:extLst>
+                  <a:ext uri="{0D108BD9-81ED-4DB2-BD59-A6C34878D82A}">
+                    <a16:rowId xmlns:a16="http://schemas.microsoft.com/office/drawing/2014/main" val="3835022090"/>
+                  </a:ext>
+                </a:extLst>
+              </a:tr>
+              <a:tr h="248414">
+                <a:tc>
+                  <a:txBody>
+                    <a:bodyPr/>
+                    <a:lstStyle/>
+                    <a:p>
+                      <a:pPr marL="0" marR="0" indent="0" algn="l" defTabSz="914400" rtl="0" eaLnBrk="1" fontAlgn="auto" latinLnBrk="1" hangingPunct="1">
+                        <a:lnSpc>
+                          <a:spcPct val="100000"/>
+                        </a:lnSpc>
+                        <a:spcBef>
+                          <a:spcPts val="0"/>
+                        </a:spcBef>
+                        <a:spcAft>
+                          <a:spcPts val="0"/>
+                        </a:spcAft>
+                        <a:buClrTx/>
+                        <a:buSzTx/>
+                        <a:buFontTx/>
+                        <a:buNone/>
+                        <a:tabLst/>
+                        <a:defRPr/>
+                      </a:pPr>
+                      <a:r>
+                        <a:rPr lang="ko-KR" altLang="en-US" sz="1100" dirty="0" smtClean="0"/>
+                        <a:t>방송 날짜</a:t>
+                      </a:r>
+                    </a:p>
+                  </a:txBody>
+                  <a:tcPr>
+                    <a:lnL w="12700" cap="flat" cmpd="sng" algn="ctr">
+                      <a:solidFill>
+                        <a:srgbClr val="FF0000"/>
+                      </a:solidFill>
+                      <a:prstDash val="solid"/>
+                      <a:round/>
+                      <a:headEnd type="none" w="med" len="med"/>
+                      <a:tailEnd type="none" w="med" len="med"/>
+                    </a:lnL>
+                    <a:lnR w="12700" cap="flat" cmpd="sng" algn="ctr">
+                      <a:solidFill>
+                        <a:srgbClr val="FF0000"/>
+                      </a:solidFill>
+                      <a:prstDash val="solid"/>
+                      <a:round/>
+                      <a:headEnd type="none" w="med" len="med"/>
+                      <a:tailEnd type="none" w="med" len="med"/>
+                    </a:lnR>
+                    <a:lnB w="12700" cap="flat" cmpd="sng" algn="ctr">
+                      <a:solidFill>
+                        <a:srgbClr val="FF0000"/>
+                      </a:solidFill>
+                      <a:prstDash val="solid"/>
+                      <a:round/>
+                      <a:headEnd type="none" w="med" len="med"/>
+                      <a:tailEnd type="none" w="med" len="med"/>
+                    </a:lnB>
+                  </a:tcPr>
+                </a:tc>
+                <a:extLst>
+                  <a:ext uri="{0D108BD9-81ED-4DB2-BD59-A6C34878D82A}">
+                    <a16:rowId xmlns:a16="http://schemas.microsoft.com/office/drawing/2014/main" val="133267380"/>
+                  </a:ext>
+                </a:extLst>
+              </a:tr>
+            </a:tbl>
+          </a:graphicData>
+        </a:graphic>
+      </p:graphicFrame>
     </p:spTree>
     <p:extLst>
       <p:ext uri="{BB962C8B-B14F-4D97-AF65-F5344CB8AC3E}">
         <p14:creationId xmlns:p14="http://schemas.microsoft.com/office/powerpoint/2010/main" val="3972504404"/>
+      </p:ext>
+    </p:extLst>
+  </p:cSld>
+  <p:clrMapOvr>
+    <a:masterClrMapping/>
+  </p:clrMapOvr>
+  <p:timing>
+    <p:tnLst>
+      <p:par>
+        <p:cTn id="1" dur="indefinite" restart="never" nodeType="tmRoot"/>
+      </p:par>
+    </p:tnLst>
+  </p:timing>
+</p:sld>
+</file>
+
+<file path=ppt/slides/slide3.xml><?xml version="1.0" encoding="utf-8"?>
+<p:sld xmlns:a="http://schemas.openxmlformats.org/drawingml/2006/main" xmlns:r="http://schemas.openxmlformats.org/officeDocument/2006/relationships" xmlns:p="http://schemas.openxmlformats.org/presentationml/2006/main">
+  <p:cSld>
+    <p:spTree>
+      <p:nvGrpSpPr>
+        <p:cNvPr id="1" name=""/>
+        <p:cNvGrpSpPr/>
+        <p:nvPr/>
+      </p:nvGrpSpPr>
+      <p:grpSpPr>
+        <a:xfrm>
+          <a:off x="0" y="0"/>
+          <a:ext cx="0" cy="0"/>
+          <a:chOff x="0" y="0"/>
+          <a:chExt cx="0" cy="0"/>
+        </a:xfrm>
+      </p:grpSpPr>
+      <p:graphicFrame>
+        <p:nvGraphicFramePr>
+          <p:cNvPr id="5" name="표 4"/>
+          <p:cNvGraphicFramePr>
+            <a:graphicFrameLocks noGrp="1"/>
+          </p:cNvGraphicFramePr>
+          <p:nvPr>
+            <p:extLst>
+              <p:ext uri="{D42A27DB-BD31-4B8C-83A1-F6EECF244321}">
+                <p14:modId xmlns:p14="http://schemas.microsoft.com/office/powerpoint/2010/main" val="2838019260"/>
+              </p:ext>
+            </p:extLst>
+          </p:nvPr>
+        </p:nvGraphicFramePr>
+        <p:xfrm>
+          <a:off x="6406009" y="2512040"/>
+          <a:ext cx="2036512" cy="3108960"/>
+        </p:xfrm>
+        <a:graphic>
+          <a:graphicData uri="http://schemas.openxmlformats.org/drawingml/2006/table">
+            <a:tbl>
+              <a:tblPr firstRow="1" bandRow="1">
+                <a:tableStyleId>{5C22544A-7EE6-4342-B048-85BDC9FD1C3A}</a:tableStyleId>
+              </a:tblPr>
+              <a:tblGrid>
+                <a:gridCol w="2036512">
+                  <a:extLst>
+                    <a:ext uri="{9D8B030D-6E8A-4147-A177-3AD203B41FA5}">
+                      <a16:colId xmlns:a16="http://schemas.microsoft.com/office/drawing/2014/main" val="1628425209"/>
+                    </a:ext>
+                  </a:extLst>
+                </a:gridCol>
+              </a:tblGrid>
+              <a:tr h="126119">
+                <a:tc>
+                  <a:txBody>
+                    <a:bodyPr/>
+                    <a:lstStyle/>
+                    <a:p>
+                      <a:pPr latinLnBrk="1"/>
+                      <a:r>
+                        <a:rPr lang="ko-KR" altLang="en-US" sz="1100" dirty="0" smtClean="0"/>
+                        <a:t>회원정보 </a:t>
+                      </a:r>
+                      <a:r>
+                        <a:rPr lang="ko-KR" altLang="en-US" sz="1100" dirty="0" err="1" smtClean="0"/>
+                        <a:t>크리에이터</a:t>
+                      </a:r>
+                      <a:endParaRPr lang="ko-KR" altLang="en-US" sz="1100" dirty="0"/>
+                    </a:p>
+                  </a:txBody>
+                  <a:tcPr/>
+                </a:tc>
+                <a:extLst>
+                  <a:ext uri="{0D108BD9-81ED-4DB2-BD59-A6C34878D82A}">
+                    <a16:rowId xmlns:a16="http://schemas.microsoft.com/office/drawing/2014/main" val="2441104982"/>
+                  </a:ext>
+                </a:extLst>
+              </a:tr>
+              <a:tr h="126119">
+                <a:tc>
+                  <a:txBody>
+                    <a:bodyPr/>
+                    <a:lstStyle/>
+                    <a:p>
+                      <a:pPr latinLnBrk="1"/>
+                      <a:r>
+                        <a:rPr lang="ko-KR" altLang="en-US" sz="1100" dirty="0" smtClean="0"/>
+                        <a:t>회원 </a:t>
+                      </a:r>
+                      <a:r>
+                        <a:rPr lang="ko-KR" altLang="en-US" sz="1100" dirty="0" smtClean="0"/>
+                        <a:t>번호 </a:t>
+                      </a:r>
+                      <a:r>
+                        <a:rPr lang="en-US" altLang="ko-KR" sz="1100" dirty="0" smtClean="0">
+                          <a:solidFill>
+                            <a:srgbClr val="FF0000"/>
+                          </a:solidFill>
+                        </a:rPr>
+                        <a:t>INT</a:t>
+                      </a:r>
+                      <a:endParaRPr lang="en-US" altLang="ko-KR" sz="1100" dirty="0" smtClean="0">
+                        <a:solidFill>
+                          <a:srgbClr val="FF0000"/>
+                        </a:solidFill>
+                      </a:endParaRPr>
+                    </a:p>
+                  </a:txBody>
+                  <a:tcPr/>
+                </a:tc>
+                <a:extLst>
+                  <a:ext uri="{0D108BD9-81ED-4DB2-BD59-A6C34878D82A}">
+                    <a16:rowId xmlns:a16="http://schemas.microsoft.com/office/drawing/2014/main" val="4176099474"/>
+                  </a:ext>
+                </a:extLst>
+              </a:tr>
+              <a:tr h="126119">
+                <a:tc>
+                  <a:txBody>
+                    <a:bodyPr/>
+                    <a:lstStyle/>
+                    <a:p>
+                      <a:pPr latinLnBrk="1"/>
+                      <a:r>
+                        <a:rPr lang="ko-KR" altLang="en-US" sz="1100" dirty="0" smtClean="0"/>
+                        <a:t>방송 </a:t>
+                      </a:r>
+                      <a:r>
+                        <a:rPr lang="ko-KR" altLang="en-US" sz="1100" dirty="0" smtClean="0"/>
+                        <a:t>플랫폼 </a:t>
+                      </a:r>
+                      <a:r>
+                        <a:rPr lang="en-US" altLang="ko-KR" sz="1100" dirty="0" smtClean="0">
+                          <a:solidFill>
+                            <a:srgbClr val="FF0000"/>
+                          </a:solidFill>
+                        </a:rPr>
+                        <a:t>VARCHAR</a:t>
+                      </a:r>
+                      <a:endParaRPr lang="ko-KR" altLang="en-US" sz="1100" dirty="0">
+                        <a:solidFill>
+                          <a:srgbClr val="FF0000"/>
+                        </a:solidFill>
+                      </a:endParaRPr>
+                    </a:p>
+                  </a:txBody>
+                  <a:tcPr/>
+                </a:tc>
+                <a:extLst>
+                  <a:ext uri="{0D108BD9-81ED-4DB2-BD59-A6C34878D82A}">
+                    <a16:rowId xmlns:a16="http://schemas.microsoft.com/office/drawing/2014/main" val="2502794991"/>
+                  </a:ext>
+                </a:extLst>
+              </a:tr>
+              <a:tr h="126119">
+                <a:tc>
+                  <a:txBody>
+                    <a:bodyPr/>
+                    <a:lstStyle/>
+                    <a:p>
+                      <a:pPr latinLnBrk="1"/>
+                      <a:r>
+                        <a:rPr lang="ko-KR" altLang="en-US" sz="1100" dirty="0" err="1" smtClean="0"/>
+                        <a:t>크리에이터</a:t>
+                      </a:r>
+                      <a:r>
+                        <a:rPr lang="en-US" altLang="ko-KR" sz="1100" dirty="0" smtClean="0"/>
+                        <a:t>ID </a:t>
+                      </a:r>
+                      <a:r>
+                        <a:rPr lang="en-US" altLang="ko-KR" sz="1100" dirty="0" smtClean="0">
+                          <a:solidFill>
+                            <a:srgbClr val="FF0000"/>
+                          </a:solidFill>
+                        </a:rPr>
+                        <a:t>VARCHAR</a:t>
+                      </a:r>
+                      <a:endParaRPr lang="ko-KR" altLang="en-US" sz="1100" dirty="0">
+                        <a:solidFill>
+                          <a:srgbClr val="FF0000"/>
+                        </a:solidFill>
+                      </a:endParaRPr>
+                    </a:p>
+                  </a:txBody>
+                  <a:tcPr/>
+                </a:tc>
+                <a:extLst>
+                  <a:ext uri="{0D108BD9-81ED-4DB2-BD59-A6C34878D82A}">
+                    <a16:rowId xmlns:a16="http://schemas.microsoft.com/office/drawing/2014/main" val="3879632459"/>
+                  </a:ext>
+                </a:extLst>
+              </a:tr>
+              <a:tr h="126119">
+                <a:tc>
+                  <a:txBody>
+                    <a:bodyPr/>
+                    <a:lstStyle/>
+                    <a:p>
+                      <a:pPr latinLnBrk="1"/>
+                      <a:r>
+                        <a:rPr lang="ko-KR" altLang="en-US" sz="1100" dirty="0" smtClean="0"/>
+                        <a:t>아이디 </a:t>
+                      </a:r>
+                      <a:r>
+                        <a:rPr lang="en-US" altLang="ko-KR" sz="1100" dirty="0" smtClean="0">
+                          <a:solidFill>
+                            <a:srgbClr val="FF0000"/>
+                          </a:solidFill>
+                        </a:rPr>
+                        <a:t>VARCHAR</a:t>
+                      </a:r>
+                      <a:endParaRPr lang="ko-KR" altLang="en-US" sz="1100" dirty="0">
+                        <a:solidFill>
+                          <a:srgbClr val="FF0000"/>
+                        </a:solidFill>
+                      </a:endParaRPr>
+                    </a:p>
+                  </a:txBody>
+                  <a:tcPr/>
+                </a:tc>
+                <a:extLst>
+                  <a:ext uri="{0D108BD9-81ED-4DB2-BD59-A6C34878D82A}">
+                    <a16:rowId xmlns:a16="http://schemas.microsoft.com/office/drawing/2014/main" val="2576890930"/>
+                  </a:ext>
+                </a:extLst>
+              </a:tr>
+              <a:tr h="126119">
+                <a:tc>
+                  <a:txBody>
+                    <a:bodyPr/>
+                    <a:lstStyle/>
+                    <a:p>
+                      <a:pPr latinLnBrk="1"/>
+                      <a:r>
+                        <a:rPr lang="ko-KR" altLang="en-US" sz="1100" dirty="0" smtClean="0"/>
+                        <a:t>비밀번호 </a:t>
+                      </a:r>
+                      <a:r>
+                        <a:rPr lang="en-US" altLang="ko-KR" sz="1100" dirty="0" smtClean="0">
+                          <a:solidFill>
+                            <a:srgbClr val="FF0000"/>
+                          </a:solidFill>
+                        </a:rPr>
+                        <a:t>VARCHAR</a:t>
+                      </a:r>
+                      <a:endParaRPr lang="ko-KR" altLang="en-US" sz="1100" dirty="0">
+                        <a:solidFill>
+                          <a:srgbClr val="FF0000"/>
+                        </a:solidFill>
+                      </a:endParaRPr>
+                    </a:p>
+                  </a:txBody>
+                  <a:tcPr/>
+                </a:tc>
+                <a:extLst>
+                  <a:ext uri="{0D108BD9-81ED-4DB2-BD59-A6C34878D82A}">
+                    <a16:rowId xmlns:a16="http://schemas.microsoft.com/office/drawing/2014/main" val="3835022090"/>
+                  </a:ext>
+                </a:extLst>
+              </a:tr>
+              <a:tr h="126119">
+                <a:tc>
+                  <a:txBody>
+                    <a:bodyPr/>
+                    <a:lstStyle/>
+                    <a:p>
+                      <a:pPr latinLnBrk="1"/>
+                      <a:r>
+                        <a:rPr lang="ko-KR" altLang="en-US" sz="1100" dirty="0" smtClean="0"/>
+                        <a:t>이름 </a:t>
+                      </a:r>
+                      <a:r>
+                        <a:rPr lang="en-US" altLang="ko-KR" sz="1100" dirty="0" smtClean="0">
+                          <a:solidFill>
+                            <a:srgbClr val="FF0000"/>
+                          </a:solidFill>
+                        </a:rPr>
+                        <a:t>VARCHAR</a:t>
+                      </a:r>
+                      <a:endParaRPr lang="ko-KR" altLang="en-US" sz="1100" dirty="0">
+                        <a:solidFill>
+                          <a:srgbClr val="FF0000"/>
+                        </a:solidFill>
+                      </a:endParaRPr>
+                    </a:p>
+                  </a:txBody>
+                  <a:tcPr/>
+                </a:tc>
+                <a:extLst>
+                  <a:ext uri="{0D108BD9-81ED-4DB2-BD59-A6C34878D82A}">
+                    <a16:rowId xmlns:a16="http://schemas.microsoft.com/office/drawing/2014/main" val="133267380"/>
+                  </a:ext>
+                </a:extLst>
+              </a:tr>
+              <a:tr h="126119">
+                <a:tc>
+                  <a:txBody>
+                    <a:bodyPr/>
+                    <a:lstStyle/>
+                    <a:p>
+                      <a:pPr latinLnBrk="1"/>
+                      <a:r>
+                        <a:rPr lang="ko-KR" altLang="en-US" sz="1100" dirty="0" err="1" smtClean="0"/>
+                        <a:t>크리에이터</a:t>
+                      </a:r>
+                      <a:r>
+                        <a:rPr lang="ko-KR" altLang="en-US" sz="1100" dirty="0" smtClean="0"/>
+                        <a:t> 닉네임 </a:t>
+                      </a:r>
+                      <a:r>
+                        <a:rPr lang="en-US" altLang="ko-KR" sz="1100" dirty="0" smtClean="0">
+                          <a:solidFill>
+                            <a:srgbClr val="FF0000"/>
+                          </a:solidFill>
+                        </a:rPr>
+                        <a:t>VARCHAR</a:t>
+                      </a:r>
+                      <a:endParaRPr lang="ko-KR" altLang="en-US" sz="1100" dirty="0">
+                        <a:solidFill>
+                          <a:srgbClr val="FF0000"/>
+                        </a:solidFill>
+                      </a:endParaRPr>
+                    </a:p>
+                  </a:txBody>
+                  <a:tcPr/>
+                </a:tc>
+                <a:extLst>
+                  <a:ext uri="{0D108BD9-81ED-4DB2-BD59-A6C34878D82A}">
+                    <a16:rowId xmlns:a16="http://schemas.microsoft.com/office/drawing/2014/main" val="2823599022"/>
+                  </a:ext>
+                </a:extLst>
+              </a:tr>
+              <a:tr h="126119">
+                <a:tc>
+                  <a:txBody>
+                    <a:bodyPr/>
+                    <a:lstStyle/>
+                    <a:p>
+                      <a:pPr latinLnBrk="1"/>
+                      <a:r>
+                        <a:rPr lang="ko-KR" altLang="en-US" sz="1100" dirty="0" smtClean="0"/>
+                        <a:t>전화번호 </a:t>
+                      </a:r>
+                      <a:r>
+                        <a:rPr lang="en-US" altLang="ko-KR" sz="1100" dirty="0" smtClean="0">
+                          <a:solidFill>
+                            <a:srgbClr val="FF0000"/>
+                          </a:solidFill>
+                        </a:rPr>
+                        <a:t>VARCHAR</a:t>
+                      </a:r>
+                      <a:endParaRPr lang="ko-KR" altLang="en-US" sz="1100" dirty="0">
+                        <a:solidFill>
+                          <a:srgbClr val="FF0000"/>
+                        </a:solidFill>
+                      </a:endParaRPr>
+                    </a:p>
+                  </a:txBody>
+                  <a:tcPr/>
+                </a:tc>
+                <a:extLst>
+                  <a:ext uri="{0D108BD9-81ED-4DB2-BD59-A6C34878D82A}">
+                    <a16:rowId xmlns:a16="http://schemas.microsoft.com/office/drawing/2014/main" val="1940706496"/>
+                  </a:ext>
+                </a:extLst>
+              </a:tr>
+              <a:tr h="126119">
+                <a:tc>
+                  <a:txBody>
+                    <a:bodyPr/>
+                    <a:lstStyle/>
+                    <a:p>
+                      <a:pPr latinLnBrk="1"/>
+                      <a:r>
+                        <a:rPr lang="ko-KR" altLang="en-US" sz="1100" dirty="0" smtClean="0"/>
+                        <a:t>이메일 </a:t>
+                      </a:r>
+                      <a:r>
+                        <a:rPr lang="en-US" altLang="ko-KR" sz="1100" dirty="0" smtClean="0">
+                          <a:solidFill>
+                            <a:srgbClr val="FF0000"/>
+                          </a:solidFill>
+                        </a:rPr>
+                        <a:t>VARCHAR</a:t>
+                      </a:r>
+                      <a:endParaRPr lang="ko-KR" altLang="en-US" sz="1100" dirty="0">
+                        <a:solidFill>
+                          <a:srgbClr val="FF0000"/>
+                        </a:solidFill>
+                      </a:endParaRPr>
+                    </a:p>
+                  </a:txBody>
+                  <a:tcPr/>
+                </a:tc>
+                <a:extLst>
+                  <a:ext uri="{0D108BD9-81ED-4DB2-BD59-A6C34878D82A}">
+                    <a16:rowId xmlns:a16="http://schemas.microsoft.com/office/drawing/2014/main" val="402945445"/>
+                  </a:ext>
+                </a:extLst>
+              </a:tr>
+              <a:tr h="126119">
+                <a:tc>
+                  <a:txBody>
+                    <a:bodyPr/>
+                    <a:lstStyle/>
+                    <a:p>
+                      <a:pPr latinLnBrk="1"/>
+                      <a:r>
+                        <a:rPr lang="ko-KR" altLang="en-US" sz="1100" dirty="0" smtClean="0"/>
+                        <a:t>방송국홈페이지 </a:t>
+                      </a:r>
+                      <a:r>
+                        <a:rPr lang="en-US" altLang="ko-KR" sz="1100" dirty="0" smtClean="0">
+                          <a:solidFill>
+                            <a:srgbClr val="FF0000"/>
+                          </a:solidFill>
+                        </a:rPr>
+                        <a:t>VARCHAR</a:t>
+                      </a:r>
+                      <a:endParaRPr lang="ko-KR" altLang="en-US" sz="1100" dirty="0">
+                        <a:solidFill>
+                          <a:srgbClr val="FF0000"/>
+                        </a:solidFill>
+                      </a:endParaRPr>
+                    </a:p>
+                  </a:txBody>
+                  <a:tcPr/>
+                </a:tc>
+                <a:extLst>
+                  <a:ext uri="{0D108BD9-81ED-4DB2-BD59-A6C34878D82A}">
+                    <a16:rowId xmlns:a16="http://schemas.microsoft.com/office/drawing/2014/main" val="2337605758"/>
+                  </a:ext>
+                </a:extLst>
+              </a:tr>
+              <a:tr h="126119">
+                <a:tc>
+                  <a:txBody>
+                    <a:bodyPr/>
+                    <a:lstStyle/>
+                    <a:p>
+                      <a:pPr latinLnBrk="1"/>
+                      <a:r>
+                        <a:rPr lang="ko-KR" altLang="en-US" sz="1100" dirty="0" smtClean="0"/>
+                        <a:t>방송송출프로그램 </a:t>
+                      </a:r>
+                      <a:r>
+                        <a:rPr lang="en-US" altLang="ko-KR" sz="1100" dirty="0" smtClean="0">
+                          <a:solidFill>
+                            <a:srgbClr val="FF0000"/>
+                          </a:solidFill>
+                        </a:rPr>
+                        <a:t>VARCHAR</a:t>
+                      </a:r>
+                      <a:endParaRPr lang="ko-KR" altLang="en-US" sz="1100" dirty="0">
+                        <a:solidFill>
+                          <a:srgbClr val="FF0000"/>
+                        </a:solidFill>
+                      </a:endParaRPr>
+                    </a:p>
+                  </a:txBody>
+                  <a:tcPr/>
+                </a:tc>
+                <a:extLst>
+                  <a:ext uri="{0D108BD9-81ED-4DB2-BD59-A6C34878D82A}">
+                    <a16:rowId xmlns:a16="http://schemas.microsoft.com/office/drawing/2014/main" val="476951774"/>
+                  </a:ext>
+                </a:extLst>
+              </a:tr>
+            </a:tbl>
+          </a:graphicData>
+        </a:graphic>
+      </p:graphicFrame>
+      <p:graphicFrame>
+        <p:nvGraphicFramePr>
+          <p:cNvPr id="7" name="표 6"/>
+          <p:cNvGraphicFramePr>
+            <a:graphicFrameLocks noGrp="1"/>
+          </p:cNvGraphicFramePr>
+          <p:nvPr>
+            <p:extLst>
+              <p:ext uri="{D42A27DB-BD31-4B8C-83A1-F6EECF244321}">
+                <p14:modId xmlns:p14="http://schemas.microsoft.com/office/powerpoint/2010/main" val="3589493330"/>
+              </p:ext>
+            </p:extLst>
+          </p:nvPr>
+        </p:nvGraphicFramePr>
+        <p:xfrm>
+          <a:off x="8521294" y="2497638"/>
+          <a:ext cx="1847107" cy="2331720"/>
+        </p:xfrm>
+        <a:graphic>
+          <a:graphicData uri="http://schemas.openxmlformats.org/drawingml/2006/table">
+            <a:tbl>
+              <a:tblPr firstRow="1" bandRow="1">
+                <a:tableStyleId>{5C22544A-7EE6-4342-B048-85BDC9FD1C3A}</a:tableStyleId>
+              </a:tblPr>
+              <a:tblGrid>
+                <a:gridCol w="1847107">
+                  <a:extLst>
+                    <a:ext uri="{9D8B030D-6E8A-4147-A177-3AD203B41FA5}">
+                      <a16:colId xmlns:a16="http://schemas.microsoft.com/office/drawing/2014/main" val="1628425209"/>
+                    </a:ext>
+                  </a:extLst>
+                </a:gridCol>
+              </a:tblGrid>
+              <a:tr h="248414">
+                <a:tc>
+                  <a:txBody>
+                    <a:bodyPr/>
+                    <a:lstStyle/>
+                    <a:p>
+                      <a:pPr latinLnBrk="1"/>
+                      <a:r>
+                        <a:rPr lang="ko-KR" altLang="en-US" sz="1100" dirty="0" smtClean="0"/>
+                        <a:t>회원정보 광고주</a:t>
+                      </a:r>
+                      <a:endParaRPr lang="ko-KR" altLang="en-US" sz="1100" dirty="0"/>
+                    </a:p>
+                  </a:txBody>
+                  <a:tcPr/>
+                </a:tc>
+                <a:extLst>
+                  <a:ext uri="{0D108BD9-81ED-4DB2-BD59-A6C34878D82A}">
+                    <a16:rowId xmlns:a16="http://schemas.microsoft.com/office/drawing/2014/main" val="2441104982"/>
+                  </a:ext>
+                </a:extLst>
+              </a:tr>
+              <a:tr h="248414">
+                <a:tc>
+                  <a:txBody>
+                    <a:bodyPr/>
+                    <a:lstStyle/>
+                    <a:p>
+                      <a:pPr latinLnBrk="1"/>
+                      <a:r>
+                        <a:rPr lang="ko-KR" altLang="en-US" sz="1100" dirty="0" smtClean="0"/>
+                        <a:t>회원 </a:t>
+                      </a:r>
+                      <a:r>
+                        <a:rPr lang="ko-KR" altLang="en-US" sz="1100" dirty="0" smtClean="0"/>
+                        <a:t>번호 </a:t>
+                      </a:r>
+                      <a:r>
+                        <a:rPr lang="en-US" altLang="ko-KR" sz="1100" dirty="0" smtClean="0">
+                          <a:solidFill>
+                            <a:srgbClr val="FF0000"/>
+                          </a:solidFill>
+                        </a:rPr>
+                        <a:t>INT</a:t>
+                      </a:r>
+                      <a:endParaRPr lang="en-US" altLang="ko-KR" sz="1100" dirty="0" smtClean="0">
+                        <a:solidFill>
+                          <a:srgbClr val="FF0000"/>
+                        </a:solidFill>
+                      </a:endParaRPr>
+                    </a:p>
+                  </a:txBody>
+                  <a:tcPr/>
+                </a:tc>
+                <a:extLst>
+                  <a:ext uri="{0D108BD9-81ED-4DB2-BD59-A6C34878D82A}">
+                    <a16:rowId xmlns:a16="http://schemas.microsoft.com/office/drawing/2014/main" val="4176099474"/>
+                  </a:ext>
+                </a:extLst>
+              </a:tr>
+              <a:tr h="248414">
+                <a:tc>
+                  <a:txBody>
+                    <a:bodyPr/>
+                    <a:lstStyle/>
+                    <a:p>
+                      <a:pPr latinLnBrk="1"/>
+                      <a:r>
+                        <a:rPr lang="ko-KR" altLang="en-US" sz="1100" dirty="0" smtClean="0"/>
+                        <a:t>아이디 </a:t>
+                      </a:r>
+                      <a:r>
+                        <a:rPr lang="en-US" altLang="ko-KR" sz="1100" dirty="0" smtClean="0">
+                          <a:solidFill>
+                            <a:srgbClr val="FF0000"/>
+                          </a:solidFill>
+                        </a:rPr>
+                        <a:t>VARCHAR</a:t>
+                      </a:r>
+                      <a:endParaRPr lang="ko-KR" altLang="en-US" sz="1100" dirty="0">
+                        <a:solidFill>
+                          <a:srgbClr val="FF0000"/>
+                        </a:solidFill>
+                      </a:endParaRPr>
+                    </a:p>
+                  </a:txBody>
+                  <a:tcPr/>
+                </a:tc>
+                <a:extLst>
+                  <a:ext uri="{0D108BD9-81ED-4DB2-BD59-A6C34878D82A}">
+                    <a16:rowId xmlns:a16="http://schemas.microsoft.com/office/drawing/2014/main" val="2502794991"/>
+                  </a:ext>
+                </a:extLst>
+              </a:tr>
+              <a:tr h="248414">
+                <a:tc>
+                  <a:txBody>
+                    <a:bodyPr/>
+                    <a:lstStyle/>
+                    <a:p>
+                      <a:pPr latinLnBrk="1"/>
+                      <a:r>
+                        <a:rPr lang="ko-KR" altLang="en-US" sz="1100" dirty="0" smtClean="0"/>
+                        <a:t>비밀번호 </a:t>
+                      </a:r>
+                      <a:r>
+                        <a:rPr lang="en-US" altLang="ko-KR" sz="1100" dirty="0" smtClean="0">
+                          <a:solidFill>
+                            <a:srgbClr val="FF0000"/>
+                          </a:solidFill>
+                        </a:rPr>
+                        <a:t>VARCHAR</a:t>
+                      </a:r>
+                      <a:endParaRPr lang="ko-KR" altLang="en-US" sz="1100" dirty="0">
+                        <a:solidFill>
+                          <a:srgbClr val="FF0000"/>
+                        </a:solidFill>
+                      </a:endParaRPr>
+                    </a:p>
+                  </a:txBody>
+                  <a:tcPr/>
+                </a:tc>
+                <a:extLst>
+                  <a:ext uri="{0D108BD9-81ED-4DB2-BD59-A6C34878D82A}">
+                    <a16:rowId xmlns:a16="http://schemas.microsoft.com/office/drawing/2014/main" val="3879632459"/>
+                  </a:ext>
+                </a:extLst>
+              </a:tr>
+              <a:tr h="248414">
+                <a:tc>
+                  <a:txBody>
+                    <a:bodyPr/>
+                    <a:lstStyle/>
+                    <a:p>
+                      <a:pPr latinLnBrk="1"/>
+                      <a:r>
+                        <a:rPr lang="ko-KR" altLang="en-US" sz="1100" dirty="0" smtClean="0"/>
+                        <a:t>담당자 </a:t>
+                      </a:r>
+                      <a:r>
+                        <a:rPr lang="ko-KR" altLang="en-US" sz="1100" dirty="0" smtClean="0"/>
+                        <a:t>명 </a:t>
+                      </a:r>
+                      <a:r>
+                        <a:rPr lang="en-US" altLang="ko-KR" sz="1100" dirty="0" smtClean="0">
+                          <a:solidFill>
+                            <a:srgbClr val="FF0000"/>
+                          </a:solidFill>
+                        </a:rPr>
+                        <a:t>VARCHAR</a:t>
+                      </a:r>
+                      <a:endParaRPr lang="ko-KR" altLang="en-US" sz="1100" dirty="0">
+                        <a:solidFill>
+                          <a:srgbClr val="FF0000"/>
+                        </a:solidFill>
+                      </a:endParaRPr>
+                    </a:p>
+                  </a:txBody>
+                  <a:tcPr/>
+                </a:tc>
+                <a:extLst>
+                  <a:ext uri="{0D108BD9-81ED-4DB2-BD59-A6C34878D82A}">
+                    <a16:rowId xmlns:a16="http://schemas.microsoft.com/office/drawing/2014/main" val="2576890930"/>
+                  </a:ext>
+                </a:extLst>
+              </a:tr>
+              <a:tr h="248414">
+                <a:tc>
+                  <a:txBody>
+                    <a:bodyPr/>
+                    <a:lstStyle/>
+                    <a:p>
+                      <a:pPr latinLnBrk="1"/>
+                      <a:r>
+                        <a:rPr lang="ko-KR" altLang="en-US" sz="1100" dirty="0" smtClean="0"/>
+                        <a:t>담당자전화번호 </a:t>
+                      </a:r>
+                      <a:r>
+                        <a:rPr lang="en-US" altLang="ko-KR" sz="1100" dirty="0" smtClean="0">
+                          <a:solidFill>
+                            <a:srgbClr val="FF0000"/>
+                          </a:solidFill>
+                        </a:rPr>
+                        <a:t>VARCHAR</a:t>
+                      </a:r>
+                      <a:endParaRPr lang="ko-KR" altLang="en-US" sz="1100" dirty="0">
+                        <a:solidFill>
+                          <a:srgbClr val="FF0000"/>
+                        </a:solidFill>
+                      </a:endParaRPr>
+                    </a:p>
+                  </a:txBody>
+                  <a:tcPr/>
+                </a:tc>
+                <a:extLst>
+                  <a:ext uri="{0D108BD9-81ED-4DB2-BD59-A6C34878D82A}">
+                    <a16:rowId xmlns:a16="http://schemas.microsoft.com/office/drawing/2014/main" val="3835022090"/>
+                  </a:ext>
+                </a:extLst>
+              </a:tr>
+              <a:tr h="248414">
+                <a:tc>
+                  <a:txBody>
+                    <a:bodyPr/>
+                    <a:lstStyle/>
+                    <a:p>
+                      <a:pPr latinLnBrk="1"/>
+                      <a:r>
+                        <a:rPr lang="ko-KR" altLang="en-US" sz="1100" dirty="0" smtClean="0"/>
+                        <a:t>담당자이메일</a:t>
+                      </a:r>
+                      <a:r>
+                        <a:rPr lang="en-US" altLang="ko-KR" sz="1100" baseline="0" dirty="0" smtClean="0"/>
+                        <a:t> </a:t>
+                      </a:r>
+                      <a:r>
+                        <a:rPr lang="en-US" altLang="ko-KR" sz="1100" dirty="0" smtClean="0">
+                          <a:solidFill>
+                            <a:srgbClr val="FF0000"/>
+                          </a:solidFill>
+                        </a:rPr>
+                        <a:t>VARCHAR</a:t>
+                      </a:r>
+                      <a:endParaRPr lang="ko-KR" altLang="en-US" sz="1100" dirty="0">
+                        <a:solidFill>
+                          <a:srgbClr val="FF0000"/>
+                        </a:solidFill>
+                      </a:endParaRPr>
+                    </a:p>
+                  </a:txBody>
+                  <a:tcPr/>
+                </a:tc>
+                <a:extLst>
+                  <a:ext uri="{0D108BD9-81ED-4DB2-BD59-A6C34878D82A}">
+                    <a16:rowId xmlns:a16="http://schemas.microsoft.com/office/drawing/2014/main" val="133267380"/>
+                  </a:ext>
+                </a:extLst>
+              </a:tr>
+              <a:tr h="248414">
+                <a:tc>
+                  <a:txBody>
+                    <a:bodyPr/>
+                    <a:lstStyle/>
+                    <a:p>
+                      <a:pPr latinLnBrk="1"/>
+                      <a:r>
+                        <a:rPr lang="ko-KR" altLang="en-US" sz="1100" dirty="0" smtClean="0"/>
+                        <a:t>소속 기업 </a:t>
+                      </a:r>
+                      <a:r>
+                        <a:rPr lang="ko-KR" altLang="en-US" sz="1100" dirty="0" smtClean="0"/>
+                        <a:t>명</a:t>
+                      </a:r>
+                      <a:r>
+                        <a:rPr lang="en-US" altLang="ko-KR" sz="1100" baseline="0" dirty="0" smtClean="0"/>
+                        <a:t> </a:t>
+                      </a:r>
+                      <a:r>
+                        <a:rPr lang="en-US" altLang="ko-KR" sz="1100" dirty="0" smtClean="0">
+                          <a:solidFill>
+                            <a:srgbClr val="FF0000"/>
+                          </a:solidFill>
+                        </a:rPr>
+                        <a:t>VARCHAR</a:t>
+                      </a:r>
+                      <a:endParaRPr lang="ko-KR" altLang="en-US" sz="1100" dirty="0">
+                        <a:solidFill>
+                          <a:srgbClr val="FF0000"/>
+                        </a:solidFill>
+                      </a:endParaRPr>
+                    </a:p>
+                  </a:txBody>
+                  <a:tcPr/>
+                </a:tc>
+                <a:extLst>
+                  <a:ext uri="{0D108BD9-81ED-4DB2-BD59-A6C34878D82A}">
+                    <a16:rowId xmlns:a16="http://schemas.microsoft.com/office/drawing/2014/main" val="2823599022"/>
+                  </a:ext>
+                </a:extLst>
+              </a:tr>
+              <a:tr h="248414">
+                <a:tc>
+                  <a:txBody>
+                    <a:bodyPr/>
+                    <a:lstStyle/>
+                    <a:p>
+                      <a:pPr latinLnBrk="1"/>
+                      <a:r>
+                        <a:rPr lang="ko-KR" altLang="en-US" sz="1100" dirty="0" smtClean="0"/>
+                        <a:t>소속기업코드</a:t>
+                      </a:r>
+                      <a:r>
+                        <a:rPr lang="en-US" altLang="ko-KR" sz="1100" baseline="0" dirty="0" smtClean="0"/>
+                        <a:t> </a:t>
+                      </a:r>
+                      <a:r>
+                        <a:rPr lang="en-US" altLang="ko-KR" sz="1100" dirty="0" smtClean="0">
+                          <a:solidFill>
+                            <a:srgbClr val="FF0000"/>
+                          </a:solidFill>
+                        </a:rPr>
+                        <a:t>VARCHAR</a:t>
+                      </a:r>
+                      <a:endParaRPr lang="ko-KR" altLang="en-US" sz="1100" dirty="0">
+                        <a:solidFill>
+                          <a:srgbClr val="FF0000"/>
+                        </a:solidFill>
+                      </a:endParaRPr>
+                    </a:p>
+                  </a:txBody>
+                  <a:tcPr/>
+                </a:tc>
+                <a:extLst>
+                  <a:ext uri="{0D108BD9-81ED-4DB2-BD59-A6C34878D82A}">
+                    <a16:rowId xmlns:a16="http://schemas.microsoft.com/office/drawing/2014/main" val="1940706496"/>
+                  </a:ext>
+                </a:extLst>
+              </a:tr>
+            </a:tbl>
+          </a:graphicData>
+        </a:graphic>
+      </p:graphicFrame>
+      <p:graphicFrame>
+        <p:nvGraphicFramePr>
+          <p:cNvPr id="8" name="표 7"/>
+          <p:cNvGraphicFramePr>
+            <a:graphicFrameLocks noGrp="1"/>
+          </p:cNvGraphicFramePr>
+          <p:nvPr>
+            <p:extLst>
+              <p:ext uri="{D42A27DB-BD31-4B8C-83A1-F6EECF244321}">
+                <p14:modId xmlns:p14="http://schemas.microsoft.com/office/powerpoint/2010/main" val="135053163"/>
+              </p:ext>
+            </p:extLst>
+          </p:nvPr>
+        </p:nvGraphicFramePr>
+        <p:xfrm>
+          <a:off x="10447174" y="2527670"/>
+          <a:ext cx="1639723" cy="3628905"/>
+        </p:xfrm>
+        <a:graphic>
+          <a:graphicData uri="http://schemas.openxmlformats.org/drawingml/2006/table">
+            <a:tbl>
+              <a:tblPr firstRow="1" bandRow="1">
+                <a:tableStyleId>{5C22544A-7EE6-4342-B048-85BDC9FD1C3A}</a:tableStyleId>
+              </a:tblPr>
+              <a:tblGrid>
+                <a:gridCol w="1639723">
+                  <a:extLst>
+                    <a:ext uri="{9D8B030D-6E8A-4147-A177-3AD203B41FA5}">
+                      <a16:colId xmlns:a16="http://schemas.microsoft.com/office/drawing/2014/main" val="1628425209"/>
+                    </a:ext>
+                  </a:extLst>
+                </a:gridCol>
+              </a:tblGrid>
+              <a:tr h="335535">
+                <a:tc>
+                  <a:txBody>
+                    <a:bodyPr/>
+                    <a:lstStyle/>
+                    <a:p>
+                      <a:pPr latinLnBrk="1"/>
+                      <a:r>
+                        <a:rPr lang="ko-KR" altLang="en-US" sz="1100" dirty="0" smtClean="0"/>
+                        <a:t>기업정보</a:t>
+                      </a:r>
+                      <a:endParaRPr lang="ko-KR" altLang="en-US" sz="1100" dirty="0"/>
+                    </a:p>
+                  </a:txBody>
+                  <a:tcPr/>
+                </a:tc>
+                <a:extLst>
+                  <a:ext uri="{0D108BD9-81ED-4DB2-BD59-A6C34878D82A}">
+                    <a16:rowId xmlns:a16="http://schemas.microsoft.com/office/drawing/2014/main" val="2441104982"/>
+                  </a:ext>
+                </a:extLst>
+              </a:tr>
+              <a:tr h="335535">
+                <a:tc>
+                  <a:txBody>
+                    <a:bodyPr/>
+                    <a:lstStyle/>
+                    <a:p>
+                      <a:pPr latinLnBrk="1"/>
+                      <a:r>
+                        <a:rPr lang="ko-KR" altLang="en-US" sz="1100" dirty="0" smtClean="0"/>
+                        <a:t>기업 </a:t>
+                      </a:r>
+                      <a:r>
+                        <a:rPr lang="ko-KR" altLang="en-US" sz="1100" dirty="0" smtClean="0"/>
+                        <a:t>번호</a:t>
+                      </a:r>
+                      <a:r>
+                        <a:rPr lang="en-US" altLang="ko-KR" sz="1100" baseline="0" dirty="0" smtClean="0"/>
+                        <a:t> </a:t>
+                      </a:r>
+                      <a:r>
+                        <a:rPr lang="en-US" altLang="ko-KR" sz="1100" baseline="0" dirty="0" smtClean="0">
+                          <a:solidFill>
+                            <a:srgbClr val="FF0000"/>
+                          </a:solidFill>
+                        </a:rPr>
+                        <a:t>INT</a:t>
+                      </a:r>
+                      <a:endParaRPr lang="en-US" altLang="ko-KR" sz="1100" dirty="0" smtClean="0">
+                        <a:solidFill>
+                          <a:srgbClr val="FF0000"/>
+                        </a:solidFill>
+                      </a:endParaRPr>
+                    </a:p>
+                  </a:txBody>
+                  <a:tcPr/>
+                </a:tc>
+                <a:extLst>
+                  <a:ext uri="{0D108BD9-81ED-4DB2-BD59-A6C34878D82A}">
+                    <a16:rowId xmlns:a16="http://schemas.microsoft.com/office/drawing/2014/main" val="3832849648"/>
+                  </a:ext>
+                </a:extLst>
+              </a:tr>
+              <a:tr h="335535">
+                <a:tc>
+                  <a:txBody>
+                    <a:bodyPr/>
+                    <a:lstStyle/>
+                    <a:p>
+                      <a:pPr latinLnBrk="1"/>
+                      <a:r>
+                        <a:rPr lang="ko-KR" altLang="en-US" sz="1100" dirty="0" smtClean="0"/>
+                        <a:t>기업 </a:t>
+                      </a:r>
+                      <a:r>
+                        <a:rPr lang="ko-KR" altLang="en-US" sz="1100" dirty="0" smtClean="0"/>
+                        <a:t>코드 </a:t>
+                      </a:r>
+                      <a:r>
+                        <a:rPr lang="en-US" altLang="ko-KR" sz="1100" dirty="0" smtClean="0">
+                          <a:solidFill>
+                            <a:srgbClr val="FF0000"/>
+                          </a:solidFill>
+                        </a:rPr>
+                        <a:t>VARCHAR</a:t>
+                      </a:r>
+                      <a:endParaRPr lang="en-US" altLang="ko-KR" sz="1100" dirty="0" smtClean="0">
+                        <a:solidFill>
+                          <a:srgbClr val="FF0000"/>
+                        </a:solidFill>
+                      </a:endParaRPr>
+                    </a:p>
+                  </a:txBody>
+                  <a:tcPr/>
+                </a:tc>
+                <a:extLst>
+                  <a:ext uri="{0D108BD9-81ED-4DB2-BD59-A6C34878D82A}">
+                    <a16:rowId xmlns:a16="http://schemas.microsoft.com/office/drawing/2014/main" val="4176099474"/>
+                  </a:ext>
+                </a:extLst>
+              </a:tr>
+              <a:tr h="335535">
+                <a:tc>
+                  <a:txBody>
+                    <a:bodyPr/>
+                    <a:lstStyle/>
+                    <a:p>
+                      <a:pPr latinLnBrk="1"/>
+                      <a:r>
+                        <a:rPr lang="ko-KR" altLang="en-US" sz="1100" dirty="0" smtClean="0"/>
+                        <a:t>기업체 </a:t>
+                      </a:r>
+                      <a:r>
+                        <a:rPr lang="ko-KR" altLang="en-US" sz="1100" dirty="0" smtClean="0"/>
+                        <a:t>명 </a:t>
+                      </a:r>
+                      <a:r>
+                        <a:rPr lang="en-US" altLang="ko-KR" sz="1100" dirty="0" smtClean="0">
+                          <a:solidFill>
+                            <a:srgbClr val="FF0000"/>
+                          </a:solidFill>
+                        </a:rPr>
+                        <a:t>VARCHAR</a:t>
+                      </a:r>
+                      <a:endParaRPr lang="ko-KR" altLang="en-US" sz="1100" dirty="0">
+                        <a:solidFill>
+                          <a:srgbClr val="FF0000"/>
+                        </a:solidFill>
+                      </a:endParaRPr>
+                    </a:p>
+                  </a:txBody>
+                  <a:tcPr/>
+                </a:tc>
+                <a:extLst>
+                  <a:ext uri="{0D108BD9-81ED-4DB2-BD59-A6C34878D82A}">
+                    <a16:rowId xmlns:a16="http://schemas.microsoft.com/office/drawing/2014/main" val="2502794991"/>
+                  </a:ext>
+                </a:extLst>
+              </a:tr>
+              <a:tr h="335535">
+                <a:tc>
+                  <a:txBody>
+                    <a:bodyPr/>
+                    <a:lstStyle/>
+                    <a:p>
+                      <a:pPr latinLnBrk="1"/>
+                      <a:r>
+                        <a:rPr lang="ko-KR" altLang="en-US" sz="1100" dirty="0" smtClean="0"/>
+                        <a:t>국가 </a:t>
+                      </a:r>
+                      <a:r>
+                        <a:rPr lang="ko-KR" altLang="en-US" sz="1100" dirty="0" smtClean="0"/>
+                        <a:t>명 </a:t>
+                      </a:r>
+                      <a:r>
+                        <a:rPr lang="en-US" altLang="ko-KR" sz="1100" dirty="0" smtClean="0">
+                          <a:solidFill>
+                            <a:srgbClr val="FF0000"/>
+                          </a:solidFill>
+                        </a:rPr>
+                        <a:t>VARCHAR</a:t>
+                      </a:r>
+                      <a:endParaRPr lang="ko-KR" altLang="en-US" sz="1100" dirty="0">
+                        <a:solidFill>
+                          <a:srgbClr val="FF0000"/>
+                        </a:solidFill>
+                      </a:endParaRPr>
+                    </a:p>
+                  </a:txBody>
+                  <a:tcPr/>
+                </a:tc>
+                <a:extLst>
+                  <a:ext uri="{0D108BD9-81ED-4DB2-BD59-A6C34878D82A}">
+                    <a16:rowId xmlns:a16="http://schemas.microsoft.com/office/drawing/2014/main" val="3879632459"/>
+                  </a:ext>
+                </a:extLst>
+              </a:tr>
+              <a:tr h="335535">
+                <a:tc>
+                  <a:txBody>
+                    <a:bodyPr/>
+                    <a:lstStyle/>
+                    <a:p>
+                      <a:pPr latinLnBrk="1"/>
+                      <a:r>
+                        <a:rPr lang="ko-KR" altLang="en-US" sz="1100" dirty="0" smtClean="0"/>
+                        <a:t>대표자명 </a:t>
+                      </a:r>
+                      <a:r>
+                        <a:rPr lang="en-US" altLang="ko-KR" sz="1100" dirty="0" smtClean="0">
+                          <a:solidFill>
+                            <a:srgbClr val="FF0000"/>
+                          </a:solidFill>
+                        </a:rPr>
+                        <a:t>VARCHAR</a:t>
+                      </a:r>
+                      <a:endParaRPr lang="ko-KR" altLang="en-US" sz="1100" dirty="0">
+                        <a:solidFill>
+                          <a:srgbClr val="FF0000"/>
+                        </a:solidFill>
+                      </a:endParaRPr>
+                    </a:p>
+                  </a:txBody>
+                  <a:tcPr/>
+                </a:tc>
+                <a:extLst>
+                  <a:ext uri="{0D108BD9-81ED-4DB2-BD59-A6C34878D82A}">
+                    <a16:rowId xmlns:a16="http://schemas.microsoft.com/office/drawing/2014/main" val="2576890930"/>
+                  </a:ext>
+                </a:extLst>
+              </a:tr>
+              <a:tr h="335535">
+                <a:tc>
+                  <a:txBody>
+                    <a:bodyPr/>
+                    <a:lstStyle/>
+                    <a:p>
+                      <a:pPr latinLnBrk="1"/>
+                      <a:r>
+                        <a:rPr lang="ko-KR" altLang="en-US" sz="1100" dirty="0" smtClean="0"/>
+                        <a:t>업종 </a:t>
+                      </a:r>
+                      <a:r>
+                        <a:rPr lang="en-US" altLang="ko-KR" sz="1100" dirty="0" smtClean="0">
+                          <a:solidFill>
+                            <a:srgbClr val="FF0000"/>
+                          </a:solidFill>
+                        </a:rPr>
+                        <a:t>VARCHAR</a:t>
+                      </a:r>
+                      <a:endParaRPr lang="ko-KR" altLang="en-US" sz="1100" dirty="0">
+                        <a:solidFill>
+                          <a:srgbClr val="FF0000"/>
+                        </a:solidFill>
+                      </a:endParaRPr>
+                    </a:p>
+                  </a:txBody>
+                  <a:tcPr/>
+                </a:tc>
+                <a:extLst>
+                  <a:ext uri="{0D108BD9-81ED-4DB2-BD59-A6C34878D82A}">
+                    <a16:rowId xmlns:a16="http://schemas.microsoft.com/office/drawing/2014/main" val="3835022090"/>
+                  </a:ext>
+                </a:extLst>
+              </a:tr>
+              <a:tr h="335535">
+                <a:tc>
+                  <a:txBody>
+                    <a:bodyPr/>
+                    <a:lstStyle/>
+                    <a:p>
+                      <a:pPr latinLnBrk="1"/>
+                      <a:r>
+                        <a:rPr lang="ko-KR" altLang="en-US" sz="1100" dirty="0" smtClean="0"/>
+                        <a:t>주요 상품 </a:t>
+                      </a:r>
+                      <a:r>
+                        <a:rPr lang="ko-KR" altLang="en-US" sz="1100" dirty="0" smtClean="0"/>
+                        <a:t>군 </a:t>
+                      </a:r>
+                      <a:r>
+                        <a:rPr lang="en-US" altLang="ko-KR" sz="1100" dirty="0" smtClean="0">
+                          <a:solidFill>
+                            <a:srgbClr val="FF0000"/>
+                          </a:solidFill>
+                        </a:rPr>
+                        <a:t>VARCHAR</a:t>
+                      </a:r>
+                      <a:endParaRPr lang="ko-KR" altLang="en-US" sz="1100" dirty="0">
+                        <a:solidFill>
+                          <a:srgbClr val="FF0000"/>
+                        </a:solidFill>
+                      </a:endParaRPr>
+                    </a:p>
+                  </a:txBody>
+                  <a:tcPr/>
+                </a:tc>
+                <a:extLst>
+                  <a:ext uri="{0D108BD9-81ED-4DB2-BD59-A6C34878D82A}">
+                    <a16:rowId xmlns:a16="http://schemas.microsoft.com/office/drawing/2014/main" val="133267380"/>
+                  </a:ext>
+                </a:extLst>
+              </a:tr>
+              <a:tr h="335535">
+                <a:tc>
+                  <a:txBody>
+                    <a:bodyPr/>
+                    <a:lstStyle/>
+                    <a:p>
+                      <a:pPr latinLnBrk="1"/>
+                      <a:r>
+                        <a:rPr lang="ko-KR" altLang="en-US" sz="1100" dirty="0" smtClean="0"/>
+                        <a:t>회사홈페이지주소 </a:t>
+                      </a:r>
+                      <a:r>
+                        <a:rPr lang="en-US" altLang="ko-KR" sz="1100" dirty="0" smtClean="0">
+                          <a:solidFill>
+                            <a:srgbClr val="FF0000"/>
+                          </a:solidFill>
+                        </a:rPr>
+                        <a:t>VARCHAR</a:t>
+                      </a:r>
+                      <a:endParaRPr lang="ko-KR" altLang="en-US" sz="1100" dirty="0">
+                        <a:solidFill>
+                          <a:srgbClr val="FF0000"/>
+                        </a:solidFill>
+                      </a:endParaRPr>
+                    </a:p>
+                  </a:txBody>
+                  <a:tcPr/>
+                </a:tc>
+                <a:extLst>
+                  <a:ext uri="{0D108BD9-81ED-4DB2-BD59-A6C34878D82A}">
+                    <a16:rowId xmlns:a16="http://schemas.microsoft.com/office/drawing/2014/main" val="2823599022"/>
+                  </a:ext>
+                </a:extLst>
+              </a:tr>
+              <a:tr h="335535">
+                <a:tc>
+                  <a:txBody>
+                    <a:bodyPr/>
+                    <a:lstStyle/>
+                    <a:p>
+                      <a:pPr latinLnBrk="1"/>
+                      <a:r>
+                        <a:rPr lang="ko-KR" altLang="en-US" sz="1100" dirty="0" smtClean="0"/>
+                        <a:t>사업자등록번호</a:t>
+                      </a:r>
+                      <a:r>
+                        <a:rPr lang="en-US" altLang="ko-KR" sz="1100" baseline="0" dirty="0" smtClean="0"/>
+                        <a:t> </a:t>
+                      </a:r>
+                      <a:r>
+                        <a:rPr lang="en-US" altLang="ko-KR" sz="1100" dirty="0" smtClean="0">
+                          <a:solidFill>
+                            <a:srgbClr val="FF0000"/>
+                          </a:solidFill>
+                        </a:rPr>
+                        <a:t>VARCHAR</a:t>
+                      </a:r>
+                      <a:endParaRPr lang="ko-KR" altLang="en-US" sz="1100" dirty="0">
+                        <a:solidFill>
+                          <a:srgbClr val="FF0000"/>
+                        </a:solidFill>
+                      </a:endParaRPr>
+                    </a:p>
+                  </a:txBody>
+                  <a:tcPr/>
+                </a:tc>
+                <a:extLst>
+                  <a:ext uri="{0D108BD9-81ED-4DB2-BD59-A6C34878D82A}">
+                    <a16:rowId xmlns:a16="http://schemas.microsoft.com/office/drawing/2014/main" val="1940706496"/>
+                  </a:ext>
+                </a:extLst>
+              </a:tr>
+            </a:tbl>
+          </a:graphicData>
+        </a:graphic>
+      </p:graphicFrame>
+      <p:graphicFrame>
+        <p:nvGraphicFramePr>
+          <p:cNvPr id="29" name="표 28"/>
+          <p:cNvGraphicFramePr>
+            <a:graphicFrameLocks noGrp="1"/>
+          </p:cNvGraphicFramePr>
+          <p:nvPr>
+            <p:extLst>
+              <p:ext uri="{D42A27DB-BD31-4B8C-83A1-F6EECF244321}">
+                <p14:modId xmlns:p14="http://schemas.microsoft.com/office/powerpoint/2010/main" val="3953527442"/>
+              </p:ext>
+            </p:extLst>
+          </p:nvPr>
+        </p:nvGraphicFramePr>
+        <p:xfrm>
+          <a:off x="9917511" y="-74"/>
+          <a:ext cx="1427448" cy="1981200"/>
+        </p:xfrm>
+        <a:graphic>
+          <a:graphicData uri="http://schemas.openxmlformats.org/drawingml/2006/table">
+            <a:tbl>
+              <a:tblPr firstRow="1" bandRow="1">
+                <a:tableStyleId>{5C22544A-7EE6-4342-B048-85BDC9FD1C3A}</a:tableStyleId>
+              </a:tblPr>
+              <a:tblGrid>
+                <a:gridCol w="1427448">
+                  <a:extLst>
+                    <a:ext uri="{9D8B030D-6E8A-4147-A177-3AD203B41FA5}">
+                      <a16:colId xmlns:a16="http://schemas.microsoft.com/office/drawing/2014/main" val="1628425209"/>
+                    </a:ext>
+                  </a:extLst>
+                </a:gridCol>
+              </a:tblGrid>
+              <a:tr h="251887">
+                <a:tc>
+                  <a:txBody>
+                    <a:bodyPr/>
+                    <a:lstStyle/>
+                    <a:p>
+                      <a:pPr latinLnBrk="1"/>
+                      <a:r>
+                        <a:rPr lang="ko-KR" altLang="en-US" sz="1100" dirty="0" smtClean="0"/>
+                        <a:t>모델버전관리</a:t>
+                      </a:r>
+                      <a:endParaRPr lang="ko-KR" altLang="en-US" sz="1100" dirty="0"/>
+                    </a:p>
+                  </a:txBody>
+                  <a:tcPr/>
+                </a:tc>
+                <a:extLst>
+                  <a:ext uri="{0D108BD9-81ED-4DB2-BD59-A6C34878D82A}">
+                    <a16:rowId xmlns:a16="http://schemas.microsoft.com/office/drawing/2014/main" val="2441104982"/>
+                  </a:ext>
+                </a:extLst>
+              </a:tr>
+              <a:tr h="248414">
+                <a:tc>
+                  <a:txBody>
+                    <a:bodyPr/>
+                    <a:lstStyle/>
+                    <a:p>
+                      <a:pPr latinLnBrk="1"/>
+                      <a:r>
+                        <a:rPr lang="ko-KR" altLang="en-US" sz="1100" dirty="0" smtClean="0"/>
+                        <a:t>버전 </a:t>
+                      </a:r>
+                      <a:r>
+                        <a:rPr lang="ko-KR" altLang="en-US" sz="1100" dirty="0" smtClean="0"/>
+                        <a:t>정보</a:t>
+                      </a:r>
+                      <a:r>
+                        <a:rPr lang="en-US" altLang="ko-KR" sz="1100" dirty="0" smtClean="0">
+                          <a:solidFill>
+                            <a:srgbClr val="FF0000"/>
+                          </a:solidFill>
+                        </a:rPr>
+                        <a:t>VARCHAR</a:t>
+                      </a:r>
+                      <a:endParaRPr lang="en-US" altLang="ko-KR" sz="1100" dirty="0" smtClean="0">
+                        <a:solidFill>
+                          <a:srgbClr val="FF0000"/>
+                        </a:solidFill>
+                      </a:endParaRPr>
+                    </a:p>
+                  </a:txBody>
+                  <a:tcPr/>
+                </a:tc>
+                <a:extLst>
+                  <a:ext uri="{0D108BD9-81ED-4DB2-BD59-A6C34878D82A}">
+                    <a16:rowId xmlns:a16="http://schemas.microsoft.com/office/drawing/2014/main" val="3832849648"/>
+                  </a:ext>
+                </a:extLst>
+              </a:tr>
+              <a:tr h="248414">
+                <a:tc>
+                  <a:txBody>
+                    <a:bodyPr/>
+                    <a:lstStyle/>
+                    <a:p>
+                      <a:pPr latinLnBrk="1"/>
+                      <a:r>
+                        <a:rPr lang="ko-KR" altLang="en-US" sz="1100" dirty="0" smtClean="0"/>
+                        <a:t>날짜</a:t>
+                      </a:r>
+                      <a:r>
+                        <a:rPr lang="en-US" altLang="ko-KR" sz="1100" dirty="0" smtClean="0">
+                          <a:solidFill>
+                            <a:srgbClr val="FF0000"/>
+                          </a:solidFill>
+                        </a:rPr>
+                        <a:t>DATETIME</a:t>
+                      </a:r>
+                    </a:p>
+                  </a:txBody>
+                  <a:tcPr/>
+                </a:tc>
+                <a:extLst>
+                  <a:ext uri="{0D108BD9-81ED-4DB2-BD59-A6C34878D82A}">
+                    <a16:rowId xmlns:a16="http://schemas.microsoft.com/office/drawing/2014/main" val="4176099474"/>
+                  </a:ext>
+                </a:extLst>
+              </a:tr>
+              <a:tr h="248414">
+                <a:tc>
+                  <a:txBody>
+                    <a:bodyPr/>
+                    <a:lstStyle/>
+                    <a:p>
+                      <a:pPr latinLnBrk="1"/>
+                      <a:r>
+                        <a:rPr lang="ko-KR" altLang="en-US" sz="1100" dirty="0" smtClean="0"/>
+                        <a:t>모델 파일 </a:t>
+                      </a:r>
+                      <a:r>
+                        <a:rPr lang="ko-KR" altLang="en-US" sz="1100" dirty="0" smtClean="0"/>
+                        <a:t>명</a:t>
+                      </a:r>
+                      <a:endParaRPr lang="en-US" altLang="ko-KR" sz="1100" dirty="0" smtClean="0"/>
+                    </a:p>
+                    <a:p>
+                      <a:pPr latinLnBrk="1"/>
+                      <a:r>
+                        <a:rPr lang="en-US" altLang="ko-KR" sz="1100" dirty="0" smtClean="0">
+                          <a:solidFill>
+                            <a:srgbClr val="FF0000"/>
+                          </a:solidFill>
+                        </a:rPr>
+                        <a:t>VARCHAR</a:t>
+                      </a:r>
+                      <a:endParaRPr lang="ko-KR" altLang="en-US" sz="1100" dirty="0">
+                        <a:solidFill>
+                          <a:srgbClr val="FF0000"/>
+                        </a:solidFill>
+                      </a:endParaRPr>
+                    </a:p>
+                  </a:txBody>
+                  <a:tcPr/>
+                </a:tc>
+                <a:extLst>
+                  <a:ext uri="{0D108BD9-81ED-4DB2-BD59-A6C34878D82A}">
+                    <a16:rowId xmlns:a16="http://schemas.microsoft.com/office/drawing/2014/main" val="2502794991"/>
+                  </a:ext>
+                </a:extLst>
+              </a:tr>
+              <a:tr h="247593">
+                <a:tc>
+                  <a:txBody>
+                    <a:bodyPr/>
+                    <a:lstStyle/>
+                    <a:p>
+                      <a:pPr latinLnBrk="1"/>
+                      <a:r>
+                        <a:rPr lang="en-US" altLang="ko-KR" sz="1100" dirty="0" smtClean="0"/>
+                        <a:t>F1-score </a:t>
+                      </a:r>
+                      <a:r>
+                        <a:rPr lang="en-US" altLang="ko-KR" sz="1100" dirty="0" smtClean="0">
+                          <a:solidFill>
+                            <a:srgbClr val="FF0000"/>
+                          </a:solidFill>
+                        </a:rPr>
+                        <a:t>FLOAT</a:t>
+                      </a:r>
+                      <a:endParaRPr lang="ko-KR" altLang="en-US" sz="1100" dirty="0">
+                        <a:solidFill>
+                          <a:srgbClr val="FF0000"/>
+                        </a:solidFill>
+                      </a:endParaRPr>
+                    </a:p>
+                  </a:txBody>
+                  <a:tcPr/>
+                </a:tc>
+                <a:extLst>
+                  <a:ext uri="{0D108BD9-81ED-4DB2-BD59-A6C34878D82A}">
+                    <a16:rowId xmlns:a16="http://schemas.microsoft.com/office/drawing/2014/main" val="3879632459"/>
+                  </a:ext>
+                </a:extLst>
+              </a:tr>
+              <a:tr h="248414">
+                <a:tc>
+                  <a:txBody>
+                    <a:bodyPr/>
+                    <a:lstStyle/>
+                    <a:p>
+                      <a:pPr latinLnBrk="1"/>
+                      <a:r>
+                        <a:rPr lang="ko-KR" altLang="en-US" sz="1100" dirty="0" smtClean="0"/>
+                        <a:t>정확도 </a:t>
+                      </a:r>
+                      <a:r>
+                        <a:rPr lang="en-US" altLang="ko-KR" sz="1100" dirty="0" smtClean="0">
+                          <a:solidFill>
+                            <a:srgbClr val="FF0000"/>
+                          </a:solidFill>
+                        </a:rPr>
+                        <a:t>FLOAT</a:t>
+                      </a:r>
+                      <a:endParaRPr lang="ko-KR" altLang="en-US" sz="1100" dirty="0">
+                        <a:solidFill>
+                          <a:srgbClr val="FF0000"/>
+                        </a:solidFill>
+                      </a:endParaRPr>
+                    </a:p>
+                  </a:txBody>
+                  <a:tcPr/>
+                </a:tc>
+                <a:extLst>
+                  <a:ext uri="{0D108BD9-81ED-4DB2-BD59-A6C34878D82A}">
+                    <a16:rowId xmlns:a16="http://schemas.microsoft.com/office/drawing/2014/main" val="2576890930"/>
+                  </a:ext>
+                </a:extLst>
+              </a:tr>
+              <a:tr h="248414">
+                <a:tc>
+                  <a:txBody>
+                    <a:bodyPr/>
+                    <a:lstStyle/>
+                    <a:p>
+                      <a:pPr latinLnBrk="1"/>
+                      <a:r>
+                        <a:rPr lang="ko-KR" altLang="en-US" sz="1100" dirty="0" smtClean="0"/>
+                        <a:t>코멘트 </a:t>
+                      </a:r>
+                      <a:r>
+                        <a:rPr lang="en-US" altLang="ko-KR" sz="1100" dirty="0" smtClean="0">
+                          <a:solidFill>
+                            <a:srgbClr val="FF0000"/>
+                          </a:solidFill>
+                        </a:rPr>
+                        <a:t>VARCHAR</a:t>
+                      </a:r>
+                      <a:endParaRPr lang="ko-KR" altLang="en-US" sz="1100" dirty="0">
+                        <a:solidFill>
+                          <a:srgbClr val="FF0000"/>
+                        </a:solidFill>
+                      </a:endParaRPr>
+                    </a:p>
+                  </a:txBody>
+                  <a:tcPr/>
+                </a:tc>
+                <a:extLst>
+                  <a:ext uri="{0D108BD9-81ED-4DB2-BD59-A6C34878D82A}">
+                    <a16:rowId xmlns:a16="http://schemas.microsoft.com/office/drawing/2014/main" val="3835022090"/>
+                  </a:ext>
+                </a:extLst>
+              </a:tr>
+            </a:tbl>
+          </a:graphicData>
+        </a:graphic>
+      </p:graphicFrame>
+      <p:graphicFrame>
+        <p:nvGraphicFramePr>
+          <p:cNvPr id="30" name="표 29"/>
+          <p:cNvGraphicFramePr>
+            <a:graphicFrameLocks noGrp="1"/>
+          </p:cNvGraphicFramePr>
+          <p:nvPr>
+            <p:extLst>
+              <p:ext uri="{D42A27DB-BD31-4B8C-83A1-F6EECF244321}">
+                <p14:modId xmlns:p14="http://schemas.microsoft.com/office/powerpoint/2010/main" val="639844714"/>
+              </p:ext>
+            </p:extLst>
+          </p:nvPr>
+        </p:nvGraphicFramePr>
+        <p:xfrm>
+          <a:off x="168843" y="2512040"/>
+          <a:ext cx="1803984" cy="2306008"/>
+        </p:xfrm>
+        <a:graphic>
+          <a:graphicData uri="http://schemas.openxmlformats.org/drawingml/2006/table">
+            <a:tbl>
+              <a:tblPr firstRow="1" bandRow="1">
+                <a:tableStyleId>{21E4AEA4-8DFA-4A89-87EB-49C32662AFE0}</a:tableStyleId>
+              </a:tblPr>
+              <a:tblGrid>
+                <a:gridCol w="1803984">
+                  <a:extLst>
+                    <a:ext uri="{9D8B030D-6E8A-4147-A177-3AD203B41FA5}">
+                      <a16:colId xmlns:a16="http://schemas.microsoft.com/office/drawing/2014/main" val="1628425209"/>
+                    </a:ext>
+                  </a:extLst>
+                </a:gridCol>
+              </a:tblGrid>
+              <a:tr h="288251">
+                <a:tc>
+                  <a:txBody>
+                    <a:bodyPr/>
+                    <a:lstStyle/>
+                    <a:p>
+                      <a:pPr latinLnBrk="1"/>
+                      <a:r>
+                        <a:rPr lang="ko-KR" altLang="en-US" sz="1100" dirty="0" smtClean="0"/>
+                        <a:t>유튜브 라이브 </a:t>
+                      </a:r>
+                      <a:r>
+                        <a:rPr lang="ko-KR" altLang="en-US" sz="1100" dirty="0" smtClean="0"/>
+                        <a:t>채팅</a:t>
+                      </a:r>
+                      <a:endParaRPr lang="ko-KR" altLang="en-US" sz="1100" dirty="0"/>
+                    </a:p>
+                  </a:txBody>
+                  <a:tcPr/>
+                </a:tc>
+                <a:extLst>
+                  <a:ext uri="{0D108BD9-81ED-4DB2-BD59-A6C34878D82A}">
+                    <a16:rowId xmlns:a16="http://schemas.microsoft.com/office/drawing/2014/main" val="2441104982"/>
+                  </a:ext>
+                </a:extLst>
+              </a:tr>
+              <a:tr h="288251">
+                <a:tc>
+                  <a:txBody>
+                    <a:bodyPr/>
+                    <a:lstStyle/>
+                    <a:p>
+                      <a:pPr latinLnBrk="1"/>
+                      <a:r>
+                        <a:rPr lang="ko-KR" altLang="en-US" sz="1100" dirty="0" smtClean="0"/>
+                        <a:t>채팅 </a:t>
+                      </a:r>
+                      <a:r>
+                        <a:rPr lang="ko-KR" altLang="en-US" sz="1100" dirty="0" smtClean="0"/>
+                        <a:t>번호 </a:t>
+                      </a:r>
+                      <a:r>
+                        <a:rPr lang="en-US" altLang="ko-KR" sz="1100" dirty="0" smtClean="0">
+                          <a:solidFill>
+                            <a:srgbClr val="FF0000"/>
+                          </a:solidFill>
+                        </a:rPr>
+                        <a:t>INT</a:t>
+                      </a:r>
+                      <a:endParaRPr lang="en-US" altLang="ko-KR" sz="1100" dirty="0" smtClean="0">
+                        <a:solidFill>
+                          <a:srgbClr val="FF0000"/>
+                        </a:solidFill>
+                      </a:endParaRPr>
+                    </a:p>
+                  </a:txBody>
+                  <a:tcPr/>
+                </a:tc>
+                <a:extLst>
+                  <a:ext uri="{0D108BD9-81ED-4DB2-BD59-A6C34878D82A}">
+                    <a16:rowId xmlns:a16="http://schemas.microsoft.com/office/drawing/2014/main" val="3832849648"/>
+                  </a:ext>
+                </a:extLst>
+              </a:tr>
+              <a:tr h="288251">
+                <a:tc>
+                  <a:txBody>
+                    <a:bodyPr/>
+                    <a:lstStyle/>
+                    <a:p>
+                      <a:pPr marL="0" marR="0" indent="0" algn="l" defTabSz="914400" rtl="0" eaLnBrk="1" fontAlgn="auto" latinLnBrk="1" hangingPunct="1">
+                        <a:lnSpc>
+                          <a:spcPct val="100000"/>
+                        </a:lnSpc>
+                        <a:spcBef>
+                          <a:spcPts val="0"/>
+                        </a:spcBef>
+                        <a:spcAft>
+                          <a:spcPts val="0"/>
+                        </a:spcAft>
+                        <a:buClrTx/>
+                        <a:buSzTx/>
+                        <a:buFontTx/>
+                        <a:buNone/>
+                        <a:tabLst/>
+                        <a:defRPr/>
+                      </a:pPr>
+                      <a:r>
+                        <a:rPr lang="ko-KR" altLang="en-US" sz="1100" dirty="0" smtClean="0"/>
+                        <a:t>날짜 및 시간 </a:t>
+                      </a:r>
+                      <a:r>
+                        <a:rPr lang="en-US" altLang="ko-KR" sz="1100" dirty="0" smtClean="0">
+                          <a:solidFill>
+                            <a:srgbClr val="FF0000"/>
+                          </a:solidFill>
+                        </a:rPr>
+                        <a:t>DATETIME</a:t>
+                      </a:r>
+                    </a:p>
+                  </a:txBody>
+                  <a:tcPr/>
+                </a:tc>
+                <a:extLst>
+                  <a:ext uri="{0D108BD9-81ED-4DB2-BD59-A6C34878D82A}">
+                    <a16:rowId xmlns:a16="http://schemas.microsoft.com/office/drawing/2014/main" val="669642124"/>
+                  </a:ext>
+                </a:extLst>
+              </a:tr>
+              <a:tr h="288251">
+                <a:tc>
+                  <a:txBody>
+                    <a:bodyPr/>
+                    <a:lstStyle/>
+                    <a:p>
+                      <a:pPr marL="0" marR="0" indent="0" algn="l" defTabSz="914400" rtl="0" eaLnBrk="1" fontAlgn="auto" latinLnBrk="1" hangingPunct="1">
+                        <a:lnSpc>
+                          <a:spcPct val="100000"/>
+                        </a:lnSpc>
+                        <a:spcBef>
+                          <a:spcPts val="0"/>
+                        </a:spcBef>
+                        <a:spcAft>
+                          <a:spcPts val="0"/>
+                        </a:spcAft>
+                        <a:buClrTx/>
+                        <a:buSzTx/>
+                        <a:buFontTx/>
+                        <a:buNone/>
+                        <a:tabLst/>
+                        <a:defRPr/>
+                      </a:pPr>
+                      <a:r>
+                        <a:rPr lang="ko-KR" altLang="en-US" sz="1100" dirty="0" smtClean="0"/>
+                        <a:t>시청자 아이디 </a:t>
+                      </a:r>
+                      <a:r>
+                        <a:rPr lang="en-US" altLang="ko-KR" sz="1100" dirty="0" smtClean="0">
+                          <a:solidFill>
+                            <a:srgbClr val="FF0000"/>
+                          </a:solidFill>
+                        </a:rPr>
+                        <a:t>VARCHAR</a:t>
+                      </a:r>
+                      <a:endParaRPr lang="ko-KR" altLang="en-US" sz="1100" dirty="0" smtClean="0">
+                        <a:solidFill>
+                          <a:srgbClr val="FF0000"/>
+                        </a:solidFill>
+                      </a:endParaRPr>
+                    </a:p>
+                  </a:txBody>
+                  <a:tcPr/>
+                </a:tc>
+                <a:extLst>
+                  <a:ext uri="{0D108BD9-81ED-4DB2-BD59-A6C34878D82A}">
+                    <a16:rowId xmlns:a16="http://schemas.microsoft.com/office/drawing/2014/main" val="4176099474"/>
+                  </a:ext>
+                </a:extLst>
+              </a:tr>
+              <a:tr h="288251">
+                <a:tc>
+                  <a:txBody>
+                    <a:bodyPr/>
+                    <a:lstStyle/>
+                    <a:p>
+                      <a:pPr latinLnBrk="1"/>
+                      <a:r>
+                        <a:rPr lang="ko-KR" altLang="en-US" sz="1100" dirty="0" smtClean="0"/>
+                        <a:t>채팅 내용 </a:t>
+                      </a:r>
+                      <a:r>
+                        <a:rPr lang="en-US" altLang="ko-KR" sz="1100" dirty="0" smtClean="0">
+                          <a:solidFill>
+                            <a:srgbClr val="FF0000"/>
+                          </a:solidFill>
+                        </a:rPr>
+                        <a:t>TEXT</a:t>
+                      </a:r>
+                      <a:endParaRPr lang="ko-KR" altLang="en-US" sz="1100" dirty="0">
+                        <a:solidFill>
+                          <a:srgbClr val="FF0000"/>
+                        </a:solidFill>
+                      </a:endParaRPr>
+                    </a:p>
+                  </a:txBody>
+                  <a:tcPr/>
+                </a:tc>
+                <a:extLst>
+                  <a:ext uri="{0D108BD9-81ED-4DB2-BD59-A6C34878D82A}">
+                    <a16:rowId xmlns:a16="http://schemas.microsoft.com/office/drawing/2014/main" val="2502794991"/>
+                  </a:ext>
+                </a:extLst>
+              </a:tr>
+              <a:tr h="288251">
+                <a:tc>
+                  <a:txBody>
+                    <a:bodyPr/>
+                    <a:lstStyle/>
+                    <a:p>
+                      <a:pPr latinLnBrk="1"/>
+                      <a:r>
+                        <a:rPr lang="ko-KR" altLang="en-US" sz="1100" dirty="0" smtClean="0"/>
+                        <a:t>동영상</a:t>
+                      </a:r>
+                      <a:r>
+                        <a:rPr lang="en-US" altLang="ko-KR" sz="1100" dirty="0" smtClean="0"/>
+                        <a:t>ID </a:t>
+                      </a:r>
+                      <a:r>
+                        <a:rPr lang="en-US" altLang="ko-KR" sz="1100" dirty="0" smtClean="0">
+                          <a:solidFill>
+                            <a:srgbClr val="FF0000"/>
+                          </a:solidFill>
+                        </a:rPr>
+                        <a:t>VARCHAR</a:t>
+                      </a:r>
+                      <a:endParaRPr lang="en-US" altLang="ko-KR" sz="1100" dirty="0" smtClean="0">
+                        <a:solidFill>
+                          <a:srgbClr val="FF0000"/>
+                        </a:solidFill>
+                      </a:endParaRPr>
+                    </a:p>
+                  </a:txBody>
+                  <a:tcPr/>
+                </a:tc>
+                <a:extLst>
+                  <a:ext uri="{0D108BD9-81ED-4DB2-BD59-A6C34878D82A}">
+                    <a16:rowId xmlns:a16="http://schemas.microsoft.com/office/drawing/2014/main" val="3879632459"/>
+                  </a:ext>
+                </a:extLst>
+              </a:tr>
+              <a:tr h="288251">
+                <a:tc>
+                  <a:txBody>
+                    <a:bodyPr/>
+                    <a:lstStyle/>
+                    <a:p>
+                      <a:pPr marL="0" marR="0" indent="0" algn="l" defTabSz="914400" rtl="0" eaLnBrk="1" fontAlgn="auto" latinLnBrk="1" hangingPunct="1">
+                        <a:lnSpc>
+                          <a:spcPct val="100000"/>
+                        </a:lnSpc>
+                        <a:spcBef>
+                          <a:spcPts val="0"/>
+                        </a:spcBef>
+                        <a:spcAft>
+                          <a:spcPts val="0"/>
+                        </a:spcAft>
+                        <a:buClrTx/>
+                        <a:buSzTx/>
+                        <a:buFontTx/>
+                        <a:buNone/>
+                        <a:tabLst/>
+                        <a:defRPr/>
+                      </a:pPr>
+                      <a:r>
+                        <a:rPr lang="ko-KR" altLang="en-US" sz="1100" dirty="0" smtClean="0"/>
+                        <a:t>채널</a:t>
+                      </a:r>
+                      <a:r>
+                        <a:rPr lang="en-US" altLang="ko-KR" sz="1100" dirty="0" smtClean="0"/>
+                        <a:t>ID</a:t>
+                      </a:r>
+                      <a:r>
+                        <a:rPr lang="en-US" altLang="ko-KR" sz="1100" baseline="0" dirty="0" smtClean="0"/>
+                        <a:t> </a:t>
+                      </a:r>
+                      <a:r>
+                        <a:rPr lang="en-US" altLang="ko-KR" sz="1100" baseline="0" dirty="0" smtClean="0">
+                          <a:solidFill>
+                            <a:srgbClr val="FF0000"/>
+                          </a:solidFill>
+                        </a:rPr>
+                        <a:t>VARCHAR</a:t>
+                      </a:r>
+                      <a:endParaRPr lang="ko-KR" altLang="en-US" sz="1100" dirty="0" smtClean="0">
+                        <a:solidFill>
+                          <a:srgbClr val="FF0000"/>
+                        </a:solidFill>
+                      </a:endParaRPr>
+                    </a:p>
+                  </a:txBody>
+                  <a:tcPr/>
+                </a:tc>
+                <a:extLst>
+                  <a:ext uri="{0D108BD9-81ED-4DB2-BD59-A6C34878D82A}">
+                    <a16:rowId xmlns:a16="http://schemas.microsoft.com/office/drawing/2014/main" val="2576890930"/>
+                  </a:ext>
+                </a:extLst>
+              </a:tr>
+              <a:tr h="288251">
+                <a:tc>
+                  <a:txBody>
+                    <a:bodyPr/>
+                    <a:lstStyle/>
+                    <a:p>
+                      <a:pPr marL="0" marR="0" indent="0" algn="l" defTabSz="914400" rtl="0" eaLnBrk="1" fontAlgn="auto" latinLnBrk="1" hangingPunct="1">
+                        <a:lnSpc>
+                          <a:spcPct val="100000"/>
+                        </a:lnSpc>
+                        <a:spcBef>
+                          <a:spcPts val="0"/>
+                        </a:spcBef>
+                        <a:spcAft>
+                          <a:spcPts val="0"/>
+                        </a:spcAft>
+                        <a:buClrTx/>
+                        <a:buSzTx/>
+                        <a:buFontTx/>
+                        <a:buNone/>
+                        <a:tabLst/>
+                        <a:defRPr/>
+                      </a:pPr>
+                      <a:r>
+                        <a:rPr lang="ko-KR" altLang="en-US" sz="1100" dirty="0" smtClean="0"/>
+                        <a:t>방송 날짜 </a:t>
+                      </a:r>
+                      <a:r>
+                        <a:rPr lang="en-US" altLang="ko-KR" sz="1100" dirty="0" smtClean="0">
+                          <a:solidFill>
+                            <a:srgbClr val="FF0000"/>
+                          </a:solidFill>
+                        </a:rPr>
+                        <a:t>DATETIME</a:t>
+                      </a:r>
+                      <a:endParaRPr lang="ko-KR" altLang="en-US" sz="1100" dirty="0" smtClean="0">
+                        <a:solidFill>
+                          <a:srgbClr val="FF0000"/>
+                        </a:solidFill>
+                      </a:endParaRPr>
+                    </a:p>
+                  </a:txBody>
+                  <a:tcPr/>
+                </a:tc>
+                <a:extLst>
+                  <a:ext uri="{0D108BD9-81ED-4DB2-BD59-A6C34878D82A}">
+                    <a16:rowId xmlns:a16="http://schemas.microsoft.com/office/drawing/2014/main" val="3835022090"/>
+                  </a:ext>
+                </a:extLst>
+              </a:tr>
+            </a:tbl>
+          </a:graphicData>
+        </a:graphic>
+      </p:graphicFrame>
+      <p:graphicFrame>
+        <p:nvGraphicFramePr>
+          <p:cNvPr id="31" name="표 30"/>
+          <p:cNvGraphicFramePr>
+            <a:graphicFrameLocks noGrp="1"/>
+          </p:cNvGraphicFramePr>
+          <p:nvPr>
+            <p:extLst>
+              <p:ext uri="{D42A27DB-BD31-4B8C-83A1-F6EECF244321}">
+                <p14:modId xmlns:p14="http://schemas.microsoft.com/office/powerpoint/2010/main" val="85413966"/>
+              </p:ext>
+            </p:extLst>
+          </p:nvPr>
+        </p:nvGraphicFramePr>
+        <p:xfrm>
+          <a:off x="4449534" y="2916568"/>
+          <a:ext cx="1877702" cy="1813560"/>
+        </p:xfrm>
+        <a:graphic>
+          <a:graphicData uri="http://schemas.openxmlformats.org/drawingml/2006/table">
+            <a:tbl>
+              <a:tblPr firstRow="1" bandRow="1">
+                <a:tableStyleId>{21E4AEA4-8DFA-4A89-87EB-49C32662AFE0}</a:tableStyleId>
+              </a:tblPr>
+              <a:tblGrid>
+                <a:gridCol w="1877702">
+                  <a:extLst>
+                    <a:ext uri="{9D8B030D-6E8A-4147-A177-3AD203B41FA5}">
+                      <a16:colId xmlns:a16="http://schemas.microsoft.com/office/drawing/2014/main" val="1628425209"/>
+                    </a:ext>
+                  </a:extLst>
+                </a:gridCol>
+              </a:tblGrid>
+              <a:tr h="248414">
+                <a:tc>
+                  <a:txBody>
+                    <a:bodyPr/>
+                    <a:lstStyle/>
+                    <a:p>
+                      <a:pPr latinLnBrk="1"/>
+                      <a:r>
+                        <a:rPr lang="en-US" altLang="ko-KR" sz="1100" dirty="0" err="1" smtClean="0"/>
+                        <a:t>Youtube</a:t>
+                      </a:r>
+                      <a:r>
+                        <a:rPr lang="en-US" altLang="ko-KR" sz="1100" dirty="0" smtClean="0"/>
+                        <a:t> </a:t>
+                      </a:r>
+                      <a:r>
+                        <a:rPr lang="ko-KR" altLang="en-US" sz="1100" dirty="0" err="1" smtClean="0"/>
+                        <a:t>채널정보</a:t>
+                      </a:r>
+                      <a:endParaRPr lang="ko-KR" altLang="en-US" sz="1100" dirty="0"/>
+                    </a:p>
+                  </a:txBody>
+                  <a:tcPr/>
+                </a:tc>
+                <a:extLst>
+                  <a:ext uri="{0D108BD9-81ED-4DB2-BD59-A6C34878D82A}">
+                    <a16:rowId xmlns:a16="http://schemas.microsoft.com/office/drawing/2014/main" val="2441104982"/>
+                  </a:ext>
+                </a:extLst>
+              </a:tr>
+              <a:tr h="248414">
+                <a:tc>
+                  <a:txBody>
+                    <a:bodyPr/>
+                    <a:lstStyle/>
+                    <a:p>
+                      <a:pPr latinLnBrk="1"/>
+                      <a:r>
+                        <a:rPr lang="ko-KR" altLang="en-US" sz="1100" dirty="0" smtClean="0"/>
+                        <a:t>채널</a:t>
+                      </a:r>
+                      <a:r>
+                        <a:rPr lang="en-US" altLang="ko-KR" sz="1100" dirty="0" smtClean="0"/>
+                        <a:t>id </a:t>
+                      </a:r>
+                      <a:r>
+                        <a:rPr lang="en-US" altLang="ko-KR" sz="1100" dirty="0" smtClean="0">
+                          <a:solidFill>
+                            <a:srgbClr val="FF0000"/>
+                          </a:solidFill>
+                        </a:rPr>
+                        <a:t>VARCHAR</a:t>
+                      </a:r>
+                      <a:endParaRPr lang="en-US" altLang="ko-KR" sz="1100" dirty="0" smtClean="0">
+                        <a:solidFill>
+                          <a:srgbClr val="FF0000"/>
+                        </a:solidFill>
+                      </a:endParaRPr>
+                    </a:p>
+                  </a:txBody>
+                  <a:tcPr/>
+                </a:tc>
+                <a:extLst>
+                  <a:ext uri="{0D108BD9-81ED-4DB2-BD59-A6C34878D82A}">
+                    <a16:rowId xmlns:a16="http://schemas.microsoft.com/office/drawing/2014/main" val="3832849648"/>
+                  </a:ext>
+                </a:extLst>
+              </a:tr>
+              <a:tr h="248414">
+                <a:tc>
+                  <a:txBody>
+                    <a:bodyPr/>
+                    <a:lstStyle/>
+                    <a:p>
+                      <a:pPr latinLnBrk="1"/>
+                      <a:r>
+                        <a:rPr lang="ko-KR" altLang="en-US" sz="1100" dirty="0" smtClean="0"/>
+                        <a:t>채널 </a:t>
+                      </a:r>
+                      <a:r>
+                        <a:rPr lang="ko-KR" altLang="en-US" sz="1100" dirty="0" smtClean="0"/>
+                        <a:t>이름 </a:t>
+                      </a:r>
+                      <a:r>
+                        <a:rPr lang="en-US" altLang="ko-KR" sz="1100" dirty="0" smtClean="0">
+                          <a:solidFill>
+                            <a:srgbClr val="FF0000"/>
+                          </a:solidFill>
+                        </a:rPr>
+                        <a:t>VARCHAR</a:t>
+                      </a:r>
+                      <a:endParaRPr lang="en-US" altLang="ko-KR" sz="1100" dirty="0" smtClean="0">
+                        <a:solidFill>
+                          <a:srgbClr val="FF0000"/>
+                        </a:solidFill>
+                      </a:endParaRPr>
+                    </a:p>
+                  </a:txBody>
+                  <a:tcPr/>
+                </a:tc>
+                <a:extLst>
+                  <a:ext uri="{0D108BD9-81ED-4DB2-BD59-A6C34878D82A}">
+                    <a16:rowId xmlns:a16="http://schemas.microsoft.com/office/drawing/2014/main" val="4176099474"/>
+                  </a:ext>
+                </a:extLst>
+              </a:tr>
+              <a:tr h="248414">
+                <a:tc>
+                  <a:txBody>
+                    <a:bodyPr/>
+                    <a:lstStyle/>
+                    <a:p>
+                      <a:pPr latinLnBrk="1"/>
+                      <a:r>
+                        <a:rPr lang="ko-KR" altLang="en-US" sz="1100" dirty="0" smtClean="0"/>
+                        <a:t>채널 </a:t>
+                      </a:r>
+                      <a:r>
+                        <a:rPr lang="ko-KR" altLang="en-US" sz="1100" dirty="0" smtClean="0"/>
+                        <a:t>제목 </a:t>
+                      </a:r>
+                      <a:r>
+                        <a:rPr lang="en-US" altLang="ko-KR" sz="1100" dirty="0" smtClean="0">
+                          <a:solidFill>
+                            <a:srgbClr val="FF0000"/>
+                          </a:solidFill>
+                        </a:rPr>
+                        <a:t>VARCHAR</a:t>
+                      </a:r>
+                      <a:endParaRPr lang="ko-KR" altLang="en-US" sz="1100" dirty="0">
+                        <a:solidFill>
+                          <a:srgbClr val="FF0000"/>
+                        </a:solidFill>
+                      </a:endParaRPr>
+                    </a:p>
+                  </a:txBody>
+                  <a:tcPr/>
+                </a:tc>
+                <a:extLst>
+                  <a:ext uri="{0D108BD9-81ED-4DB2-BD59-A6C34878D82A}">
+                    <a16:rowId xmlns:a16="http://schemas.microsoft.com/office/drawing/2014/main" val="2502794991"/>
+                  </a:ext>
+                </a:extLst>
+              </a:tr>
+              <a:tr h="248414">
+                <a:tc>
+                  <a:txBody>
+                    <a:bodyPr/>
+                    <a:lstStyle/>
+                    <a:p>
+                      <a:pPr latinLnBrk="1"/>
+                      <a:r>
+                        <a:rPr lang="ko-KR" altLang="en-US" sz="1100" dirty="0" smtClean="0"/>
+                        <a:t>구독자 </a:t>
+                      </a:r>
+                      <a:r>
+                        <a:rPr lang="ko-KR" altLang="en-US" sz="1100" dirty="0" smtClean="0"/>
+                        <a:t>수 </a:t>
+                      </a:r>
+                      <a:r>
+                        <a:rPr lang="en-US" altLang="ko-KR" sz="1100" dirty="0" smtClean="0">
+                          <a:solidFill>
+                            <a:srgbClr val="FF0000"/>
+                          </a:solidFill>
+                        </a:rPr>
+                        <a:t>INT</a:t>
+                      </a:r>
+                      <a:endParaRPr lang="ko-KR" altLang="en-US" sz="1100" dirty="0">
+                        <a:solidFill>
+                          <a:srgbClr val="FF0000"/>
+                        </a:solidFill>
+                      </a:endParaRPr>
+                    </a:p>
+                  </a:txBody>
+                  <a:tcPr/>
+                </a:tc>
+                <a:extLst>
+                  <a:ext uri="{0D108BD9-81ED-4DB2-BD59-A6C34878D82A}">
+                    <a16:rowId xmlns:a16="http://schemas.microsoft.com/office/drawing/2014/main" val="3879632459"/>
+                  </a:ext>
+                </a:extLst>
+              </a:tr>
+              <a:tr h="248414">
+                <a:tc>
+                  <a:txBody>
+                    <a:bodyPr/>
+                    <a:lstStyle/>
+                    <a:p>
+                      <a:pPr latinLnBrk="1"/>
+                      <a:r>
+                        <a:rPr lang="ko-KR" altLang="en-US" sz="1100" dirty="0" smtClean="0"/>
+                        <a:t>채널 </a:t>
+                      </a:r>
+                      <a:r>
+                        <a:rPr lang="ko-KR" altLang="en-US" sz="1100" dirty="0" smtClean="0"/>
+                        <a:t>조회수 </a:t>
+                      </a:r>
+                      <a:r>
+                        <a:rPr lang="en-US" altLang="ko-KR" sz="1100" dirty="0" smtClean="0">
+                          <a:solidFill>
+                            <a:srgbClr val="FF0000"/>
+                          </a:solidFill>
+                        </a:rPr>
+                        <a:t>INT</a:t>
+                      </a:r>
+                      <a:endParaRPr lang="ko-KR" altLang="en-US" sz="1100" dirty="0">
+                        <a:solidFill>
+                          <a:srgbClr val="FF0000"/>
+                        </a:solidFill>
+                      </a:endParaRPr>
+                    </a:p>
+                  </a:txBody>
+                  <a:tcPr/>
+                </a:tc>
+                <a:extLst>
+                  <a:ext uri="{0D108BD9-81ED-4DB2-BD59-A6C34878D82A}">
+                    <a16:rowId xmlns:a16="http://schemas.microsoft.com/office/drawing/2014/main" val="2576890930"/>
+                  </a:ext>
+                </a:extLst>
+              </a:tr>
+              <a:tr h="248414">
+                <a:tc>
+                  <a:txBody>
+                    <a:bodyPr/>
+                    <a:lstStyle/>
+                    <a:p>
+                      <a:pPr latinLnBrk="1"/>
+                      <a:r>
+                        <a:rPr lang="ko-KR" altLang="en-US" sz="1100" dirty="0" smtClean="0"/>
+                        <a:t>채널 영상 </a:t>
+                      </a:r>
+                      <a:r>
+                        <a:rPr lang="ko-KR" altLang="en-US" sz="1100" dirty="0" smtClean="0"/>
+                        <a:t>수 </a:t>
+                      </a:r>
+                      <a:r>
+                        <a:rPr lang="en-US" altLang="ko-KR" sz="1100" dirty="0" smtClean="0">
+                          <a:solidFill>
+                            <a:srgbClr val="FF0000"/>
+                          </a:solidFill>
+                        </a:rPr>
+                        <a:t>INT</a:t>
+                      </a:r>
+                      <a:endParaRPr lang="ko-KR" altLang="en-US" sz="1100" dirty="0">
+                        <a:solidFill>
+                          <a:srgbClr val="FF0000"/>
+                        </a:solidFill>
+                      </a:endParaRPr>
+                    </a:p>
+                  </a:txBody>
+                  <a:tcPr/>
+                </a:tc>
+                <a:extLst>
+                  <a:ext uri="{0D108BD9-81ED-4DB2-BD59-A6C34878D82A}">
+                    <a16:rowId xmlns:a16="http://schemas.microsoft.com/office/drawing/2014/main" val="3835022090"/>
+                  </a:ext>
+                </a:extLst>
+              </a:tr>
+            </a:tbl>
+          </a:graphicData>
+        </a:graphic>
+      </p:graphicFrame>
+      <p:graphicFrame>
+        <p:nvGraphicFramePr>
+          <p:cNvPr id="32" name="표 31"/>
+          <p:cNvGraphicFramePr>
+            <a:graphicFrameLocks noGrp="1"/>
+          </p:cNvGraphicFramePr>
+          <p:nvPr>
+            <p:extLst>
+              <p:ext uri="{D42A27DB-BD31-4B8C-83A1-F6EECF244321}">
+                <p14:modId xmlns:p14="http://schemas.microsoft.com/office/powerpoint/2010/main" val="452663284"/>
+              </p:ext>
+            </p:extLst>
+          </p:nvPr>
+        </p:nvGraphicFramePr>
+        <p:xfrm>
+          <a:off x="4457874" y="4899927"/>
+          <a:ext cx="1869362" cy="1295400"/>
+        </p:xfrm>
+        <a:graphic>
+          <a:graphicData uri="http://schemas.openxmlformats.org/drawingml/2006/table">
+            <a:tbl>
+              <a:tblPr firstRow="1" bandRow="1">
+                <a:tableStyleId>{21E4AEA4-8DFA-4A89-87EB-49C32662AFE0}</a:tableStyleId>
+              </a:tblPr>
+              <a:tblGrid>
+                <a:gridCol w="1869362">
+                  <a:extLst>
+                    <a:ext uri="{9D8B030D-6E8A-4147-A177-3AD203B41FA5}">
+                      <a16:colId xmlns:a16="http://schemas.microsoft.com/office/drawing/2014/main" val="1628425209"/>
+                    </a:ext>
+                  </a:extLst>
+                </a:gridCol>
+              </a:tblGrid>
+              <a:tr h="248414">
+                <a:tc>
+                  <a:txBody>
+                    <a:bodyPr/>
+                    <a:lstStyle/>
+                    <a:p>
+                      <a:pPr latinLnBrk="1"/>
+                      <a:r>
+                        <a:rPr lang="ko-KR" altLang="en-US" sz="1100" dirty="0" smtClean="0"/>
+                        <a:t>재생목록</a:t>
+                      </a:r>
+                      <a:endParaRPr lang="ko-KR" altLang="en-US" sz="1100" dirty="0"/>
+                    </a:p>
+                  </a:txBody>
+                  <a:tcPr/>
+                </a:tc>
+                <a:extLst>
+                  <a:ext uri="{0D108BD9-81ED-4DB2-BD59-A6C34878D82A}">
+                    <a16:rowId xmlns:a16="http://schemas.microsoft.com/office/drawing/2014/main" val="2441104982"/>
+                  </a:ext>
+                </a:extLst>
+              </a:tr>
+              <a:tr h="248414">
+                <a:tc>
+                  <a:txBody>
+                    <a:bodyPr/>
+                    <a:lstStyle/>
+                    <a:p>
+                      <a:pPr latinLnBrk="1"/>
+                      <a:r>
+                        <a:rPr lang="ko-KR" altLang="en-US" sz="1100" dirty="0" smtClean="0"/>
+                        <a:t>소속 채널</a:t>
+                      </a:r>
+                      <a:r>
+                        <a:rPr lang="en-US" altLang="ko-KR" sz="1100" dirty="0" smtClean="0"/>
+                        <a:t>id </a:t>
+                      </a:r>
+                      <a:r>
+                        <a:rPr lang="en-US" altLang="ko-KR" sz="1100" dirty="0" smtClean="0">
+                          <a:solidFill>
+                            <a:srgbClr val="FF0000"/>
+                          </a:solidFill>
+                        </a:rPr>
+                        <a:t>VARCHAR</a:t>
+                      </a:r>
+                      <a:endParaRPr lang="ko-KR" altLang="en-US" sz="1100" dirty="0">
+                        <a:solidFill>
+                          <a:srgbClr val="FF0000"/>
+                        </a:solidFill>
+                      </a:endParaRPr>
+                    </a:p>
+                  </a:txBody>
+                  <a:tcPr/>
+                </a:tc>
+                <a:extLst>
+                  <a:ext uri="{0D108BD9-81ED-4DB2-BD59-A6C34878D82A}">
+                    <a16:rowId xmlns:a16="http://schemas.microsoft.com/office/drawing/2014/main" val="2250603943"/>
+                  </a:ext>
+                </a:extLst>
+              </a:tr>
+              <a:tr h="248414">
+                <a:tc>
+                  <a:txBody>
+                    <a:bodyPr/>
+                    <a:lstStyle/>
+                    <a:p>
+                      <a:pPr latinLnBrk="1"/>
+                      <a:r>
+                        <a:rPr lang="ko-KR" altLang="en-US" sz="1100" dirty="0" smtClean="0"/>
+                        <a:t>재생목록</a:t>
+                      </a:r>
+                      <a:r>
+                        <a:rPr lang="en-US" altLang="ko-KR" sz="1100" dirty="0" smtClean="0"/>
+                        <a:t>id </a:t>
+                      </a:r>
+                      <a:r>
+                        <a:rPr lang="en-US" altLang="ko-KR" sz="1100" dirty="0" smtClean="0">
+                          <a:solidFill>
+                            <a:srgbClr val="FF0000"/>
+                          </a:solidFill>
+                        </a:rPr>
+                        <a:t>VARCHAR</a:t>
+                      </a:r>
+                      <a:endParaRPr lang="en-US" altLang="ko-KR" sz="1100" dirty="0" smtClean="0">
+                        <a:solidFill>
+                          <a:srgbClr val="FF0000"/>
+                        </a:solidFill>
+                      </a:endParaRPr>
+                    </a:p>
+                  </a:txBody>
+                  <a:tcPr/>
+                </a:tc>
+                <a:extLst>
+                  <a:ext uri="{0D108BD9-81ED-4DB2-BD59-A6C34878D82A}">
+                    <a16:rowId xmlns:a16="http://schemas.microsoft.com/office/drawing/2014/main" val="3832849648"/>
+                  </a:ext>
+                </a:extLst>
+              </a:tr>
+              <a:tr h="248414">
+                <a:tc>
+                  <a:txBody>
+                    <a:bodyPr/>
+                    <a:lstStyle/>
+                    <a:p>
+                      <a:pPr latinLnBrk="1"/>
+                      <a:r>
+                        <a:rPr lang="ko-KR" altLang="en-US" sz="1100" dirty="0" smtClean="0"/>
+                        <a:t>재생목록이름 </a:t>
+                      </a:r>
+                      <a:r>
+                        <a:rPr lang="en-US" altLang="ko-KR" sz="1100" dirty="0" smtClean="0">
+                          <a:solidFill>
+                            <a:srgbClr val="FF0000"/>
+                          </a:solidFill>
+                        </a:rPr>
+                        <a:t>VARCHAR</a:t>
+                      </a:r>
+                      <a:endParaRPr lang="en-US" altLang="ko-KR" sz="1100" dirty="0" smtClean="0">
+                        <a:solidFill>
+                          <a:srgbClr val="FF0000"/>
+                        </a:solidFill>
+                      </a:endParaRPr>
+                    </a:p>
+                  </a:txBody>
+                  <a:tcPr/>
+                </a:tc>
+                <a:extLst>
+                  <a:ext uri="{0D108BD9-81ED-4DB2-BD59-A6C34878D82A}">
+                    <a16:rowId xmlns:a16="http://schemas.microsoft.com/office/drawing/2014/main" val="4176099474"/>
+                  </a:ext>
+                </a:extLst>
+              </a:tr>
+              <a:tr h="248414">
+                <a:tc>
+                  <a:txBody>
+                    <a:bodyPr/>
+                    <a:lstStyle/>
+                    <a:p>
+                      <a:pPr latinLnBrk="1"/>
+                      <a:r>
+                        <a:rPr lang="ko-KR" altLang="en-US" sz="1100" dirty="0" smtClean="0"/>
+                        <a:t>재생목록 내 동영상 </a:t>
+                      </a:r>
+                      <a:r>
+                        <a:rPr lang="ko-KR" altLang="en-US" sz="1100" dirty="0" smtClean="0"/>
+                        <a:t>수 </a:t>
+                      </a:r>
+                      <a:r>
+                        <a:rPr lang="en-US" altLang="ko-KR" sz="1100" dirty="0" smtClean="0">
+                          <a:solidFill>
+                            <a:srgbClr val="FF0000"/>
+                          </a:solidFill>
+                        </a:rPr>
+                        <a:t>INT</a:t>
+                      </a:r>
+                      <a:endParaRPr lang="ko-KR" altLang="en-US" sz="1100" dirty="0">
+                        <a:solidFill>
+                          <a:srgbClr val="FF0000"/>
+                        </a:solidFill>
+                      </a:endParaRPr>
+                    </a:p>
+                  </a:txBody>
+                  <a:tcPr/>
+                </a:tc>
+                <a:extLst>
+                  <a:ext uri="{0D108BD9-81ED-4DB2-BD59-A6C34878D82A}">
+                    <a16:rowId xmlns:a16="http://schemas.microsoft.com/office/drawing/2014/main" val="2502794991"/>
+                  </a:ext>
+                </a:extLst>
+              </a:tr>
+            </a:tbl>
+          </a:graphicData>
+        </a:graphic>
+      </p:graphicFrame>
+      <p:graphicFrame>
+        <p:nvGraphicFramePr>
+          <p:cNvPr id="33" name="표 32"/>
+          <p:cNvGraphicFramePr>
+            <a:graphicFrameLocks noGrp="1"/>
+          </p:cNvGraphicFramePr>
+          <p:nvPr>
+            <p:extLst>
+              <p:ext uri="{D42A27DB-BD31-4B8C-83A1-F6EECF244321}">
+                <p14:modId xmlns:p14="http://schemas.microsoft.com/office/powerpoint/2010/main" val="1411680121"/>
+              </p:ext>
+            </p:extLst>
+          </p:nvPr>
+        </p:nvGraphicFramePr>
+        <p:xfrm>
+          <a:off x="2035155" y="2988271"/>
+          <a:ext cx="2335605" cy="3276600"/>
+        </p:xfrm>
+        <a:graphic>
+          <a:graphicData uri="http://schemas.openxmlformats.org/drawingml/2006/table">
+            <a:tbl>
+              <a:tblPr firstRow="1" bandRow="1">
+                <a:tableStyleId>{21E4AEA4-8DFA-4A89-87EB-49C32662AFE0}</a:tableStyleId>
+              </a:tblPr>
+              <a:tblGrid>
+                <a:gridCol w="2335605">
+                  <a:extLst>
+                    <a:ext uri="{9D8B030D-6E8A-4147-A177-3AD203B41FA5}">
+                      <a16:colId xmlns:a16="http://schemas.microsoft.com/office/drawing/2014/main" val="1628425209"/>
+                    </a:ext>
+                  </a:extLst>
+                </a:gridCol>
+              </a:tblGrid>
+              <a:tr h="248414">
+                <a:tc>
+                  <a:txBody>
+                    <a:bodyPr/>
+                    <a:lstStyle/>
+                    <a:p>
+                      <a:pPr latinLnBrk="1"/>
+                      <a:r>
+                        <a:rPr lang="en-US" altLang="ko-KR" sz="1100" dirty="0" err="1" smtClean="0"/>
+                        <a:t>Youtube</a:t>
+                      </a:r>
+                      <a:r>
+                        <a:rPr lang="en-US" altLang="ko-KR" sz="1100" dirty="0" smtClean="0"/>
+                        <a:t> </a:t>
+                      </a:r>
+                      <a:r>
+                        <a:rPr lang="ko-KR" altLang="en-US" sz="1100" dirty="0" smtClean="0"/>
+                        <a:t>동영상</a:t>
+                      </a:r>
+                      <a:endParaRPr lang="ko-KR" altLang="en-US" sz="1100" dirty="0"/>
+                    </a:p>
+                  </a:txBody>
+                  <a:tcPr/>
+                </a:tc>
+                <a:extLst>
+                  <a:ext uri="{0D108BD9-81ED-4DB2-BD59-A6C34878D82A}">
+                    <a16:rowId xmlns:a16="http://schemas.microsoft.com/office/drawing/2014/main" val="2441104982"/>
+                  </a:ext>
+                </a:extLst>
+              </a:tr>
+              <a:tr h="248414">
+                <a:tc>
+                  <a:txBody>
+                    <a:bodyPr/>
+                    <a:lstStyle/>
+                    <a:p>
+                      <a:pPr latinLnBrk="1"/>
+                      <a:r>
+                        <a:rPr lang="ko-KR" altLang="en-US" sz="1100" dirty="0" smtClean="0"/>
+                        <a:t>소속 재생목록</a:t>
+                      </a:r>
+                      <a:r>
+                        <a:rPr lang="en-US" altLang="ko-KR" sz="1100" dirty="0" smtClean="0"/>
+                        <a:t>id </a:t>
+                      </a:r>
+                      <a:r>
+                        <a:rPr lang="en-US" altLang="ko-KR" sz="1100" dirty="0" smtClean="0">
+                          <a:solidFill>
+                            <a:srgbClr val="FF0000"/>
+                          </a:solidFill>
+                        </a:rPr>
+                        <a:t>VARCHAR</a:t>
+                      </a:r>
+                      <a:endParaRPr lang="ko-KR" altLang="en-US" sz="1100" dirty="0">
+                        <a:solidFill>
+                          <a:srgbClr val="FF0000"/>
+                        </a:solidFill>
+                      </a:endParaRPr>
+                    </a:p>
+                  </a:txBody>
+                  <a:tcPr/>
+                </a:tc>
+                <a:extLst>
+                  <a:ext uri="{0D108BD9-81ED-4DB2-BD59-A6C34878D82A}">
+                    <a16:rowId xmlns:a16="http://schemas.microsoft.com/office/drawing/2014/main" val="499507889"/>
+                  </a:ext>
+                </a:extLst>
+              </a:tr>
+              <a:tr h="248414">
+                <a:tc>
+                  <a:txBody>
+                    <a:bodyPr/>
+                    <a:lstStyle/>
+                    <a:p>
+                      <a:pPr latinLnBrk="1"/>
+                      <a:r>
+                        <a:rPr lang="ko-KR" altLang="en-US" sz="1100" dirty="0" smtClean="0"/>
+                        <a:t>동영상</a:t>
+                      </a:r>
+                      <a:r>
+                        <a:rPr lang="en-US" altLang="ko-KR" sz="1100" dirty="0" smtClean="0"/>
+                        <a:t>ID </a:t>
+                      </a:r>
+                      <a:r>
+                        <a:rPr lang="en-US" altLang="ko-KR" sz="1100" dirty="0" smtClean="0">
+                          <a:solidFill>
+                            <a:srgbClr val="FF0000"/>
+                          </a:solidFill>
+                        </a:rPr>
+                        <a:t>VARCHAR</a:t>
+                      </a:r>
+                      <a:endParaRPr lang="en-US" altLang="ko-KR" sz="1100" dirty="0" smtClean="0">
+                        <a:solidFill>
+                          <a:srgbClr val="FF0000"/>
+                        </a:solidFill>
+                      </a:endParaRPr>
+                    </a:p>
+                  </a:txBody>
+                  <a:tcPr/>
+                </a:tc>
+                <a:extLst>
+                  <a:ext uri="{0D108BD9-81ED-4DB2-BD59-A6C34878D82A}">
+                    <a16:rowId xmlns:a16="http://schemas.microsoft.com/office/drawing/2014/main" val="3832849648"/>
+                  </a:ext>
+                </a:extLst>
+              </a:tr>
+              <a:tr h="248414">
+                <a:tc>
+                  <a:txBody>
+                    <a:bodyPr/>
+                    <a:lstStyle/>
+                    <a:p>
+                      <a:pPr latinLnBrk="1"/>
+                      <a:r>
+                        <a:rPr lang="ko-KR" altLang="en-US" sz="1100" dirty="0" smtClean="0"/>
+                        <a:t>제목 </a:t>
+                      </a:r>
+                      <a:r>
+                        <a:rPr lang="en-US" altLang="ko-KR" sz="1100" dirty="0" smtClean="0">
+                          <a:solidFill>
+                            <a:srgbClr val="FF0000"/>
+                          </a:solidFill>
+                        </a:rPr>
+                        <a:t>VARCHAR</a:t>
+                      </a:r>
+                      <a:endParaRPr lang="en-US" altLang="ko-KR" sz="1100" dirty="0" smtClean="0">
+                        <a:solidFill>
+                          <a:srgbClr val="FF0000"/>
+                        </a:solidFill>
+                      </a:endParaRPr>
+                    </a:p>
+                  </a:txBody>
+                  <a:tcPr/>
+                </a:tc>
+                <a:extLst>
+                  <a:ext uri="{0D108BD9-81ED-4DB2-BD59-A6C34878D82A}">
+                    <a16:rowId xmlns:a16="http://schemas.microsoft.com/office/drawing/2014/main" val="4176099474"/>
+                  </a:ext>
+                </a:extLst>
+              </a:tr>
+              <a:tr h="248414">
+                <a:tc>
+                  <a:txBody>
+                    <a:bodyPr/>
+                    <a:lstStyle/>
+                    <a:p>
+                      <a:pPr latinLnBrk="1"/>
+                      <a:r>
+                        <a:rPr lang="ko-KR" altLang="en-US" sz="1100" dirty="0" smtClean="0"/>
+                        <a:t>게시 </a:t>
+                      </a:r>
+                      <a:r>
+                        <a:rPr lang="ko-KR" altLang="en-US" sz="1100" dirty="0" smtClean="0"/>
+                        <a:t>날짜 </a:t>
+                      </a:r>
+                      <a:r>
+                        <a:rPr lang="en-US" altLang="ko-KR" sz="1100" dirty="0" smtClean="0">
+                          <a:solidFill>
+                            <a:srgbClr val="FF0000"/>
+                          </a:solidFill>
+                        </a:rPr>
+                        <a:t>DATETIME</a:t>
+                      </a:r>
+                      <a:endParaRPr lang="en-US" altLang="ko-KR" sz="1100" dirty="0" smtClean="0">
+                        <a:solidFill>
+                          <a:srgbClr val="FF0000"/>
+                        </a:solidFill>
+                      </a:endParaRPr>
+                    </a:p>
+                  </a:txBody>
+                  <a:tcPr/>
+                </a:tc>
+                <a:extLst>
+                  <a:ext uri="{0D108BD9-81ED-4DB2-BD59-A6C34878D82A}">
+                    <a16:rowId xmlns:a16="http://schemas.microsoft.com/office/drawing/2014/main" val="3109839199"/>
+                  </a:ext>
+                </a:extLst>
+              </a:tr>
+              <a:tr h="248414">
+                <a:tc>
+                  <a:txBody>
+                    <a:bodyPr/>
+                    <a:lstStyle/>
+                    <a:p>
+                      <a:pPr latinLnBrk="1"/>
+                      <a:r>
+                        <a:rPr lang="ko-KR" altLang="en-US" sz="1100" dirty="0" smtClean="0"/>
+                        <a:t>조회수 </a:t>
+                      </a:r>
+                      <a:r>
+                        <a:rPr lang="en-US" altLang="ko-KR" sz="1100" dirty="0" smtClean="0">
+                          <a:solidFill>
+                            <a:srgbClr val="FF0000"/>
+                          </a:solidFill>
+                        </a:rPr>
+                        <a:t>INT</a:t>
+                      </a:r>
+                      <a:endParaRPr lang="ko-KR" altLang="en-US" sz="1100" dirty="0">
+                        <a:solidFill>
+                          <a:srgbClr val="FF0000"/>
+                        </a:solidFill>
+                      </a:endParaRPr>
+                    </a:p>
+                  </a:txBody>
+                  <a:tcPr/>
+                </a:tc>
+                <a:extLst>
+                  <a:ext uri="{0D108BD9-81ED-4DB2-BD59-A6C34878D82A}">
+                    <a16:rowId xmlns:a16="http://schemas.microsoft.com/office/drawing/2014/main" val="2502794991"/>
+                  </a:ext>
+                </a:extLst>
+              </a:tr>
+              <a:tr h="248414">
+                <a:tc>
+                  <a:txBody>
+                    <a:bodyPr/>
+                    <a:lstStyle/>
+                    <a:p>
+                      <a:pPr latinLnBrk="1"/>
+                      <a:r>
+                        <a:rPr lang="ko-KR" altLang="en-US" sz="1100" dirty="0" smtClean="0"/>
+                        <a:t>좋아요 </a:t>
+                      </a:r>
+                      <a:r>
+                        <a:rPr lang="en-US" altLang="ko-KR" sz="1100" dirty="0" smtClean="0">
+                          <a:solidFill>
+                            <a:srgbClr val="FF0000"/>
+                          </a:solidFill>
+                        </a:rPr>
+                        <a:t>INT</a:t>
+                      </a:r>
+                      <a:endParaRPr lang="ko-KR" altLang="en-US" sz="1100" dirty="0">
+                        <a:solidFill>
+                          <a:srgbClr val="FF0000"/>
+                        </a:solidFill>
+                      </a:endParaRPr>
+                    </a:p>
+                  </a:txBody>
+                  <a:tcPr/>
+                </a:tc>
+                <a:extLst>
+                  <a:ext uri="{0D108BD9-81ED-4DB2-BD59-A6C34878D82A}">
+                    <a16:rowId xmlns:a16="http://schemas.microsoft.com/office/drawing/2014/main" val="2404175459"/>
+                  </a:ext>
+                </a:extLst>
+              </a:tr>
+              <a:tr h="248414">
+                <a:tc>
+                  <a:txBody>
+                    <a:bodyPr/>
+                    <a:lstStyle/>
+                    <a:p>
+                      <a:pPr latinLnBrk="1"/>
+                      <a:r>
+                        <a:rPr lang="ko-KR" altLang="en-US" sz="1100" dirty="0" smtClean="0"/>
+                        <a:t>싫어요 </a:t>
+                      </a:r>
+                      <a:r>
+                        <a:rPr lang="en-US" altLang="ko-KR" sz="1100" dirty="0" smtClean="0">
+                          <a:solidFill>
+                            <a:srgbClr val="FF0000"/>
+                          </a:solidFill>
+                        </a:rPr>
+                        <a:t>INT</a:t>
+                      </a:r>
+                      <a:endParaRPr lang="ko-KR" altLang="en-US" sz="1100" dirty="0">
+                        <a:solidFill>
+                          <a:srgbClr val="FF0000"/>
+                        </a:solidFill>
+                      </a:endParaRPr>
+                    </a:p>
+                  </a:txBody>
+                  <a:tcPr/>
+                </a:tc>
+                <a:extLst>
+                  <a:ext uri="{0D108BD9-81ED-4DB2-BD59-A6C34878D82A}">
+                    <a16:rowId xmlns:a16="http://schemas.microsoft.com/office/drawing/2014/main" val="3929725397"/>
+                  </a:ext>
+                </a:extLst>
+              </a:tr>
+              <a:tr h="248414">
+                <a:tc>
+                  <a:txBody>
+                    <a:bodyPr/>
+                    <a:lstStyle/>
+                    <a:p>
+                      <a:pPr latinLnBrk="1"/>
+                      <a:r>
+                        <a:rPr lang="ko-KR" altLang="en-US" sz="1100" dirty="0" smtClean="0"/>
+                        <a:t>영상 </a:t>
+                      </a:r>
+                      <a:r>
+                        <a:rPr lang="ko-KR" altLang="en-US" sz="1100" dirty="0" smtClean="0"/>
+                        <a:t>카테고리 </a:t>
+                      </a:r>
+                      <a:r>
+                        <a:rPr lang="en-US" altLang="ko-KR" sz="1100" dirty="0" smtClean="0">
+                          <a:solidFill>
+                            <a:srgbClr val="FF0000"/>
+                          </a:solidFill>
+                        </a:rPr>
+                        <a:t>VARCHAR</a:t>
+                      </a:r>
+                      <a:endParaRPr lang="ko-KR" altLang="en-US" sz="1100" dirty="0">
+                        <a:solidFill>
+                          <a:srgbClr val="FF0000"/>
+                        </a:solidFill>
+                      </a:endParaRPr>
+                    </a:p>
+                  </a:txBody>
+                  <a:tcPr/>
+                </a:tc>
+                <a:extLst>
+                  <a:ext uri="{0D108BD9-81ED-4DB2-BD59-A6C34878D82A}">
+                    <a16:rowId xmlns:a16="http://schemas.microsoft.com/office/drawing/2014/main" val="2806416165"/>
+                  </a:ext>
+                </a:extLst>
+              </a:tr>
+              <a:tr h="248414">
+                <a:tc>
+                  <a:txBody>
+                    <a:bodyPr/>
+                    <a:lstStyle/>
+                    <a:p>
+                      <a:pPr latinLnBrk="1"/>
+                      <a:r>
+                        <a:rPr lang="ko-KR" altLang="en-US" sz="1100" dirty="0" err="1" smtClean="0"/>
+                        <a:t>썸네일</a:t>
+                      </a:r>
+                      <a:r>
+                        <a:rPr lang="ko-KR" altLang="en-US" sz="1100" dirty="0" smtClean="0"/>
+                        <a:t> </a:t>
+                      </a:r>
+                      <a:r>
+                        <a:rPr lang="en-US" altLang="ko-KR" sz="1100" dirty="0" smtClean="0">
+                          <a:solidFill>
+                            <a:srgbClr val="FF0000"/>
+                          </a:solidFill>
+                        </a:rPr>
+                        <a:t>VARCHAR</a:t>
+                      </a:r>
+                      <a:endParaRPr lang="ko-KR" altLang="en-US" sz="1100" dirty="0">
+                        <a:solidFill>
+                          <a:srgbClr val="FF0000"/>
+                        </a:solidFill>
+                      </a:endParaRPr>
+                    </a:p>
+                  </a:txBody>
+                  <a:tcPr/>
+                </a:tc>
+                <a:extLst>
+                  <a:ext uri="{0D108BD9-81ED-4DB2-BD59-A6C34878D82A}">
+                    <a16:rowId xmlns:a16="http://schemas.microsoft.com/office/drawing/2014/main" val="158559671"/>
+                  </a:ext>
+                </a:extLst>
+              </a:tr>
+              <a:tr h="248414">
+                <a:tc>
+                  <a:txBody>
+                    <a:bodyPr/>
+                    <a:lstStyle/>
+                    <a:p>
+                      <a:pPr latinLnBrk="1"/>
+                      <a:r>
+                        <a:rPr lang="ko-KR" altLang="en-US" sz="1100" dirty="0" smtClean="0"/>
+                        <a:t>댓글 </a:t>
+                      </a:r>
+                      <a:r>
+                        <a:rPr lang="ko-KR" altLang="en-US" sz="1100" dirty="0" smtClean="0"/>
+                        <a:t>수 </a:t>
+                      </a:r>
+                      <a:r>
+                        <a:rPr lang="en-US" altLang="ko-KR" sz="1100" dirty="0" smtClean="0">
+                          <a:solidFill>
+                            <a:srgbClr val="FF0000"/>
+                          </a:solidFill>
+                        </a:rPr>
+                        <a:t>INT</a:t>
+                      </a:r>
+                      <a:endParaRPr lang="ko-KR" altLang="en-US" sz="1100" dirty="0">
+                        <a:solidFill>
+                          <a:srgbClr val="FF0000"/>
+                        </a:solidFill>
+                      </a:endParaRPr>
+                    </a:p>
+                  </a:txBody>
+                  <a:tcPr/>
+                </a:tc>
+                <a:extLst>
+                  <a:ext uri="{0D108BD9-81ED-4DB2-BD59-A6C34878D82A}">
+                    <a16:rowId xmlns:a16="http://schemas.microsoft.com/office/drawing/2014/main" val="2200200169"/>
+                  </a:ext>
+                </a:extLst>
+              </a:tr>
+              <a:tr h="248414">
+                <a:tc>
+                  <a:txBody>
+                    <a:bodyPr/>
+                    <a:lstStyle/>
+                    <a:p>
+                      <a:pPr latinLnBrk="1"/>
+                      <a:r>
+                        <a:rPr lang="ko-KR" altLang="en-US" sz="1100" dirty="0" smtClean="0"/>
+                        <a:t>라이브 방송이었는지 </a:t>
+                      </a:r>
+                      <a:r>
+                        <a:rPr lang="ko-KR" altLang="en-US" sz="1100" dirty="0" smtClean="0"/>
+                        <a:t>여부 </a:t>
+                      </a:r>
+                      <a:r>
+                        <a:rPr lang="en-US" altLang="ko-KR" sz="1100" dirty="0" smtClean="0">
+                          <a:solidFill>
+                            <a:srgbClr val="FF0000"/>
+                          </a:solidFill>
+                        </a:rPr>
+                        <a:t>VARCHAR</a:t>
+                      </a:r>
+                      <a:endParaRPr lang="ko-KR" altLang="en-US" sz="1100" dirty="0">
+                        <a:solidFill>
+                          <a:srgbClr val="FF0000"/>
+                        </a:solidFill>
+                      </a:endParaRPr>
+                    </a:p>
+                  </a:txBody>
+                  <a:tcPr/>
+                </a:tc>
+                <a:extLst>
+                  <a:ext uri="{0D108BD9-81ED-4DB2-BD59-A6C34878D82A}">
+                    <a16:rowId xmlns:a16="http://schemas.microsoft.com/office/drawing/2014/main" val="1827031388"/>
+                  </a:ext>
+                </a:extLst>
+              </a:tr>
+            </a:tbl>
+          </a:graphicData>
+        </a:graphic>
+      </p:graphicFrame>
+      <p:graphicFrame>
+        <p:nvGraphicFramePr>
+          <p:cNvPr id="34" name="표 33"/>
+          <p:cNvGraphicFramePr>
+            <a:graphicFrameLocks noGrp="1"/>
+          </p:cNvGraphicFramePr>
+          <p:nvPr>
+            <p:extLst>
+              <p:ext uri="{D42A27DB-BD31-4B8C-83A1-F6EECF244321}">
+                <p14:modId xmlns:p14="http://schemas.microsoft.com/office/powerpoint/2010/main" val="1942730183"/>
+              </p:ext>
+            </p:extLst>
+          </p:nvPr>
+        </p:nvGraphicFramePr>
+        <p:xfrm>
+          <a:off x="168843" y="4855171"/>
+          <a:ext cx="1803984" cy="1722120"/>
+        </p:xfrm>
+        <a:graphic>
+          <a:graphicData uri="http://schemas.openxmlformats.org/drawingml/2006/table">
+            <a:tbl>
+              <a:tblPr firstRow="1" bandRow="1">
+                <a:tableStyleId>{21E4AEA4-8DFA-4A89-87EB-49C32662AFE0}</a:tableStyleId>
+              </a:tblPr>
+              <a:tblGrid>
+                <a:gridCol w="1803984">
+                  <a:extLst>
+                    <a:ext uri="{9D8B030D-6E8A-4147-A177-3AD203B41FA5}">
+                      <a16:colId xmlns:a16="http://schemas.microsoft.com/office/drawing/2014/main" val="1628425209"/>
+                    </a:ext>
+                  </a:extLst>
+                </a:gridCol>
+              </a:tblGrid>
+              <a:tr h="248414">
+                <a:tc>
+                  <a:txBody>
+                    <a:bodyPr/>
+                    <a:lstStyle/>
+                    <a:p>
+                      <a:pPr latinLnBrk="1"/>
+                      <a:r>
+                        <a:rPr lang="ko-KR" altLang="en-US" sz="1100" dirty="0" smtClean="0"/>
+                        <a:t>댓글</a:t>
+                      </a:r>
+                      <a:endParaRPr lang="ko-KR" altLang="en-US" sz="1100" dirty="0"/>
+                    </a:p>
+                  </a:txBody>
+                  <a:tcPr/>
+                </a:tc>
+                <a:extLst>
+                  <a:ext uri="{0D108BD9-81ED-4DB2-BD59-A6C34878D82A}">
+                    <a16:rowId xmlns:a16="http://schemas.microsoft.com/office/drawing/2014/main" val="2441104982"/>
+                  </a:ext>
+                </a:extLst>
+              </a:tr>
+              <a:tr h="248414">
+                <a:tc>
+                  <a:txBody>
+                    <a:bodyPr/>
+                    <a:lstStyle/>
+                    <a:p>
+                      <a:pPr latinLnBrk="1"/>
+                      <a:r>
+                        <a:rPr lang="ko-KR" altLang="en-US" sz="1100" dirty="0" smtClean="0"/>
+                        <a:t>해당 동영상</a:t>
+                      </a:r>
+                      <a:r>
+                        <a:rPr lang="en-US" altLang="ko-KR" sz="1100" dirty="0" smtClean="0"/>
+                        <a:t>id </a:t>
+                      </a:r>
+                      <a:r>
+                        <a:rPr lang="en-US" altLang="ko-KR" sz="1100" dirty="0" smtClean="0">
+                          <a:solidFill>
+                            <a:srgbClr val="FF0000"/>
+                          </a:solidFill>
+                        </a:rPr>
+                        <a:t>VARCHAR</a:t>
+                      </a:r>
+                      <a:endParaRPr lang="en-US" altLang="ko-KR" sz="1100" dirty="0" smtClean="0">
+                        <a:solidFill>
+                          <a:srgbClr val="FF0000"/>
+                        </a:solidFill>
+                      </a:endParaRPr>
+                    </a:p>
+                  </a:txBody>
+                  <a:tcPr/>
+                </a:tc>
+                <a:extLst>
+                  <a:ext uri="{0D108BD9-81ED-4DB2-BD59-A6C34878D82A}">
+                    <a16:rowId xmlns:a16="http://schemas.microsoft.com/office/drawing/2014/main" val="3832849648"/>
+                  </a:ext>
+                </a:extLst>
+              </a:tr>
+              <a:tr h="248414">
+                <a:tc>
+                  <a:txBody>
+                    <a:bodyPr/>
+                    <a:lstStyle/>
+                    <a:p>
+                      <a:pPr latinLnBrk="1"/>
+                      <a:r>
+                        <a:rPr lang="ko-KR" altLang="en-US" sz="1100" dirty="0" smtClean="0"/>
+                        <a:t>작성자 </a:t>
+                      </a:r>
+                      <a:r>
+                        <a:rPr lang="en-US" altLang="ko-KR" sz="1100" dirty="0" smtClean="0">
+                          <a:solidFill>
+                            <a:srgbClr val="FF0000"/>
+                          </a:solidFill>
+                        </a:rPr>
+                        <a:t>VARCHAR</a:t>
+                      </a:r>
+                      <a:endParaRPr lang="en-US" altLang="ko-KR" sz="1100" dirty="0" smtClean="0">
+                        <a:solidFill>
+                          <a:srgbClr val="FF0000"/>
+                        </a:solidFill>
+                      </a:endParaRPr>
+                    </a:p>
+                  </a:txBody>
+                  <a:tcPr/>
+                </a:tc>
+                <a:extLst>
+                  <a:ext uri="{0D108BD9-81ED-4DB2-BD59-A6C34878D82A}">
+                    <a16:rowId xmlns:a16="http://schemas.microsoft.com/office/drawing/2014/main" val="4176099474"/>
+                  </a:ext>
+                </a:extLst>
+              </a:tr>
+              <a:tr h="248414">
+                <a:tc>
+                  <a:txBody>
+                    <a:bodyPr/>
+                    <a:lstStyle/>
+                    <a:p>
+                      <a:pPr latinLnBrk="1"/>
+                      <a:r>
+                        <a:rPr lang="ko-KR" altLang="en-US" sz="1100" dirty="0" smtClean="0"/>
+                        <a:t>게시</a:t>
+                      </a:r>
+                      <a:r>
+                        <a:rPr lang="ko-KR" altLang="en-US" sz="1100" baseline="0" dirty="0" smtClean="0"/>
+                        <a:t> </a:t>
+                      </a:r>
+                      <a:r>
+                        <a:rPr lang="ko-KR" altLang="en-US" sz="1100" baseline="0" dirty="0" smtClean="0"/>
+                        <a:t>날짜 </a:t>
+                      </a:r>
+                      <a:r>
+                        <a:rPr lang="en-US" altLang="ko-KR" sz="1100" baseline="0" dirty="0" smtClean="0">
+                          <a:solidFill>
+                            <a:srgbClr val="FF0000"/>
+                          </a:solidFill>
+                        </a:rPr>
+                        <a:t>DATETIME</a:t>
+                      </a:r>
+                      <a:endParaRPr lang="ko-KR" altLang="en-US" sz="1100" dirty="0">
+                        <a:solidFill>
+                          <a:srgbClr val="FF0000"/>
+                        </a:solidFill>
+                      </a:endParaRPr>
+                    </a:p>
+                  </a:txBody>
+                  <a:tcPr/>
+                </a:tc>
+                <a:extLst>
+                  <a:ext uri="{0D108BD9-81ED-4DB2-BD59-A6C34878D82A}">
+                    <a16:rowId xmlns:a16="http://schemas.microsoft.com/office/drawing/2014/main" val="2502794991"/>
+                  </a:ext>
+                </a:extLst>
+              </a:tr>
+              <a:tr h="248414">
+                <a:tc>
+                  <a:txBody>
+                    <a:bodyPr/>
+                    <a:lstStyle/>
+                    <a:p>
+                      <a:pPr latinLnBrk="1"/>
+                      <a:r>
+                        <a:rPr lang="ko-KR" altLang="en-US" sz="1100" dirty="0" smtClean="0"/>
+                        <a:t>댓글</a:t>
+                      </a:r>
+                      <a:r>
+                        <a:rPr lang="ko-KR" altLang="en-US" sz="1100" baseline="0" dirty="0" smtClean="0"/>
+                        <a:t> </a:t>
+                      </a:r>
+                      <a:r>
+                        <a:rPr lang="ko-KR" altLang="en-US" sz="1100" baseline="0" dirty="0" smtClean="0"/>
+                        <a:t>내용 </a:t>
+                      </a:r>
+                      <a:r>
+                        <a:rPr lang="en-US" altLang="ko-KR" sz="1100" baseline="0" dirty="0" smtClean="0">
+                          <a:solidFill>
+                            <a:srgbClr val="FF0000"/>
+                          </a:solidFill>
+                        </a:rPr>
+                        <a:t>TEXT</a:t>
+                      </a:r>
+                      <a:endParaRPr lang="ko-KR" altLang="en-US" sz="1100" dirty="0">
+                        <a:solidFill>
+                          <a:srgbClr val="FF0000"/>
+                        </a:solidFill>
+                      </a:endParaRPr>
+                    </a:p>
+                  </a:txBody>
+                  <a:tcPr/>
+                </a:tc>
+                <a:extLst>
+                  <a:ext uri="{0D108BD9-81ED-4DB2-BD59-A6C34878D82A}">
+                    <a16:rowId xmlns:a16="http://schemas.microsoft.com/office/drawing/2014/main" val="331005607"/>
+                  </a:ext>
+                </a:extLst>
+              </a:tr>
+              <a:tr h="248414">
+                <a:tc>
+                  <a:txBody>
+                    <a:bodyPr/>
+                    <a:lstStyle/>
+                    <a:p>
+                      <a:pPr latinLnBrk="1"/>
+                      <a:r>
+                        <a:rPr lang="ko-KR" altLang="en-US" sz="1100" dirty="0" err="1" smtClean="0"/>
+                        <a:t>크리에이터</a:t>
+                      </a:r>
+                      <a:r>
+                        <a:rPr lang="ko-KR" altLang="en-US" sz="1100" dirty="0" smtClean="0"/>
+                        <a:t> </a:t>
+                      </a:r>
+                      <a:r>
+                        <a:rPr lang="ko-KR" altLang="en-US" sz="1100" dirty="0" err="1" smtClean="0"/>
+                        <a:t>리액션</a:t>
+                      </a:r>
+                      <a:r>
+                        <a:rPr lang="ko-KR" altLang="en-US" sz="1100" dirty="0" smtClean="0"/>
+                        <a:t> </a:t>
+                      </a:r>
+                      <a:r>
+                        <a:rPr lang="en-US" altLang="ko-KR" sz="1100" dirty="0" smtClean="0">
+                          <a:solidFill>
+                            <a:srgbClr val="FF0000"/>
+                          </a:solidFill>
+                        </a:rPr>
+                        <a:t>VARCHAR</a:t>
+                      </a:r>
+                      <a:endParaRPr lang="ko-KR" altLang="en-US" sz="1100" dirty="0">
+                        <a:solidFill>
+                          <a:srgbClr val="FF0000"/>
+                        </a:solidFill>
+                      </a:endParaRPr>
+                    </a:p>
+                  </a:txBody>
+                  <a:tcPr/>
+                </a:tc>
+                <a:extLst>
+                  <a:ext uri="{0D108BD9-81ED-4DB2-BD59-A6C34878D82A}">
+                    <a16:rowId xmlns:a16="http://schemas.microsoft.com/office/drawing/2014/main" val="1513563630"/>
+                  </a:ext>
+                </a:extLst>
+              </a:tr>
+            </a:tbl>
+          </a:graphicData>
+        </a:graphic>
+      </p:graphicFrame>
+      <p:graphicFrame>
+        <p:nvGraphicFramePr>
+          <p:cNvPr id="36" name="표 35"/>
+          <p:cNvGraphicFramePr>
+            <a:graphicFrameLocks noGrp="1"/>
+          </p:cNvGraphicFramePr>
+          <p:nvPr>
+            <p:extLst>
+              <p:ext uri="{D42A27DB-BD31-4B8C-83A1-F6EECF244321}">
+                <p14:modId xmlns:p14="http://schemas.microsoft.com/office/powerpoint/2010/main" val="374492026"/>
+              </p:ext>
+            </p:extLst>
+          </p:nvPr>
+        </p:nvGraphicFramePr>
+        <p:xfrm>
+          <a:off x="2279599" y="249021"/>
+          <a:ext cx="2206759" cy="1295400"/>
+        </p:xfrm>
+        <a:graphic>
+          <a:graphicData uri="http://schemas.openxmlformats.org/drawingml/2006/table">
+            <a:tbl>
+              <a:tblPr firstRow="1" bandRow="1">
+                <a:tableStyleId>{7DF18680-E054-41AD-8BC1-D1AEF772440D}</a:tableStyleId>
+              </a:tblPr>
+              <a:tblGrid>
+                <a:gridCol w="2206759">
+                  <a:extLst>
+                    <a:ext uri="{9D8B030D-6E8A-4147-A177-3AD203B41FA5}">
+                      <a16:colId xmlns:a16="http://schemas.microsoft.com/office/drawing/2014/main" val="1628425209"/>
+                    </a:ext>
+                  </a:extLst>
+                </a:gridCol>
+              </a:tblGrid>
+              <a:tr h="254198">
+                <a:tc>
+                  <a:txBody>
+                    <a:bodyPr/>
+                    <a:lstStyle/>
+                    <a:p>
+                      <a:pPr latinLnBrk="1"/>
+                      <a:r>
+                        <a:rPr lang="ko-KR" altLang="en-US" sz="1100" dirty="0" err="1" smtClean="0"/>
+                        <a:t>트위치</a:t>
+                      </a:r>
+                      <a:r>
+                        <a:rPr lang="ko-KR" altLang="en-US" sz="1100" dirty="0" smtClean="0"/>
+                        <a:t> 채널 정보</a:t>
+                      </a:r>
+                      <a:endParaRPr lang="ko-KR" altLang="en-US" sz="1100" dirty="0"/>
+                    </a:p>
+                  </a:txBody>
+                  <a:tcPr>
+                    <a:solidFill>
+                      <a:srgbClr val="9966FF"/>
+                    </a:solidFill>
+                  </a:tcPr>
+                </a:tc>
+                <a:extLst>
+                  <a:ext uri="{0D108BD9-81ED-4DB2-BD59-A6C34878D82A}">
+                    <a16:rowId xmlns:a16="http://schemas.microsoft.com/office/drawing/2014/main" val="2441104982"/>
+                  </a:ext>
+                </a:extLst>
+              </a:tr>
+              <a:tr h="248414">
+                <a:tc>
+                  <a:txBody>
+                    <a:bodyPr/>
+                    <a:lstStyle/>
+                    <a:p>
+                      <a:pPr latinLnBrk="1"/>
+                      <a:r>
+                        <a:rPr lang="ko-KR" altLang="en-US" sz="1100" dirty="0" err="1" smtClean="0"/>
+                        <a:t>스트리머</a:t>
+                      </a:r>
+                      <a:r>
+                        <a:rPr lang="ko-KR" altLang="en-US" sz="1100" dirty="0" smtClean="0"/>
+                        <a:t> </a:t>
+                      </a:r>
+                      <a:r>
+                        <a:rPr lang="en-US" altLang="ko-KR" sz="1100" dirty="0" smtClean="0"/>
+                        <a:t>ID</a:t>
+                      </a:r>
+                      <a:r>
+                        <a:rPr lang="en-US" altLang="ko-KR" sz="1100" baseline="0" dirty="0" smtClean="0"/>
+                        <a:t> </a:t>
+                      </a:r>
+                      <a:r>
+                        <a:rPr lang="en-US" altLang="ko-KR" sz="1100" baseline="0" dirty="0" smtClean="0">
+                          <a:solidFill>
+                            <a:srgbClr val="FF0000"/>
+                          </a:solidFill>
+                        </a:rPr>
+                        <a:t>INT</a:t>
+                      </a:r>
+                      <a:endParaRPr lang="en-US" altLang="ko-KR" sz="1100" dirty="0" smtClean="0"/>
+                    </a:p>
+                  </a:txBody>
+                  <a:tcPr>
+                    <a:solidFill>
+                      <a:srgbClr val="CCCCFF"/>
+                    </a:solidFill>
+                  </a:tcPr>
+                </a:tc>
+                <a:extLst>
+                  <a:ext uri="{0D108BD9-81ED-4DB2-BD59-A6C34878D82A}">
+                    <a16:rowId xmlns:a16="http://schemas.microsoft.com/office/drawing/2014/main" val="3832849648"/>
+                  </a:ext>
+                </a:extLst>
+              </a:tr>
+              <a:tr h="248414">
+                <a:tc>
+                  <a:txBody>
+                    <a:bodyPr/>
+                    <a:lstStyle/>
+                    <a:p>
+                      <a:pPr latinLnBrk="1"/>
+                      <a:r>
+                        <a:rPr lang="ko-KR" altLang="en-US" sz="1100" dirty="0" err="1" smtClean="0"/>
+                        <a:t>스트리머</a:t>
+                      </a:r>
+                      <a:r>
+                        <a:rPr lang="ko-KR" altLang="en-US" sz="1100" dirty="0" smtClean="0"/>
+                        <a:t> 이름 </a:t>
+                      </a:r>
+                      <a:r>
+                        <a:rPr lang="en-US" altLang="ko-KR" sz="1100" dirty="0" smtClean="0">
+                          <a:solidFill>
+                            <a:srgbClr val="FF0000"/>
+                          </a:solidFill>
+                        </a:rPr>
+                        <a:t>VARCHAR</a:t>
+                      </a:r>
+                      <a:endParaRPr lang="en-US" altLang="ko-KR" sz="1100" dirty="0" smtClean="0"/>
+                    </a:p>
+                  </a:txBody>
+                  <a:tcPr>
+                    <a:solidFill>
+                      <a:srgbClr val="9966FF"/>
+                    </a:solidFill>
+                  </a:tcPr>
+                </a:tc>
+                <a:extLst>
+                  <a:ext uri="{0D108BD9-81ED-4DB2-BD59-A6C34878D82A}">
+                    <a16:rowId xmlns:a16="http://schemas.microsoft.com/office/drawing/2014/main" val="669642124"/>
+                  </a:ext>
+                </a:extLst>
+              </a:tr>
+              <a:tr h="248414">
+                <a:tc>
+                  <a:txBody>
+                    <a:bodyPr/>
+                    <a:lstStyle/>
+                    <a:p>
+                      <a:pPr latinLnBrk="1"/>
+                      <a:r>
+                        <a:rPr lang="ko-KR" altLang="en-US" sz="1100" dirty="0" smtClean="0"/>
+                        <a:t>로고 </a:t>
+                      </a:r>
+                      <a:r>
+                        <a:rPr lang="en-US" altLang="ko-KR" sz="1100" dirty="0" smtClean="0">
+                          <a:solidFill>
+                            <a:srgbClr val="FF0000"/>
+                          </a:solidFill>
+                        </a:rPr>
+                        <a:t>VARCHAR</a:t>
+                      </a:r>
+                      <a:endParaRPr lang="en-US" altLang="ko-KR" sz="1100" dirty="0" smtClean="0"/>
+                    </a:p>
+                  </a:txBody>
+                  <a:tcPr>
+                    <a:solidFill>
+                      <a:srgbClr val="CCCCFF"/>
+                    </a:solidFill>
+                  </a:tcPr>
+                </a:tc>
+                <a:extLst>
+                  <a:ext uri="{0D108BD9-81ED-4DB2-BD59-A6C34878D82A}">
+                    <a16:rowId xmlns:a16="http://schemas.microsoft.com/office/drawing/2014/main" val="4176099474"/>
+                  </a:ext>
+                </a:extLst>
+              </a:tr>
+              <a:tr h="248414">
+                <a:tc>
+                  <a:txBody>
+                    <a:bodyPr/>
+                    <a:lstStyle/>
+                    <a:p>
+                      <a:pPr latinLnBrk="1"/>
+                      <a:r>
+                        <a:rPr lang="ko-KR" altLang="en-US" sz="1100" dirty="0" smtClean="0"/>
+                        <a:t>홈페이지 </a:t>
+                      </a:r>
+                      <a:r>
+                        <a:rPr lang="ko-KR" altLang="en-US" sz="1100" dirty="0" smtClean="0"/>
+                        <a:t>주소 </a:t>
+                      </a:r>
+                      <a:r>
+                        <a:rPr lang="en-US" altLang="ko-KR" sz="1100" dirty="0" smtClean="0">
+                          <a:solidFill>
+                            <a:srgbClr val="FF0000"/>
+                          </a:solidFill>
+                        </a:rPr>
+                        <a:t>VARCHAR</a:t>
+                      </a:r>
+                      <a:endParaRPr lang="ko-KR" altLang="en-US" sz="1100" dirty="0"/>
+                    </a:p>
+                  </a:txBody>
+                  <a:tcPr>
+                    <a:solidFill>
+                      <a:srgbClr val="9966FF"/>
+                    </a:solidFill>
+                  </a:tcPr>
+                </a:tc>
+                <a:extLst>
+                  <a:ext uri="{0D108BD9-81ED-4DB2-BD59-A6C34878D82A}">
+                    <a16:rowId xmlns:a16="http://schemas.microsoft.com/office/drawing/2014/main" val="2502794991"/>
+                  </a:ext>
+                </a:extLst>
+              </a:tr>
+            </a:tbl>
+          </a:graphicData>
+        </a:graphic>
+      </p:graphicFrame>
+      <p:graphicFrame>
+        <p:nvGraphicFramePr>
+          <p:cNvPr id="57" name="표 56"/>
+          <p:cNvGraphicFramePr>
+            <a:graphicFrameLocks noGrp="1"/>
+          </p:cNvGraphicFramePr>
+          <p:nvPr>
+            <p:extLst>
+              <p:ext uri="{D42A27DB-BD31-4B8C-83A1-F6EECF244321}">
+                <p14:modId xmlns:p14="http://schemas.microsoft.com/office/powerpoint/2010/main" val="260134787"/>
+              </p:ext>
+            </p:extLst>
+          </p:nvPr>
+        </p:nvGraphicFramePr>
+        <p:xfrm>
+          <a:off x="4593725" y="256354"/>
+          <a:ext cx="1476067" cy="1036320"/>
+        </p:xfrm>
+        <a:graphic>
+          <a:graphicData uri="http://schemas.openxmlformats.org/drawingml/2006/table">
+            <a:tbl>
+              <a:tblPr firstRow="1" bandRow="1">
+                <a:tableStyleId>{7DF18680-E054-41AD-8BC1-D1AEF772440D}</a:tableStyleId>
+              </a:tblPr>
+              <a:tblGrid>
+                <a:gridCol w="1476067">
+                  <a:extLst>
+                    <a:ext uri="{9D8B030D-6E8A-4147-A177-3AD203B41FA5}">
+                      <a16:colId xmlns:a16="http://schemas.microsoft.com/office/drawing/2014/main" val="1628425209"/>
+                    </a:ext>
+                  </a:extLst>
+                </a:gridCol>
+              </a:tblGrid>
+              <a:tr h="254198">
+                <a:tc>
+                  <a:txBody>
+                    <a:bodyPr/>
+                    <a:lstStyle/>
+                    <a:p>
+                      <a:pPr latinLnBrk="1"/>
+                      <a:r>
+                        <a:rPr lang="ko-KR" altLang="en-US" sz="1100" dirty="0" err="1" smtClean="0"/>
+                        <a:t>트위치</a:t>
+                      </a:r>
+                      <a:r>
+                        <a:rPr lang="ko-KR" altLang="en-US" sz="1100" dirty="0" smtClean="0"/>
+                        <a:t> 채널</a:t>
+                      </a:r>
+                      <a:endParaRPr lang="ko-KR" altLang="en-US" sz="1100" dirty="0"/>
+                    </a:p>
+                  </a:txBody>
+                  <a:tcPr>
+                    <a:solidFill>
+                      <a:srgbClr val="9966FF"/>
+                    </a:solidFill>
+                  </a:tcPr>
+                </a:tc>
+                <a:extLst>
+                  <a:ext uri="{0D108BD9-81ED-4DB2-BD59-A6C34878D82A}">
+                    <a16:rowId xmlns:a16="http://schemas.microsoft.com/office/drawing/2014/main" val="2441104982"/>
+                  </a:ext>
+                </a:extLst>
+              </a:tr>
+              <a:tr h="248414">
+                <a:tc>
+                  <a:txBody>
+                    <a:bodyPr/>
+                    <a:lstStyle/>
+                    <a:p>
+                      <a:pPr latinLnBrk="1"/>
+                      <a:r>
+                        <a:rPr lang="ko-KR" altLang="en-US" sz="1100" dirty="0" err="1" smtClean="0"/>
+                        <a:t>크리에이터</a:t>
+                      </a:r>
+                      <a:r>
+                        <a:rPr lang="en-US" altLang="ko-KR" sz="1100" dirty="0" smtClean="0"/>
+                        <a:t>ID </a:t>
+                      </a:r>
+                      <a:r>
+                        <a:rPr lang="en-US" altLang="ko-KR" sz="1100" dirty="0" smtClean="0">
+                          <a:solidFill>
+                            <a:srgbClr val="FF0000"/>
+                          </a:solidFill>
+                        </a:rPr>
+                        <a:t>INT</a:t>
+                      </a:r>
+                      <a:endParaRPr lang="en-US" altLang="ko-KR" sz="1100" dirty="0" smtClean="0">
+                        <a:solidFill>
+                          <a:srgbClr val="FF0000"/>
+                        </a:solidFill>
+                      </a:endParaRPr>
+                    </a:p>
+                  </a:txBody>
+                  <a:tcPr>
+                    <a:solidFill>
+                      <a:srgbClr val="CCCCFF"/>
+                    </a:solidFill>
+                  </a:tcPr>
+                </a:tc>
+                <a:extLst>
+                  <a:ext uri="{0D108BD9-81ED-4DB2-BD59-A6C34878D82A}">
+                    <a16:rowId xmlns:a16="http://schemas.microsoft.com/office/drawing/2014/main" val="3832849648"/>
+                  </a:ext>
+                </a:extLst>
+              </a:tr>
+              <a:tr h="248414">
+                <a:tc>
+                  <a:txBody>
+                    <a:bodyPr/>
+                    <a:lstStyle/>
+                    <a:p>
+                      <a:pPr latinLnBrk="1"/>
+                      <a:r>
+                        <a:rPr lang="ko-KR" altLang="en-US" sz="1100" dirty="0" err="1" smtClean="0"/>
+                        <a:t>팔로워</a:t>
+                      </a:r>
+                      <a:r>
+                        <a:rPr lang="ko-KR" altLang="en-US" sz="1100" dirty="0" smtClean="0"/>
+                        <a:t> </a:t>
+                      </a:r>
+                      <a:r>
+                        <a:rPr lang="ko-KR" altLang="en-US" sz="1100" dirty="0" smtClean="0"/>
+                        <a:t>수 </a:t>
+                      </a:r>
+                      <a:r>
+                        <a:rPr lang="en-US" altLang="ko-KR" sz="1100" dirty="0" smtClean="0">
+                          <a:solidFill>
+                            <a:srgbClr val="FF0000"/>
+                          </a:solidFill>
+                        </a:rPr>
+                        <a:t>INT</a:t>
+                      </a:r>
+                      <a:endParaRPr lang="en-US" altLang="ko-KR" sz="1100" dirty="0" smtClean="0">
+                        <a:solidFill>
+                          <a:srgbClr val="FF0000"/>
+                        </a:solidFill>
+                      </a:endParaRPr>
+                    </a:p>
+                  </a:txBody>
+                  <a:tcPr>
+                    <a:solidFill>
+                      <a:srgbClr val="9966FF"/>
+                    </a:solidFill>
+                  </a:tcPr>
+                </a:tc>
+                <a:extLst>
+                  <a:ext uri="{0D108BD9-81ED-4DB2-BD59-A6C34878D82A}">
+                    <a16:rowId xmlns:a16="http://schemas.microsoft.com/office/drawing/2014/main" val="669642124"/>
+                  </a:ext>
+                </a:extLst>
+              </a:tr>
+              <a:tr h="248414">
+                <a:tc>
+                  <a:txBody>
+                    <a:bodyPr/>
+                    <a:lstStyle/>
+                    <a:p>
+                      <a:pPr latinLnBrk="1"/>
+                      <a:r>
+                        <a:rPr lang="ko-KR" altLang="en-US" sz="1100" dirty="0" smtClean="0"/>
+                        <a:t>구독자 수</a:t>
+                      </a:r>
+                      <a:r>
+                        <a:rPr lang="en-US" altLang="ko-KR" sz="1100" baseline="0" dirty="0" smtClean="0"/>
+                        <a:t> </a:t>
+                      </a:r>
+                      <a:r>
+                        <a:rPr lang="en-US" altLang="ko-KR" sz="1100" baseline="0" dirty="0" smtClean="0">
+                          <a:solidFill>
+                            <a:srgbClr val="FF0000"/>
+                          </a:solidFill>
+                        </a:rPr>
+                        <a:t>INT</a:t>
+                      </a:r>
+                      <a:endParaRPr lang="en-US" altLang="ko-KR" sz="1100" dirty="0" smtClean="0">
+                        <a:solidFill>
+                          <a:srgbClr val="FF0000"/>
+                        </a:solidFill>
+                      </a:endParaRPr>
+                    </a:p>
+                  </a:txBody>
+                  <a:tcPr>
+                    <a:solidFill>
+                      <a:srgbClr val="CCCCFF"/>
+                    </a:solidFill>
+                  </a:tcPr>
+                </a:tc>
+                <a:extLst>
+                  <a:ext uri="{0D108BD9-81ED-4DB2-BD59-A6C34878D82A}">
+                    <a16:rowId xmlns:a16="http://schemas.microsoft.com/office/drawing/2014/main" val="4176099474"/>
+                  </a:ext>
+                </a:extLst>
+              </a:tr>
+            </a:tbl>
+          </a:graphicData>
+        </a:graphic>
+      </p:graphicFrame>
+      <p:graphicFrame>
+        <p:nvGraphicFramePr>
+          <p:cNvPr id="23" name="표 22"/>
+          <p:cNvGraphicFramePr>
+            <a:graphicFrameLocks noGrp="1"/>
+          </p:cNvGraphicFramePr>
+          <p:nvPr>
+            <p:extLst>
+              <p:ext uri="{D42A27DB-BD31-4B8C-83A1-F6EECF244321}">
+                <p14:modId xmlns:p14="http://schemas.microsoft.com/office/powerpoint/2010/main" val="2722483161"/>
+              </p:ext>
+            </p:extLst>
+          </p:nvPr>
+        </p:nvGraphicFramePr>
+        <p:xfrm>
+          <a:off x="7255618" y="262827"/>
+          <a:ext cx="1350535" cy="1630680"/>
+        </p:xfrm>
+        <a:graphic>
+          <a:graphicData uri="http://schemas.openxmlformats.org/drawingml/2006/table">
+            <a:tbl>
+              <a:tblPr firstRow="1" bandRow="1">
+                <a:tableStyleId>{7DF18680-E054-41AD-8BC1-D1AEF772440D}</a:tableStyleId>
+              </a:tblPr>
+              <a:tblGrid>
+                <a:gridCol w="1350535">
+                  <a:extLst>
+                    <a:ext uri="{9D8B030D-6E8A-4147-A177-3AD203B41FA5}">
+                      <a16:colId xmlns:a16="http://schemas.microsoft.com/office/drawing/2014/main" val="1628425209"/>
+                    </a:ext>
+                  </a:extLst>
+                </a:gridCol>
+              </a:tblGrid>
+              <a:tr h="254198">
+                <a:tc>
+                  <a:txBody>
+                    <a:bodyPr/>
+                    <a:lstStyle/>
+                    <a:p>
+                      <a:pPr latinLnBrk="1"/>
+                      <a:r>
+                        <a:rPr lang="ko-KR" altLang="en-US" sz="1100" dirty="0" err="1" smtClean="0"/>
+                        <a:t>트위치</a:t>
+                      </a:r>
+                      <a:r>
+                        <a:rPr lang="ko-KR" altLang="en-US" sz="1100" dirty="0" smtClean="0"/>
+                        <a:t> 게임 세부</a:t>
+                      </a:r>
+                      <a:endParaRPr lang="ko-KR" altLang="en-US" sz="1100" dirty="0"/>
+                    </a:p>
+                  </a:txBody>
+                  <a:tcPr>
+                    <a:solidFill>
+                      <a:srgbClr val="9966FF"/>
+                    </a:solidFill>
+                  </a:tcPr>
+                </a:tc>
+                <a:extLst>
+                  <a:ext uri="{0D108BD9-81ED-4DB2-BD59-A6C34878D82A}">
+                    <a16:rowId xmlns:a16="http://schemas.microsoft.com/office/drawing/2014/main" val="2441104982"/>
+                  </a:ext>
+                </a:extLst>
+              </a:tr>
+              <a:tr h="248414">
+                <a:tc>
+                  <a:txBody>
+                    <a:bodyPr/>
+                    <a:lstStyle/>
+                    <a:p>
+                      <a:pPr latinLnBrk="1"/>
+                      <a:r>
+                        <a:rPr lang="ko-KR" altLang="en-US" sz="1100" dirty="0" smtClean="0"/>
+                        <a:t>게임</a:t>
+                      </a:r>
+                      <a:r>
+                        <a:rPr lang="en-US" altLang="ko-KR" sz="1100" dirty="0" smtClean="0"/>
+                        <a:t>ID </a:t>
+                      </a:r>
+                      <a:r>
+                        <a:rPr lang="en-US" altLang="ko-KR" sz="1100" dirty="0" smtClean="0">
+                          <a:solidFill>
+                            <a:srgbClr val="FF0000"/>
+                          </a:solidFill>
+                        </a:rPr>
+                        <a:t>INT</a:t>
+                      </a:r>
+                      <a:endParaRPr lang="en-US" altLang="ko-KR" sz="1100" dirty="0" smtClean="0">
+                        <a:solidFill>
+                          <a:srgbClr val="FF0000"/>
+                        </a:solidFill>
+                      </a:endParaRPr>
+                    </a:p>
+                  </a:txBody>
+                  <a:tcPr>
+                    <a:solidFill>
+                      <a:srgbClr val="CCCCFF"/>
+                    </a:solidFill>
+                  </a:tcPr>
+                </a:tc>
+                <a:extLst>
+                  <a:ext uri="{0D108BD9-81ED-4DB2-BD59-A6C34878D82A}">
+                    <a16:rowId xmlns:a16="http://schemas.microsoft.com/office/drawing/2014/main" val="3832849648"/>
+                  </a:ext>
+                </a:extLst>
+              </a:tr>
+              <a:tr h="248414">
+                <a:tc>
+                  <a:txBody>
+                    <a:bodyPr/>
+                    <a:lstStyle/>
+                    <a:p>
+                      <a:pPr latinLnBrk="1"/>
+                      <a:r>
+                        <a:rPr lang="ko-KR" altLang="en-US" sz="1100" dirty="0" smtClean="0"/>
+                        <a:t>총</a:t>
+                      </a:r>
+                      <a:r>
+                        <a:rPr lang="en-US" altLang="ko-KR" sz="1100" dirty="0" smtClean="0"/>
+                        <a:t> </a:t>
+                      </a:r>
+                      <a:r>
+                        <a:rPr lang="ko-KR" altLang="en-US" sz="1100" dirty="0" smtClean="0"/>
+                        <a:t>시청자 </a:t>
+                      </a:r>
+                      <a:r>
+                        <a:rPr lang="en-US" altLang="ko-KR" sz="1100" dirty="0" smtClean="0">
+                          <a:solidFill>
+                            <a:srgbClr val="FF0000"/>
+                          </a:solidFill>
+                        </a:rPr>
+                        <a:t>INT</a:t>
+                      </a:r>
+                      <a:endParaRPr lang="en-US" altLang="ko-KR" sz="1100" dirty="0" smtClean="0"/>
+                    </a:p>
+                  </a:txBody>
+                  <a:tcPr>
+                    <a:solidFill>
+                      <a:srgbClr val="9966FF"/>
+                    </a:solidFill>
+                  </a:tcPr>
+                </a:tc>
+                <a:extLst>
+                  <a:ext uri="{0D108BD9-81ED-4DB2-BD59-A6C34878D82A}">
+                    <a16:rowId xmlns:a16="http://schemas.microsoft.com/office/drawing/2014/main" val="669642124"/>
+                  </a:ext>
+                </a:extLst>
+              </a:tr>
+              <a:tr h="248414">
+                <a:tc>
+                  <a:txBody>
+                    <a:bodyPr/>
+                    <a:lstStyle/>
+                    <a:p>
+                      <a:pPr latinLnBrk="1"/>
+                      <a:r>
+                        <a:rPr lang="ko-KR" altLang="en-US" sz="1100" dirty="0" smtClean="0"/>
+                        <a:t>방송중인 채널 수</a:t>
+                      </a:r>
+                      <a:endParaRPr lang="en-US" altLang="ko-KR" sz="1100" dirty="0" smtClean="0"/>
+                    </a:p>
+                    <a:p>
+                      <a:pPr latinLnBrk="1"/>
+                      <a:r>
+                        <a:rPr lang="en-US" altLang="ko-KR" sz="1100" dirty="0" smtClean="0">
+                          <a:solidFill>
+                            <a:srgbClr val="FF0000"/>
+                          </a:solidFill>
+                        </a:rPr>
+                        <a:t>INT</a:t>
+                      </a:r>
+                      <a:endParaRPr lang="en-US" altLang="ko-KR" sz="1100" dirty="0" smtClean="0"/>
+                    </a:p>
+                  </a:txBody>
+                  <a:tcPr>
+                    <a:solidFill>
+                      <a:srgbClr val="CCCCFF"/>
+                    </a:solidFill>
+                  </a:tcPr>
+                </a:tc>
+                <a:extLst>
+                  <a:ext uri="{0D108BD9-81ED-4DB2-BD59-A6C34878D82A}">
+                    <a16:rowId xmlns:a16="http://schemas.microsoft.com/office/drawing/2014/main" val="4176099474"/>
+                  </a:ext>
+                </a:extLst>
+              </a:tr>
+              <a:tr h="248414">
+                <a:tc>
+                  <a:txBody>
+                    <a:bodyPr/>
+                    <a:lstStyle/>
+                    <a:p>
+                      <a:pPr latinLnBrk="1"/>
+                      <a:r>
+                        <a:rPr lang="ko-KR" altLang="en-US" sz="1100" dirty="0" smtClean="0"/>
+                        <a:t>날짜</a:t>
+                      </a:r>
+                      <a:endParaRPr lang="en-US" altLang="ko-KR" sz="1100" dirty="0" smtClean="0"/>
+                    </a:p>
+                    <a:p>
+                      <a:pPr latinLnBrk="1"/>
+                      <a:r>
+                        <a:rPr lang="en-US" altLang="ko-KR" sz="1100" dirty="0" smtClean="0">
+                          <a:solidFill>
+                            <a:srgbClr val="FF0000"/>
+                          </a:solidFill>
+                        </a:rPr>
+                        <a:t>DATETIME</a:t>
+                      </a:r>
+                      <a:endParaRPr lang="ko-KR" altLang="en-US" sz="1100" dirty="0">
+                        <a:solidFill>
+                          <a:srgbClr val="FF0000"/>
+                        </a:solidFill>
+                      </a:endParaRPr>
+                    </a:p>
+                  </a:txBody>
+                  <a:tcPr>
+                    <a:solidFill>
+                      <a:srgbClr val="9966FF"/>
+                    </a:solidFill>
+                  </a:tcPr>
+                </a:tc>
+                <a:extLst>
+                  <a:ext uri="{0D108BD9-81ED-4DB2-BD59-A6C34878D82A}">
+                    <a16:rowId xmlns:a16="http://schemas.microsoft.com/office/drawing/2014/main" val="2502794991"/>
+                  </a:ext>
+                </a:extLst>
+              </a:tr>
+            </a:tbl>
+          </a:graphicData>
+        </a:graphic>
+      </p:graphicFrame>
+      <p:graphicFrame>
+        <p:nvGraphicFramePr>
+          <p:cNvPr id="28" name="표 27"/>
+          <p:cNvGraphicFramePr>
+            <a:graphicFrameLocks noGrp="1"/>
+          </p:cNvGraphicFramePr>
+          <p:nvPr>
+            <p:extLst>
+              <p:ext uri="{D42A27DB-BD31-4B8C-83A1-F6EECF244321}">
+                <p14:modId xmlns:p14="http://schemas.microsoft.com/office/powerpoint/2010/main" val="1080011842"/>
+              </p:ext>
+            </p:extLst>
+          </p:nvPr>
+        </p:nvGraphicFramePr>
+        <p:xfrm>
+          <a:off x="6177159" y="249021"/>
+          <a:ext cx="971092" cy="944880"/>
+        </p:xfrm>
+        <a:graphic>
+          <a:graphicData uri="http://schemas.openxmlformats.org/drawingml/2006/table">
+            <a:tbl>
+              <a:tblPr firstRow="1" bandRow="1">
+                <a:tableStyleId>{7DF18680-E054-41AD-8BC1-D1AEF772440D}</a:tableStyleId>
+              </a:tblPr>
+              <a:tblGrid>
+                <a:gridCol w="971092">
+                  <a:extLst>
+                    <a:ext uri="{9D8B030D-6E8A-4147-A177-3AD203B41FA5}">
+                      <a16:colId xmlns:a16="http://schemas.microsoft.com/office/drawing/2014/main" val="1628425209"/>
+                    </a:ext>
+                  </a:extLst>
+                </a:gridCol>
+              </a:tblGrid>
+              <a:tr h="254198">
+                <a:tc>
+                  <a:txBody>
+                    <a:bodyPr/>
+                    <a:lstStyle/>
+                    <a:p>
+                      <a:pPr latinLnBrk="1"/>
+                      <a:r>
+                        <a:rPr lang="ko-KR" altLang="en-US" sz="1100" dirty="0" err="1" smtClean="0"/>
+                        <a:t>트위치</a:t>
+                      </a:r>
+                      <a:r>
+                        <a:rPr lang="ko-KR" altLang="en-US" sz="1100" dirty="0" smtClean="0"/>
+                        <a:t> 게임</a:t>
+                      </a:r>
+                      <a:endParaRPr lang="ko-KR" altLang="en-US" sz="1100" dirty="0"/>
+                    </a:p>
+                  </a:txBody>
+                  <a:tcPr>
+                    <a:solidFill>
+                      <a:srgbClr val="9966FF"/>
+                    </a:solidFill>
+                  </a:tcPr>
+                </a:tc>
+                <a:extLst>
+                  <a:ext uri="{0D108BD9-81ED-4DB2-BD59-A6C34878D82A}">
+                    <a16:rowId xmlns:a16="http://schemas.microsoft.com/office/drawing/2014/main" val="2441104982"/>
+                  </a:ext>
+                </a:extLst>
+              </a:tr>
+              <a:tr h="248414">
+                <a:tc>
+                  <a:txBody>
+                    <a:bodyPr/>
+                    <a:lstStyle/>
+                    <a:p>
+                      <a:pPr latinLnBrk="1"/>
+                      <a:r>
+                        <a:rPr lang="ko-KR" altLang="en-US" sz="1100" dirty="0" smtClean="0"/>
+                        <a:t>게임</a:t>
+                      </a:r>
+                      <a:r>
+                        <a:rPr lang="en-US" altLang="ko-KR" sz="1100" dirty="0" smtClean="0"/>
+                        <a:t>ID </a:t>
+                      </a:r>
+                      <a:r>
+                        <a:rPr lang="en-US" altLang="ko-KR" sz="1100" dirty="0" smtClean="0">
+                          <a:solidFill>
+                            <a:srgbClr val="FF0000"/>
+                          </a:solidFill>
+                        </a:rPr>
+                        <a:t>INT</a:t>
+                      </a:r>
+                      <a:endParaRPr lang="en-US" altLang="ko-KR" sz="1100" dirty="0" smtClean="0">
+                        <a:solidFill>
+                          <a:srgbClr val="FF0000"/>
+                        </a:solidFill>
+                      </a:endParaRPr>
+                    </a:p>
+                  </a:txBody>
+                  <a:tcPr>
+                    <a:solidFill>
+                      <a:srgbClr val="CCCCFF"/>
+                    </a:solidFill>
+                  </a:tcPr>
+                </a:tc>
+                <a:extLst>
+                  <a:ext uri="{0D108BD9-81ED-4DB2-BD59-A6C34878D82A}">
+                    <a16:rowId xmlns:a16="http://schemas.microsoft.com/office/drawing/2014/main" val="3832849648"/>
+                  </a:ext>
+                </a:extLst>
+              </a:tr>
+              <a:tr h="248414">
+                <a:tc>
+                  <a:txBody>
+                    <a:bodyPr/>
+                    <a:lstStyle/>
+                    <a:p>
+                      <a:pPr latinLnBrk="1"/>
+                      <a:r>
+                        <a:rPr lang="ko-KR" altLang="en-US" sz="1100" dirty="0" smtClean="0"/>
+                        <a:t>게임 이름 </a:t>
+                      </a:r>
+                      <a:r>
+                        <a:rPr lang="en-US" altLang="ko-KR" sz="1100" dirty="0" smtClean="0">
+                          <a:solidFill>
+                            <a:srgbClr val="FF0000"/>
+                          </a:solidFill>
+                        </a:rPr>
+                        <a:t>VARCHAR</a:t>
+                      </a:r>
+                      <a:endParaRPr lang="en-US" altLang="ko-KR" sz="1100" dirty="0" smtClean="0">
+                        <a:solidFill>
+                          <a:srgbClr val="FF0000"/>
+                        </a:solidFill>
+                      </a:endParaRPr>
+                    </a:p>
+                  </a:txBody>
+                  <a:tcPr>
+                    <a:solidFill>
+                      <a:srgbClr val="9966FF"/>
+                    </a:solidFill>
+                  </a:tcPr>
+                </a:tc>
+                <a:extLst>
+                  <a:ext uri="{0D108BD9-81ED-4DB2-BD59-A6C34878D82A}">
+                    <a16:rowId xmlns:a16="http://schemas.microsoft.com/office/drawing/2014/main" val="669642124"/>
+                  </a:ext>
+                </a:extLst>
+              </a:tr>
+            </a:tbl>
+          </a:graphicData>
+        </a:graphic>
+      </p:graphicFrame>
+      <p:graphicFrame>
+        <p:nvGraphicFramePr>
+          <p:cNvPr id="35" name="표 34"/>
+          <p:cNvGraphicFramePr>
+            <a:graphicFrameLocks noGrp="1"/>
+          </p:cNvGraphicFramePr>
+          <p:nvPr>
+            <p:extLst>
+              <p:ext uri="{D42A27DB-BD31-4B8C-83A1-F6EECF244321}">
+                <p14:modId xmlns:p14="http://schemas.microsoft.com/office/powerpoint/2010/main" val="43713949"/>
+              </p:ext>
+            </p:extLst>
+          </p:nvPr>
+        </p:nvGraphicFramePr>
+        <p:xfrm>
+          <a:off x="168843" y="249021"/>
+          <a:ext cx="2003389" cy="2072640"/>
+        </p:xfrm>
+        <a:graphic>
+          <a:graphicData uri="http://schemas.openxmlformats.org/drawingml/2006/table">
+            <a:tbl>
+              <a:tblPr firstRow="1" bandRow="1">
+                <a:tableStyleId>{69C7853C-536D-4A76-A0AE-DD22124D55A5}</a:tableStyleId>
+              </a:tblPr>
+              <a:tblGrid>
+                <a:gridCol w="2003389">
+                  <a:extLst>
+                    <a:ext uri="{9D8B030D-6E8A-4147-A177-3AD203B41FA5}">
+                      <a16:colId xmlns:a16="http://schemas.microsoft.com/office/drawing/2014/main" val="1628425209"/>
+                    </a:ext>
+                  </a:extLst>
+                </a:gridCol>
+              </a:tblGrid>
+              <a:tr h="248414">
+                <a:tc>
+                  <a:txBody>
+                    <a:bodyPr/>
+                    <a:lstStyle/>
+                    <a:p>
+                      <a:pPr latinLnBrk="1"/>
+                      <a:r>
+                        <a:rPr lang="ko-KR" altLang="en-US" sz="1100" dirty="0" err="1" smtClean="0"/>
+                        <a:t>트위치</a:t>
+                      </a:r>
+                      <a:r>
+                        <a:rPr lang="ko-KR" altLang="en-US" sz="1100" dirty="0" smtClean="0"/>
+                        <a:t> 스트리밍 </a:t>
+                      </a:r>
+                      <a:r>
+                        <a:rPr lang="ko-KR" altLang="en-US" sz="1100" dirty="0" smtClean="0"/>
+                        <a:t>채팅</a:t>
+                      </a:r>
+                      <a:endParaRPr lang="ko-KR" altLang="en-US" sz="1100" dirty="0"/>
+                    </a:p>
+                  </a:txBody>
+                  <a:tcPr>
+                    <a:lnL w="12700" cap="flat" cmpd="sng" algn="ctr">
+                      <a:noFill/>
+                      <a:prstDash val="solid"/>
+                      <a:round/>
+                      <a:headEnd type="none" w="med" len="med"/>
+                      <a:tailEnd type="none" w="med" len="med"/>
+                    </a:lnL>
+                    <a:lnR w="12700" cap="flat" cmpd="sng" algn="ctr">
+                      <a:noFill/>
+                      <a:prstDash val="solid"/>
+                      <a:round/>
+                      <a:headEnd type="none" w="med" len="med"/>
+                      <a:tailEnd type="none" w="med" len="med"/>
+                    </a:lnR>
+                    <a:lnT w="12700" cap="flat" cmpd="sng" algn="ctr">
+                      <a:noFill/>
+                      <a:prstDash val="solid"/>
+                      <a:round/>
+                      <a:headEnd type="none" w="med" len="med"/>
+                      <a:tailEnd type="none" w="med" len="med"/>
+                    </a:lnT>
+                    <a:lnB w="12700" cap="flat" cmpd="sng" algn="ctr">
+                      <a:noFill/>
+                      <a:prstDash val="solid"/>
+                      <a:miter lim="800000"/>
+                    </a:lnB>
+                    <a:lnTlToBr w="12700" cmpd="sng">
+                      <a:noFill/>
+                      <a:prstDash val="solid"/>
+                    </a:lnTlToBr>
+                    <a:lnBlToTr w="12700" cmpd="sng">
+                      <a:noFill/>
+                      <a:prstDash val="solid"/>
+                    </a:lnBlToTr>
+                  </a:tcPr>
+                </a:tc>
+                <a:extLst>
+                  <a:ext uri="{0D108BD9-81ED-4DB2-BD59-A6C34878D82A}">
+                    <a16:rowId xmlns:a16="http://schemas.microsoft.com/office/drawing/2014/main" val="2441104982"/>
+                  </a:ext>
+                </a:extLst>
+              </a:tr>
+              <a:tr h="248414">
+                <a:tc>
+                  <a:txBody>
+                    <a:bodyPr/>
+                    <a:lstStyle/>
+                    <a:p>
+                      <a:pPr latinLnBrk="1"/>
+                      <a:r>
+                        <a:rPr lang="ko-KR" altLang="en-US" sz="1100" dirty="0" smtClean="0"/>
+                        <a:t>채팅 </a:t>
+                      </a:r>
+                      <a:r>
+                        <a:rPr lang="ko-KR" altLang="en-US" sz="1100" dirty="0" smtClean="0"/>
+                        <a:t>번호 </a:t>
+                      </a:r>
+                      <a:r>
+                        <a:rPr lang="en-US" altLang="ko-KR" sz="1100" dirty="0" smtClean="0">
+                          <a:solidFill>
+                            <a:srgbClr val="FF0000"/>
+                          </a:solidFill>
+                        </a:rPr>
+                        <a:t>INT</a:t>
+                      </a:r>
+                      <a:endParaRPr lang="en-US" altLang="ko-KR" sz="1100" dirty="0" smtClean="0">
+                        <a:solidFill>
+                          <a:srgbClr val="FF0000"/>
+                        </a:solidFill>
+                      </a:endParaRPr>
+                    </a:p>
+                  </a:txBody>
+                  <a:tcPr>
+                    <a:lnL w="12700" cap="flat" cmpd="sng" algn="ctr">
+                      <a:noFill/>
+                      <a:prstDash val="solid"/>
+                      <a:round/>
+                      <a:headEnd type="none" w="med" len="med"/>
+                      <a:tailEnd type="none" w="med" len="med"/>
+                    </a:lnL>
+                    <a:lnR w="12700" cap="flat" cmpd="sng" algn="ctr">
+                      <a:noFill/>
+                      <a:prstDash val="solid"/>
+                      <a:round/>
+                      <a:headEnd type="none" w="med" len="med"/>
+                      <a:tailEnd type="none" w="med" len="med"/>
+                    </a:lnR>
+                    <a:lnT w="12700" cap="flat" cmpd="sng" algn="ctr">
+                      <a:noFill/>
+                      <a:prstDash val="solid"/>
+                      <a:miter lim="800000"/>
+                    </a:lnT>
+                    <a:lnB w="6350" cap="flat" cmpd="sng" algn="ctr">
+                      <a:noFill/>
+                      <a:prstDash val="solid"/>
+                      <a:miter lim="800000"/>
+                    </a:lnB>
+                    <a:lnTlToBr w="12700" cmpd="sng">
+                      <a:noFill/>
+                      <a:prstDash val="solid"/>
+                    </a:lnTlToBr>
+                    <a:lnBlToTr w="12700" cmpd="sng">
+                      <a:noFill/>
+                      <a:prstDash val="solid"/>
+                    </a:lnBlToTr>
+                  </a:tcPr>
+                </a:tc>
+                <a:extLst>
+                  <a:ext uri="{0D108BD9-81ED-4DB2-BD59-A6C34878D82A}">
+                    <a16:rowId xmlns:a16="http://schemas.microsoft.com/office/drawing/2014/main" val="3832849648"/>
+                  </a:ext>
+                </a:extLst>
+              </a:tr>
+              <a:tr h="248414">
+                <a:tc>
+                  <a:txBody>
+                    <a:bodyPr/>
+                    <a:lstStyle/>
+                    <a:p>
+                      <a:pPr marL="0" marR="0" indent="0" algn="l" defTabSz="914400" rtl="0" eaLnBrk="1" fontAlgn="auto" latinLnBrk="1" hangingPunct="1">
+                        <a:lnSpc>
+                          <a:spcPct val="100000"/>
+                        </a:lnSpc>
+                        <a:spcBef>
+                          <a:spcPts val="0"/>
+                        </a:spcBef>
+                        <a:spcAft>
+                          <a:spcPts val="0"/>
+                        </a:spcAft>
+                        <a:buClrTx/>
+                        <a:buSzTx/>
+                        <a:buFontTx/>
+                        <a:buNone/>
+                        <a:tabLst/>
+                        <a:defRPr/>
+                      </a:pPr>
+                      <a:r>
+                        <a:rPr lang="ko-KR" altLang="en-US" sz="1100" dirty="0" smtClean="0"/>
+                        <a:t>날짜 및 시간 </a:t>
+                      </a:r>
+                      <a:r>
+                        <a:rPr lang="en-US" altLang="ko-KR" sz="1100" dirty="0" smtClean="0">
+                          <a:solidFill>
+                            <a:srgbClr val="FF0000"/>
+                          </a:solidFill>
+                        </a:rPr>
+                        <a:t>DATETIME</a:t>
+                      </a:r>
+                    </a:p>
+                  </a:txBody>
+                  <a:tcPr>
+                    <a:lnL w="12700" cap="flat" cmpd="sng" algn="ctr">
+                      <a:noFill/>
+                      <a:prstDash val="solid"/>
+                      <a:round/>
+                      <a:headEnd type="none" w="med" len="med"/>
+                      <a:tailEnd type="none" w="med" len="med"/>
+                    </a:lnL>
+                    <a:lnR w="12700" cap="flat" cmpd="sng" algn="ctr">
+                      <a:noFill/>
+                      <a:prstDash val="solid"/>
+                      <a:round/>
+                      <a:headEnd type="none" w="med" len="med"/>
+                      <a:tailEnd type="none" w="med" len="med"/>
+                    </a:lnR>
+                    <a:lnT w="6350" cap="flat" cmpd="sng" algn="ctr">
+                      <a:noFill/>
+                      <a:prstDash val="solid"/>
+                      <a:miter lim="800000"/>
+                    </a:lnT>
+                    <a:lnB w="6350" cap="flat" cmpd="sng" algn="ctr">
+                      <a:noFill/>
+                      <a:prstDash val="solid"/>
+                      <a:miter lim="800000"/>
+                    </a:lnB>
+                    <a:lnTlToBr w="12700" cmpd="sng">
+                      <a:noFill/>
+                      <a:prstDash val="solid"/>
+                    </a:lnTlToBr>
+                    <a:lnBlToTr w="12700" cmpd="sng">
+                      <a:noFill/>
+                      <a:prstDash val="solid"/>
+                    </a:lnBlToTr>
+                  </a:tcPr>
+                </a:tc>
+                <a:extLst>
+                  <a:ext uri="{0D108BD9-81ED-4DB2-BD59-A6C34878D82A}">
+                    <a16:rowId xmlns:a16="http://schemas.microsoft.com/office/drawing/2014/main" val="669642124"/>
+                  </a:ext>
+                </a:extLst>
+              </a:tr>
+              <a:tr h="248414">
+                <a:tc>
+                  <a:txBody>
+                    <a:bodyPr/>
+                    <a:lstStyle/>
+                    <a:p>
+                      <a:pPr marL="0" marR="0" indent="0" algn="l" defTabSz="914400" rtl="0" eaLnBrk="1" fontAlgn="auto" latinLnBrk="1" hangingPunct="1">
+                        <a:lnSpc>
+                          <a:spcPct val="100000"/>
+                        </a:lnSpc>
+                        <a:spcBef>
+                          <a:spcPts val="0"/>
+                        </a:spcBef>
+                        <a:spcAft>
+                          <a:spcPts val="0"/>
+                        </a:spcAft>
+                        <a:buClrTx/>
+                        <a:buSzTx/>
+                        <a:buFontTx/>
+                        <a:buNone/>
+                        <a:tabLst/>
+                        <a:defRPr/>
+                      </a:pPr>
+                      <a:r>
+                        <a:rPr lang="ko-KR" altLang="en-US" sz="1100" dirty="0" smtClean="0"/>
+                        <a:t>시청자 아이디 </a:t>
+                      </a:r>
+                      <a:r>
+                        <a:rPr lang="en-US" altLang="ko-KR" sz="1100" dirty="0" smtClean="0">
+                          <a:solidFill>
+                            <a:srgbClr val="FF0000"/>
+                          </a:solidFill>
+                        </a:rPr>
+                        <a:t>VARCHAR</a:t>
+                      </a:r>
+                      <a:endParaRPr lang="ko-KR" altLang="en-US" sz="1100" dirty="0" smtClean="0">
+                        <a:solidFill>
+                          <a:srgbClr val="FF0000"/>
+                        </a:solidFill>
+                      </a:endParaRPr>
+                    </a:p>
+                  </a:txBody>
+                  <a:tcPr>
+                    <a:lnL w="12700" cap="flat" cmpd="sng" algn="ctr">
+                      <a:noFill/>
+                      <a:prstDash val="solid"/>
+                      <a:round/>
+                      <a:headEnd type="none" w="med" len="med"/>
+                      <a:tailEnd type="none" w="med" len="med"/>
+                    </a:lnL>
+                    <a:lnR w="12700" cap="flat" cmpd="sng" algn="ctr">
+                      <a:noFill/>
+                      <a:prstDash val="solid"/>
+                      <a:round/>
+                      <a:headEnd type="none" w="med" len="med"/>
+                      <a:tailEnd type="none" w="med" len="med"/>
+                    </a:lnR>
+                    <a:lnT w="6350" cap="flat" cmpd="sng" algn="ctr">
+                      <a:noFill/>
+                      <a:prstDash val="solid"/>
+                      <a:miter lim="800000"/>
+                    </a:lnT>
+                    <a:lnB w="6350" cap="flat" cmpd="sng" algn="ctr">
+                      <a:noFill/>
+                      <a:prstDash val="solid"/>
+                      <a:miter lim="800000"/>
+                    </a:lnB>
+                    <a:lnTlToBr w="12700" cmpd="sng">
+                      <a:noFill/>
+                      <a:prstDash val="solid"/>
+                    </a:lnTlToBr>
+                    <a:lnBlToTr w="12700" cmpd="sng">
+                      <a:noFill/>
+                      <a:prstDash val="solid"/>
+                    </a:lnBlToTr>
+                  </a:tcPr>
+                </a:tc>
+                <a:extLst>
+                  <a:ext uri="{0D108BD9-81ED-4DB2-BD59-A6C34878D82A}">
+                    <a16:rowId xmlns:a16="http://schemas.microsoft.com/office/drawing/2014/main" val="4176099474"/>
+                  </a:ext>
+                </a:extLst>
+              </a:tr>
+              <a:tr h="248414">
+                <a:tc>
+                  <a:txBody>
+                    <a:bodyPr/>
+                    <a:lstStyle/>
+                    <a:p>
+                      <a:pPr marL="0" marR="0" indent="0" algn="l" defTabSz="914400" rtl="0" eaLnBrk="1" fontAlgn="auto" latinLnBrk="1" hangingPunct="1">
+                        <a:lnSpc>
+                          <a:spcPct val="100000"/>
+                        </a:lnSpc>
+                        <a:spcBef>
+                          <a:spcPts val="0"/>
+                        </a:spcBef>
+                        <a:spcAft>
+                          <a:spcPts val="0"/>
+                        </a:spcAft>
+                        <a:buClrTx/>
+                        <a:buSzTx/>
+                        <a:buFontTx/>
+                        <a:buNone/>
+                        <a:tabLst/>
+                        <a:defRPr/>
+                      </a:pPr>
+                      <a:r>
+                        <a:rPr lang="ko-KR" altLang="en-US" sz="1100" dirty="0" smtClean="0"/>
+                        <a:t>채팅 내용 </a:t>
+                      </a:r>
+                      <a:r>
+                        <a:rPr lang="en-US" altLang="ko-KR" sz="1100" dirty="0" smtClean="0">
+                          <a:solidFill>
+                            <a:srgbClr val="FF0000"/>
+                          </a:solidFill>
+                        </a:rPr>
+                        <a:t>TEXT</a:t>
+                      </a:r>
+                      <a:endParaRPr lang="ko-KR" altLang="en-US" sz="1100" dirty="0" smtClean="0">
+                        <a:solidFill>
+                          <a:srgbClr val="FF0000"/>
+                        </a:solidFill>
+                      </a:endParaRPr>
+                    </a:p>
+                  </a:txBody>
+                  <a:tcPr>
+                    <a:lnL w="12700" cap="flat" cmpd="sng" algn="ctr">
+                      <a:noFill/>
+                      <a:prstDash val="solid"/>
+                      <a:round/>
+                      <a:headEnd type="none" w="med" len="med"/>
+                      <a:tailEnd type="none" w="med" len="med"/>
+                    </a:lnL>
+                    <a:lnR w="12700" cap="flat" cmpd="sng" algn="ctr">
+                      <a:noFill/>
+                      <a:prstDash val="solid"/>
+                      <a:round/>
+                      <a:headEnd type="none" w="med" len="med"/>
+                      <a:tailEnd type="none" w="med" len="med"/>
+                    </a:lnR>
+                    <a:lnT w="6350" cap="flat" cmpd="sng" algn="ctr">
+                      <a:noFill/>
+                      <a:prstDash val="solid"/>
+                      <a:miter lim="800000"/>
+                    </a:lnT>
+                    <a:lnB w="6350" cap="flat" cmpd="sng" algn="ctr">
+                      <a:noFill/>
+                      <a:prstDash val="solid"/>
+                      <a:miter lim="800000"/>
+                    </a:lnB>
+                    <a:lnTlToBr w="12700" cmpd="sng">
+                      <a:noFill/>
+                      <a:prstDash val="solid"/>
+                    </a:lnTlToBr>
+                    <a:lnBlToTr w="12700" cmpd="sng">
+                      <a:noFill/>
+                      <a:prstDash val="solid"/>
+                    </a:lnBlToTr>
+                  </a:tcPr>
+                </a:tc>
+                <a:extLst>
+                  <a:ext uri="{0D108BD9-81ED-4DB2-BD59-A6C34878D82A}">
+                    <a16:rowId xmlns:a16="http://schemas.microsoft.com/office/drawing/2014/main" val="2502794991"/>
+                  </a:ext>
+                </a:extLst>
+              </a:tr>
+              <a:tr h="248414">
+                <a:tc>
+                  <a:txBody>
+                    <a:bodyPr/>
+                    <a:lstStyle/>
+                    <a:p>
+                      <a:pPr latinLnBrk="1"/>
+                      <a:r>
+                        <a:rPr lang="ko-KR" altLang="en-US" sz="1100" dirty="0" smtClean="0"/>
+                        <a:t>스트리밍</a:t>
+                      </a:r>
+                      <a:r>
+                        <a:rPr lang="en-US" altLang="ko-KR" sz="1100" dirty="0" smtClean="0"/>
+                        <a:t>ID </a:t>
+                      </a:r>
+                      <a:r>
+                        <a:rPr lang="en-US" altLang="ko-KR" sz="1100" dirty="0" smtClean="0">
+                          <a:solidFill>
+                            <a:srgbClr val="FF0000"/>
+                          </a:solidFill>
+                        </a:rPr>
+                        <a:t>INT</a:t>
+                      </a:r>
+                      <a:endParaRPr lang="ko-KR" altLang="en-US" sz="1100" dirty="0">
+                        <a:solidFill>
+                          <a:srgbClr val="FF0000"/>
+                        </a:solidFill>
+                      </a:endParaRPr>
+                    </a:p>
+                  </a:txBody>
+                  <a:tcPr>
+                    <a:lnL w="12700" cap="flat" cmpd="sng" algn="ctr">
+                      <a:noFill/>
+                      <a:prstDash val="solid"/>
+                      <a:round/>
+                      <a:headEnd type="none" w="med" len="med"/>
+                      <a:tailEnd type="none" w="med" len="med"/>
+                    </a:lnL>
+                    <a:lnR w="12700" cap="flat" cmpd="sng" algn="ctr">
+                      <a:noFill/>
+                      <a:prstDash val="solid"/>
+                      <a:round/>
+                      <a:headEnd type="none" w="med" len="med"/>
+                      <a:tailEnd type="none" w="med" len="med"/>
+                    </a:lnR>
+                    <a:lnT w="6350" cap="flat" cmpd="sng" algn="ctr">
+                      <a:noFill/>
+                      <a:prstDash val="solid"/>
+                      <a:miter lim="800000"/>
+                    </a:lnT>
+                    <a:lnB w="6350" cap="flat" cmpd="sng" algn="ctr">
+                      <a:noFill/>
+                      <a:prstDash val="solid"/>
+                      <a:miter lim="800000"/>
+                    </a:lnB>
+                    <a:lnTlToBr w="12700" cmpd="sng">
+                      <a:noFill/>
+                      <a:prstDash val="solid"/>
+                    </a:lnTlToBr>
+                    <a:lnBlToTr w="12700" cmpd="sng">
+                      <a:noFill/>
+                      <a:prstDash val="solid"/>
+                    </a:lnBlToTr>
+                  </a:tcPr>
+                </a:tc>
+                <a:extLst>
+                  <a:ext uri="{0D108BD9-81ED-4DB2-BD59-A6C34878D82A}">
+                    <a16:rowId xmlns:a16="http://schemas.microsoft.com/office/drawing/2014/main" val="3879632459"/>
+                  </a:ext>
+                </a:extLst>
+              </a:tr>
+              <a:tr h="248414">
+                <a:tc>
+                  <a:txBody>
+                    <a:bodyPr/>
+                    <a:lstStyle/>
+                    <a:p>
+                      <a:pPr marL="0" marR="0" indent="0" algn="l" defTabSz="914400" rtl="0" eaLnBrk="1" fontAlgn="auto" latinLnBrk="1" hangingPunct="1">
+                        <a:lnSpc>
+                          <a:spcPct val="100000"/>
+                        </a:lnSpc>
+                        <a:spcBef>
+                          <a:spcPts val="0"/>
+                        </a:spcBef>
+                        <a:spcAft>
+                          <a:spcPts val="0"/>
+                        </a:spcAft>
+                        <a:buClrTx/>
+                        <a:buSzTx/>
+                        <a:buFontTx/>
+                        <a:buNone/>
+                        <a:tabLst/>
+                        <a:defRPr/>
+                      </a:pPr>
+                      <a:r>
+                        <a:rPr lang="ko-KR" altLang="en-US" sz="1100" dirty="0" err="1" smtClean="0"/>
+                        <a:t>스트리머</a:t>
+                      </a:r>
+                      <a:r>
+                        <a:rPr lang="en-US" altLang="ko-KR" sz="1100" dirty="0" smtClean="0"/>
+                        <a:t>ID </a:t>
+                      </a:r>
+                      <a:r>
+                        <a:rPr lang="en-US" altLang="ko-KR" sz="1100" dirty="0" smtClean="0">
+                          <a:solidFill>
+                            <a:srgbClr val="FF0000"/>
+                          </a:solidFill>
+                        </a:rPr>
+                        <a:t>INT</a:t>
+                      </a:r>
+                      <a:endParaRPr lang="ko-KR" altLang="en-US" sz="1100" dirty="0" smtClean="0">
+                        <a:solidFill>
+                          <a:srgbClr val="FF0000"/>
+                        </a:solidFill>
+                      </a:endParaRPr>
+                    </a:p>
+                  </a:txBody>
+                  <a:tcPr>
+                    <a:lnL w="12700" cap="flat" cmpd="sng" algn="ctr">
+                      <a:noFill/>
+                      <a:prstDash val="solid"/>
+                      <a:round/>
+                      <a:headEnd type="none" w="med" len="med"/>
+                      <a:tailEnd type="none" w="med" len="med"/>
+                    </a:lnL>
+                    <a:lnR w="12700" cap="flat" cmpd="sng" algn="ctr">
+                      <a:noFill/>
+                      <a:prstDash val="solid"/>
+                      <a:round/>
+                      <a:headEnd type="none" w="med" len="med"/>
+                      <a:tailEnd type="none" w="med" len="med"/>
+                    </a:lnR>
+                    <a:lnT w="6350" cap="flat" cmpd="sng" algn="ctr">
+                      <a:noFill/>
+                      <a:prstDash val="solid"/>
+                      <a:miter lim="800000"/>
+                    </a:lnT>
+                    <a:lnB w="6350" cap="flat" cmpd="sng" algn="ctr">
+                      <a:noFill/>
+                      <a:prstDash val="solid"/>
+                      <a:miter lim="800000"/>
+                    </a:lnB>
+                    <a:lnTlToBr w="12700" cmpd="sng">
+                      <a:noFill/>
+                      <a:prstDash val="solid"/>
+                    </a:lnTlToBr>
+                    <a:lnBlToTr w="12700" cmpd="sng">
+                      <a:noFill/>
+                      <a:prstDash val="solid"/>
+                    </a:lnBlToTr>
+                  </a:tcPr>
+                </a:tc>
+                <a:extLst>
+                  <a:ext uri="{0D108BD9-81ED-4DB2-BD59-A6C34878D82A}">
+                    <a16:rowId xmlns:a16="http://schemas.microsoft.com/office/drawing/2014/main" val="2576890930"/>
+                  </a:ext>
+                </a:extLst>
+              </a:tr>
+              <a:tr h="248414">
+                <a:tc>
+                  <a:txBody>
+                    <a:bodyPr/>
+                    <a:lstStyle/>
+                    <a:p>
+                      <a:pPr marL="0" marR="0" indent="0" algn="l" defTabSz="914400" rtl="0" eaLnBrk="1" fontAlgn="auto" latinLnBrk="1" hangingPunct="1">
+                        <a:lnSpc>
+                          <a:spcPct val="100000"/>
+                        </a:lnSpc>
+                        <a:spcBef>
+                          <a:spcPts val="0"/>
+                        </a:spcBef>
+                        <a:spcAft>
+                          <a:spcPts val="0"/>
+                        </a:spcAft>
+                        <a:buClrTx/>
+                        <a:buSzTx/>
+                        <a:buFontTx/>
+                        <a:buNone/>
+                        <a:tabLst/>
+                        <a:defRPr/>
+                      </a:pPr>
+                      <a:r>
+                        <a:rPr lang="ko-KR" altLang="en-US" sz="1100" dirty="0" smtClean="0"/>
+                        <a:t>방송 날짜 </a:t>
+                      </a:r>
+                      <a:r>
+                        <a:rPr lang="en-US" altLang="ko-KR" sz="1100" dirty="0" smtClean="0">
+                          <a:solidFill>
+                            <a:srgbClr val="FF0000"/>
+                          </a:solidFill>
+                        </a:rPr>
+                        <a:t>DATETIME</a:t>
+                      </a:r>
+                      <a:endParaRPr lang="ko-KR" altLang="en-US" sz="1100" dirty="0" smtClean="0">
+                        <a:solidFill>
+                          <a:srgbClr val="FF0000"/>
+                        </a:solidFill>
+                      </a:endParaRPr>
+                    </a:p>
+                  </a:txBody>
+                  <a:tcPr>
+                    <a:lnL w="12700" cap="flat" cmpd="sng" algn="ctr">
+                      <a:noFill/>
+                      <a:prstDash val="solid"/>
+                      <a:round/>
+                      <a:headEnd type="none" w="med" len="med"/>
+                      <a:tailEnd type="none" w="med" len="med"/>
+                    </a:lnL>
+                    <a:lnR w="12700" cap="flat" cmpd="sng" algn="ctr">
+                      <a:noFill/>
+                      <a:prstDash val="solid"/>
+                      <a:round/>
+                      <a:headEnd type="none" w="med" len="med"/>
+                      <a:tailEnd type="none" w="med" len="med"/>
+                    </a:lnR>
+                    <a:lnT w="6350" cap="flat" cmpd="sng" algn="ctr">
+                      <a:noFill/>
+                      <a:prstDash val="solid"/>
+                      <a:miter lim="800000"/>
+                    </a:lnT>
+                    <a:lnB w="12700" cap="flat" cmpd="sng" algn="ctr">
+                      <a:noFill/>
+                      <a:prstDash val="solid"/>
+                      <a:round/>
+                      <a:headEnd type="none" w="med" len="med"/>
+                      <a:tailEnd type="none" w="med" len="med"/>
+                    </a:lnB>
+                    <a:lnTlToBr w="12700" cmpd="sng">
+                      <a:noFill/>
+                      <a:prstDash val="solid"/>
+                    </a:lnTlToBr>
+                    <a:lnBlToTr w="12700" cmpd="sng">
+                      <a:noFill/>
+                      <a:prstDash val="solid"/>
+                    </a:lnBlToTr>
+                  </a:tcPr>
+                </a:tc>
+                <a:extLst>
+                  <a:ext uri="{0D108BD9-81ED-4DB2-BD59-A6C34878D82A}">
+                    <a16:rowId xmlns:a16="http://schemas.microsoft.com/office/drawing/2014/main" val="133267380"/>
+                  </a:ext>
+                </a:extLst>
+              </a:tr>
+            </a:tbl>
+          </a:graphicData>
+        </a:graphic>
+      </p:graphicFrame>
+      <p:cxnSp>
+        <p:nvCxnSpPr>
+          <p:cNvPr id="4" name="직선 연결선 3"/>
+          <p:cNvCxnSpPr/>
+          <p:nvPr/>
+        </p:nvCxnSpPr>
+        <p:spPr>
+          <a:xfrm flipV="1">
+            <a:off x="0" y="2422262"/>
+            <a:ext cx="12192000" cy="4807"/>
+          </a:xfrm>
+          <a:prstGeom prst="line">
+            <a:avLst/>
+          </a:prstGeom>
+        </p:spPr>
+        <p:style>
+          <a:lnRef idx="1">
+            <a:schemeClr val="accent1"/>
+          </a:lnRef>
+          <a:fillRef idx="0">
+            <a:schemeClr val="accent1"/>
+          </a:fillRef>
+          <a:effectRef idx="0">
+            <a:schemeClr val="accent1"/>
+          </a:effectRef>
+          <a:fontRef idx="minor">
+            <a:schemeClr val="tx1"/>
+          </a:fontRef>
+        </p:style>
+      </p:cxnSp>
+    </p:spTree>
+    <p:extLst>
+      <p:ext uri="{BB962C8B-B14F-4D97-AF65-F5344CB8AC3E}">
+        <p14:creationId xmlns:p14="http://schemas.microsoft.com/office/powerpoint/2010/main" val="920414894"/>
       </p:ext>
     </p:extLst>
   </p:cSld>

--- a/docs/6_데이터매핑정의서/DB설계도면_작업중.pptx
+++ b/docs/6_데이터매핑정의서/DB설계도면_작업중.pptx
@@ -245,7 +245,7 @@
           <a:p>
             <a:fld id="{6B2E7A2C-E249-4863-8B19-472D6C92A313}" type="datetimeFigureOut">
               <a:rPr lang="ko-KR" altLang="en-US" smtClean="0"/>
-              <a:t>2018-12-21</a:t>
+              <a:t>2018-12-24</a:t>
             </a:fld>
             <a:endParaRPr lang="ko-KR" altLang="en-US"/>
           </a:p>
@@ -415,7 +415,7 @@
           <a:p>
             <a:fld id="{6B2E7A2C-E249-4863-8B19-472D6C92A313}" type="datetimeFigureOut">
               <a:rPr lang="ko-KR" altLang="en-US" smtClean="0"/>
-              <a:t>2018-12-21</a:t>
+              <a:t>2018-12-24</a:t>
             </a:fld>
             <a:endParaRPr lang="ko-KR" altLang="en-US"/>
           </a:p>
@@ -595,7 +595,7 @@
           <a:p>
             <a:fld id="{6B2E7A2C-E249-4863-8B19-472D6C92A313}" type="datetimeFigureOut">
               <a:rPr lang="ko-KR" altLang="en-US" smtClean="0"/>
-              <a:t>2018-12-21</a:t>
+              <a:t>2018-12-24</a:t>
             </a:fld>
             <a:endParaRPr lang="ko-KR" altLang="en-US"/>
           </a:p>
@@ -765,7 +765,7 @@
           <a:p>
             <a:fld id="{6B2E7A2C-E249-4863-8B19-472D6C92A313}" type="datetimeFigureOut">
               <a:rPr lang="ko-KR" altLang="en-US" smtClean="0"/>
-              <a:t>2018-12-21</a:t>
+              <a:t>2018-12-24</a:t>
             </a:fld>
             <a:endParaRPr lang="ko-KR" altLang="en-US"/>
           </a:p>
@@ -1011,7 +1011,7 @@
           <a:p>
             <a:fld id="{6B2E7A2C-E249-4863-8B19-472D6C92A313}" type="datetimeFigureOut">
               <a:rPr lang="ko-KR" altLang="en-US" smtClean="0"/>
-              <a:t>2018-12-21</a:t>
+              <a:t>2018-12-24</a:t>
             </a:fld>
             <a:endParaRPr lang="ko-KR" altLang="en-US"/>
           </a:p>
@@ -1243,7 +1243,7 @@
           <a:p>
             <a:fld id="{6B2E7A2C-E249-4863-8B19-472D6C92A313}" type="datetimeFigureOut">
               <a:rPr lang="ko-KR" altLang="en-US" smtClean="0"/>
-              <a:t>2018-12-21</a:t>
+              <a:t>2018-12-24</a:t>
             </a:fld>
             <a:endParaRPr lang="ko-KR" altLang="en-US"/>
           </a:p>
@@ -1610,7 +1610,7 @@
           <a:p>
             <a:fld id="{6B2E7A2C-E249-4863-8B19-472D6C92A313}" type="datetimeFigureOut">
               <a:rPr lang="ko-KR" altLang="en-US" smtClean="0"/>
-              <a:t>2018-12-21</a:t>
+              <a:t>2018-12-24</a:t>
             </a:fld>
             <a:endParaRPr lang="ko-KR" altLang="en-US"/>
           </a:p>
@@ -1728,7 +1728,7 @@
           <a:p>
             <a:fld id="{6B2E7A2C-E249-4863-8B19-472D6C92A313}" type="datetimeFigureOut">
               <a:rPr lang="ko-KR" altLang="en-US" smtClean="0"/>
-              <a:t>2018-12-21</a:t>
+              <a:t>2018-12-24</a:t>
             </a:fld>
             <a:endParaRPr lang="ko-KR" altLang="en-US"/>
           </a:p>
@@ -1823,7 +1823,7 @@
           <a:p>
             <a:fld id="{6B2E7A2C-E249-4863-8B19-472D6C92A313}" type="datetimeFigureOut">
               <a:rPr lang="ko-KR" altLang="en-US" smtClean="0"/>
-              <a:t>2018-12-21</a:t>
+              <a:t>2018-12-24</a:t>
             </a:fld>
             <a:endParaRPr lang="ko-KR" altLang="en-US"/>
           </a:p>
@@ -2100,7 +2100,7 @@
           <a:p>
             <a:fld id="{6B2E7A2C-E249-4863-8B19-472D6C92A313}" type="datetimeFigureOut">
               <a:rPr lang="ko-KR" altLang="en-US" smtClean="0"/>
-              <a:t>2018-12-21</a:t>
+              <a:t>2018-12-24</a:t>
             </a:fld>
             <a:endParaRPr lang="ko-KR" altLang="en-US"/>
           </a:p>
@@ -2353,7 +2353,7 @@
           <a:p>
             <a:fld id="{6B2E7A2C-E249-4863-8B19-472D6C92A313}" type="datetimeFigureOut">
               <a:rPr lang="ko-KR" altLang="en-US" smtClean="0"/>
-              <a:t>2018-12-21</a:t>
+              <a:t>2018-12-24</a:t>
             </a:fld>
             <a:endParaRPr lang="ko-KR" altLang="en-US"/>
           </a:p>
@@ -2566,7 +2566,7 @@
           <a:p>
             <a:fld id="{6B2E7A2C-E249-4863-8B19-472D6C92A313}" type="datetimeFigureOut">
               <a:rPr lang="ko-KR" altLang="en-US" smtClean="0"/>
-              <a:t>2018-12-21</a:t>
+              <a:t>2018-12-24</a:t>
             </a:fld>
             <a:endParaRPr lang="ko-KR" altLang="en-US"/>
           </a:p>
@@ -4147,11 +4147,7 @@
                       <a:pPr latinLnBrk="1"/>
                       <a:r>
                         <a:rPr lang="ko-KR" altLang="en-US" sz="1100" dirty="0" smtClean="0"/>
-                        <a:t>유튜브 라이브 </a:t>
-                      </a:r>
-                      <a:r>
-                        <a:rPr lang="ko-KR" altLang="en-US" sz="1100" dirty="0" smtClean="0"/>
-                        <a:t>채팅</a:t>
+                        <a:t>유튜브 라이브 채팅</a:t>
                       </a:r>
                       <a:endParaRPr lang="ko-KR" altLang="en-US" sz="1100" dirty="0"/>
                     </a:p>
@@ -4298,7 +4294,6 @@
                         <a:rPr lang="en-US" altLang="ko-KR" sz="1100" dirty="0" smtClean="0"/>
                         <a:t>ID</a:t>
                       </a:r>
-                      <a:endParaRPr lang="en-US" altLang="ko-KR" sz="1100" dirty="0" smtClean="0"/>
                     </a:p>
                   </a:txBody>
                   <a:tcPr/>
@@ -5710,7 +5705,6 @@
                         <a:rPr lang="en-US" altLang="ko-KR" sz="1100" dirty="0" smtClean="0"/>
                         <a:t>ID</a:t>
                       </a:r>
-                      <a:endParaRPr lang="en-US" altLang="ko-KR" sz="1100" dirty="0" smtClean="0"/>
                     </a:p>
                   </a:txBody>
                   <a:tcPr>
@@ -5928,7 +5922,6 @@
                         <a:rPr lang="en-US" altLang="ko-KR" sz="1100" dirty="0" smtClean="0"/>
                         <a:t>ID</a:t>
                       </a:r>
-                      <a:endParaRPr lang="en-US" altLang="ko-KR" sz="1100" dirty="0" smtClean="0"/>
                     </a:p>
                   </a:txBody>
                   <a:tcPr>
@@ -6019,11 +6012,7 @@
                       </a:r>
                       <a:r>
                         <a:rPr lang="ko-KR" altLang="en-US" sz="1100" dirty="0" smtClean="0"/>
-                        <a:t> 스트리밍 </a:t>
-                      </a:r>
-                      <a:r>
-                        <a:rPr lang="ko-KR" altLang="en-US" sz="1100" dirty="0" smtClean="0"/>
-                        <a:t>채팅</a:t>
+                        <a:t> 스트리밍 채팅</a:t>
                       </a:r>
                       <a:endParaRPr lang="ko-KR" altLang="en-US" sz="1100" dirty="0"/>
                     </a:p>
@@ -6555,14 +6544,14 @@
           <p:nvPr>
             <p:extLst>
               <p:ext uri="{D42A27DB-BD31-4B8C-83A1-F6EECF244321}">
-                <p14:modId xmlns:p14="http://schemas.microsoft.com/office/powerpoint/2010/main" val="2838019260"/>
+                <p14:modId xmlns:p14="http://schemas.microsoft.com/office/powerpoint/2010/main" val="2535920204"/>
               </p:ext>
             </p:extLst>
           </p:nvPr>
         </p:nvGraphicFramePr>
         <p:xfrm>
           <a:off x="6406009" y="2512040"/>
-          <a:ext cx="2036512" cy="3108960"/>
+          <a:ext cx="2036512" cy="3276600"/>
         </p:xfrm>
         <a:graphic>
           <a:graphicData uri="http://schemas.openxmlformats.org/drawingml/2006/table">
@@ -6594,6 +6583,14 @@
                         <a:rPr lang="ko-KR" altLang="en-US" sz="1100" dirty="0" err="1" smtClean="0"/>
                         <a:t>크리에이터</a:t>
                       </a:r>
+                      <a:endParaRPr lang="en-US" altLang="ko-KR" sz="1100" dirty="0" smtClean="0"/>
+                    </a:p>
+                    <a:p>
+                      <a:pPr latinLnBrk="1"/>
+                      <a:r>
+                        <a:rPr lang="en-US" altLang="ko-KR" sz="1100" dirty="0" err="1" smtClean="0"/>
+                        <a:t>creater</a:t>
+                      </a:r>
                       <a:endParaRPr lang="ko-KR" altLang="en-US" sz="1100" dirty="0"/>
                     </a:p>
                   </a:txBody>
@@ -6614,11 +6611,7 @@
                       <a:pPr latinLnBrk="1"/>
                       <a:r>
                         <a:rPr lang="ko-KR" altLang="en-US" sz="1100" dirty="0" smtClean="0"/>
-                        <a:t>회원 </a:t>
-                      </a:r>
-                      <a:r>
-                        <a:rPr lang="ko-KR" altLang="en-US" sz="1100" dirty="0" smtClean="0"/>
-                        <a:t>번호 </a:t>
+                        <a:t>회원 번호 </a:t>
                       </a:r>
                       <a:r>
                         <a:rPr lang="en-US" altLang="ko-KR" sz="1100" dirty="0" smtClean="0">
@@ -6628,11 +6621,6 @@
                         </a:rPr>
                         <a:t>INT</a:t>
                       </a:r>
-                      <a:endParaRPr lang="en-US" altLang="ko-KR" sz="1100" dirty="0" smtClean="0">
-                        <a:solidFill>
-                          <a:srgbClr val="FF0000"/>
-                        </a:solidFill>
-                      </a:endParaRPr>
                     </a:p>
                   </a:txBody>
                   <a:tcPr/>
@@ -6652,11 +6640,7 @@
                       <a:pPr latinLnBrk="1"/>
                       <a:r>
                         <a:rPr lang="ko-KR" altLang="en-US" sz="1100" dirty="0" smtClean="0"/>
-                        <a:t>방송 </a:t>
-                      </a:r>
-                      <a:r>
-                        <a:rPr lang="ko-KR" altLang="en-US" sz="1100" dirty="0" smtClean="0"/>
-                        <a:t>플랫폼 </a:t>
+                        <a:t>방송 플랫폼 </a:t>
                       </a:r>
                       <a:r>
                         <a:rPr lang="en-US" altLang="ko-KR" sz="1100" dirty="0" smtClean="0">
@@ -7008,14 +6992,14 @@
           <p:nvPr>
             <p:extLst>
               <p:ext uri="{D42A27DB-BD31-4B8C-83A1-F6EECF244321}">
-                <p14:modId xmlns:p14="http://schemas.microsoft.com/office/powerpoint/2010/main" val="3589493330"/>
+                <p14:modId xmlns:p14="http://schemas.microsoft.com/office/powerpoint/2010/main" val="3622481564"/>
               </p:ext>
             </p:extLst>
           </p:nvPr>
         </p:nvGraphicFramePr>
         <p:xfrm>
           <a:off x="8521294" y="2497638"/>
-          <a:ext cx="1847107" cy="2331720"/>
+          <a:ext cx="1847107" cy="2499360"/>
         </p:xfrm>
         <a:graphic>
           <a:graphicData uri="http://schemas.openxmlformats.org/drawingml/2006/table">
@@ -7041,7 +7025,19 @@
                       <a:pPr latinLnBrk="1"/>
                       <a:r>
                         <a:rPr lang="ko-KR" altLang="en-US" sz="1100" dirty="0" smtClean="0"/>
-                        <a:t>회원정보 광고주</a:t>
+                        <a:t>회원정보 </a:t>
+                      </a:r>
+                      <a:r>
+                        <a:rPr lang="ko-KR" altLang="en-US" sz="1100" dirty="0" smtClean="0"/>
+                        <a:t>광고주</a:t>
+                      </a:r>
+                      <a:endParaRPr lang="en-US" altLang="ko-KR" sz="1100" dirty="0" smtClean="0"/>
+                    </a:p>
+                    <a:p>
+                      <a:pPr latinLnBrk="1"/>
+                      <a:r>
+                        <a:rPr lang="en-US" altLang="ko-KR" sz="1100" dirty="0" smtClean="0"/>
+                        <a:t>advertiser</a:t>
                       </a:r>
                       <a:endParaRPr lang="ko-KR" altLang="en-US" sz="1100" dirty="0"/>
                     </a:p>
@@ -7063,11 +7059,7 @@
                       <a:pPr latinLnBrk="1"/>
                       <a:r>
                         <a:rPr lang="ko-KR" altLang="en-US" sz="1100" dirty="0" smtClean="0"/>
-                        <a:t>회원 </a:t>
-                      </a:r>
-                      <a:r>
-                        <a:rPr lang="ko-KR" altLang="en-US" sz="1100" dirty="0" smtClean="0"/>
-                        <a:t>번호 </a:t>
+                        <a:t>회원 번호 </a:t>
                       </a:r>
                       <a:r>
                         <a:rPr lang="en-US" altLang="ko-KR" sz="1100" dirty="0" smtClean="0">
@@ -7077,11 +7069,6 @@
                         </a:rPr>
                         <a:t>INT</a:t>
                       </a:r>
-                      <a:endParaRPr lang="en-US" altLang="ko-KR" sz="1100" dirty="0" smtClean="0">
-                        <a:solidFill>
-                          <a:srgbClr val="FF0000"/>
-                        </a:solidFill>
-                      </a:endParaRPr>
                     </a:p>
                   </a:txBody>
                   <a:tcPr/>
@@ -7169,11 +7156,7 @@
                       <a:pPr latinLnBrk="1"/>
                       <a:r>
                         <a:rPr lang="ko-KR" altLang="en-US" sz="1100" dirty="0" smtClean="0"/>
-                        <a:t>담당자 </a:t>
-                      </a:r>
-                      <a:r>
-                        <a:rPr lang="ko-KR" altLang="en-US" sz="1100" dirty="0" smtClean="0"/>
-                        <a:t>명 </a:t>
+                        <a:t>담당자 명 </a:t>
                       </a:r>
                       <a:r>
                         <a:rPr lang="en-US" altLang="ko-KR" sz="1100" dirty="0" smtClean="0">
@@ -7279,11 +7262,7 @@
                       <a:pPr latinLnBrk="1"/>
                       <a:r>
                         <a:rPr lang="ko-KR" altLang="en-US" sz="1100" dirty="0" smtClean="0"/>
-                        <a:t>소속 기업 </a:t>
-                      </a:r>
-                      <a:r>
-                        <a:rPr lang="ko-KR" altLang="en-US" sz="1100" dirty="0" smtClean="0"/>
-                        <a:t>명</a:t>
+                        <a:t>소속 기업 명</a:t>
                       </a:r>
                       <a:r>
                         <a:rPr lang="en-US" altLang="ko-KR" sz="1100" baseline="0" dirty="0" smtClean="0"/>
@@ -7363,14 +7342,14 @@
           <p:nvPr>
             <p:extLst>
               <p:ext uri="{D42A27DB-BD31-4B8C-83A1-F6EECF244321}">
-                <p14:modId xmlns:p14="http://schemas.microsoft.com/office/powerpoint/2010/main" val="135053163"/>
+                <p14:modId xmlns:p14="http://schemas.microsoft.com/office/powerpoint/2010/main" val="3177894075"/>
               </p:ext>
             </p:extLst>
           </p:nvPr>
         </p:nvGraphicFramePr>
         <p:xfrm>
           <a:off x="10447174" y="2527670"/>
-          <a:ext cx="1639723" cy="3628905"/>
+          <a:ext cx="1639723" cy="3720090"/>
         </p:xfrm>
         <a:graphic>
           <a:graphicData uri="http://schemas.openxmlformats.org/drawingml/2006/table">
@@ -7398,6 +7377,14 @@
                         <a:rPr lang="ko-KR" altLang="en-US" sz="1100" dirty="0" smtClean="0"/>
                         <a:t>기업정보</a:t>
                       </a:r>
+                      <a:endParaRPr lang="en-US" altLang="ko-KR" sz="1100" dirty="0" smtClean="0"/>
+                    </a:p>
+                    <a:p>
+                      <a:pPr latinLnBrk="1"/>
+                      <a:r>
+                        <a:rPr lang="en-US" altLang="ko-KR" sz="1100" dirty="0" smtClean="0"/>
+                        <a:t>corporation</a:t>
+                      </a:r>
                       <a:endParaRPr lang="ko-KR" altLang="en-US" sz="1100" dirty="0"/>
                     </a:p>
                   </a:txBody>
@@ -7418,11 +7405,7 @@
                       <a:pPr latinLnBrk="1"/>
                       <a:r>
                         <a:rPr lang="ko-KR" altLang="en-US" sz="1100" dirty="0" smtClean="0"/>
-                        <a:t>기업 </a:t>
-                      </a:r>
-                      <a:r>
-                        <a:rPr lang="ko-KR" altLang="en-US" sz="1100" dirty="0" smtClean="0"/>
-                        <a:t>번호</a:t>
+                        <a:t>기업 번호</a:t>
                       </a:r>
                       <a:r>
                         <a:rPr lang="en-US" altLang="ko-KR" sz="1100" baseline="0" dirty="0" smtClean="0"/>
@@ -7460,11 +7443,7 @@
                       <a:pPr latinLnBrk="1"/>
                       <a:r>
                         <a:rPr lang="ko-KR" altLang="en-US" sz="1100" dirty="0" smtClean="0"/>
-                        <a:t>기업 </a:t>
-                      </a:r>
-                      <a:r>
-                        <a:rPr lang="ko-KR" altLang="en-US" sz="1100" dirty="0" smtClean="0"/>
-                        <a:t>코드 </a:t>
+                        <a:t>기업 코드 </a:t>
                       </a:r>
                       <a:r>
                         <a:rPr lang="en-US" altLang="ko-KR" sz="1100" dirty="0" smtClean="0">
@@ -7474,11 +7453,6 @@
                         </a:rPr>
                         <a:t>VARCHAR</a:t>
                       </a:r>
-                      <a:endParaRPr lang="en-US" altLang="ko-KR" sz="1100" dirty="0" smtClean="0">
-                        <a:solidFill>
-                          <a:srgbClr val="FF0000"/>
-                        </a:solidFill>
-                      </a:endParaRPr>
                     </a:p>
                   </a:txBody>
                   <a:tcPr/>
@@ -7498,11 +7472,7 @@
                       <a:pPr latinLnBrk="1"/>
                       <a:r>
                         <a:rPr lang="ko-KR" altLang="en-US" sz="1100" dirty="0" smtClean="0"/>
-                        <a:t>기업체 </a:t>
-                      </a:r>
-                      <a:r>
-                        <a:rPr lang="ko-KR" altLang="en-US" sz="1100" dirty="0" smtClean="0"/>
-                        <a:t>명 </a:t>
+                        <a:t>기업체 명 </a:t>
                       </a:r>
                       <a:r>
                         <a:rPr lang="en-US" altLang="ko-KR" sz="1100" dirty="0" smtClean="0">
@@ -7536,11 +7506,7 @@
                       <a:pPr latinLnBrk="1"/>
                       <a:r>
                         <a:rPr lang="ko-KR" altLang="en-US" sz="1100" dirty="0" smtClean="0"/>
-                        <a:t>국가 </a:t>
-                      </a:r>
-                      <a:r>
-                        <a:rPr lang="ko-KR" altLang="en-US" sz="1100" dirty="0" smtClean="0"/>
-                        <a:t>명 </a:t>
+                        <a:t>국가 명 </a:t>
                       </a:r>
                       <a:r>
                         <a:rPr lang="en-US" altLang="ko-KR" sz="1100" dirty="0" smtClean="0">
@@ -7642,11 +7608,7 @@
                       <a:pPr latinLnBrk="1"/>
                       <a:r>
                         <a:rPr lang="ko-KR" altLang="en-US" sz="1100" dirty="0" smtClean="0"/>
-                        <a:t>주요 상품 </a:t>
-                      </a:r>
-                      <a:r>
-                        <a:rPr lang="ko-KR" altLang="en-US" sz="1100" dirty="0" smtClean="0"/>
-                        <a:t>군 </a:t>
+                        <a:t>주요 상품 군 </a:t>
                       </a:r>
                       <a:r>
                         <a:rPr lang="en-US" altLang="ko-KR" sz="1100" dirty="0" smtClean="0">
@@ -7756,14 +7718,14 @@
           <p:nvPr>
             <p:extLst>
               <p:ext uri="{D42A27DB-BD31-4B8C-83A1-F6EECF244321}">
-                <p14:modId xmlns:p14="http://schemas.microsoft.com/office/powerpoint/2010/main" val="3953527442"/>
+                <p14:modId xmlns:p14="http://schemas.microsoft.com/office/powerpoint/2010/main" val="3679972502"/>
               </p:ext>
             </p:extLst>
           </p:nvPr>
         </p:nvGraphicFramePr>
         <p:xfrm>
           <a:off x="9917511" y="-74"/>
-          <a:ext cx="1427448" cy="1981200"/>
+          <a:ext cx="1427448" cy="2148840"/>
         </p:xfrm>
         <a:graphic>
           <a:graphicData uri="http://schemas.openxmlformats.org/drawingml/2006/table">
@@ -7791,6 +7753,14 @@
                         <a:rPr lang="ko-KR" altLang="en-US" sz="1100" dirty="0" smtClean="0"/>
                         <a:t>모델버전관리</a:t>
                       </a:r>
+                      <a:endParaRPr lang="en-US" altLang="ko-KR" sz="1100" dirty="0" smtClean="0"/>
+                    </a:p>
+                    <a:p>
+                      <a:pPr latinLnBrk="1"/>
+                      <a:r>
+                        <a:rPr lang="en-US" altLang="ko-KR" sz="1100" dirty="0" err="1" smtClean="0"/>
+                        <a:t>Model_version</a:t>
+                      </a:r>
                       <a:endParaRPr lang="ko-KR" altLang="en-US" sz="1100" dirty="0"/>
                     </a:p>
                   </a:txBody>
@@ -7811,11 +7781,7 @@
                       <a:pPr latinLnBrk="1"/>
                       <a:r>
                         <a:rPr lang="ko-KR" altLang="en-US" sz="1100" dirty="0" smtClean="0"/>
-                        <a:t>버전 </a:t>
-                      </a:r>
-                      <a:r>
-                        <a:rPr lang="ko-KR" altLang="en-US" sz="1100" dirty="0" smtClean="0"/>
-                        <a:t>정보</a:t>
+                        <a:t>버전 정보</a:t>
                       </a:r>
                       <a:r>
                         <a:rPr lang="en-US" altLang="ko-KR" sz="1100" dirty="0" smtClean="0">
@@ -7825,11 +7791,6 @@
                         </a:rPr>
                         <a:t>VARCHAR</a:t>
                       </a:r>
-                      <a:endParaRPr lang="en-US" altLang="ko-KR" sz="1100" dirty="0" smtClean="0">
-                        <a:solidFill>
-                          <a:srgbClr val="FF0000"/>
-                        </a:solidFill>
-                      </a:endParaRPr>
                     </a:p>
                   </a:txBody>
                   <a:tcPr/>
@@ -7878,11 +7839,7 @@
                       <a:pPr latinLnBrk="1"/>
                       <a:r>
                         <a:rPr lang="ko-KR" altLang="en-US" sz="1100" dirty="0" smtClean="0"/>
-                        <a:t>모델 파일 </a:t>
-                      </a:r>
-                      <a:r>
-                        <a:rPr lang="ko-KR" altLang="en-US" sz="1100" dirty="0" smtClean="0"/>
-                        <a:t>명</a:t>
+                        <a:t>모델 파일 명</a:t>
                       </a:r>
                       <a:endParaRPr lang="en-US" altLang="ko-KR" sz="1100" dirty="0" smtClean="0"/>
                     </a:p>
@@ -8026,14 +7983,14 @@
           <p:nvPr>
             <p:extLst>
               <p:ext uri="{D42A27DB-BD31-4B8C-83A1-F6EECF244321}">
-                <p14:modId xmlns:p14="http://schemas.microsoft.com/office/powerpoint/2010/main" val="639844714"/>
+                <p14:modId xmlns:p14="http://schemas.microsoft.com/office/powerpoint/2010/main" val="2017457176"/>
               </p:ext>
             </p:extLst>
           </p:nvPr>
         </p:nvGraphicFramePr>
         <p:xfrm>
           <a:off x="168843" y="2512040"/>
-          <a:ext cx="1803984" cy="2306008"/>
+          <a:ext cx="1803984" cy="2444477"/>
         </p:xfrm>
         <a:graphic>
           <a:graphicData uri="http://schemas.openxmlformats.org/drawingml/2006/table">
@@ -8065,6 +8022,10 @@
                         <a:rPr lang="ko-KR" altLang="en-US" sz="1100" dirty="0" smtClean="0"/>
                         <a:t>채팅</a:t>
                       </a:r>
+                      <a:r>
+                        <a:rPr lang="en-US" altLang="ko-KR" sz="1100" dirty="0" err="1" smtClean="0"/>
+                        <a:t>youtube_chat</a:t>
+                      </a:r>
                       <a:endParaRPr lang="ko-KR" altLang="en-US" sz="1100" dirty="0"/>
                     </a:p>
                   </a:txBody>
@@ -8085,11 +8046,7 @@
                       <a:pPr latinLnBrk="1"/>
                       <a:r>
                         <a:rPr lang="ko-KR" altLang="en-US" sz="1100" dirty="0" smtClean="0"/>
-                        <a:t>채팅 </a:t>
-                      </a:r>
-                      <a:r>
-                        <a:rPr lang="ko-KR" altLang="en-US" sz="1100" dirty="0" smtClean="0"/>
-                        <a:t>번호 </a:t>
+                        <a:t>채팅 번호 </a:t>
                       </a:r>
                       <a:r>
                         <a:rPr lang="en-US" altLang="ko-KR" sz="1100" dirty="0" smtClean="0">
@@ -8099,11 +8056,6 @@
                         </a:rPr>
                         <a:t>INT</a:t>
                       </a:r>
-                      <a:endParaRPr lang="en-US" altLang="ko-KR" sz="1100" dirty="0" smtClean="0">
-                        <a:solidFill>
-                          <a:srgbClr val="FF0000"/>
-                        </a:solidFill>
-                      </a:endParaRPr>
                     </a:p>
                   </a:txBody>
                   <a:tcPr/>
@@ -8266,11 +8218,6 @@
                         </a:rPr>
                         <a:t>VARCHAR</a:t>
                       </a:r>
-                      <a:endParaRPr lang="en-US" altLang="ko-KR" sz="1100" dirty="0" smtClean="0">
-                        <a:solidFill>
-                          <a:srgbClr val="FF0000"/>
-                        </a:solidFill>
-                      </a:endParaRPr>
                     </a:p>
                   </a:txBody>
                   <a:tcPr/>
@@ -8402,14 +8349,14 @@
           <p:nvPr>
             <p:extLst>
               <p:ext uri="{D42A27DB-BD31-4B8C-83A1-F6EECF244321}">
-                <p14:modId xmlns:p14="http://schemas.microsoft.com/office/powerpoint/2010/main" val="85413966"/>
+                <p14:modId xmlns:p14="http://schemas.microsoft.com/office/powerpoint/2010/main" val="2645802261"/>
               </p:ext>
             </p:extLst>
           </p:nvPr>
         </p:nvGraphicFramePr>
         <p:xfrm>
           <a:off x="4449534" y="2916568"/>
-          <a:ext cx="1877702" cy="1813560"/>
+          <a:ext cx="1877702" cy="2240280"/>
         </p:xfrm>
         <a:graphic>
           <a:graphicData uri="http://schemas.openxmlformats.org/drawingml/2006/table">
@@ -8445,6 +8392,14 @@
                         <a:rPr lang="ko-KR" altLang="en-US" sz="1100" dirty="0" err="1" smtClean="0"/>
                         <a:t>채널정보</a:t>
                       </a:r>
+                      <a:r>
+                        <a:rPr lang="ko-KR" altLang="en-US" sz="1100" dirty="0" smtClean="0"/>
+                        <a:t> </a:t>
+                      </a:r>
+                      <a:r>
+                        <a:rPr lang="en-US" altLang="ko-KR" sz="1100" dirty="0" err="1" smtClean="0"/>
+                        <a:t>youtube_channel</a:t>
+                      </a:r>
                       <a:endParaRPr lang="ko-KR" altLang="en-US" sz="1100" dirty="0"/>
                     </a:p>
                   </a:txBody>
@@ -8479,11 +8434,6 @@
                         </a:rPr>
                         <a:t>VARCHAR</a:t>
                       </a:r>
-                      <a:endParaRPr lang="en-US" altLang="ko-KR" sz="1100" dirty="0" smtClean="0">
-                        <a:solidFill>
-                          <a:srgbClr val="FF0000"/>
-                        </a:solidFill>
-                      </a:endParaRPr>
                     </a:p>
                   </a:txBody>
                   <a:tcPr/>
@@ -8503,11 +8453,7 @@
                       <a:pPr latinLnBrk="1"/>
                       <a:r>
                         <a:rPr lang="ko-KR" altLang="en-US" sz="1100" dirty="0" smtClean="0"/>
-                        <a:t>채널 </a:t>
-                      </a:r>
-                      <a:r>
-                        <a:rPr lang="ko-KR" altLang="en-US" sz="1100" dirty="0" smtClean="0"/>
-                        <a:t>이름 </a:t>
+                        <a:t>채널 이름 </a:t>
                       </a:r>
                       <a:r>
                         <a:rPr lang="en-US" altLang="ko-KR" sz="1100" dirty="0" smtClean="0">
@@ -8517,11 +8463,6 @@
                         </a:rPr>
                         <a:t>VARCHAR</a:t>
                       </a:r>
-                      <a:endParaRPr lang="en-US" altLang="ko-KR" sz="1100" dirty="0" smtClean="0">
-                        <a:solidFill>
-                          <a:srgbClr val="FF0000"/>
-                        </a:solidFill>
-                      </a:endParaRPr>
                     </a:p>
                   </a:txBody>
                   <a:tcPr/>
@@ -8541,11 +8482,7 @@
                       <a:pPr latinLnBrk="1"/>
                       <a:r>
                         <a:rPr lang="ko-KR" altLang="en-US" sz="1100" dirty="0" smtClean="0"/>
-                        <a:t>채널 </a:t>
-                      </a:r>
-                      <a:r>
-                        <a:rPr lang="ko-KR" altLang="en-US" sz="1100" dirty="0" smtClean="0"/>
-                        <a:t>제목 </a:t>
+                        <a:t>채널 제목 </a:t>
                       </a:r>
                       <a:r>
                         <a:rPr lang="en-US" altLang="ko-KR" sz="1100" dirty="0" smtClean="0">
@@ -8579,11 +8516,7 @@
                       <a:pPr latinLnBrk="1"/>
                       <a:r>
                         <a:rPr lang="ko-KR" altLang="en-US" sz="1100" dirty="0" smtClean="0"/>
-                        <a:t>구독자 </a:t>
-                      </a:r>
-                      <a:r>
-                        <a:rPr lang="ko-KR" altLang="en-US" sz="1100" dirty="0" smtClean="0"/>
-                        <a:t>수 </a:t>
+                        <a:t>구독자 수 </a:t>
                       </a:r>
                       <a:r>
                         <a:rPr lang="en-US" altLang="ko-KR" sz="1100" dirty="0" smtClean="0">
@@ -8617,11 +8550,7 @@
                       <a:pPr latinLnBrk="1"/>
                       <a:r>
                         <a:rPr lang="ko-KR" altLang="en-US" sz="1100" dirty="0" smtClean="0"/>
-                        <a:t>채널 </a:t>
-                      </a:r>
-                      <a:r>
-                        <a:rPr lang="ko-KR" altLang="en-US" sz="1100" dirty="0" smtClean="0"/>
-                        <a:t>조회수 </a:t>
+                        <a:t>채널 조회수 </a:t>
                       </a:r>
                       <a:r>
                         <a:rPr lang="en-US" altLang="ko-KR" sz="1100" dirty="0" smtClean="0">
@@ -8655,11 +8584,7 @@
                       <a:pPr latinLnBrk="1"/>
                       <a:r>
                         <a:rPr lang="ko-KR" altLang="en-US" sz="1100" dirty="0" smtClean="0"/>
-                        <a:t>채널 영상 </a:t>
-                      </a:r>
-                      <a:r>
-                        <a:rPr lang="ko-KR" altLang="en-US" sz="1100" dirty="0" smtClean="0"/>
-                        <a:t>수 </a:t>
+                        <a:t>채널 영상 수 </a:t>
                       </a:r>
                       <a:r>
                         <a:rPr lang="en-US" altLang="ko-KR" sz="1100" dirty="0" smtClean="0">
@@ -8681,6 +8606,52 @@
                 <a:extLst>
                   <a:ext uri="{0D108BD9-81ED-4DB2-BD59-A6C34878D82A}">
                     <a16:rowId xmlns:a16="http://schemas.microsoft.com/office/drawing/2014/main" val="3835022090"/>
+                  </a:ext>
+                </a:extLst>
+              </a:tr>
+              <a:tr h="248414">
+                <a:tc>
+                  <a:txBody>
+                    <a:bodyPr/>
+                    <a:lstStyle/>
+                    <a:p>
+                      <a:pPr latinLnBrk="1"/>
+                      <a:r>
+                        <a:rPr lang="ko-KR" altLang="en-US" sz="1100" dirty="0" smtClean="0">
+                          <a:solidFill>
+                            <a:schemeClr val="tx1"/>
+                          </a:solidFill>
+                        </a:rPr>
+                        <a:t>채널 키워드</a:t>
+                      </a:r>
+                      <a:r>
+                        <a:rPr lang="ko-KR" altLang="en-US" sz="1100" dirty="0" smtClean="0">
+                          <a:solidFill>
+                            <a:srgbClr val="FF0000"/>
+                          </a:solidFill>
+                        </a:rPr>
+                        <a:t> </a:t>
+                      </a:r>
+                      <a:r>
+                        <a:rPr lang="en-US" altLang="ko-KR" sz="1100" dirty="0" smtClean="0">
+                          <a:solidFill>
+                            <a:srgbClr val="FF0000"/>
+                          </a:solidFill>
+                        </a:rPr>
+                        <a:t>VARCHAR</a:t>
+                      </a:r>
+                      <a:endParaRPr lang="ko-KR" altLang="en-US" sz="1100" dirty="0">
+                        <a:solidFill>
+                          <a:srgbClr val="FF0000"/>
+                        </a:solidFill>
+                      </a:endParaRPr>
+                    </a:p>
+                  </a:txBody>
+                  <a:tcPr/>
+                </a:tc>
+                <a:extLst>
+                  <a:ext uri="{0D108BD9-81ED-4DB2-BD59-A6C34878D82A}">
+                    <a16:rowId xmlns:a16="http://schemas.microsoft.com/office/drawing/2014/main" val="1811437171"/>
                   </a:ext>
                 </a:extLst>
               </a:tr>
@@ -8697,14 +8668,14 @@
           <p:nvPr>
             <p:extLst>
               <p:ext uri="{D42A27DB-BD31-4B8C-83A1-F6EECF244321}">
-                <p14:modId xmlns:p14="http://schemas.microsoft.com/office/powerpoint/2010/main" val="452663284"/>
+                <p14:modId xmlns:p14="http://schemas.microsoft.com/office/powerpoint/2010/main" val="3459107875"/>
               </p:ext>
             </p:extLst>
           </p:nvPr>
         </p:nvGraphicFramePr>
         <p:xfrm>
-          <a:off x="4457874" y="4899927"/>
-          <a:ext cx="1869362" cy="1295400"/>
+          <a:off x="4457874" y="5238999"/>
+          <a:ext cx="1869362" cy="1463040"/>
         </p:xfrm>
         <a:graphic>
           <a:graphicData uri="http://schemas.openxmlformats.org/drawingml/2006/table">
@@ -8730,7 +8701,11 @@
                       <a:pPr latinLnBrk="1"/>
                       <a:r>
                         <a:rPr lang="ko-KR" altLang="en-US" sz="1100" dirty="0" smtClean="0"/>
-                        <a:t>재생목록</a:t>
+                        <a:t>재생목록 </a:t>
+                      </a:r>
+                      <a:r>
+                        <a:rPr lang="en-US" altLang="ko-KR" sz="1100" dirty="0" err="1" smtClean="0"/>
+                        <a:t>youtube_video_list</a:t>
                       </a:r>
                       <a:endParaRPr lang="ko-KR" altLang="en-US" sz="1100" dirty="0"/>
                     </a:p>
@@ -8804,11 +8779,6 @@
                         </a:rPr>
                         <a:t>VARCHAR</a:t>
                       </a:r>
-                      <a:endParaRPr lang="en-US" altLang="ko-KR" sz="1100" dirty="0" smtClean="0">
-                        <a:solidFill>
-                          <a:srgbClr val="FF0000"/>
-                        </a:solidFill>
-                      </a:endParaRPr>
                     </a:p>
                   </a:txBody>
                   <a:tcPr/>
@@ -8838,11 +8808,6 @@
                         </a:rPr>
                         <a:t>VARCHAR</a:t>
                       </a:r>
-                      <a:endParaRPr lang="en-US" altLang="ko-KR" sz="1100" dirty="0" smtClean="0">
-                        <a:solidFill>
-                          <a:srgbClr val="FF0000"/>
-                        </a:solidFill>
-                      </a:endParaRPr>
                     </a:p>
                   </a:txBody>
                   <a:tcPr/>
@@ -8862,11 +8827,7 @@
                       <a:pPr latinLnBrk="1"/>
                       <a:r>
                         <a:rPr lang="ko-KR" altLang="en-US" sz="1100" dirty="0" smtClean="0"/>
-                        <a:t>재생목록 내 동영상 </a:t>
-                      </a:r>
-                      <a:r>
-                        <a:rPr lang="ko-KR" altLang="en-US" sz="1100" dirty="0" smtClean="0"/>
-                        <a:t>수 </a:t>
+                        <a:t>재생목록 내 동영상 수 </a:t>
                       </a:r>
                       <a:r>
                         <a:rPr lang="en-US" altLang="ko-KR" sz="1100" dirty="0" smtClean="0">
@@ -8904,7 +8865,7 @@
           <p:nvPr>
             <p:extLst>
               <p:ext uri="{D42A27DB-BD31-4B8C-83A1-F6EECF244321}">
-                <p14:modId xmlns:p14="http://schemas.microsoft.com/office/powerpoint/2010/main" val="1411680121"/>
+                <p14:modId xmlns:p14="http://schemas.microsoft.com/office/powerpoint/2010/main" val="2068800587"/>
               </p:ext>
             </p:extLst>
           </p:nvPr>
@@ -8945,7 +8906,11 @@
                       </a:r>
                       <a:r>
                         <a:rPr lang="ko-KR" altLang="en-US" sz="1100" dirty="0" smtClean="0"/>
-                        <a:t>동영상</a:t>
+                        <a:t>동영상 </a:t>
+                      </a:r>
+                      <a:r>
+                        <a:rPr lang="en-US" altLang="ko-KR" sz="1100" dirty="0" err="1" smtClean="0"/>
+                        <a:t>youtube_video</a:t>
                       </a:r>
                       <a:endParaRPr lang="ko-KR" altLang="en-US" sz="1100" dirty="0"/>
                     </a:p>
@@ -9019,11 +8984,6 @@
                         </a:rPr>
                         <a:t>VARCHAR</a:t>
                       </a:r>
-                      <a:endParaRPr lang="en-US" altLang="ko-KR" sz="1100" dirty="0" smtClean="0">
-                        <a:solidFill>
-                          <a:srgbClr val="FF0000"/>
-                        </a:solidFill>
-                      </a:endParaRPr>
                     </a:p>
                   </a:txBody>
                   <a:tcPr/>
@@ -9053,11 +9013,6 @@
                         </a:rPr>
                         <a:t>VARCHAR</a:t>
                       </a:r>
-                      <a:endParaRPr lang="en-US" altLang="ko-KR" sz="1100" dirty="0" smtClean="0">
-                        <a:solidFill>
-                          <a:srgbClr val="FF0000"/>
-                        </a:solidFill>
-                      </a:endParaRPr>
                     </a:p>
                   </a:txBody>
                   <a:tcPr/>
@@ -9077,11 +9032,7 @@
                       <a:pPr latinLnBrk="1"/>
                       <a:r>
                         <a:rPr lang="ko-KR" altLang="en-US" sz="1100" dirty="0" smtClean="0"/>
-                        <a:t>게시 </a:t>
-                      </a:r>
-                      <a:r>
-                        <a:rPr lang="ko-KR" altLang="en-US" sz="1100" dirty="0" smtClean="0"/>
-                        <a:t>날짜 </a:t>
+                        <a:t>게시 날짜 </a:t>
                       </a:r>
                       <a:r>
                         <a:rPr lang="en-US" altLang="ko-KR" sz="1100" dirty="0" smtClean="0">
@@ -9091,11 +9042,6 @@
                         </a:rPr>
                         <a:t>DATETIME</a:t>
                       </a:r>
-                      <a:endParaRPr lang="en-US" altLang="ko-KR" sz="1100" dirty="0" smtClean="0">
-                        <a:solidFill>
-                          <a:srgbClr val="FF0000"/>
-                        </a:solidFill>
-                      </a:endParaRPr>
                     </a:p>
                   </a:txBody>
                   <a:tcPr/>
@@ -9217,11 +9163,7 @@
                       <a:pPr latinLnBrk="1"/>
                       <a:r>
                         <a:rPr lang="ko-KR" altLang="en-US" sz="1100" dirty="0" smtClean="0"/>
-                        <a:t>영상 </a:t>
-                      </a:r>
-                      <a:r>
-                        <a:rPr lang="ko-KR" altLang="en-US" sz="1100" dirty="0" smtClean="0"/>
-                        <a:t>카테고리 </a:t>
+                        <a:t>영상 카테고리 </a:t>
                       </a:r>
                       <a:r>
                         <a:rPr lang="en-US" altLang="ko-KR" sz="1100" dirty="0" smtClean="0">
@@ -9293,11 +9235,7 @@
                       <a:pPr latinLnBrk="1"/>
                       <a:r>
                         <a:rPr lang="ko-KR" altLang="en-US" sz="1100" dirty="0" smtClean="0"/>
-                        <a:t>댓글 </a:t>
-                      </a:r>
-                      <a:r>
-                        <a:rPr lang="ko-KR" altLang="en-US" sz="1100" dirty="0" smtClean="0"/>
-                        <a:t>수 </a:t>
+                        <a:t>댓글 수 </a:t>
                       </a:r>
                       <a:r>
                         <a:rPr lang="en-US" altLang="ko-KR" sz="1100" dirty="0" smtClean="0">
@@ -9331,11 +9269,7 @@
                       <a:pPr latinLnBrk="1"/>
                       <a:r>
                         <a:rPr lang="ko-KR" altLang="en-US" sz="1100" dirty="0" smtClean="0"/>
-                        <a:t>라이브 방송이었는지 </a:t>
-                      </a:r>
-                      <a:r>
-                        <a:rPr lang="ko-KR" altLang="en-US" sz="1100" dirty="0" smtClean="0"/>
-                        <a:t>여부 </a:t>
+                        <a:t>라이브 방송이었는지 여부 </a:t>
                       </a:r>
                       <a:r>
                         <a:rPr lang="en-US" altLang="ko-KR" sz="1100" dirty="0" smtClean="0">
@@ -9373,13 +9307,13 @@
           <p:nvPr>
             <p:extLst>
               <p:ext uri="{D42A27DB-BD31-4B8C-83A1-F6EECF244321}">
-                <p14:modId xmlns:p14="http://schemas.microsoft.com/office/powerpoint/2010/main" val="1942730183"/>
+                <p14:modId xmlns:p14="http://schemas.microsoft.com/office/powerpoint/2010/main" val="2246613020"/>
               </p:ext>
             </p:extLst>
           </p:nvPr>
         </p:nvGraphicFramePr>
         <p:xfrm>
-          <a:off x="168843" y="4855171"/>
+          <a:off x="168843" y="5109459"/>
           <a:ext cx="1803984" cy="1722120"/>
         </p:xfrm>
         <a:graphic>
@@ -9406,7 +9340,11 @@
                       <a:pPr latinLnBrk="1"/>
                       <a:r>
                         <a:rPr lang="ko-KR" altLang="en-US" sz="1100" dirty="0" smtClean="0"/>
-                        <a:t>댓글</a:t>
+                        <a:t>댓글 </a:t>
+                      </a:r>
+                      <a:r>
+                        <a:rPr lang="en-US" altLang="ko-KR" sz="1100" dirty="0" err="1" smtClean="0"/>
+                        <a:t>youtube_reple</a:t>
                       </a:r>
                       <a:endParaRPr lang="ko-KR" altLang="en-US" sz="1100" dirty="0"/>
                     </a:p>
@@ -9442,11 +9380,6 @@
                         </a:rPr>
                         <a:t>VARCHAR</a:t>
                       </a:r>
-                      <a:endParaRPr lang="en-US" altLang="ko-KR" sz="1100" dirty="0" smtClean="0">
-                        <a:solidFill>
-                          <a:srgbClr val="FF0000"/>
-                        </a:solidFill>
-                      </a:endParaRPr>
                     </a:p>
                   </a:txBody>
                   <a:tcPr/>
@@ -9476,11 +9409,6 @@
                         </a:rPr>
                         <a:t>VARCHAR</a:t>
                       </a:r>
-                      <a:endParaRPr lang="en-US" altLang="ko-KR" sz="1100" dirty="0" smtClean="0">
-                        <a:solidFill>
-                          <a:srgbClr val="FF0000"/>
-                        </a:solidFill>
-                      </a:endParaRPr>
                     </a:p>
                   </a:txBody>
                   <a:tcPr/>
@@ -9504,11 +9432,7 @@
                       </a:r>
                       <a:r>
                         <a:rPr lang="ko-KR" altLang="en-US" sz="1100" baseline="0" dirty="0" smtClean="0"/>
-                        <a:t> </a:t>
-                      </a:r>
-                      <a:r>
-                        <a:rPr lang="ko-KR" altLang="en-US" sz="1100" baseline="0" dirty="0" smtClean="0"/>
-                        <a:t>날짜 </a:t>
+                        <a:t> 날짜 </a:t>
                       </a:r>
                       <a:r>
                         <a:rPr lang="en-US" altLang="ko-KR" sz="1100" baseline="0" dirty="0" smtClean="0">
@@ -9546,11 +9470,7 @@
                       </a:r>
                       <a:r>
                         <a:rPr lang="ko-KR" altLang="en-US" sz="1100" baseline="0" dirty="0" smtClean="0"/>
-                        <a:t> </a:t>
-                      </a:r>
-                      <a:r>
-                        <a:rPr lang="ko-KR" altLang="en-US" sz="1100" baseline="0" dirty="0" smtClean="0"/>
-                        <a:t>내용 </a:t>
+                        <a:t> 내용 </a:t>
                       </a:r>
                       <a:r>
                         <a:rPr lang="en-US" altLang="ko-KR" sz="1100" baseline="0" dirty="0" smtClean="0">
@@ -9618,229 +9538,6 @@
                 <a:extLst>
                   <a:ext uri="{0D108BD9-81ED-4DB2-BD59-A6C34878D82A}">
                     <a16:rowId xmlns:a16="http://schemas.microsoft.com/office/drawing/2014/main" val="1513563630"/>
-                  </a:ext>
-                </a:extLst>
-              </a:tr>
-            </a:tbl>
-          </a:graphicData>
-        </a:graphic>
-      </p:graphicFrame>
-      <p:graphicFrame>
-        <p:nvGraphicFramePr>
-          <p:cNvPr id="36" name="표 35"/>
-          <p:cNvGraphicFramePr>
-            <a:graphicFrameLocks noGrp="1"/>
-          </p:cNvGraphicFramePr>
-          <p:nvPr>
-            <p:extLst>
-              <p:ext uri="{D42A27DB-BD31-4B8C-83A1-F6EECF244321}">
-                <p14:modId xmlns:p14="http://schemas.microsoft.com/office/powerpoint/2010/main" val="374492026"/>
-              </p:ext>
-            </p:extLst>
-          </p:nvPr>
-        </p:nvGraphicFramePr>
-        <p:xfrm>
-          <a:off x="2279599" y="249021"/>
-          <a:ext cx="2206759" cy="1295400"/>
-        </p:xfrm>
-        <a:graphic>
-          <a:graphicData uri="http://schemas.openxmlformats.org/drawingml/2006/table">
-            <a:tbl>
-              <a:tblPr firstRow="1" bandRow="1">
-                <a:tableStyleId>{7DF18680-E054-41AD-8BC1-D1AEF772440D}</a:tableStyleId>
-              </a:tblPr>
-              <a:tblGrid>
-                <a:gridCol w="2206759">
-                  <a:extLst>
-                    <a:ext uri="{9D8B030D-6E8A-4147-A177-3AD203B41FA5}">
-                      <a16:colId xmlns:a16="http://schemas.microsoft.com/office/drawing/2014/main" val="1628425209"/>
-                    </a:ext>
-                  </a:extLst>
-                </a:gridCol>
-              </a:tblGrid>
-              <a:tr h="254198">
-                <a:tc>
-                  <a:txBody>
-                    <a:bodyPr/>
-                    <a:lstStyle/>
-                    <a:p>
-                      <a:pPr latinLnBrk="1"/>
-                      <a:r>
-                        <a:rPr lang="ko-KR" altLang="en-US" sz="1100" dirty="0" err="1" smtClean="0"/>
-                        <a:t>트위치</a:t>
-                      </a:r>
-                      <a:r>
-                        <a:rPr lang="ko-KR" altLang="en-US" sz="1100" dirty="0" smtClean="0"/>
-                        <a:t> 채널 정보</a:t>
-                      </a:r>
-                      <a:endParaRPr lang="ko-KR" altLang="en-US" sz="1100" dirty="0"/>
-                    </a:p>
-                  </a:txBody>
-                  <a:tcPr>
-                    <a:solidFill>
-                      <a:srgbClr val="9966FF"/>
-                    </a:solidFill>
-                  </a:tcPr>
-                </a:tc>
-                <a:extLst>
-                  <a:ext uri="{0D108BD9-81ED-4DB2-BD59-A6C34878D82A}">
-                    <a16:rowId xmlns:a16="http://schemas.microsoft.com/office/drawing/2014/main" val="2441104982"/>
-                  </a:ext>
-                </a:extLst>
-              </a:tr>
-              <a:tr h="248414">
-                <a:tc>
-                  <a:txBody>
-                    <a:bodyPr/>
-                    <a:lstStyle/>
-                    <a:p>
-                      <a:pPr latinLnBrk="1"/>
-                      <a:r>
-                        <a:rPr lang="ko-KR" altLang="en-US" sz="1100" dirty="0" err="1" smtClean="0"/>
-                        <a:t>스트리머</a:t>
-                      </a:r>
-                      <a:r>
-                        <a:rPr lang="ko-KR" altLang="en-US" sz="1100" dirty="0" smtClean="0"/>
-                        <a:t> </a:t>
-                      </a:r>
-                      <a:r>
-                        <a:rPr lang="en-US" altLang="ko-KR" sz="1100" dirty="0" smtClean="0"/>
-                        <a:t>ID</a:t>
-                      </a:r>
-                      <a:r>
-                        <a:rPr lang="en-US" altLang="ko-KR" sz="1100" baseline="0" dirty="0" smtClean="0"/>
-                        <a:t> </a:t>
-                      </a:r>
-                      <a:r>
-                        <a:rPr lang="en-US" altLang="ko-KR" sz="1100" baseline="0" dirty="0" smtClean="0">
-                          <a:solidFill>
-                            <a:srgbClr val="FF0000"/>
-                          </a:solidFill>
-                        </a:rPr>
-                        <a:t>INT</a:t>
-                      </a:r>
-                      <a:endParaRPr lang="en-US" altLang="ko-KR" sz="1100" dirty="0" smtClean="0"/>
-                    </a:p>
-                  </a:txBody>
-                  <a:tcPr>
-                    <a:solidFill>
-                      <a:srgbClr val="CCCCFF"/>
-                    </a:solidFill>
-                  </a:tcPr>
-                </a:tc>
-                <a:extLst>
-                  <a:ext uri="{0D108BD9-81ED-4DB2-BD59-A6C34878D82A}">
-                    <a16:rowId xmlns:a16="http://schemas.microsoft.com/office/drawing/2014/main" val="3832849648"/>
-                  </a:ext>
-                </a:extLst>
-              </a:tr>
-              <a:tr h="248414">
-                <a:tc>
-                  <a:txBody>
-                    <a:bodyPr/>
-                    <a:lstStyle/>
-                    <a:p>
-                      <a:pPr latinLnBrk="1"/>
-                      <a:r>
-                        <a:rPr lang="ko-KR" altLang="en-US" sz="1100" dirty="0" err="1" smtClean="0"/>
-                        <a:t>스트리머</a:t>
-                      </a:r>
-                      <a:r>
-                        <a:rPr lang="ko-KR" altLang="en-US" sz="1100" dirty="0" smtClean="0"/>
-                        <a:t> 이름 </a:t>
-                      </a:r>
-                      <a:r>
-                        <a:rPr lang="en-US" altLang="ko-KR" sz="1100" dirty="0" smtClean="0">
-                          <a:solidFill>
-                            <a:srgbClr val="FF0000"/>
-                          </a:solidFill>
-                        </a:rPr>
-                        <a:t>VARCHAR</a:t>
-                      </a:r>
-                      <a:endParaRPr lang="en-US" altLang="ko-KR" sz="1100" dirty="0" smtClean="0"/>
-                    </a:p>
-                  </a:txBody>
-                  <a:tcPr>
-                    <a:solidFill>
-                      <a:srgbClr val="9966FF"/>
-                    </a:solidFill>
-                  </a:tcPr>
-                </a:tc>
-                <a:extLst>
-                  <a:ext uri="{0D108BD9-81ED-4DB2-BD59-A6C34878D82A}">
-                    <a16:rowId xmlns:a16="http://schemas.microsoft.com/office/drawing/2014/main" val="669642124"/>
-                  </a:ext>
-                </a:extLst>
-              </a:tr>
-              <a:tr h="248414">
-                <a:tc>
-                  <a:txBody>
-                    <a:bodyPr/>
-                    <a:lstStyle/>
-                    <a:p>
-                      <a:pPr latinLnBrk="1"/>
-                      <a:r>
-                        <a:rPr lang="ko-KR" altLang="en-US" sz="1100" dirty="0" smtClean="0"/>
-                        <a:t>로고 </a:t>
-                      </a:r>
-                      <a:r>
-                        <a:rPr lang="en-US" altLang="ko-KR" sz="1100" dirty="0" smtClean="0">
-                          <a:solidFill>
-                            <a:srgbClr val="FF0000"/>
-                          </a:solidFill>
-                        </a:rPr>
-                        <a:t>VARCHAR</a:t>
-                      </a:r>
-                      <a:endParaRPr lang="en-US" altLang="ko-KR" sz="1100" dirty="0" smtClean="0"/>
-                    </a:p>
-                  </a:txBody>
-                  <a:tcPr>
-                    <a:solidFill>
-                      <a:srgbClr val="CCCCFF"/>
-                    </a:solidFill>
-                  </a:tcPr>
-                </a:tc>
-                <a:extLst>
-                  <a:ext uri="{0D108BD9-81ED-4DB2-BD59-A6C34878D82A}">
-                    <a16:rowId xmlns:a16="http://schemas.microsoft.com/office/drawing/2014/main" val="4176099474"/>
-                  </a:ext>
-                </a:extLst>
-              </a:tr>
-              <a:tr h="248414">
-                <a:tc>
-                  <a:txBody>
-                    <a:bodyPr/>
-                    <a:lstStyle/>
-                    <a:p>
-                      <a:pPr latinLnBrk="1"/>
-                      <a:r>
-                        <a:rPr lang="ko-KR" altLang="en-US" sz="1100" dirty="0" smtClean="0"/>
-                        <a:t>홈페이지 </a:t>
-                      </a:r>
-                      <a:r>
-                        <a:rPr lang="ko-KR" altLang="en-US" sz="1100" dirty="0" smtClean="0"/>
-                        <a:t>주소 </a:t>
-                      </a:r>
-                      <a:r>
-                        <a:rPr lang="en-US" altLang="ko-KR" sz="1100" dirty="0" smtClean="0">
-                          <a:solidFill>
-                            <a:srgbClr val="FF0000"/>
-                          </a:solidFill>
-                        </a:rPr>
-                        <a:t>VARCHAR</a:t>
-                      </a:r>
-                      <a:endParaRPr lang="ko-KR" altLang="en-US" sz="1100" dirty="0"/>
-                    </a:p>
-                  </a:txBody>
-                  <a:tcPr>
-                    <a:solidFill>
-                      <a:srgbClr val="9966FF"/>
-                    </a:solidFill>
-                  </a:tcPr>
-                </a:tc>
-                <a:extLst>
-                  <a:ext uri="{0D108BD9-81ED-4DB2-BD59-A6C34878D82A}">
-                    <a16:rowId xmlns:a16="http://schemas.microsoft.com/office/drawing/2014/main" val="2502794991"/>
                   </a:ext>
                 </a:extLst>
               </a:tr>
@@ -9857,14 +9554,14 @@
           <p:nvPr>
             <p:extLst>
               <p:ext uri="{D42A27DB-BD31-4B8C-83A1-F6EECF244321}">
-                <p14:modId xmlns:p14="http://schemas.microsoft.com/office/powerpoint/2010/main" val="260134787"/>
+                <p14:modId xmlns:p14="http://schemas.microsoft.com/office/powerpoint/2010/main" val="585693528"/>
               </p:ext>
             </p:extLst>
           </p:nvPr>
         </p:nvGraphicFramePr>
         <p:xfrm>
-          <a:off x="4593725" y="256354"/>
-          <a:ext cx="1476067" cy="1036320"/>
+          <a:off x="4517596" y="1627236"/>
+          <a:ext cx="1741577" cy="1203960"/>
         </p:xfrm>
         <a:graphic>
           <a:graphicData uri="http://schemas.openxmlformats.org/drawingml/2006/table">
@@ -9873,7 +9570,7 @@
                 <a:tableStyleId>{7DF18680-E054-41AD-8BC1-D1AEF772440D}</a:tableStyleId>
               </a:tblPr>
               <a:tblGrid>
-                <a:gridCol w="1476067">
+                <a:gridCol w="1741577">
                   <a:extLst>
                     <a:ext uri="{9D8B030D-6E8A-4147-A177-3AD203B41FA5}">
                       <a16:colId xmlns:a16="http://schemas.microsoft.com/office/drawing/2014/main" val="1628425209"/>
@@ -9894,7 +9591,15 @@
                       </a:r>
                       <a:r>
                         <a:rPr lang="ko-KR" altLang="en-US" sz="1100" dirty="0" smtClean="0"/>
-                        <a:t> 채널</a:t>
+                        <a:t> </a:t>
+                      </a:r>
+                      <a:r>
+                        <a:rPr lang="ko-KR" altLang="en-US" sz="1100" dirty="0" smtClean="0"/>
+                        <a:t>채널 세부</a:t>
+                      </a:r>
+                      <a:r>
+                        <a:rPr lang="en-US" altLang="ko-KR" sz="1100" dirty="0" err="1" smtClean="0"/>
+                        <a:t>twitch_channel_detail</a:t>
                       </a:r>
                       <a:endParaRPr lang="ko-KR" altLang="en-US" sz="1100" dirty="0"/>
                     </a:p>
@@ -9920,7 +9625,7 @@
                       <a:pPr latinLnBrk="1"/>
                       <a:r>
                         <a:rPr lang="ko-KR" altLang="en-US" sz="1100" dirty="0" err="1" smtClean="0"/>
-                        <a:t>크리에이터</a:t>
+                        <a:t>스트리머</a:t>
                       </a:r>
                       <a:r>
                         <a:rPr lang="en-US" altLang="ko-KR" sz="1100" dirty="0" smtClean="0"/>
@@ -9934,11 +9639,6 @@
                         </a:rPr>
                         <a:t>INT</a:t>
                       </a:r>
-                      <a:endParaRPr lang="en-US" altLang="ko-KR" sz="1100" dirty="0" smtClean="0">
-                        <a:solidFill>
-                          <a:srgbClr val="FF0000"/>
-                        </a:solidFill>
-                      </a:endParaRPr>
                     </a:p>
                   </a:txBody>
                   <a:tcPr>
@@ -9966,11 +9666,7 @@
                       </a:r>
                       <a:r>
                         <a:rPr lang="ko-KR" altLang="en-US" sz="1100" dirty="0" smtClean="0"/>
-                        <a:t> </a:t>
-                      </a:r>
-                      <a:r>
-                        <a:rPr lang="ko-KR" altLang="en-US" sz="1100" dirty="0" smtClean="0"/>
-                        <a:t>수 </a:t>
+                        <a:t> 수 </a:t>
                       </a:r>
                       <a:r>
                         <a:rPr lang="en-US" altLang="ko-KR" sz="1100" dirty="0" smtClean="0">
@@ -9980,11 +9676,6 @@
                         </a:rPr>
                         <a:t>INT</a:t>
                       </a:r>
-                      <a:endParaRPr lang="en-US" altLang="ko-KR" sz="1100" dirty="0" smtClean="0">
-                        <a:solidFill>
-                          <a:srgbClr val="FF0000"/>
-                        </a:solidFill>
-                      </a:endParaRPr>
                     </a:p>
                   </a:txBody>
                   <a:tcPr>
@@ -10054,14 +9745,14 @@
           <p:nvPr>
             <p:extLst>
               <p:ext uri="{D42A27DB-BD31-4B8C-83A1-F6EECF244321}">
-                <p14:modId xmlns:p14="http://schemas.microsoft.com/office/powerpoint/2010/main" val="2722483161"/>
+                <p14:modId xmlns:p14="http://schemas.microsoft.com/office/powerpoint/2010/main" val="2410518474"/>
               </p:ext>
             </p:extLst>
           </p:nvPr>
         </p:nvGraphicFramePr>
         <p:xfrm>
-          <a:off x="7255618" y="262827"/>
-          <a:ext cx="1350535" cy="1630680"/>
+          <a:off x="7741862" y="69152"/>
+          <a:ext cx="1583434" cy="1798320"/>
         </p:xfrm>
         <a:graphic>
           <a:graphicData uri="http://schemas.openxmlformats.org/drawingml/2006/table">
@@ -10070,7 +9761,7 @@
                 <a:tableStyleId>{7DF18680-E054-41AD-8BC1-D1AEF772440D}</a:tableStyleId>
               </a:tblPr>
               <a:tblGrid>
-                <a:gridCol w="1350535">
+                <a:gridCol w="1583434">
                   <a:extLst>
                     <a:ext uri="{9D8B030D-6E8A-4147-A177-3AD203B41FA5}">
                       <a16:colId xmlns:a16="http://schemas.microsoft.com/office/drawing/2014/main" val="1628425209"/>
@@ -10091,7 +9782,15 @@
                       </a:r>
                       <a:r>
                         <a:rPr lang="ko-KR" altLang="en-US" sz="1100" dirty="0" smtClean="0"/>
-                        <a:t> 게임 세부</a:t>
+                        <a:t> 게임 </a:t>
+                      </a:r>
+                      <a:r>
+                        <a:rPr lang="ko-KR" altLang="en-US" sz="1100" dirty="0" smtClean="0"/>
+                        <a:t>세부 </a:t>
+                      </a:r>
+                      <a:r>
+                        <a:rPr lang="en-US" altLang="ko-KR" sz="1100" dirty="0" err="1" smtClean="0"/>
+                        <a:t>twitch_game_detail</a:t>
                       </a:r>
                       <a:endParaRPr lang="ko-KR" altLang="en-US" sz="1100" dirty="0"/>
                     </a:p>
@@ -10131,11 +9830,6 @@
                         </a:rPr>
                         <a:t>INT</a:t>
                       </a:r>
-                      <a:endParaRPr lang="en-US" altLang="ko-KR" sz="1100" dirty="0" smtClean="0">
-                        <a:solidFill>
-                          <a:srgbClr val="FF0000"/>
-                        </a:solidFill>
-                      </a:endParaRPr>
                     </a:p>
                   </a:txBody>
                   <a:tcPr>
@@ -10285,14 +9979,14 @@
           <p:nvPr>
             <p:extLst>
               <p:ext uri="{D42A27DB-BD31-4B8C-83A1-F6EECF244321}">
-                <p14:modId xmlns:p14="http://schemas.microsoft.com/office/powerpoint/2010/main" val="1080011842"/>
+                <p14:modId xmlns:p14="http://schemas.microsoft.com/office/powerpoint/2010/main" val="2332372913"/>
               </p:ext>
             </p:extLst>
           </p:nvPr>
         </p:nvGraphicFramePr>
         <p:xfrm>
-          <a:off x="6177159" y="249021"/>
-          <a:ext cx="971092" cy="944880"/>
+          <a:off x="6396474" y="56951"/>
+          <a:ext cx="1222124" cy="1112520"/>
         </p:xfrm>
         <a:graphic>
           <a:graphicData uri="http://schemas.openxmlformats.org/drawingml/2006/table">
@@ -10301,7 +9995,7 @@
                 <a:tableStyleId>{7DF18680-E054-41AD-8BC1-D1AEF772440D}</a:tableStyleId>
               </a:tblPr>
               <a:tblGrid>
-                <a:gridCol w="971092">
+                <a:gridCol w="1222124">
                   <a:extLst>
                     <a:ext uri="{9D8B030D-6E8A-4147-A177-3AD203B41FA5}">
                       <a16:colId xmlns:a16="http://schemas.microsoft.com/office/drawing/2014/main" val="1628425209"/>
@@ -10322,7 +10016,15 @@
                       </a:r>
                       <a:r>
                         <a:rPr lang="ko-KR" altLang="en-US" sz="1100" dirty="0" smtClean="0"/>
-                        <a:t> 게임</a:t>
+                        <a:t> </a:t>
+                      </a:r>
+                      <a:r>
+                        <a:rPr lang="ko-KR" altLang="en-US" sz="1100" dirty="0" smtClean="0"/>
+                        <a:t>게임</a:t>
+                      </a:r>
+                      <a:r>
+                        <a:rPr lang="en-US" altLang="ko-KR" sz="1100" dirty="0" err="1" smtClean="0"/>
+                        <a:t>twitch_game</a:t>
                       </a:r>
                       <a:endParaRPr lang="ko-KR" altLang="en-US" sz="1100" dirty="0"/>
                     </a:p>
@@ -10362,11 +10064,6 @@
                         </a:rPr>
                         <a:t>INT</a:t>
                       </a:r>
-                      <a:endParaRPr lang="en-US" altLang="ko-KR" sz="1100" dirty="0" smtClean="0">
-                        <a:solidFill>
-                          <a:srgbClr val="FF0000"/>
-                        </a:solidFill>
-                      </a:endParaRPr>
                     </a:p>
                   </a:txBody>
                   <a:tcPr>
@@ -10400,11 +10097,6 @@
                         </a:rPr>
                         <a:t>VARCHAR</a:t>
                       </a:r>
-                      <a:endParaRPr lang="en-US" altLang="ko-KR" sz="1100" dirty="0" smtClean="0">
-                        <a:solidFill>
-                          <a:srgbClr val="FF0000"/>
-                        </a:solidFill>
-                      </a:endParaRPr>
                     </a:p>
                   </a:txBody>
                   <a:tcPr>
@@ -10432,14 +10124,14 @@
           <p:nvPr>
             <p:extLst>
               <p:ext uri="{D42A27DB-BD31-4B8C-83A1-F6EECF244321}">
-                <p14:modId xmlns:p14="http://schemas.microsoft.com/office/powerpoint/2010/main" val="43713949"/>
+                <p14:modId xmlns:p14="http://schemas.microsoft.com/office/powerpoint/2010/main" val="3267699763"/>
               </p:ext>
             </p:extLst>
           </p:nvPr>
         </p:nvGraphicFramePr>
         <p:xfrm>
-          <a:off x="168843" y="249021"/>
-          <a:ext cx="2003389" cy="2072640"/>
+          <a:off x="168843" y="49331"/>
+          <a:ext cx="2003389" cy="1722120"/>
         </p:xfrm>
         <a:graphic>
           <a:graphicData uri="http://schemas.openxmlformats.org/drawingml/2006/table">
@@ -10473,7 +10165,11 @@
                       </a:r>
                       <a:r>
                         <a:rPr lang="ko-KR" altLang="en-US" sz="1100" dirty="0" smtClean="0"/>
-                        <a:t>채팅</a:t>
+                        <a:t>채팅 </a:t>
+                      </a:r>
+                      <a:r>
+                        <a:rPr lang="en-US" altLang="ko-KR" sz="1100" dirty="0" err="1" smtClean="0"/>
+                        <a:t>twitch_chat</a:t>
                       </a:r>
                       <a:endParaRPr lang="ko-KR" altLang="en-US" sz="1100" dirty="0"/>
                     </a:p>
@@ -10530,11 +10226,7 @@
                       <a:pPr latinLnBrk="1"/>
                       <a:r>
                         <a:rPr lang="ko-KR" altLang="en-US" sz="1100" dirty="0" smtClean="0"/>
-                        <a:t>채팅 </a:t>
-                      </a:r>
-                      <a:r>
-                        <a:rPr lang="ko-KR" altLang="en-US" sz="1100" dirty="0" smtClean="0"/>
-                        <a:t>번호 </a:t>
+                        <a:t>채팅 번호 </a:t>
                       </a:r>
                       <a:r>
                         <a:rPr lang="en-US" altLang="ko-KR" sz="1100" dirty="0" smtClean="0">
@@ -10544,11 +10236,6 @@
                         </a:rPr>
                         <a:t>INT</a:t>
                       </a:r>
-                      <a:endParaRPr lang="en-US" altLang="ko-KR" sz="1100" dirty="0" smtClean="0">
-                        <a:solidFill>
-                          <a:srgbClr val="FF0000"/>
-                        </a:solidFill>
-                      </a:endParaRPr>
                     </a:p>
                   </a:txBody>
                   <a:tcPr>
@@ -10598,6 +10285,85 @@
                     <a:bodyPr/>
                     <a:lstStyle/>
                     <a:p>
+                      <a:pPr latinLnBrk="1"/>
+                      <a:r>
+                        <a:rPr lang="ko-KR" altLang="en-US" sz="1100" dirty="0" smtClean="0">
+                          <a:solidFill>
+                            <a:schemeClr val="tx1"/>
+                          </a:solidFill>
+                        </a:rPr>
+                        <a:t>스트리밍 </a:t>
+                      </a:r>
+                      <a:r>
+                        <a:rPr lang="en-US" altLang="ko-KR" sz="1100" dirty="0" smtClean="0">
+                          <a:solidFill>
+                            <a:schemeClr val="tx1"/>
+                          </a:solidFill>
+                        </a:rPr>
+                        <a:t>ID</a:t>
+                      </a:r>
+                      <a:r>
+                        <a:rPr lang="en-US" altLang="ko-KR" sz="1100" dirty="0" smtClean="0">
+                          <a:solidFill>
+                            <a:srgbClr val="FF0000"/>
+                          </a:solidFill>
+                        </a:rPr>
+                        <a:t> INT</a:t>
+                      </a:r>
+                      <a:endParaRPr lang="en-US" altLang="ko-KR" sz="1100" dirty="0" smtClean="0">
+                        <a:solidFill>
+                          <a:srgbClr val="FF0000"/>
+                        </a:solidFill>
+                      </a:endParaRPr>
+                    </a:p>
+                  </a:txBody>
+                  <a:tcPr>
+                    <a:lnL w="12700" cap="flat" cmpd="sng" algn="ctr">
+                      <a:noFill/>
+                      <a:prstDash val="solid"/>
+                      <a:round/>
+                      <a:headEnd type="none" w="med" len="med"/>
+                      <a:tailEnd type="none" w="med" len="med"/>
+                    </a:lnL>
+                    <a:lnR w="12700" cap="flat" cmpd="sng" algn="ctr">
+                      <a:noFill/>
+                      <a:prstDash val="solid"/>
+                      <a:round/>
+                      <a:headEnd type="none" w="med" len="med"/>
+                      <a:tailEnd type="none" w="med" len="med"/>
+                    </a:lnR>
+                    <a:lnT w="12700" cap="flat" cmpd="sng" algn="ctr">
+                      <a:noFill/>
+                      <a:prstDash val="solid"/>
+                      <a:miter lim="800000"/>
+                    </a:lnT>
+                    <a:lnB w="6350" cap="flat" cmpd="sng" algn="ctr">
+                      <a:noFill/>
+                      <a:prstDash val="solid"/>
+                      <a:miter lim="800000"/>
+                    </a:lnB>
+                    <a:lnTlToBr w="12700" cmpd="sng">
+                      <a:noFill/>
+                      <a:prstDash val="solid"/>
+                    </a:lnTlToBr>
+                    <a:lnBlToTr w="12700" cmpd="sng">
+                      <a:noFill/>
+                      <a:prstDash val="solid"/>
+                    </a:lnBlToTr>
+                  </a:tcPr>
+                </a:tc>
+                <a:extLst>
+                  <a:ext uri="{0D108BD9-81ED-4DB2-BD59-A6C34878D82A}">
+                    <a16:rowId xmlns:a16="http://schemas.microsoft.com/office/drawing/2014/main" val="1906121099"/>
+                  </a:ext>
+                </a:extLst>
+              </a:tr>
+              <a:tr h="248414">
+                <a:tc>
+                  <a:txBody>
+                    <a:bodyPr/>
+                    <a:lstStyle/>
+                    <a:p>
                       <a:pPr marL="0" marR="0" indent="0" algn="l" defTabSz="914400" rtl="0" eaLnBrk="1" fontAlgn="auto" latinLnBrk="1" hangingPunct="1">
                         <a:lnSpc>
                           <a:spcPct val="100000"/>
@@ -10833,6 +10599,178 @@
                 <a:extLst>
                   <a:ext uri="{0D108BD9-81ED-4DB2-BD59-A6C34878D82A}">
                     <a16:rowId xmlns:a16="http://schemas.microsoft.com/office/drawing/2014/main" val="2502794991"/>
+                  </a:ext>
+                </a:extLst>
+              </a:tr>
+            </a:tbl>
+          </a:graphicData>
+        </a:graphic>
+      </p:graphicFrame>
+      <p:graphicFrame>
+        <p:nvGraphicFramePr>
+          <p:cNvPr id="17" name="표 16"/>
+          <p:cNvGraphicFramePr>
+            <a:graphicFrameLocks noGrp="1"/>
+          </p:cNvGraphicFramePr>
+          <p:nvPr>
+            <p:extLst>
+              <p:ext uri="{D42A27DB-BD31-4B8C-83A1-F6EECF244321}">
+                <p14:modId xmlns:p14="http://schemas.microsoft.com/office/powerpoint/2010/main" val="504861375"/>
+              </p:ext>
+            </p:extLst>
+          </p:nvPr>
+        </p:nvGraphicFramePr>
+        <p:xfrm>
+          <a:off x="2307379" y="56664"/>
+          <a:ext cx="2003389" cy="1463040"/>
+        </p:xfrm>
+        <a:graphic>
+          <a:graphicData uri="http://schemas.openxmlformats.org/drawingml/2006/table">
+            <a:tbl>
+              <a:tblPr firstRow="1" bandRow="1">
+                <a:tableStyleId>{69C7853C-536D-4A76-A0AE-DD22124D55A5}</a:tableStyleId>
+              </a:tblPr>
+              <a:tblGrid>
+                <a:gridCol w="2003389">
+                  <a:extLst>
+                    <a:ext uri="{9D8B030D-6E8A-4147-A177-3AD203B41FA5}">
+                      <a16:colId xmlns:a16="http://schemas.microsoft.com/office/drawing/2014/main" val="1628425209"/>
+                    </a:ext>
+                  </a:extLst>
+                </a:gridCol>
+              </a:tblGrid>
+              <a:tr h="248414">
+                <a:tc>
+                  <a:txBody>
+                    <a:bodyPr/>
+                    <a:lstStyle/>
+                    <a:p>
+                      <a:pPr latinLnBrk="1"/>
+                      <a:r>
+                        <a:rPr lang="ko-KR" altLang="en-US" sz="1100" dirty="0" err="1" smtClean="0"/>
+                        <a:t>트위치</a:t>
+                      </a:r>
+                      <a:r>
+                        <a:rPr lang="ko-KR" altLang="en-US" sz="1100" dirty="0" smtClean="0"/>
+                        <a:t> </a:t>
+                      </a:r>
+                      <a:r>
+                        <a:rPr lang="ko-KR" altLang="en-US" sz="1100" dirty="0" smtClean="0"/>
+                        <a:t>스트리밍 </a:t>
+                      </a:r>
+                      <a:r>
+                        <a:rPr lang="en-US" altLang="ko-KR" sz="1100" dirty="0" err="1" smtClean="0"/>
+                        <a:t>twitch_stream</a:t>
+                      </a:r>
+                      <a:endParaRPr lang="ko-KR" altLang="en-US" sz="1100" dirty="0"/>
+                    </a:p>
+                  </a:txBody>
+                  <a:tcPr>
+                    <a:lnL w="12700" cap="flat" cmpd="sng" algn="ctr">
+                      <a:noFill/>
+                      <a:prstDash val="solid"/>
+                      <a:round/>
+                      <a:headEnd type="none" w="med" len="med"/>
+                      <a:tailEnd type="none" w="med" len="med"/>
+                    </a:lnL>
+                    <a:lnR w="12700" cap="flat" cmpd="sng" algn="ctr">
+                      <a:noFill/>
+                      <a:prstDash val="solid"/>
+                      <a:round/>
+                      <a:headEnd type="none" w="med" len="med"/>
+                      <a:tailEnd type="none" w="med" len="med"/>
+                    </a:lnR>
+                    <a:lnT w="12700" cap="flat" cmpd="sng" algn="ctr">
+                      <a:noFill/>
+                      <a:prstDash val="solid"/>
+                      <a:round/>
+                      <a:headEnd type="none" w="med" len="med"/>
+                      <a:tailEnd type="none" w="med" len="med"/>
+                    </a:lnT>
+                    <a:lnB w="12700" cap="flat" cmpd="sng" algn="ctr">
+                      <a:noFill/>
+                      <a:prstDash val="solid"/>
+                      <a:miter lim="800000"/>
+                    </a:lnB>
+                    <a:lnTlToBr w="12700" cmpd="sng">
+                      <a:noFill/>
+                      <a:prstDash val="solid"/>
+                    </a:lnTlToBr>
+                    <a:lnBlToTr w="12700" cmpd="sng">
+                      <a:noFill/>
+                      <a:prstDash val="solid"/>
+                    </a:lnBlToTr>
+                  </a:tcPr>
+                </a:tc>
+                <a:extLst>
+                  <a:ext uri="{0D108BD9-81ED-4DB2-BD59-A6C34878D82A}">
+                    <a16:rowId xmlns:a16="http://schemas.microsoft.com/office/drawing/2014/main" val="2441104982"/>
+                  </a:ext>
+                </a:extLst>
+              </a:tr>
+              <a:tr h="248414">
+                <a:tc>
+                  <a:txBody>
+                    <a:bodyPr/>
+                    <a:lstStyle/>
+                    <a:p>
+                      <a:pPr latinLnBrk="1"/>
+                      <a:r>
+                        <a:rPr lang="ko-KR" altLang="en-US" sz="1100" dirty="0" smtClean="0"/>
+                        <a:t>스트리밍 </a:t>
+                      </a:r>
+                      <a:r>
+                        <a:rPr lang="ko-KR" altLang="en-US" sz="1100" dirty="0" smtClean="0"/>
+                        <a:t>번호 </a:t>
+                      </a:r>
+                      <a:r>
+                        <a:rPr lang="en-US" altLang="ko-KR" sz="1100" dirty="0" smtClean="0">
+                          <a:solidFill>
+                            <a:srgbClr val="FF0000"/>
+                          </a:solidFill>
+                        </a:rPr>
+                        <a:t>INT</a:t>
+                      </a:r>
+                    </a:p>
+                  </a:txBody>
+                  <a:tcPr>
+                    <a:lnL w="12700" cap="flat" cmpd="sng" algn="ctr">
+                      <a:noFill/>
+                      <a:prstDash val="solid"/>
+                      <a:round/>
+                      <a:headEnd type="none" w="med" len="med"/>
+                      <a:tailEnd type="none" w="med" len="med"/>
+                    </a:lnL>
+                    <a:lnR w="12700" cap="flat" cmpd="sng" algn="ctr">
+                      <a:noFill/>
+                      <a:prstDash val="solid"/>
+                      <a:round/>
+                      <a:headEnd type="none" w="med" len="med"/>
+                      <a:tailEnd type="none" w="med" len="med"/>
+                    </a:lnR>
+                    <a:lnT w="12700" cap="flat" cmpd="sng" algn="ctr">
+                      <a:noFill/>
+                      <a:prstDash val="solid"/>
+                      <a:miter lim="800000"/>
+                    </a:lnT>
+                    <a:lnB w="6350" cap="flat" cmpd="sng" algn="ctr">
+                      <a:noFill/>
+                      <a:prstDash val="solid"/>
+                      <a:miter lim="800000"/>
+                    </a:lnB>
+                    <a:lnTlToBr w="12700" cmpd="sng">
+                      <a:noFill/>
+                      <a:prstDash val="solid"/>
+                    </a:lnTlToBr>
+                    <a:lnBlToTr w="12700" cmpd="sng">
+                      <a:noFill/>
+                      <a:prstDash val="solid"/>
+                    </a:lnBlToTr>
+                  </a:tcPr>
+                </a:tc>
+                <a:extLst>
+                  <a:ext uri="{0D108BD9-81ED-4DB2-BD59-A6C34878D82A}">
+                    <a16:rowId xmlns:a16="http://schemas.microsoft.com/office/drawing/2014/main" val="3832849648"/>
                   </a:ext>
                 </a:extLst>
               </a:tr>
@@ -11083,36 +11021,233 @@
           </a:graphicData>
         </a:graphic>
       </p:graphicFrame>
-      <p:cxnSp>
-        <p:nvCxnSpPr>
-          <p:cNvPr id="4" name="직선 연결선 3"/>
-          <p:cNvCxnSpPr/>
-          <p:nvPr/>
-        </p:nvCxnSpPr>
-        <p:spPr>
-          <a:xfrm flipV="1">
-            <a:off x="0" y="2422262"/>
-            <a:ext cx="12192000" cy="4807"/>
-          </a:xfrm>
-          <a:prstGeom prst="line">
-            <a:avLst/>
-          </a:prstGeom>
-        </p:spPr>
-        <p:style>
-          <a:lnRef idx="1">
-            <a:schemeClr val="accent1"/>
-          </a:lnRef>
-          <a:fillRef idx="0">
-            <a:schemeClr val="accent1"/>
-          </a:fillRef>
-          <a:effectRef idx="0">
-            <a:schemeClr val="accent1"/>
-          </a:effectRef>
-          <a:fontRef idx="minor">
-            <a:schemeClr val="tx1"/>
-          </a:fontRef>
-        </p:style>
-      </p:cxnSp>
+      <p:graphicFrame>
+        <p:nvGraphicFramePr>
+          <p:cNvPr id="18" name="표 17"/>
+          <p:cNvGraphicFramePr>
+            <a:graphicFrameLocks noGrp="1"/>
+          </p:cNvGraphicFramePr>
+          <p:nvPr>
+            <p:extLst>
+              <p:ext uri="{D42A27DB-BD31-4B8C-83A1-F6EECF244321}">
+                <p14:modId xmlns:p14="http://schemas.microsoft.com/office/powerpoint/2010/main" val="301688642"/>
+              </p:ext>
+            </p:extLst>
+          </p:nvPr>
+        </p:nvGraphicFramePr>
+        <p:xfrm>
+          <a:off x="4517596" y="69152"/>
+          <a:ext cx="1760536" cy="1463040"/>
+        </p:xfrm>
+        <a:graphic>
+          <a:graphicData uri="http://schemas.openxmlformats.org/drawingml/2006/table">
+            <a:tbl>
+              <a:tblPr firstRow="1" bandRow="1">
+                <a:tableStyleId>{7DF18680-E054-41AD-8BC1-D1AEF772440D}</a:tableStyleId>
+              </a:tblPr>
+              <a:tblGrid>
+                <a:gridCol w="1760536">
+                  <a:extLst>
+                    <a:ext uri="{9D8B030D-6E8A-4147-A177-3AD203B41FA5}">
+                      <a16:colId xmlns:a16="http://schemas.microsoft.com/office/drawing/2014/main" val="1628425209"/>
+                    </a:ext>
+                  </a:extLst>
+                </a:gridCol>
+              </a:tblGrid>
+              <a:tr h="254198">
+                <a:tc>
+                  <a:txBody>
+                    <a:bodyPr/>
+                    <a:lstStyle/>
+                    <a:p>
+                      <a:pPr latinLnBrk="1"/>
+                      <a:r>
+                        <a:rPr lang="ko-KR" altLang="en-US" sz="1100" dirty="0" err="1" smtClean="0"/>
+                        <a:t>트위치</a:t>
+                      </a:r>
+                      <a:r>
+                        <a:rPr lang="ko-KR" altLang="en-US" sz="1100" dirty="0" smtClean="0"/>
+                        <a:t> 채널 </a:t>
+                      </a:r>
+                      <a:r>
+                        <a:rPr lang="ko-KR" altLang="en-US" sz="1100" dirty="0" smtClean="0"/>
+                        <a:t>정보 </a:t>
+                      </a:r>
+                      <a:r>
+                        <a:rPr lang="en-US" altLang="ko-KR" sz="1100" dirty="0" err="1" smtClean="0"/>
+                        <a:t>twitch_channel</a:t>
+                      </a:r>
+                      <a:endParaRPr lang="ko-KR" altLang="en-US" sz="1100" dirty="0"/>
+                    </a:p>
+                  </a:txBody>
+                  <a:tcPr>
+                    <a:solidFill>
+                      <a:srgbClr val="9966FF"/>
+                    </a:solidFill>
+                  </a:tcPr>
+                </a:tc>
+                <a:extLst>
+                  <a:ext uri="{0D108BD9-81ED-4DB2-BD59-A6C34878D82A}">
+                    <a16:rowId xmlns:a16="http://schemas.microsoft.com/office/drawing/2014/main" val="2441104982"/>
+                  </a:ext>
+                </a:extLst>
+              </a:tr>
+              <a:tr h="248414">
+                <a:tc>
+                  <a:txBody>
+                    <a:bodyPr/>
+                    <a:lstStyle/>
+                    <a:p>
+                      <a:pPr latinLnBrk="1"/>
+                      <a:r>
+                        <a:rPr lang="ko-KR" altLang="en-US" sz="1100" dirty="0" err="1" smtClean="0"/>
+                        <a:t>스트리머</a:t>
+                      </a:r>
+                      <a:r>
+                        <a:rPr lang="ko-KR" altLang="en-US" sz="1100" dirty="0" smtClean="0"/>
+                        <a:t> </a:t>
+                      </a:r>
+                      <a:r>
+                        <a:rPr lang="en-US" altLang="ko-KR" sz="1100" dirty="0" smtClean="0"/>
+                        <a:t>ID</a:t>
+                      </a:r>
+                      <a:r>
+                        <a:rPr lang="en-US" altLang="ko-KR" sz="1100" baseline="0" dirty="0" smtClean="0"/>
+                        <a:t> </a:t>
+                      </a:r>
+                      <a:r>
+                        <a:rPr lang="en-US" altLang="ko-KR" sz="1100" baseline="0" dirty="0" smtClean="0">
+                          <a:solidFill>
+                            <a:srgbClr val="FF0000"/>
+                          </a:solidFill>
+                        </a:rPr>
+                        <a:t>INT</a:t>
+                      </a:r>
+                      <a:endParaRPr lang="en-US" altLang="ko-KR" sz="1100" dirty="0" smtClean="0"/>
+                    </a:p>
+                  </a:txBody>
+                  <a:tcPr>
+                    <a:solidFill>
+                      <a:srgbClr val="CCCCFF"/>
+                    </a:solidFill>
+                  </a:tcPr>
+                </a:tc>
+                <a:extLst>
+                  <a:ext uri="{0D108BD9-81ED-4DB2-BD59-A6C34878D82A}">
+                    <a16:rowId xmlns:a16="http://schemas.microsoft.com/office/drawing/2014/main" val="3832849648"/>
+                  </a:ext>
+                </a:extLst>
+              </a:tr>
+              <a:tr h="248414">
+                <a:tc>
+                  <a:txBody>
+                    <a:bodyPr/>
+                    <a:lstStyle/>
+                    <a:p>
+                      <a:pPr latinLnBrk="1"/>
+                      <a:r>
+                        <a:rPr lang="ko-KR" altLang="en-US" sz="1100" dirty="0" err="1" smtClean="0"/>
+                        <a:t>스트리머</a:t>
+                      </a:r>
+                      <a:r>
+                        <a:rPr lang="ko-KR" altLang="en-US" sz="1100" dirty="0" smtClean="0"/>
+                        <a:t> 이름 </a:t>
+                      </a:r>
+                      <a:r>
+                        <a:rPr lang="en-US" altLang="ko-KR" sz="1100" dirty="0" smtClean="0">
+                          <a:solidFill>
+                            <a:srgbClr val="FF0000"/>
+                          </a:solidFill>
+                        </a:rPr>
+                        <a:t>VARCHAR</a:t>
+                      </a:r>
+                      <a:endParaRPr lang="en-US" altLang="ko-KR" sz="1100" dirty="0" smtClean="0"/>
+                    </a:p>
+                  </a:txBody>
+                  <a:tcPr>
+                    <a:solidFill>
+                      <a:srgbClr val="9966FF"/>
+                    </a:solidFill>
+                  </a:tcPr>
+                </a:tc>
+                <a:extLst>
+                  <a:ext uri="{0D108BD9-81ED-4DB2-BD59-A6C34878D82A}">
+                    <a16:rowId xmlns:a16="http://schemas.microsoft.com/office/drawing/2014/main" val="669642124"/>
+                  </a:ext>
+                </a:extLst>
+              </a:tr>
+              <a:tr h="248414">
+                <a:tc>
+                  <a:txBody>
+                    <a:bodyPr/>
+                    <a:lstStyle/>
+                    <a:p>
+                      <a:pPr latinLnBrk="1"/>
+                      <a:r>
+                        <a:rPr lang="ko-KR" altLang="en-US" sz="1100" dirty="0" smtClean="0"/>
+                        <a:t>로고 </a:t>
+                      </a:r>
+                      <a:r>
+                        <a:rPr lang="en-US" altLang="ko-KR" sz="1100" dirty="0" smtClean="0">
+                          <a:solidFill>
+                            <a:srgbClr val="FF0000"/>
+                          </a:solidFill>
+                        </a:rPr>
+                        <a:t>VARCHAR</a:t>
+                      </a:r>
+                      <a:endParaRPr lang="en-US" altLang="ko-KR" sz="1100" dirty="0" smtClean="0"/>
+                    </a:p>
+                  </a:txBody>
+                  <a:tcPr>
+                    <a:solidFill>
+                      <a:srgbClr val="CCCCFF"/>
+                    </a:solidFill>
+                  </a:tcPr>
+                </a:tc>
+                <a:extLst>
+                  <a:ext uri="{0D108BD9-81ED-4DB2-BD59-A6C34878D82A}">
+                    <a16:rowId xmlns:a16="http://schemas.microsoft.com/office/drawing/2014/main" val="4176099474"/>
+                  </a:ext>
+                </a:extLst>
+              </a:tr>
+              <a:tr h="248414">
+                <a:tc>
+                  <a:txBody>
+                    <a:bodyPr/>
+                    <a:lstStyle/>
+                    <a:p>
+                      <a:pPr latinLnBrk="1"/>
+                      <a:r>
+                        <a:rPr lang="ko-KR" altLang="en-US" sz="1100" dirty="0" smtClean="0"/>
+                        <a:t>홈페이지 주소 </a:t>
+                      </a:r>
+                      <a:r>
+                        <a:rPr lang="en-US" altLang="ko-KR" sz="1100" dirty="0" smtClean="0">
+                          <a:solidFill>
+                            <a:srgbClr val="FF0000"/>
+                          </a:solidFill>
+                        </a:rPr>
+                        <a:t>VARCHAR</a:t>
+                      </a:r>
+                      <a:endParaRPr lang="ko-KR" altLang="en-US" sz="1100" dirty="0"/>
+                    </a:p>
+                  </a:txBody>
+                  <a:tcPr>
+                    <a:solidFill>
+                      <a:srgbClr val="9966FF"/>
+                    </a:solidFill>
+                  </a:tcPr>
+                </a:tc>
+                <a:extLst>
+                  <a:ext uri="{0D108BD9-81ED-4DB2-BD59-A6C34878D82A}">
+                    <a16:rowId xmlns:a16="http://schemas.microsoft.com/office/drawing/2014/main" val="2502794991"/>
+                  </a:ext>
+                </a:extLst>
+              </a:tr>
+            </a:tbl>
+          </a:graphicData>
+        </a:graphic>
+      </p:graphicFrame>
     </p:spTree>
     <p:extLst>
       <p:ext uri="{BB962C8B-B14F-4D97-AF65-F5344CB8AC3E}">

--- a/docs/6_데이터매핑정의서/DB설계도면_작업중.pptx
+++ b/docs/6_데이터매핑정의서/DB설계도면_작업중.pptx
@@ -6544,14 +6544,14 @@
           <p:nvPr>
             <p:extLst>
               <p:ext uri="{D42A27DB-BD31-4B8C-83A1-F6EECF244321}">
-                <p14:modId xmlns:p14="http://schemas.microsoft.com/office/powerpoint/2010/main" val="2535920204"/>
+                <p14:modId xmlns:p14="http://schemas.microsoft.com/office/powerpoint/2010/main" val="1539436837"/>
               </p:ext>
             </p:extLst>
           </p:nvPr>
         </p:nvGraphicFramePr>
         <p:xfrm>
-          <a:off x="6406009" y="2512040"/>
-          <a:ext cx="2036512" cy="3276600"/>
+          <a:off x="6406009" y="2186217"/>
+          <a:ext cx="2036512" cy="3535680"/>
         </p:xfrm>
         <a:graphic>
           <a:graphicData uri="http://schemas.openxmlformats.org/drawingml/2006/table">
@@ -6979,6 +6979,52 @@
                   </a:ext>
                 </a:extLst>
               </a:tr>
+              <a:tr h="126119">
+                <a:tc>
+                  <a:txBody>
+                    <a:bodyPr/>
+                    <a:lstStyle/>
+                    <a:p>
+                      <a:pPr latinLnBrk="1"/>
+                      <a:r>
+                        <a:rPr lang="ko-KR" altLang="en-US" sz="1100" smtClean="0">
+                          <a:solidFill>
+                            <a:schemeClr val="tx1"/>
+                          </a:solidFill>
+                        </a:rPr>
+                        <a:t>가입 날짜</a:t>
+                      </a:r>
+                      <a:r>
+                        <a:rPr lang="ko-KR" altLang="en-US" sz="1100" smtClean="0">
+                          <a:solidFill>
+                            <a:srgbClr val="FF0000"/>
+                          </a:solidFill>
+                        </a:rPr>
+                        <a:t> </a:t>
+                      </a:r>
+                      <a:r>
+                        <a:rPr lang="en-US" altLang="ko-KR" sz="1100" dirty="0" smtClean="0">
+                          <a:solidFill>
+                            <a:srgbClr val="FF0000"/>
+                          </a:solidFill>
+                        </a:rPr>
+                        <a:t>VARCHAR</a:t>
+                      </a:r>
+                      <a:endParaRPr lang="ko-KR" altLang="en-US" sz="1100" dirty="0">
+                        <a:solidFill>
+                          <a:srgbClr val="FF0000"/>
+                        </a:solidFill>
+                      </a:endParaRPr>
+                    </a:p>
+                  </a:txBody>
+                  <a:tcPr/>
+                </a:tc>
+                <a:extLst>
+                  <a:ext uri="{0D108BD9-81ED-4DB2-BD59-A6C34878D82A}">
+                    <a16:rowId xmlns:a16="http://schemas.microsoft.com/office/drawing/2014/main" val="821173381"/>
+                  </a:ext>
+                </a:extLst>
+              </a:tr>
             </a:tbl>
           </a:graphicData>
         </a:graphic>
@@ -6992,14 +7038,14 @@
           <p:nvPr>
             <p:extLst>
               <p:ext uri="{D42A27DB-BD31-4B8C-83A1-F6EECF244321}">
-                <p14:modId xmlns:p14="http://schemas.microsoft.com/office/powerpoint/2010/main" val="3622481564"/>
+                <p14:modId xmlns:p14="http://schemas.microsoft.com/office/powerpoint/2010/main" val="430398983"/>
               </p:ext>
             </p:extLst>
           </p:nvPr>
         </p:nvGraphicFramePr>
         <p:xfrm>
-          <a:off x="8521294" y="2497638"/>
-          <a:ext cx="1847107" cy="2499360"/>
+          <a:off x="8521294" y="2171815"/>
+          <a:ext cx="1847107" cy="2758440"/>
         </p:xfrm>
         <a:graphic>
           <a:graphicData uri="http://schemas.openxmlformats.org/drawingml/2006/table">
@@ -7087,6 +7133,52 @@
                     <a:p>
                       <a:pPr latinLnBrk="1"/>
                       <a:r>
+                        <a:rPr lang="ko-KR" altLang="en-US" sz="1100" dirty="0" smtClean="0">
+                          <a:solidFill>
+                            <a:schemeClr val="tx1"/>
+                          </a:solidFill>
+                        </a:rPr>
+                        <a:t>가입 날짜</a:t>
+                      </a:r>
+                      <a:r>
+                        <a:rPr lang="ko-KR" altLang="en-US" sz="1100" dirty="0" smtClean="0">
+                          <a:solidFill>
+                            <a:srgbClr val="FF0000"/>
+                          </a:solidFill>
+                        </a:rPr>
+                        <a:t> </a:t>
+                      </a:r>
+                      <a:r>
+                        <a:rPr lang="en-US" altLang="ko-KR" sz="1100" dirty="0" smtClean="0">
+                          <a:solidFill>
+                            <a:srgbClr val="FF0000"/>
+                          </a:solidFill>
+                        </a:rPr>
+                        <a:t>VARCHAR</a:t>
+                      </a:r>
+                      <a:endParaRPr lang="en-US" altLang="ko-KR" sz="1100" dirty="0" smtClean="0">
+                        <a:solidFill>
+                          <a:srgbClr val="FF0000"/>
+                        </a:solidFill>
+                      </a:endParaRPr>
+                    </a:p>
+                  </a:txBody>
+                  <a:tcPr/>
+                </a:tc>
+                <a:extLst>
+                  <a:ext uri="{0D108BD9-81ED-4DB2-BD59-A6C34878D82A}">
+                    <a16:rowId xmlns:a16="http://schemas.microsoft.com/office/drawing/2014/main" val="3814363440"/>
+                  </a:ext>
+                </a:extLst>
+              </a:tr>
+              <a:tr h="248414">
+                <a:tc>
+                  <a:txBody>
+                    <a:bodyPr/>
+                    <a:lstStyle/>
+                    <a:p>
+                      <a:pPr latinLnBrk="1"/>
+                      <a:r>
                         <a:rPr lang="ko-KR" altLang="en-US" sz="1100" dirty="0" smtClean="0"/>
                         <a:t>아이디 </a:t>
                       </a:r>
@@ -7342,13 +7434,13 @@
           <p:nvPr>
             <p:extLst>
               <p:ext uri="{D42A27DB-BD31-4B8C-83A1-F6EECF244321}">
-                <p14:modId xmlns:p14="http://schemas.microsoft.com/office/powerpoint/2010/main" val="3177894075"/>
+                <p14:modId xmlns:p14="http://schemas.microsoft.com/office/powerpoint/2010/main" val="3597701218"/>
               </p:ext>
             </p:extLst>
           </p:nvPr>
         </p:nvGraphicFramePr>
         <p:xfrm>
-          <a:off x="10447174" y="2527670"/>
+          <a:off x="10447174" y="2171815"/>
           <a:ext cx="1639723" cy="3720090"/>
         </p:xfrm>
         <a:graphic>
@@ -8349,14 +8441,14 @@
           <p:nvPr>
             <p:extLst>
               <p:ext uri="{D42A27DB-BD31-4B8C-83A1-F6EECF244321}">
-                <p14:modId xmlns:p14="http://schemas.microsoft.com/office/powerpoint/2010/main" val="2645802261"/>
+                <p14:modId xmlns:p14="http://schemas.microsoft.com/office/powerpoint/2010/main" val="1648219275"/>
               </p:ext>
             </p:extLst>
           </p:nvPr>
         </p:nvGraphicFramePr>
         <p:xfrm>
           <a:off x="4449534" y="2916568"/>
-          <a:ext cx="1877702" cy="2240280"/>
+          <a:ext cx="1877702" cy="1203960"/>
         </p:xfrm>
         <a:graphic>
           <a:graphicData uri="http://schemas.openxmlformats.org/drawingml/2006/table">
@@ -8481,8 +8573,20 @@
                     <a:p>
                       <a:pPr latinLnBrk="1"/>
                       <a:r>
-                        <a:rPr lang="ko-KR" altLang="en-US" sz="1100" dirty="0" smtClean="0"/>
-                        <a:t>채널 제목 </a:t>
+                        <a:rPr lang="ko-KR" altLang="en-US" sz="1100" dirty="0" smtClean="0">
+                          <a:solidFill>
+                            <a:schemeClr val="tx1"/>
+                          </a:solidFill>
+                        </a:rPr>
+                        <a:t>채널 키워드</a:t>
+                      </a:r>
+                      <a:r>
+                        <a:rPr lang="ko-KR" altLang="en-US" sz="1100" dirty="0" smtClean="0">
+                          <a:solidFill>
+                            <a:srgbClr val="FF0000"/>
+                          </a:solidFill>
+                        </a:rPr>
+                        <a:t> </a:t>
                       </a:r>
                       <a:r>
                         <a:rPr lang="en-US" altLang="ko-KR" sz="1100" dirty="0" smtClean="0">
@@ -8503,352 +8607,7 @@
                 </a:tc>
                 <a:extLst>
                   <a:ext uri="{0D108BD9-81ED-4DB2-BD59-A6C34878D82A}">
-                    <a16:rowId xmlns:a16="http://schemas.microsoft.com/office/drawing/2014/main" val="2502794991"/>
-                  </a:ext>
-                </a:extLst>
-              </a:tr>
-              <a:tr h="248414">
-                <a:tc>
-                  <a:txBody>
-                    <a:bodyPr/>
-                    <a:lstStyle/>
-                    <a:p>
-                      <a:pPr latinLnBrk="1"/>
-                      <a:r>
-                        <a:rPr lang="ko-KR" altLang="en-US" sz="1100" dirty="0" smtClean="0"/>
-                        <a:t>구독자 수 </a:t>
-                      </a:r>
-                      <a:r>
-                        <a:rPr lang="en-US" altLang="ko-KR" sz="1100" dirty="0" smtClean="0">
-                          <a:solidFill>
-                            <a:srgbClr val="FF0000"/>
-                          </a:solidFill>
-                        </a:rPr>
-                        <a:t>INT</a:t>
-                      </a:r>
-                      <a:endParaRPr lang="ko-KR" altLang="en-US" sz="1100" dirty="0">
-                        <a:solidFill>
-                          <a:srgbClr val="FF0000"/>
-                        </a:solidFill>
-                      </a:endParaRPr>
-                    </a:p>
-                  </a:txBody>
-                  <a:tcPr/>
-                </a:tc>
-                <a:extLst>
-                  <a:ext uri="{0D108BD9-81ED-4DB2-BD59-A6C34878D82A}">
-                    <a16:rowId xmlns:a16="http://schemas.microsoft.com/office/drawing/2014/main" val="3879632459"/>
-                  </a:ext>
-                </a:extLst>
-              </a:tr>
-              <a:tr h="248414">
-                <a:tc>
-                  <a:txBody>
-                    <a:bodyPr/>
-                    <a:lstStyle/>
-                    <a:p>
-                      <a:pPr latinLnBrk="1"/>
-                      <a:r>
-                        <a:rPr lang="ko-KR" altLang="en-US" sz="1100" dirty="0" smtClean="0"/>
-                        <a:t>채널 조회수 </a:t>
-                      </a:r>
-                      <a:r>
-                        <a:rPr lang="en-US" altLang="ko-KR" sz="1100" dirty="0" smtClean="0">
-                          <a:solidFill>
-                            <a:srgbClr val="FF0000"/>
-                          </a:solidFill>
-                        </a:rPr>
-                        <a:t>INT</a:t>
-                      </a:r>
-                      <a:endParaRPr lang="ko-KR" altLang="en-US" sz="1100" dirty="0">
-                        <a:solidFill>
-                          <a:srgbClr val="FF0000"/>
-                        </a:solidFill>
-                      </a:endParaRPr>
-                    </a:p>
-                  </a:txBody>
-                  <a:tcPr/>
-                </a:tc>
-                <a:extLst>
-                  <a:ext uri="{0D108BD9-81ED-4DB2-BD59-A6C34878D82A}">
-                    <a16:rowId xmlns:a16="http://schemas.microsoft.com/office/drawing/2014/main" val="2576890930"/>
-                  </a:ext>
-                </a:extLst>
-              </a:tr>
-              <a:tr h="248414">
-                <a:tc>
-                  <a:txBody>
-                    <a:bodyPr/>
-                    <a:lstStyle/>
-                    <a:p>
-                      <a:pPr latinLnBrk="1"/>
-                      <a:r>
-                        <a:rPr lang="ko-KR" altLang="en-US" sz="1100" dirty="0" smtClean="0"/>
-                        <a:t>채널 영상 수 </a:t>
-                      </a:r>
-                      <a:r>
-                        <a:rPr lang="en-US" altLang="ko-KR" sz="1100" dirty="0" smtClean="0">
-                          <a:solidFill>
-                            <a:srgbClr val="FF0000"/>
-                          </a:solidFill>
-                        </a:rPr>
-                        <a:t>INT</a:t>
-                      </a:r>
-                      <a:endParaRPr lang="ko-KR" altLang="en-US" sz="1100" dirty="0">
-                        <a:solidFill>
-                          <a:srgbClr val="FF0000"/>
-                        </a:solidFill>
-                      </a:endParaRPr>
-                    </a:p>
-                  </a:txBody>
-                  <a:tcPr/>
-                </a:tc>
-                <a:extLst>
-                  <a:ext uri="{0D108BD9-81ED-4DB2-BD59-A6C34878D82A}">
-                    <a16:rowId xmlns:a16="http://schemas.microsoft.com/office/drawing/2014/main" val="3835022090"/>
-                  </a:ext>
-                </a:extLst>
-              </a:tr>
-              <a:tr h="248414">
-                <a:tc>
-                  <a:txBody>
-                    <a:bodyPr/>
-                    <a:lstStyle/>
-                    <a:p>
-                      <a:pPr latinLnBrk="1"/>
-                      <a:r>
-                        <a:rPr lang="ko-KR" altLang="en-US" sz="1100" dirty="0" smtClean="0">
-                          <a:solidFill>
-                            <a:schemeClr val="tx1"/>
-                          </a:solidFill>
-                        </a:rPr>
-                        <a:t>채널 키워드</a:t>
-                      </a:r>
-                      <a:r>
-                        <a:rPr lang="ko-KR" altLang="en-US" sz="1100" dirty="0" smtClean="0">
-                          <a:solidFill>
-                            <a:srgbClr val="FF0000"/>
-                          </a:solidFill>
-                        </a:rPr>
-                        <a:t> </a:t>
-                      </a:r>
-                      <a:r>
-                        <a:rPr lang="en-US" altLang="ko-KR" sz="1100" dirty="0" smtClean="0">
-                          <a:solidFill>
-                            <a:srgbClr val="FF0000"/>
-                          </a:solidFill>
-                        </a:rPr>
-                        <a:t>VARCHAR</a:t>
-                      </a:r>
-                      <a:endParaRPr lang="ko-KR" altLang="en-US" sz="1100" dirty="0">
-                        <a:solidFill>
-                          <a:srgbClr val="FF0000"/>
-                        </a:solidFill>
-                      </a:endParaRPr>
-                    </a:p>
-                  </a:txBody>
-                  <a:tcPr/>
-                </a:tc>
-                <a:extLst>
-                  <a:ext uri="{0D108BD9-81ED-4DB2-BD59-A6C34878D82A}">
                     <a16:rowId xmlns:a16="http://schemas.microsoft.com/office/drawing/2014/main" val="1811437171"/>
-                  </a:ext>
-                </a:extLst>
-              </a:tr>
-            </a:tbl>
-          </a:graphicData>
-        </a:graphic>
-      </p:graphicFrame>
-      <p:graphicFrame>
-        <p:nvGraphicFramePr>
-          <p:cNvPr id="32" name="표 31"/>
-          <p:cNvGraphicFramePr>
-            <a:graphicFrameLocks noGrp="1"/>
-          </p:cNvGraphicFramePr>
-          <p:nvPr>
-            <p:extLst>
-              <p:ext uri="{D42A27DB-BD31-4B8C-83A1-F6EECF244321}">
-                <p14:modId xmlns:p14="http://schemas.microsoft.com/office/powerpoint/2010/main" val="3459107875"/>
-              </p:ext>
-            </p:extLst>
-          </p:nvPr>
-        </p:nvGraphicFramePr>
-        <p:xfrm>
-          <a:off x="4457874" y="5238999"/>
-          <a:ext cx="1869362" cy="1463040"/>
-        </p:xfrm>
-        <a:graphic>
-          <a:graphicData uri="http://schemas.openxmlformats.org/drawingml/2006/table">
-            <a:tbl>
-              <a:tblPr firstRow="1" bandRow="1">
-                <a:tableStyleId>{21E4AEA4-8DFA-4A89-87EB-49C32662AFE0}</a:tableStyleId>
-              </a:tblPr>
-              <a:tblGrid>
-                <a:gridCol w="1869362">
-                  <a:extLst>
-                    <a:ext uri="{9D8B030D-6E8A-4147-A177-3AD203B41FA5}">
-                      <a16:colId xmlns:a16="http://schemas.microsoft.com/office/drawing/2014/main" val="1628425209"/>
-                    </a:ext>
-                  </a:extLst>
-                </a:gridCol>
-              </a:tblGrid>
-              <a:tr h="248414">
-                <a:tc>
-                  <a:txBody>
-                    <a:bodyPr/>
-                    <a:lstStyle/>
-                    <a:p>
-                      <a:pPr latinLnBrk="1"/>
-                      <a:r>
-                        <a:rPr lang="ko-KR" altLang="en-US" sz="1100" dirty="0" smtClean="0"/>
-                        <a:t>재생목록 </a:t>
-                      </a:r>
-                      <a:r>
-                        <a:rPr lang="en-US" altLang="ko-KR" sz="1100" dirty="0" err="1" smtClean="0"/>
-                        <a:t>youtube_video_list</a:t>
-                      </a:r>
-                      <a:endParaRPr lang="ko-KR" altLang="en-US" sz="1100" dirty="0"/>
-                    </a:p>
-                  </a:txBody>
-                  <a:tcPr/>
-                </a:tc>
-                <a:extLst>
-                  <a:ext uri="{0D108BD9-81ED-4DB2-BD59-A6C34878D82A}">
-                    <a16:rowId xmlns:a16="http://schemas.microsoft.com/office/drawing/2014/main" val="2441104982"/>
-                  </a:ext>
-                </a:extLst>
-              </a:tr>
-              <a:tr h="248414">
-                <a:tc>
-                  <a:txBody>
-                    <a:bodyPr/>
-                    <a:lstStyle/>
-                    <a:p>
-                      <a:pPr latinLnBrk="1"/>
-                      <a:r>
-                        <a:rPr lang="ko-KR" altLang="en-US" sz="1100" dirty="0" smtClean="0"/>
-                        <a:t>소속 채널</a:t>
-                      </a:r>
-                      <a:r>
-                        <a:rPr lang="en-US" altLang="ko-KR" sz="1100" dirty="0" smtClean="0"/>
-                        <a:t>id </a:t>
-                      </a:r>
-                      <a:r>
-                        <a:rPr lang="en-US" altLang="ko-KR" sz="1100" dirty="0" smtClean="0">
-                          <a:solidFill>
-                            <a:srgbClr val="FF0000"/>
-                          </a:solidFill>
-                        </a:rPr>
-                        <a:t>VARCHAR</a:t>
-                      </a:r>
-                      <a:endParaRPr lang="ko-KR" altLang="en-US" sz="1100" dirty="0">
-                        <a:solidFill>
-                          <a:srgbClr val="FF0000"/>
-                        </a:solidFill>
-                      </a:endParaRPr>
-                    </a:p>
-                  </a:txBody>
-                  <a:tcPr/>
-                </a:tc>
-                <a:extLst>
-                  <a:ext uri="{0D108BD9-81ED-4DB2-BD59-A6C34878D82A}">
-                    <a16:rowId xmlns:a16="http://schemas.microsoft.com/office/drawing/2014/main" val="2250603943"/>
-                  </a:ext>
-                </a:extLst>
-              </a:tr>
-              <a:tr h="248414">
-                <a:tc>
-                  <a:txBody>
-                    <a:bodyPr/>
-                    <a:lstStyle/>
-                    <a:p>
-                      <a:pPr latinLnBrk="1"/>
-                      <a:r>
-                        <a:rPr lang="ko-KR" altLang="en-US" sz="1100" dirty="0" smtClean="0"/>
-                        <a:t>재생목록</a:t>
-                      </a:r>
-                      <a:r>
-                        <a:rPr lang="en-US" altLang="ko-KR" sz="1100" dirty="0" smtClean="0"/>
-                        <a:t>id </a:t>
-                      </a:r>
-                      <a:r>
-                        <a:rPr lang="en-US" altLang="ko-KR" sz="1100" dirty="0" smtClean="0">
-                          <a:solidFill>
-                            <a:srgbClr val="FF0000"/>
-                          </a:solidFill>
-                        </a:rPr>
-                        <a:t>VARCHAR</a:t>
-                      </a:r>
-                    </a:p>
-                  </a:txBody>
-                  <a:tcPr/>
-                </a:tc>
-                <a:extLst>
-                  <a:ext uri="{0D108BD9-81ED-4DB2-BD59-A6C34878D82A}">
-                    <a16:rowId xmlns:a16="http://schemas.microsoft.com/office/drawing/2014/main" val="3832849648"/>
-                  </a:ext>
-                </a:extLst>
-              </a:tr>
-              <a:tr h="248414">
-                <a:tc>
-                  <a:txBody>
-                    <a:bodyPr/>
-                    <a:lstStyle/>
-                    <a:p>
-                      <a:pPr latinLnBrk="1"/>
-                      <a:r>
-                        <a:rPr lang="ko-KR" altLang="en-US" sz="1100" dirty="0" smtClean="0"/>
-                        <a:t>재생목록이름 </a:t>
-                      </a:r>
-                      <a:r>
-                        <a:rPr lang="en-US" altLang="ko-KR" sz="1100" dirty="0" smtClean="0">
-                          <a:solidFill>
-                            <a:srgbClr val="FF0000"/>
-                          </a:solidFill>
-                        </a:rPr>
-                        <a:t>VARCHAR</a:t>
-                      </a:r>
-                    </a:p>
-                  </a:txBody>
-                  <a:tcPr/>
-                </a:tc>
-                <a:extLst>
-                  <a:ext uri="{0D108BD9-81ED-4DB2-BD59-A6C34878D82A}">
-                    <a16:rowId xmlns:a16="http://schemas.microsoft.com/office/drawing/2014/main" val="4176099474"/>
-                  </a:ext>
-                </a:extLst>
-              </a:tr>
-              <a:tr h="248414">
-                <a:tc>
-                  <a:txBody>
-                    <a:bodyPr/>
-                    <a:lstStyle/>
-                    <a:p>
-                      <a:pPr latinLnBrk="1"/>
-                      <a:r>
-                        <a:rPr lang="ko-KR" altLang="en-US" sz="1100" dirty="0" smtClean="0"/>
-                        <a:t>재생목록 내 동영상 수 </a:t>
-                      </a:r>
-                      <a:r>
-                        <a:rPr lang="en-US" altLang="ko-KR" sz="1100" dirty="0" smtClean="0">
-                          <a:solidFill>
-                            <a:srgbClr val="FF0000"/>
-                          </a:solidFill>
-                        </a:rPr>
-                        <a:t>INT</a:t>
-                      </a:r>
-                      <a:endParaRPr lang="ko-KR" altLang="en-US" sz="1100" dirty="0">
-                        <a:solidFill>
-                          <a:srgbClr val="FF0000"/>
-                        </a:solidFill>
-                      </a:endParaRPr>
-                    </a:p>
-                  </a:txBody>
-                  <a:tcPr/>
-                </a:tc>
-                <a:extLst>
-                  <a:ext uri="{0D108BD9-81ED-4DB2-BD59-A6C34878D82A}">
-                    <a16:rowId xmlns:a16="http://schemas.microsoft.com/office/drawing/2014/main" val="2502794991"/>
                   </a:ext>
                 </a:extLst>
               </a:tr>
@@ -8865,7 +8624,7 @@
           <p:nvPr>
             <p:extLst>
               <p:ext uri="{D42A27DB-BD31-4B8C-83A1-F6EECF244321}">
-                <p14:modId xmlns:p14="http://schemas.microsoft.com/office/powerpoint/2010/main" val="2068800587"/>
+                <p14:modId xmlns:p14="http://schemas.microsoft.com/office/powerpoint/2010/main" val="1287589721"/>
               </p:ext>
             </p:extLst>
           </p:nvPr>
@@ -8931,22 +8690,38 @@
                     <a:p>
                       <a:pPr latinLnBrk="1"/>
                       <a:r>
-                        <a:rPr lang="ko-KR" altLang="en-US" sz="1100" dirty="0" smtClean="0"/>
-                        <a:t>소속 재생목록</a:t>
-                      </a:r>
-                      <a:r>
-                        <a:rPr lang="en-US" altLang="ko-KR" sz="1100" dirty="0" smtClean="0"/>
-                        <a:t>id </a:t>
+                        <a:rPr lang="ko-KR" altLang="en-US" sz="1100" dirty="0" smtClean="0">
+                          <a:solidFill>
+                            <a:schemeClr val="tx1"/>
+                          </a:solidFill>
+                        </a:rPr>
+                        <a:t>채널</a:t>
                       </a:r>
                       <a:r>
                         <a:rPr lang="en-US" altLang="ko-KR" sz="1100" dirty="0" smtClean="0">
+                          <a:solidFill>
+                            <a:schemeClr val="tx1"/>
+                          </a:solidFill>
+                        </a:rPr>
+                        <a:t>id</a:t>
+                      </a:r>
+                      <a:r>
+                        <a:rPr lang="en-US" altLang="ko-KR" sz="1100" baseline="0" dirty="0" smtClean="0">
+                          <a:solidFill>
+                            <a:schemeClr val="tx1"/>
+                          </a:solidFill>
+                        </a:rPr>
+                        <a:t> </a:t>
+                      </a:r>
+                      <a:r>
+                        <a:rPr lang="en-US" altLang="ko-KR" sz="1100" baseline="0" dirty="0" smtClean="0">
                           <a:solidFill>
                             <a:srgbClr val="FF0000"/>
                           </a:solidFill>
                         </a:rPr>
                         <a:t>VARCHAR</a:t>
                       </a:r>
-                      <a:endParaRPr lang="ko-KR" altLang="en-US" sz="1100" dirty="0">
+                      <a:endParaRPr lang="en-US" altLang="ko-KR" sz="1100" dirty="0" smtClean="0">
                         <a:solidFill>
                           <a:srgbClr val="FF0000"/>
                         </a:solidFill>
@@ -8957,7 +8732,7 @@
                 </a:tc>
                 <a:extLst>
                   <a:ext uri="{0D108BD9-81ED-4DB2-BD59-A6C34878D82A}">
-                    <a16:rowId xmlns:a16="http://schemas.microsoft.com/office/drawing/2014/main" val="499507889"/>
+                    <a16:rowId xmlns:a16="http://schemas.microsoft.com/office/drawing/2014/main" val="3597636263"/>
                   </a:ext>
                 </a:extLst>
               </a:tr>
@@ -9307,14 +9082,14 @@
           <p:nvPr>
             <p:extLst>
               <p:ext uri="{D42A27DB-BD31-4B8C-83A1-F6EECF244321}">
-                <p14:modId xmlns:p14="http://schemas.microsoft.com/office/powerpoint/2010/main" val="2246613020"/>
+                <p14:modId xmlns:p14="http://schemas.microsoft.com/office/powerpoint/2010/main" val="2204214396"/>
               </p:ext>
             </p:extLst>
           </p:nvPr>
         </p:nvGraphicFramePr>
         <p:xfrm>
           <a:off x="168843" y="5109459"/>
-          <a:ext cx="1803984" cy="1722120"/>
+          <a:ext cx="1803984" cy="1295400"/>
         </p:xfrm>
         <a:graphic>
           <a:graphicData uri="http://schemas.openxmlformats.org/drawingml/2006/table">
@@ -9495,52 +9270,6 @@
                   </a:ext>
                 </a:extLst>
               </a:tr>
-              <a:tr h="248414">
-                <a:tc>
-                  <a:txBody>
-                    <a:bodyPr/>
-                    <a:lstStyle/>
-                    <a:p>
-                      <a:pPr latinLnBrk="1"/>
-                      <a:r>
-                        <a:rPr lang="ko-KR" altLang="en-US" sz="1100" dirty="0" err="1" smtClean="0"/>
-                        <a:t>크리에이터</a:t>
-                      </a:r>
-                      <a:r>
-                        <a:rPr lang="ko-KR" altLang="en-US" sz="1100" dirty="0" smtClean="0"/>
-                        <a:t> </a:t>
-                      </a:r>
-                      <a:r>
-                        <a:rPr lang="ko-KR" altLang="en-US" sz="1100" dirty="0" err="1" smtClean="0"/>
-                        <a:t>리액션</a:t>
-                      </a:r>
-                      <a:r>
-                        <a:rPr lang="ko-KR" altLang="en-US" sz="1100" dirty="0" smtClean="0"/>
-                        <a:t> </a:t>
-                      </a:r>
-                      <a:r>
-                        <a:rPr lang="en-US" altLang="ko-KR" sz="1100" dirty="0" smtClean="0">
-                          <a:solidFill>
-                            <a:srgbClr val="FF0000"/>
-                          </a:solidFill>
-                        </a:rPr>
-                        <a:t>VARCHAR</a:t>
-                      </a:r>
-                      <a:endParaRPr lang="ko-KR" altLang="en-US" sz="1100" dirty="0">
-                        <a:solidFill>
-                          <a:srgbClr val="FF0000"/>
-                        </a:solidFill>
-                      </a:endParaRPr>
-                    </a:p>
-                  </a:txBody>
-                  <a:tcPr/>
-                </a:tc>
-                <a:extLst>
-                  <a:ext uri="{0D108BD9-81ED-4DB2-BD59-A6C34878D82A}">
-                    <a16:rowId xmlns:a16="http://schemas.microsoft.com/office/drawing/2014/main" val="1513563630"/>
-                  </a:ext>
-                </a:extLst>
-              </a:tr>
             </a:tbl>
           </a:graphicData>
         </a:graphic>
@@ -9554,14 +9283,14 @@
           <p:nvPr>
             <p:extLst>
               <p:ext uri="{D42A27DB-BD31-4B8C-83A1-F6EECF244321}">
-                <p14:modId xmlns:p14="http://schemas.microsoft.com/office/powerpoint/2010/main" val="585693528"/>
+                <p14:modId xmlns:p14="http://schemas.microsoft.com/office/powerpoint/2010/main" val="2196483869"/>
               </p:ext>
             </p:extLst>
           </p:nvPr>
         </p:nvGraphicFramePr>
         <p:xfrm>
           <a:off x="4517596" y="1627236"/>
-          <a:ext cx="1741577" cy="1203960"/>
+          <a:ext cx="1760536" cy="1203960"/>
         </p:xfrm>
         <a:graphic>
           <a:graphicData uri="http://schemas.openxmlformats.org/drawingml/2006/table">
@@ -9570,7 +9299,7 @@
                 <a:tableStyleId>{7DF18680-E054-41AD-8BC1-D1AEF772440D}</a:tableStyleId>
               </a:tblPr>
               <a:tblGrid>
-                <a:gridCol w="1741577">
+                <a:gridCol w="1760536">
                   <a:extLst>
                     <a:ext uri="{9D8B030D-6E8A-4147-A177-3AD203B41FA5}">
                       <a16:colId xmlns:a16="http://schemas.microsoft.com/office/drawing/2014/main" val="1628425209"/>
@@ -10615,7 +10344,7 @@
           <p:nvPr>
             <p:extLst>
               <p:ext uri="{D42A27DB-BD31-4B8C-83A1-F6EECF244321}">
-                <p14:modId xmlns:p14="http://schemas.microsoft.com/office/powerpoint/2010/main" val="504861375"/>
+                <p14:modId xmlns:p14="http://schemas.microsoft.com/office/powerpoint/2010/main" val="1633761053"/>
               </p:ext>
             </p:extLst>
           </p:nvPr>
@@ -11241,6 +10970,579 @@
                 <a:extLst>
                   <a:ext uri="{0D108BD9-81ED-4DB2-BD59-A6C34878D82A}">
                     <a16:rowId xmlns:a16="http://schemas.microsoft.com/office/drawing/2014/main" val="2502794991"/>
+                  </a:ext>
+                </a:extLst>
+              </a:tr>
+            </a:tbl>
+          </a:graphicData>
+        </a:graphic>
+      </p:graphicFrame>
+      <p:graphicFrame>
+        <p:nvGraphicFramePr>
+          <p:cNvPr id="19" name="표 18"/>
+          <p:cNvGraphicFramePr>
+            <a:graphicFrameLocks noGrp="1"/>
+          </p:cNvGraphicFramePr>
+          <p:nvPr>
+            <p:extLst>
+              <p:ext uri="{D42A27DB-BD31-4B8C-83A1-F6EECF244321}">
+                <p14:modId xmlns:p14="http://schemas.microsoft.com/office/powerpoint/2010/main" val="611153805"/>
+              </p:ext>
+            </p:extLst>
+          </p:nvPr>
+        </p:nvGraphicFramePr>
+        <p:xfrm>
+          <a:off x="2307378" y="1627236"/>
+          <a:ext cx="2003389" cy="1203960"/>
+        </p:xfrm>
+        <a:graphic>
+          <a:graphicData uri="http://schemas.openxmlformats.org/drawingml/2006/table">
+            <a:tbl>
+              <a:tblPr firstRow="1" bandRow="1">
+                <a:tableStyleId>{69C7853C-536D-4A76-A0AE-DD22124D55A5}</a:tableStyleId>
+              </a:tblPr>
+              <a:tblGrid>
+                <a:gridCol w="2003389">
+                  <a:extLst>
+                    <a:ext uri="{9D8B030D-6E8A-4147-A177-3AD203B41FA5}">
+                      <a16:colId xmlns:a16="http://schemas.microsoft.com/office/drawing/2014/main" val="1628425209"/>
+                    </a:ext>
+                  </a:extLst>
+                </a:gridCol>
+              </a:tblGrid>
+              <a:tr h="248414">
+                <a:tc>
+                  <a:txBody>
+                    <a:bodyPr/>
+                    <a:lstStyle/>
+                    <a:p>
+                      <a:pPr latinLnBrk="1"/>
+                      <a:r>
+                        <a:rPr lang="ko-KR" altLang="en-US" sz="1100" dirty="0" err="1" smtClean="0"/>
+                        <a:t>트위치</a:t>
+                      </a:r>
+                      <a:r>
+                        <a:rPr lang="ko-KR" altLang="en-US" sz="1100" dirty="0" smtClean="0"/>
+                        <a:t> </a:t>
+                      </a:r>
+                      <a:r>
+                        <a:rPr lang="ko-KR" altLang="en-US" sz="1100" dirty="0" smtClean="0"/>
+                        <a:t>스트리밍 시청자 </a:t>
+                      </a:r>
+                      <a:r>
+                        <a:rPr lang="en-US" altLang="ko-KR" sz="1100" dirty="0" err="1" smtClean="0"/>
+                        <a:t>twitch_stream_viewer</a:t>
+                      </a:r>
+                      <a:endParaRPr lang="ko-KR" altLang="en-US" sz="1100" dirty="0"/>
+                    </a:p>
+                  </a:txBody>
+                  <a:tcPr>
+                    <a:lnL w="12700" cap="flat" cmpd="sng" algn="ctr">
+                      <a:noFill/>
+                      <a:prstDash val="solid"/>
+                      <a:round/>
+                      <a:headEnd type="none" w="med" len="med"/>
+                      <a:tailEnd type="none" w="med" len="med"/>
+                    </a:lnL>
+                    <a:lnR w="12700" cap="flat" cmpd="sng" algn="ctr">
+                      <a:noFill/>
+                      <a:prstDash val="solid"/>
+                      <a:round/>
+                      <a:headEnd type="none" w="med" len="med"/>
+                      <a:tailEnd type="none" w="med" len="med"/>
+                    </a:lnR>
+                    <a:lnT w="12700" cap="flat" cmpd="sng" algn="ctr">
+                      <a:noFill/>
+                      <a:prstDash val="solid"/>
+                      <a:round/>
+                      <a:headEnd type="none" w="med" len="med"/>
+                      <a:tailEnd type="none" w="med" len="med"/>
+                    </a:lnT>
+                    <a:lnB w="12700" cap="flat" cmpd="sng" algn="ctr">
+                      <a:noFill/>
+                      <a:prstDash val="solid"/>
+                      <a:miter lim="800000"/>
+                    </a:lnB>
+                    <a:lnTlToBr w="12700" cmpd="sng">
+                      <a:noFill/>
+                      <a:prstDash val="solid"/>
+                    </a:lnTlToBr>
+                    <a:lnBlToTr w="12700" cmpd="sng">
+                      <a:noFill/>
+                      <a:prstDash val="solid"/>
+                    </a:lnBlToTr>
+                  </a:tcPr>
+                </a:tc>
+                <a:extLst>
+                  <a:ext uri="{0D108BD9-81ED-4DB2-BD59-A6C34878D82A}">
+                    <a16:rowId xmlns:a16="http://schemas.microsoft.com/office/drawing/2014/main" val="2441104982"/>
+                  </a:ext>
+                </a:extLst>
+              </a:tr>
+              <a:tr h="248414">
+                <a:tc>
+                  <a:txBody>
+                    <a:bodyPr/>
+                    <a:lstStyle/>
+                    <a:p>
+                      <a:pPr latinLnBrk="1"/>
+                      <a:r>
+                        <a:rPr lang="ko-KR" altLang="en-US" sz="1100" dirty="0" smtClean="0"/>
+                        <a:t>스트리밍</a:t>
+                      </a:r>
+                      <a:r>
+                        <a:rPr lang="en-US" altLang="ko-KR" sz="1100" dirty="0" smtClean="0"/>
+                        <a:t>ID </a:t>
+                      </a:r>
+                      <a:r>
+                        <a:rPr lang="en-US" altLang="ko-KR" sz="1100" dirty="0" smtClean="0">
+                          <a:solidFill>
+                            <a:srgbClr val="FF0000"/>
+                          </a:solidFill>
+                        </a:rPr>
+                        <a:t>INT</a:t>
+                      </a:r>
+                      <a:endParaRPr lang="ko-KR" altLang="en-US" sz="1100" dirty="0">
+                        <a:solidFill>
+                          <a:srgbClr val="FF0000"/>
+                        </a:solidFill>
+                      </a:endParaRPr>
+                    </a:p>
+                  </a:txBody>
+                  <a:tcPr>
+                    <a:lnL w="12700" cap="flat" cmpd="sng" algn="ctr">
+                      <a:noFill/>
+                      <a:prstDash val="solid"/>
+                      <a:round/>
+                      <a:headEnd type="none" w="med" len="med"/>
+                      <a:tailEnd type="none" w="med" len="med"/>
+                    </a:lnL>
+                    <a:lnR w="12700" cap="flat" cmpd="sng" algn="ctr">
+                      <a:noFill/>
+                      <a:prstDash val="solid"/>
+                      <a:round/>
+                      <a:headEnd type="none" w="med" len="med"/>
+                      <a:tailEnd type="none" w="med" len="med"/>
+                    </a:lnR>
+                    <a:lnT w="6350" cap="flat" cmpd="sng" algn="ctr">
+                      <a:noFill/>
+                      <a:prstDash val="solid"/>
+                      <a:miter lim="800000"/>
+                    </a:lnT>
+                    <a:lnB w="6350" cap="flat" cmpd="sng" algn="ctr">
+                      <a:noFill/>
+                      <a:prstDash val="solid"/>
+                      <a:miter lim="800000"/>
+                    </a:lnB>
+                    <a:lnTlToBr w="12700" cmpd="sng">
+                      <a:noFill/>
+                      <a:prstDash val="solid"/>
+                    </a:lnTlToBr>
+                    <a:lnBlToTr w="12700" cmpd="sng">
+                      <a:noFill/>
+                      <a:prstDash val="solid"/>
+                    </a:lnBlToTr>
+                  </a:tcPr>
+                </a:tc>
+                <a:extLst>
+                  <a:ext uri="{0D108BD9-81ED-4DB2-BD59-A6C34878D82A}">
+                    <a16:rowId xmlns:a16="http://schemas.microsoft.com/office/drawing/2014/main" val="3879632459"/>
+                  </a:ext>
+                </a:extLst>
+              </a:tr>
+              <a:tr h="248414">
+                <a:tc>
+                  <a:txBody>
+                    <a:bodyPr/>
+                    <a:lstStyle/>
+                    <a:p>
+                      <a:pPr marL="0" marR="0" indent="0" algn="l" defTabSz="914400" rtl="0" eaLnBrk="1" fontAlgn="auto" latinLnBrk="1" hangingPunct="1">
+                        <a:lnSpc>
+                          <a:spcPct val="100000"/>
+                        </a:lnSpc>
+                        <a:spcBef>
+                          <a:spcPts val="0"/>
+                        </a:spcBef>
+                        <a:spcAft>
+                          <a:spcPts val="0"/>
+                        </a:spcAft>
+                        <a:buClrTx/>
+                        <a:buSzTx/>
+                        <a:buFontTx/>
+                        <a:buNone/>
+                        <a:tabLst/>
+                        <a:defRPr/>
+                      </a:pPr>
+                      <a:r>
+                        <a:rPr lang="ko-KR" altLang="en-US" sz="1100" dirty="0" smtClean="0">
+                          <a:solidFill>
+                            <a:schemeClr val="tx1"/>
+                          </a:solidFill>
+                        </a:rPr>
+                        <a:t>시청자 수</a:t>
+                      </a:r>
+                      <a:r>
+                        <a:rPr lang="ko-KR" altLang="en-US" sz="1100" dirty="0" smtClean="0">
+                          <a:solidFill>
+                            <a:srgbClr val="FF0000"/>
+                          </a:solidFill>
+                        </a:rPr>
+                        <a:t> </a:t>
+                      </a:r>
+                      <a:r>
+                        <a:rPr lang="en-US" altLang="ko-KR" sz="1100" dirty="0" smtClean="0">
+                          <a:solidFill>
+                            <a:srgbClr val="FF0000"/>
+                          </a:solidFill>
+                        </a:rPr>
+                        <a:t>INT</a:t>
+                      </a:r>
+                      <a:endParaRPr lang="ko-KR" altLang="en-US" sz="1100" dirty="0" smtClean="0">
+                        <a:solidFill>
+                          <a:srgbClr val="FF0000"/>
+                        </a:solidFill>
+                      </a:endParaRPr>
+                    </a:p>
+                  </a:txBody>
+                  <a:tcPr>
+                    <a:lnL w="12700" cap="flat" cmpd="sng" algn="ctr">
+                      <a:noFill/>
+                      <a:prstDash val="solid"/>
+                      <a:round/>
+                      <a:headEnd type="none" w="med" len="med"/>
+                      <a:tailEnd type="none" w="med" len="med"/>
+                    </a:lnL>
+                    <a:lnR w="12700" cap="flat" cmpd="sng" algn="ctr">
+                      <a:noFill/>
+                      <a:prstDash val="solid"/>
+                      <a:round/>
+                      <a:headEnd type="none" w="med" len="med"/>
+                      <a:tailEnd type="none" w="med" len="med"/>
+                    </a:lnR>
+                    <a:lnT w="6350" cap="flat" cmpd="sng" algn="ctr">
+                      <a:noFill/>
+                      <a:prstDash val="solid"/>
+                      <a:miter lim="800000"/>
+                    </a:lnT>
+                    <a:lnB w="12700" cap="flat" cmpd="sng" algn="ctr">
+                      <a:noFill/>
+                      <a:prstDash val="solid"/>
+                      <a:round/>
+                      <a:headEnd type="none" w="med" len="med"/>
+                      <a:tailEnd type="none" w="med" len="med"/>
+                    </a:lnB>
+                    <a:lnTlToBr w="12700" cmpd="sng">
+                      <a:noFill/>
+                      <a:prstDash val="solid"/>
+                    </a:lnTlToBr>
+                    <a:lnBlToTr w="12700" cmpd="sng">
+                      <a:noFill/>
+                      <a:prstDash val="solid"/>
+                    </a:lnBlToTr>
+                  </a:tcPr>
+                </a:tc>
+                <a:extLst>
+                  <a:ext uri="{0D108BD9-81ED-4DB2-BD59-A6C34878D82A}">
+                    <a16:rowId xmlns:a16="http://schemas.microsoft.com/office/drawing/2014/main" val="1332438112"/>
+                  </a:ext>
+                </a:extLst>
+              </a:tr>
+              <a:tr h="248414">
+                <a:tc>
+                  <a:txBody>
+                    <a:bodyPr/>
+                    <a:lstStyle/>
+                    <a:p>
+                      <a:pPr marL="0" marR="0" indent="0" algn="l" defTabSz="914400" rtl="0" eaLnBrk="1" fontAlgn="auto" latinLnBrk="1" hangingPunct="1">
+                        <a:lnSpc>
+                          <a:spcPct val="100000"/>
+                        </a:lnSpc>
+                        <a:spcBef>
+                          <a:spcPts val="0"/>
+                        </a:spcBef>
+                        <a:spcAft>
+                          <a:spcPts val="0"/>
+                        </a:spcAft>
+                        <a:buClrTx/>
+                        <a:buSzTx/>
+                        <a:buFontTx/>
+                        <a:buNone/>
+                        <a:tabLst/>
+                        <a:defRPr/>
+                      </a:pPr>
+                      <a:r>
+                        <a:rPr lang="ko-KR" altLang="en-US" sz="1100" dirty="0" smtClean="0">
+                          <a:solidFill>
+                            <a:schemeClr val="tx1"/>
+                          </a:solidFill>
+                        </a:rPr>
+                        <a:t>시간 정보 </a:t>
+                      </a:r>
+                      <a:r>
+                        <a:rPr lang="en-US" altLang="ko-KR" sz="1100" dirty="0" smtClean="0">
+                          <a:solidFill>
+                            <a:srgbClr val="FF0000"/>
+                          </a:solidFill>
+                        </a:rPr>
+                        <a:t>VARCHAR</a:t>
+                      </a:r>
+                      <a:endParaRPr lang="ko-KR" altLang="en-US" sz="1100" dirty="0" smtClean="0">
+                        <a:solidFill>
+                          <a:srgbClr val="FF0000"/>
+                        </a:solidFill>
+                      </a:endParaRPr>
+                    </a:p>
+                  </a:txBody>
+                  <a:tcPr>
+                    <a:lnL w="12700" cap="flat" cmpd="sng" algn="ctr">
+                      <a:noFill/>
+                      <a:prstDash val="solid"/>
+                      <a:round/>
+                      <a:headEnd type="none" w="med" len="med"/>
+                      <a:tailEnd type="none" w="med" len="med"/>
+                    </a:lnL>
+                    <a:lnR w="12700" cap="flat" cmpd="sng" algn="ctr">
+                      <a:noFill/>
+                      <a:prstDash val="solid"/>
+                      <a:round/>
+                      <a:headEnd type="none" w="med" len="med"/>
+                      <a:tailEnd type="none" w="med" len="med"/>
+                    </a:lnR>
+                    <a:lnT w="6350" cap="flat" cmpd="sng" algn="ctr">
+                      <a:noFill/>
+                      <a:prstDash val="solid"/>
+                      <a:miter lim="800000"/>
+                    </a:lnT>
+                    <a:lnB w="12700" cap="flat" cmpd="sng" algn="ctr">
+                      <a:noFill/>
+                      <a:prstDash val="solid"/>
+                      <a:round/>
+                      <a:headEnd type="none" w="med" len="med"/>
+                      <a:tailEnd type="none" w="med" len="med"/>
+                    </a:lnB>
+                    <a:lnTlToBr w="12700" cmpd="sng">
+                      <a:noFill/>
+                      <a:prstDash val="solid"/>
+                    </a:lnTlToBr>
+                    <a:lnBlToTr w="12700" cmpd="sng">
+                      <a:noFill/>
+                      <a:prstDash val="solid"/>
+                    </a:lnBlToTr>
+                  </a:tcPr>
+                </a:tc>
+                <a:extLst>
+                  <a:ext uri="{0D108BD9-81ED-4DB2-BD59-A6C34878D82A}">
+                    <a16:rowId xmlns:a16="http://schemas.microsoft.com/office/drawing/2014/main" val="1089086724"/>
+                  </a:ext>
+                </a:extLst>
+              </a:tr>
+            </a:tbl>
+          </a:graphicData>
+        </a:graphic>
+      </p:graphicFrame>
+      <p:graphicFrame>
+        <p:nvGraphicFramePr>
+          <p:cNvPr id="20" name="표 19"/>
+          <p:cNvGraphicFramePr>
+            <a:graphicFrameLocks noGrp="1"/>
+          </p:cNvGraphicFramePr>
+          <p:nvPr>
+            <p:extLst>
+              <p:ext uri="{D42A27DB-BD31-4B8C-83A1-F6EECF244321}">
+                <p14:modId xmlns:p14="http://schemas.microsoft.com/office/powerpoint/2010/main" val="592481377"/>
+              </p:ext>
+            </p:extLst>
+          </p:nvPr>
+        </p:nvGraphicFramePr>
+        <p:xfrm>
+          <a:off x="4464832" y="4158655"/>
+          <a:ext cx="1877702" cy="1463040"/>
+        </p:xfrm>
+        <a:graphic>
+          <a:graphicData uri="http://schemas.openxmlformats.org/drawingml/2006/table">
+            <a:tbl>
+              <a:tblPr firstRow="1" bandRow="1">
+                <a:tableStyleId>{21E4AEA4-8DFA-4A89-87EB-49C32662AFE0}</a:tableStyleId>
+              </a:tblPr>
+              <a:tblGrid>
+                <a:gridCol w="1877702">
+                  <a:extLst>
+                    <a:ext uri="{9D8B030D-6E8A-4147-A177-3AD203B41FA5}">
+                      <a16:colId xmlns:a16="http://schemas.microsoft.com/office/drawing/2014/main" val="1628425209"/>
+                    </a:ext>
+                  </a:extLst>
+                </a:gridCol>
+              </a:tblGrid>
+              <a:tr h="374116">
+                <a:tc>
+                  <a:txBody>
+                    <a:bodyPr/>
+                    <a:lstStyle/>
+                    <a:p>
+                      <a:pPr latinLnBrk="1"/>
+                      <a:r>
+                        <a:rPr lang="en-US" altLang="ko-KR" sz="1100" dirty="0" err="1" smtClean="0"/>
+                        <a:t>Youtube</a:t>
+                      </a:r>
+                      <a:r>
+                        <a:rPr lang="en-US" altLang="ko-KR" sz="1100" dirty="0" smtClean="0"/>
+                        <a:t> </a:t>
+                      </a:r>
+                      <a:r>
+                        <a:rPr lang="ko-KR" altLang="en-US" sz="1100" dirty="0" err="1" smtClean="0"/>
+                        <a:t>채널정보</a:t>
+                      </a:r>
+                      <a:r>
+                        <a:rPr lang="ko-KR" altLang="en-US" sz="1100" dirty="0" smtClean="0"/>
+                        <a:t> 세부</a:t>
+                      </a:r>
+                      <a:r>
+                        <a:rPr lang="en-US" altLang="ko-KR" sz="1100" dirty="0" err="1" smtClean="0"/>
+                        <a:t>youtube_channel_detail</a:t>
+                      </a:r>
+                      <a:endParaRPr lang="ko-KR" altLang="en-US" sz="1100" dirty="0"/>
+                    </a:p>
+                  </a:txBody>
+                  <a:tcPr/>
+                </a:tc>
+                <a:extLst>
+                  <a:ext uri="{0D108BD9-81ED-4DB2-BD59-A6C34878D82A}">
+                    <a16:rowId xmlns:a16="http://schemas.microsoft.com/office/drawing/2014/main" val="2441104982"/>
+                  </a:ext>
+                </a:extLst>
+              </a:tr>
+              <a:tr h="248414">
+                <a:tc>
+                  <a:txBody>
+                    <a:bodyPr/>
+                    <a:lstStyle/>
+                    <a:p>
+                      <a:pPr latinLnBrk="1"/>
+                      <a:r>
+                        <a:rPr lang="ko-KR" altLang="en-US" sz="1100" dirty="0" smtClean="0"/>
+                        <a:t>채널</a:t>
+                      </a:r>
+                      <a:r>
+                        <a:rPr lang="en-US" altLang="ko-KR" sz="1100" dirty="0" smtClean="0"/>
+                        <a:t>id </a:t>
+                      </a:r>
+                      <a:r>
+                        <a:rPr lang="en-US" altLang="ko-KR" sz="1100" dirty="0" smtClean="0">
+                          <a:solidFill>
+                            <a:srgbClr val="FF0000"/>
+                          </a:solidFill>
+                        </a:rPr>
+                        <a:t>VARCHAR</a:t>
+                      </a:r>
+                    </a:p>
+                  </a:txBody>
+                  <a:tcPr/>
+                </a:tc>
+                <a:extLst>
+                  <a:ext uri="{0D108BD9-81ED-4DB2-BD59-A6C34878D82A}">
+                    <a16:rowId xmlns:a16="http://schemas.microsoft.com/office/drawing/2014/main" val="3832849648"/>
+                  </a:ext>
+                </a:extLst>
+              </a:tr>
+              <a:tr h="248414">
+                <a:tc>
+                  <a:txBody>
+                    <a:bodyPr/>
+                    <a:lstStyle/>
+                    <a:p>
+                      <a:pPr latinLnBrk="1"/>
+                      <a:r>
+                        <a:rPr lang="ko-KR" altLang="en-US" sz="1100" dirty="0" smtClean="0"/>
+                        <a:t>구독자 수 </a:t>
+                      </a:r>
+                      <a:r>
+                        <a:rPr lang="en-US" altLang="ko-KR" sz="1100" dirty="0" smtClean="0">
+                          <a:solidFill>
+                            <a:srgbClr val="FF0000"/>
+                          </a:solidFill>
+                        </a:rPr>
+                        <a:t>INT</a:t>
+                      </a:r>
+                      <a:endParaRPr lang="ko-KR" altLang="en-US" sz="1100" dirty="0">
+                        <a:solidFill>
+                          <a:srgbClr val="FF0000"/>
+                        </a:solidFill>
+                      </a:endParaRPr>
+                    </a:p>
+                  </a:txBody>
+                  <a:tcPr/>
+                </a:tc>
+                <a:extLst>
+                  <a:ext uri="{0D108BD9-81ED-4DB2-BD59-A6C34878D82A}">
+                    <a16:rowId xmlns:a16="http://schemas.microsoft.com/office/drawing/2014/main" val="3879632459"/>
+                  </a:ext>
+                </a:extLst>
+              </a:tr>
+              <a:tr h="248414">
+                <a:tc>
+                  <a:txBody>
+                    <a:bodyPr/>
+                    <a:lstStyle/>
+                    <a:p>
+                      <a:pPr latinLnBrk="1"/>
+                      <a:r>
+                        <a:rPr lang="ko-KR" altLang="en-US" sz="1100" dirty="0" smtClean="0"/>
+                        <a:t>채널 조회수 </a:t>
+                      </a:r>
+                      <a:r>
+                        <a:rPr lang="en-US" altLang="ko-KR" sz="1100" dirty="0" smtClean="0">
+                          <a:solidFill>
+                            <a:srgbClr val="FF0000"/>
+                          </a:solidFill>
+                        </a:rPr>
+                        <a:t>INT</a:t>
+                      </a:r>
+                      <a:endParaRPr lang="ko-KR" altLang="en-US" sz="1100" dirty="0">
+                        <a:solidFill>
+                          <a:srgbClr val="FF0000"/>
+                        </a:solidFill>
+                      </a:endParaRPr>
+                    </a:p>
+                  </a:txBody>
+                  <a:tcPr/>
+                </a:tc>
+                <a:extLst>
+                  <a:ext uri="{0D108BD9-81ED-4DB2-BD59-A6C34878D82A}">
+                    <a16:rowId xmlns:a16="http://schemas.microsoft.com/office/drawing/2014/main" val="2576890930"/>
+                  </a:ext>
+                </a:extLst>
+              </a:tr>
+              <a:tr h="248414">
+                <a:tc>
+                  <a:txBody>
+                    <a:bodyPr/>
+                    <a:lstStyle/>
+                    <a:p>
+                      <a:pPr latinLnBrk="1"/>
+                      <a:r>
+                        <a:rPr lang="ko-KR" altLang="en-US" sz="1100" dirty="0" smtClean="0"/>
+                        <a:t>채널 영상 수 </a:t>
+                      </a:r>
+                      <a:r>
+                        <a:rPr lang="en-US" altLang="ko-KR" sz="1100" dirty="0" smtClean="0">
+                          <a:solidFill>
+                            <a:srgbClr val="FF0000"/>
+                          </a:solidFill>
+                        </a:rPr>
+                        <a:t>INT</a:t>
+                      </a:r>
+                      <a:endParaRPr lang="ko-KR" altLang="en-US" sz="1100" dirty="0">
+                        <a:solidFill>
+                          <a:srgbClr val="FF0000"/>
+                        </a:solidFill>
+                      </a:endParaRPr>
+                    </a:p>
+                  </a:txBody>
+                  <a:tcPr/>
+                </a:tc>
+                <a:extLst>
+                  <a:ext uri="{0D108BD9-81ED-4DB2-BD59-A6C34878D82A}">
+                    <a16:rowId xmlns:a16="http://schemas.microsoft.com/office/drawing/2014/main" val="3835022090"/>
                   </a:ext>
                 </a:extLst>
               </a:tr>
